--- a/changgyu_참고자료/자료.pptx
+++ b/changgyu_참고자료/자료.pptx
@@ -8,6 +8,7 @@
     <p:sldId id="256" r:id="rId2"/>
     <p:sldId id="258" r:id="rId3"/>
     <p:sldId id="257" r:id="rId4"/>
+    <p:sldId id="260" r:id="rId5"/>
   </p:sldIdLst>
   <p:sldSz cx="12192000" cy="6858000"/>
   <p:notesSz cx="6858000" cy="9144000"/>
@@ -6723,6 +6724,132 @@
 </p:sld>
 </file>
 
+<file path=ppt/slides/slide4.xml><?xml version="1.0" encoding="utf-8"?>
+<p:sld xmlns:a="http://schemas.openxmlformats.org/drawingml/2006/main" xmlns:r="http://schemas.openxmlformats.org/officeDocument/2006/relationships" xmlns:p="http://schemas.openxmlformats.org/presentationml/2006/main">
+  <p:cSld>
+    <p:spTree>
+      <p:nvGrpSpPr>
+        <p:cNvPr id="1" name=""/>
+        <p:cNvGrpSpPr/>
+        <p:nvPr/>
+      </p:nvGrpSpPr>
+      <p:grpSpPr>
+        <a:xfrm>
+          <a:off x="0" y="0"/>
+          <a:ext cx="0" cy="0"/>
+          <a:chOff x="0" y="0"/>
+          <a:chExt cx="0" cy="0"/>
+        </a:xfrm>
+      </p:grpSpPr>
+      <p:pic>
+        <p:nvPicPr>
+          <p:cNvPr id="4" name="그림 3"/>
+          <p:cNvPicPr>
+            <a:picLocks/>
+          </p:cNvPicPr>
+          <p:nvPr/>
+        </p:nvPicPr>
+        <p:blipFill>
+          <a:blip r:embed="rId2"/>
+          <a:stretch>
+            <a:fillRect/>
+          </a:stretch>
+        </p:blipFill>
+        <p:spPr>
+          <a:xfrm>
+            <a:off x="720000" y="720000"/>
+            <a:ext cx="3240000" cy="2520000"/>
+          </a:xfrm>
+          <a:prstGeom prst="rect">
+            <a:avLst/>
+          </a:prstGeom>
+        </p:spPr>
+      </p:pic>
+      <p:pic>
+        <p:nvPicPr>
+          <p:cNvPr id="5" name="그림 4"/>
+          <p:cNvPicPr>
+            <a:picLocks/>
+          </p:cNvPicPr>
+          <p:nvPr/>
+        </p:nvPicPr>
+        <p:blipFill>
+          <a:blip r:embed="rId3"/>
+          <a:stretch>
+            <a:fillRect/>
+          </a:stretch>
+        </p:blipFill>
+        <p:spPr>
+          <a:xfrm>
+            <a:off x="3960000" y="720000"/>
+            <a:ext cx="3240000" cy="2520000"/>
+          </a:xfrm>
+          <a:prstGeom prst="rect">
+            <a:avLst/>
+          </a:prstGeom>
+        </p:spPr>
+      </p:pic>
+      <p:pic>
+        <p:nvPicPr>
+          <p:cNvPr id="6" name="그림 5"/>
+          <p:cNvPicPr>
+            <a:picLocks/>
+          </p:cNvPicPr>
+          <p:nvPr/>
+        </p:nvPicPr>
+        <p:blipFill>
+          <a:blip r:embed="rId4"/>
+          <a:stretch>
+            <a:fillRect/>
+          </a:stretch>
+        </p:blipFill>
+        <p:spPr>
+          <a:xfrm>
+            <a:off x="3960000" y="3240000"/>
+            <a:ext cx="3240000" cy="2520000"/>
+          </a:xfrm>
+          <a:prstGeom prst="rect">
+            <a:avLst/>
+          </a:prstGeom>
+        </p:spPr>
+      </p:pic>
+      <p:pic>
+        <p:nvPicPr>
+          <p:cNvPr id="7" name="그림 6"/>
+          <p:cNvPicPr>
+            <a:picLocks/>
+          </p:cNvPicPr>
+          <p:nvPr/>
+        </p:nvPicPr>
+        <p:blipFill>
+          <a:blip r:embed="rId5"/>
+          <a:stretch>
+            <a:fillRect/>
+          </a:stretch>
+        </p:blipFill>
+        <p:spPr>
+          <a:xfrm>
+            <a:off x="720000" y="3240000"/>
+            <a:ext cx="3240000" cy="2520000"/>
+          </a:xfrm>
+          <a:prstGeom prst="rect">
+            <a:avLst/>
+          </a:prstGeom>
+        </p:spPr>
+      </p:pic>
+    </p:spTree>
+    <p:extLst>
+      <p:ext uri="{BB962C8B-B14F-4D97-AF65-F5344CB8AC3E}">
+        <p14:creationId xmlns:p14="http://schemas.microsoft.com/office/powerpoint/2010/main" val="1043437216"/>
+      </p:ext>
+    </p:extLst>
+  </p:cSld>
+  <p:clrMapOvr>
+    <a:masterClrMapping/>
+  </p:clrMapOvr>
+</p:sld>
+</file>
+
 <file path=ppt/theme/theme1.xml><?xml version="1.0" encoding="utf-8"?>
 <a:theme xmlns:a="http://schemas.openxmlformats.org/drawingml/2006/main" name="Office 테마">
   <a:themeElements>

--- a/changgyu_참고자료/자료.pptx
+++ b/changgyu_참고자료/자료.pptx
@@ -9,6 +9,7 @@
     <p:sldId id="258" r:id="rId3"/>
     <p:sldId id="257" r:id="rId4"/>
     <p:sldId id="260" r:id="rId5"/>
+    <p:sldId id="261" r:id="rId6"/>
   </p:sldIdLst>
   <p:sldSz cx="12192000" cy="6858000"/>
   <p:notesSz cx="6858000" cy="9144000"/>
@@ -246,7 +247,7 @@
           <a:p>
             <a:fld id="{1922C581-59D4-4B56-B830-B70E24B99D7C}" type="datetimeFigureOut">
               <a:rPr lang="ko-KR" altLang="en-US" smtClean="0"/>
-              <a:t>2018-12-26</a:t>
+              <a:t>2018-12-27</a:t>
             </a:fld>
             <a:endParaRPr lang="ko-KR" altLang="en-US"/>
           </a:p>
@@ -416,7 +417,7 @@
           <a:p>
             <a:fld id="{1922C581-59D4-4B56-B830-B70E24B99D7C}" type="datetimeFigureOut">
               <a:rPr lang="ko-KR" altLang="en-US" smtClean="0"/>
-              <a:t>2018-12-26</a:t>
+              <a:t>2018-12-27</a:t>
             </a:fld>
             <a:endParaRPr lang="ko-KR" altLang="en-US"/>
           </a:p>
@@ -596,7 +597,7 @@
           <a:p>
             <a:fld id="{1922C581-59D4-4B56-B830-B70E24B99D7C}" type="datetimeFigureOut">
               <a:rPr lang="ko-KR" altLang="en-US" smtClean="0"/>
-              <a:t>2018-12-26</a:t>
+              <a:t>2018-12-27</a:t>
             </a:fld>
             <a:endParaRPr lang="ko-KR" altLang="en-US"/>
           </a:p>
@@ -766,7 +767,7 @@
           <a:p>
             <a:fld id="{1922C581-59D4-4B56-B830-B70E24B99D7C}" type="datetimeFigureOut">
               <a:rPr lang="ko-KR" altLang="en-US" smtClean="0"/>
-              <a:t>2018-12-26</a:t>
+              <a:t>2018-12-27</a:t>
             </a:fld>
             <a:endParaRPr lang="ko-KR" altLang="en-US"/>
           </a:p>
@@ -1012,7 +1013,7 @@
           <a:p>
             <a:fld id="{1922C581-59D4-4B56-B830-B70E24B99D7C}" type="datetimeFigureOut">
               <a:rPr lang="ko-KR" altLang="en-US" smtClean="0"/>
-              <a:t>2018-12-26</a:t>
+              <a:t>2018-12-27</a:t>
             </a:fld>
             <a:endParaRPr lang="ko-KR" altLang="en-US"/>
           </a:p>
@@ -1244,7 +1245,7 @@
           <a:p>
             <a:fld id="{1922C581-59D4-4B56-B830-B70E24B99D7C}" type="datetimeFigureOut">
               <a:rPr lang="ko-KR" altLang="en-US" smtClean="0"/>
-              <a:t>2018-12-26</a:t>
+              <a:t>2018-12-27</a:t>
             </a:fld>
             <a:endParaRPr lang="ko-KR" altLang="en-US"/>
           </a:p>
@@ -1611,7 +1612,7 @@
           <a:p>
             <a:fld id="{1922C581-59D4-4B56-B830-B70E24B99D7C}" type="datetimeFigureOut">
               <a:rPr lang="ko-KR" altLang="en-US" smtClean="0"/>
-              <a:t>2018-12-26</a:t>
+              <a:t>2018-12-27</a:t>
             </a:fld>
             <a:endParaRPr lang="ko-KR" altLang="en-US"/>
           </a:p>
@@ -1729,7 +1730,7 @@
           <a:p>
             <a:fld id="{1922C581-59D4-4B56-B830-B70E24B99D7C}" type="datetimeFigureOut">
               <a:rPr lang="ko-KR" altLang="en-US" smtClean="0"/>
-              <a:t>2018-12-26</a:t>
+              <a:t>2018-12-27</a:t>
             </a:fld>
             <a:endParaRPr lang="ko-KR" altLang="en-US"/>
           </a:p>
@@ -1824,7 +1825,7 @@
           <a:p>
             <a:fld id="{1922C581-59D4-4B56-B830-B70E24B99D7C}" type="datetimeFigureOut">
               <a:rPr lang="ko-KR" altLang="en-US" smtClean="0"/>
-              <a:t>2018-12-26</a:t>
+              <a:t>2018-12-27</a:t>
             </a:fld>
             <a:endParaRPr lang="ko-KR" altLang="en-US"/>
           </a:p>
@@ -2101,7 +2102,7 @@
           <a:p>
             <a:fld id="{1922C581-59D4-4B56-B830-B70E24B99D7C}" type="datetimeFigureOut">
               <a:rPr lang="ko-KR" altLang="en-US" smtClean="0"/>
-              <a:t>2018-12-26</a:t>
+              <a:t>2018-12-27</a:t>
             </a:fld>
             <a:endParaRPr lang="ko-KR" altLang="en-US"/>
           </a:p>
@@ -2354,7 +2355,7 @@
           <a:p>
             <a:fld id="{1922C581-59D4-4B56-B830-B70E24B99D7C}" type="datetimeFigureOut">
               <a:rPr lang="ko-KR" altLang="en-US" smtClean="0"/>
-              <a:t>2018-12-26</a:t>
+              <a:t>2018-12-27</a:t>
             </a:fld>
             <a:endParaRPr lang="ko-KR" altLang="en-US"/>
           </a:p>
@@ -2567,7 +2568,7 @@
           <a:p>
             <a:fld id="{1922C581-59D4-4B56-B830-B70E24B99D7C}" type="datetimeFigureOut">
               <a:rPr lang="ko-KR" altLang="en-US" smtClean="0"/>
-              <a:t>2018-12-26</a:t>
+              <a:t>2018-12-27</a:t>
             </a:fld>
             <a:endParaRPr lang="ko-KR" altLang="en-US"/>
           </a:p>
@@ -6741,96 +6742,195 @@
           <a:chExt cx="0" cy="0"/>
         </a:xfrm>
       </p:grpSpPr>
+      <p:grpSp>
+        <p:nvGrpSpPr>
+          <p:cNvPr id="3" name="그룹 2"/>
+          <p:cNvGrpSpPr/>
+          <p:nvPr/>
+        </p:nvGrpSpPr>
+        <p:grpSpPr>
+          <a:xfrm>
+            <a:off x="3423310" y="5833242"/>
+            <a:ext cx="1073380" cy="180000"/>
+            <a:chOff x="3415862" y="5665076"/>
+            <a:chExt cx="1073380" cy="180000"/>
+          </a:xfrm>
+        </p:grpSpPr>
+        <p:sp>
+          <p:nvSpPr>
+            <p:cNvPr id="2" name="타원 1"/>
+            <p:cNvSpPr/>
+            <p:nvPr/>
+          </p:nvSpPr>
+          <p:spPr>
+            <a:xfrm>
+              <a:off x="3415862" y="5665076"/>
+              <a:ext cx="180000" cy="180000"/>
+            </a:xfrm>
+            <a:prstGeom prst="ellipse">
+              <a:avLst/>
+            </a:prstGeom>
+            <a:solidFill>
+              <a:schemeClr val="tx1"/>
+            </a:solidFill>
+            <a:ln>
+              <a:solidFill>
+                <a:schemeClr val="tx1"/>
+              </a:solidFill>
+            </a:ln>
+          </p:spPr>
+          <p:style>
+            <a:lnRef idx="2">
+              <a:schemeClr val="accent1">
+                <a:shade val="50000"/>
+              </a:schemeClr>
+            </a:lnRef>
+            <a:fillRef idx="1">
+              <a:schemeClr val="accent1"/>
+            </a:fillRef>
+            <a:effectRef idx="0">
+              <a:schemeClr val="accent1"/>
+            </a:effectRef>
+            <a:fontRef idx="minor">
+              <a:schemeClr val="lt1"/>
+            </a:fontRef>
+          </p:style>
+          <p:txBody>
+            <a:bodyPr rtlCol="0" anchor="ctr"/>
+            <a:lstStyle/>
+            <a:p>
+              <a:pPr algn="ctr"/>
+              <a:endParaRPr lang="ko-KR" altLang="en-US"/>
+            </a:p>
+          </p:txBody>
+        </p:sp>
+        <p:sp>
+          <p:nvSpPr>
+            <p:cNvPr id="8" name="타원 7"/>
+            <p:cNvSpPr/>
+            <p:nvPr/>
+          </p:nvSpPr>
+          <p:spPr>
+            <a:xfrm>
+              <a:off x="3862552" y="5665076"/>
+              <a:ext cx="180000" cy="180000"/>
+            </a:xfrm>
+            <a:prstGeom prst="ellipse">
+              <a:avLst/>
+            </a:prstGeom>
+            <a:solidFill>
+              <a:schemeClr val="tx1"/>
+            </a:solidFill>
+            <a:ln>
+              <a:solidFill>
+                <a:schemeClr val="tx1"/>
+              </a:solidFill>
+            </a:ln>
+          </p:spPr>
+          <p:style>
+            <a:lnRef idx="2">
+              <a:schemeClr val="accent1">
+                <a:shade val="50000"/>
+              </a:schemeClr>
+            </a:lnRef>
+            <a:fillRef idx="1">
+              <a:schemeClr val="accent1"/>
+            </a:fillRef>
+            <a:effectRef idx="0">
+              <a:schemeClr val="accent1"/>
+            </a:effectRef>
+            <a:fontRef idx="minor">
+              <a:schemeClr val="lt1"/>
+            </a:fontRef>
+          </p:style>
+          <p:txBody>
+            <a:bodyPr rtlCol="0" anchor="ctr"/>
+            <a:lstStyle/>
+            <a:p>
+              <a:pPr algn="ctr"/>
+              <a:endParaRPr lang="ko-KR" altLang="en-US"/>
+            </a:p>
+          </p:txBody>
+        </p:sp>
+        <p:sp>
+          <p:nvSpPr>
+            <p:cNvPr id="9" name="타원 8"/>
+            <p:cNvSpPr/>
+            <p:nvPr/>
+          </p:nvSpPr>
+          <p:spPr>
+            <a:xfrm>
+              <a:off x="4309242" y="5665076"/>
+              <a:ext cx="180000" cy="180000"/>
+            </a:xfrm>
+            <a:prstGeom prst="ellipse">
+              <a:avLst/>
+            </a:prstGeom>
+            <a:solidFill>
+              <a:schemeClr val="tx1"/>
+            </a:solidFill>
+            <a:ln>
+              <a:solidFill>
+                <a:schemeClr val="tx1"/>
+              </a:solidFill>
+            </a:ln>
+          </p:spPr>
+          <p:style>
+            <a:lnRef idx="2">
+              <a:schemeClr val="accent1">
+                <a:shade val="50000"/>
+              </a:schemeClr>
+            </a:lnRef>
+            <a:fillRef idx="1">
+              <a:schemeClr val="accent1"/>
+            </a:fillRef>
+            <a:effectRef idx="0">
+              <a:schemeClr val="accent1"/>
+            </a:effectRef>
+            <a:fontRef idx="minor">
+              <a:schemeClr val="lt1"/>
+            </a:fontRef>
+          </p:style>
+          <p:txBody>
+            <a:bodyPr rtlCol="0" anchor="ctr"/>
+            <a:lstStyle/>
+            <a:p>
+              <a:pPr algn="ctr"/>
+              <a:endParaRPr lang="ko-KR" altLang="en-US"/>
+            </a:p>
+          </p:txBody>
+        </p:sp>
+      </p:grpSp>
       <p:pic>
         <p:nvPicPr>
-          <p:cNvPr id="4" name="그림 3"/>
+          <p:cNvPr id="17" name="그림 16"/>
           <p:cNvPicPr>
-            <a:picLocks/>
+            <a:picLocks noChangeAspect="1"/>
           </p:cNvPicPr>
           <p:nvPr/>
         </p:nvPicPr>
         <p:blipFill>
-          <a:blip r:embed="rId2"/>
+          <a:blip r:embed="rId2">
+            <a:extLst>
+              <a:ext uri="{BEBA8EAE-BF5A-486C-A8C5-ECC9F3942E4B}">
+                <a14:imgProps xmlns:a14="http://schemas.microsoft.com/office/drawing/2010/main">
+                  <a14:imgLayer r:embed="rId3">
+                    <a14:imgEffect>
+                      <a14:artisticPhotocopy/>
+                    </a14:imgEffect>
+                  </a14:imgLayer>
+                </a14:imgProps>
+              </a:ext>
+            </a:extLst>
+          </a:blip>
           <a:stretch>
             <a:fillRect/>
           </a:stretch>
         </p:blipFill>
         <p:spPr>
           <a:xfrm>
-            <a:off x="720000" y="720000"/>
-            <a:ext cx="3240000" cy="2520000"/>
-          </a:xfrm>
-          <a:prstGeom prst="rect">
-            <a:avLst/>
-          </a:prstGeom>
-        </p:spPr>
-      </p:pic>
-      <p:pic>
-        <p:nvPicPr>
-          <p:cNvPr id="5" name="그림 4"/>
-          <p:cNvPicPr>
-            <a:picLocks/>
-          </p:cNvPicPr>
-          <p:nvPr/>
-        </p:nvPicPr>
-        <p:blipFill>
-          <a:blip r:embed="rId3"/>
-          <a:stretch>
-            <a:fillRect/>
-          </a:stretch>
-        </p:blipFill>
-        <p:spPr>
-          <a:xfrm>
-            <a:off x="3960000" y="720000"/>
-            <a:ext cx="3240000" cy="2520000"/>
-          </a:xfrm>
-          <a:prstGeom prst="rect">
-            <a:avLst/>
-          </a:prstGeom>
-        </p:spPr>
-      </p:pic>
-      <p:pic>
-        <p:nvPicPr>
-          <p:cNvPr id="6" name="그림 5"/>
-          <p:cNvPicPr>
-            <a:picLocks/>
-          </p:cNvPicPr>
-          <p:nvPr/>
-        </p:nvPicPr>
-        <p:blipFill>
-          <a:blip r:embed="rId4"/>
-          <a:stretch>
-            <a:fillRect/>
-          </a:stretch>
-        </p:blipFill>
-        <p:spPr>
-          <a:xfrm>
-            <a:off x="3960000" y="3240000"/>
-            <a:ext cx="3240000" cy="2520000"/>
-          </a:xfrm>
-          <a:prstGeom prst="rect">
-            <a:avLst/>
-          </a:prstGeom>
-        </p:spPr>
-      </p:pic>
-      <p:pic>
-        <p:nvPicPr>
-          <p:cNvPr id="7" name="그림 6"/>
-          <p:cNvPicPr>
-            <a:picLocks/>
-          </p:cNvPicPr>
-          <p:nvPr/>
-        </p:nvPicPr>
-        <p:blipFill>
-          <a:blip r:embed="rId5"/>
-          <a:stretch>
-            <a:fillRect/>
-          </a:stretch>
-        </p:blipFill>
-        <p:spPr>
-          <a:xfrm>
-            <a:off x="720000" y="3240000"/>
-            <a:ext cx="3240000" cy="2520000"/>
+            <a:off x="719390" y="297759"/>
+            <a:ext cx="6480610" cy="5041829"/>
           </a:xfrm>
           <a:prstGeom prst="rect">
             <a:avLst/>
@@ -6841,6 +6941,639 @@
     <p:extLst>
       <p:ext uri="{BB962C8B-B14F-4D97-AF65-F5344CB8AC3E}">
         <p14:creationId xmlns:p14="http://schemas.microsoft.com/office/powerpoint/2010/main" val="1043437216"/>
+      </p:ext>
+    </p:extLst>
+  </p:cSld>
+  <p:clrMapOvr>
+    <a:masterClrMapping/>
+  </p:clrMapOvr>
+</p:sld>
+</file>
+
+<file path=ppt/slides/slide5.xml><?xml version="1.0" encoding="utf-8"?>
+<p:sld xmlns:a="http://schemas.openxmlformats.org/drawingml/2006/main" xmlns:r="http://schemas.openxmlformats.org/officeDocument/2006/relationships" xmlns:p="http://schemas.openxmlformats.org/presentationml/2006/main">
+  <p:cSld>
+    <p:spTree>
+      <p:nvGrpSpPr>
+        <p:cNvPr id="1" name=""/>
+        <p:cNvGrpSpPr/>
+        <p:nvPr/>
+      </p:nvGrpSpPr>
+      <p:grpSpPr>
+        <a:xfrm>
+          <a:off x="0" y="0"/>
+          <a:ext cx="0" cy="0"/>
+          <a:chOff x="0" y="0"/>
+          <a:chExt cx="0" cy="0"/>
+        </a:xfrm>
+      </p:grpSpPr>
+      <p:pic>
+        <p:nvPicPr>
+          <p:cNvPr id="13" name="그림 12">
+            <a:extLst>
+              <a:ext uri="{FF2B5EF4-FFF2-40B4-BE49-F238E27FC236}">
+                <a16:creationId xmlns:a16="http://schemas.microsoft.com/office/drawing/2014/main" id="{B2393A60-942A-443D-B3E4-19AF6969E0D0}"/>
+              </a:ext>
+            </a:extLst>
+          </p:cNvPr>
+          <p:cNvPicPr>
+            <a:picLocks noChangeAspect="1"/>
+          </p:cNvPicPr>
+          <p:nvPr/>
+        </p:nvPicPr>
+        <p:blipFill>
+          <a:blip r:embed="rId2">
+            <a:extLst>
+              <a:ext uri="{28A0092B-C50C-407E-A947-70E740481C1C}">
+                <a14:useLocalDpi xmlns:a14="http://schemas.microsoft.com/office/drawing/2010/main" val="0"/>
+              </a:ext>
+            </a:extLst>
+          </a:blip>
+          <a:stretch>
+            <a:fillRect/>
+          </a:stretch>
+        </p:blipFill>
+        <p:spPr>
+          <a:xfrm>
+            <a:off x="4108810" y="1935838"/>
+            <a:ext cx="3974380" cy="2986323"/>
+          </a:xfrm>
+          <a:prstGeom prst="rect">
+            <a:avLst/>
+          </a:prstGeom>
+        </p:spPr>
+      </p:pic>
+      <p:sp>
+        <p:nvSpPr>
+          <p:cNvPr id="14" name="타원 13"/>
+          <p:cNvSpPr/>
+          <p:nvPr/>
+        </p:nvSpPr>
+        <p:spPr>
+          <a:xfrm>
+            <a:off x="5866592" y="3518615"/>
+            <a:ext cx="795674" cy="795674"/>
+          </a:xfrm>
+          <a:prstGeom prst="ellipse">
+            <a:avLst/>
+          </a:prstGeom>
+          <a:noFill/>
+          <a:ln w="38100">
+            <a:solidFill>
+              <a:schemeClr val="tx1"/>
+            </a:solidFill>
+          </a:ln>
+        </p:spPr>
+        <p:style>
+          <a:lnRef idx="2">
+            <a:schemeClr val="accent1">
+              <a:shade val="50000"/>
+            </a:schemeClr>
+          </a:lnRef>
+          <a:fillRef idx="1">
+            <a:schemeClr val="accent1"/>
+          </a:fillRef>
+          <a:effectRef idx="0">
+            <a:schemeClr val="accent1"/>
+          </a:effectRef>
+          <a:fontRef idx="minor">
+            <a:schemeClr val="lt1"/>
+          </a:fontRef>
+        </p:style>
+        <p:txBody>
+          <a:bodyPr rtlCol="0" anchor="ctr"/>
+          <a:lstStyle>
+            <a:defPPr>
+              <a:defRPr lang="ko-KR"/>
+            </a:defPPr>
+            <a:lvl1pPr marL="0" algn="l" defTabSz="914400" rtl="0" eaLnBrk="1" latinLnBrk="1" hangingPunct="1">
+              <a:defRPr sz="1800" kern="1200">
+                <a:solidFill>
+                  <a:schemeClr val="lt1"/>
+                </a:solidFill>
+                <a:latin typeface="+mn-lt"/>
+                <a:ea typeface="+mn-ea"/>
+                <a:cs typeface="+mn-cs"/>
+              </a:defRPr>
+            </a:lvl1pPr>
+            <a:lvl2pPr marL="457200" algn="l" defTabSz="914400" rtl="0" eaLnBrk="1" latinLnBrk="1" hangingPunct="1">
+              <a:defRPr sz="1800" kern="1200">
+                <a:solidFill>
+                  <a:schemeClr val="lt1"/>
+                </a:solidFill>
+                <a:latin typeface="+mn-lt"/>
+                <a:ea typeface="+mn-ea"/>
+                <a:cs typeface="+mn-cs"/>
+              </a:defRPr>
+            </a:lvl2pPr>
+            <a:lvl3pPr marL="914400" algn="l" defTabSz="914400" rtl="0" eaLnBrk="1" latinLnBrk="1" hangingPunct="1">
+              <a:defRPr sz="1800" kern="1200">
+                <a:solidFill>
+                  <a:schemeClr val="lt1"/>
+                </a:solidFill>
+                <a:latin typeface="+mn-lt"/>
+                <a:ea typeface="+mn-ea"/>
+                <a:cs typeface="+mn-cs"/>
+              </a:defRPr>
+            </a:lvl3pPr>
+            <a:lvl4pPr marL="1371600" algn="l" defTabSz="914400" rtl="0" eaLnBrk="1" latinLnBrk="1" hangingPunct="1">
+              <a:defRPr sz="1800" kern="1200">
+                <a:solidFill>
+                  <a:schemeClr val="lt1"/>
+                </a:solidFill>
+                <a:latin typeface="+mn-lt"/>
+                <a:ea typeface="+mn-ea"/>
+                <a:cs typeface="+mn-cs"/>
+              </a:defRPr>
+            </a:lvl4pPr>
+            <a:lvl5pPr marL="1828800" algn="l" defTabSz="914400" rtl="0" eaLnBrk="1" latinLnBrk="1" hangingPunct="1">
+              <a:defRPr sz="1800" kern="1200">
+                <a:solidFill>
+                  <a:schemeClr val="lt1"/>
+                </a:solidFill>
+                <a:latin typeface="+mn-lt"/>
+                <a:ea typeface="+mn-ea"/>
+                <a:cs typeface="+mn-cs"/>
+              </a:defRPr>
+            </a:lvl5pPr>
+            <a:lvl6pPr marL="2286000" algn="l" defTabSz="914400" rtl="0" eaLnBrk="1" latinLnBrk="1" hangingPunct="1">
+              <a:defRPr sz="1800" kern="1200">
+                <a:solidFill>
+                  <a:schemeClr val="lt1"/>
+                </a:solidFill>
+                <a:latin typeface="+mn-lt"/>
+                <a:ea typeface="+mn-ea"/>
+                <a:cs typeface="+mn-cs"/>
+              </a:defRPr>
+            </a:lvl6pPr>
+            <a:lvl7pPr marL="2743200" algn="l" defTabSz="914400" rtl="0" eaLnBrk="1" latinLnBrk="1" hangingPunct="1">
+              <a:defRPr sz="1800" kern="1200">
+                <a:solidFill>
+                  <a:schemeClr val="lt1"/>
+                </a:solidFill>
+                <a:latin typeface="+mn-lt"/>
+                <a:ea typeface="+mn-ea"/>
+                <a:cs typeface="+mn-cs"/>
+              </a:defRPr>
+            </a:lvl7pPr>
+            <a:lvl8pPr marL="3200400" algn="l" defTabSz="914400" rtl="0" eaLnBrk="1" latinLnBrk="1" hangingPunct="1">
+              <a:defRPr sz="1800" kern="1200">
+                <a:solidFill>
+                  <a:schemeClr val="lt1"/>
+                </a:solidFill>
+                <a:latin typeface="+mn-lt"/>
+                <a:ea typeface="+mn-ea"/>
+                <a:cs typeface="+mn-cs"/>
+              </a:defRPr>
+            </a:lvl8pPr>
+            <a:lvl9pPr marL="3657600" algn="l" defTabSz="914400" rtl="0" eaLnBrk="1" latinLnBrk="1" hangingPunct="1">
+              <a:defRPr sz="1800" kern="1200">
+                <a:solidFill>
+                  <a:schemeClr val="lt1"/>
+                </a:solidFill>
+                <a:latin typeface="+mn-lt"/>
+                <a:ea typeface="+mn-ea"/>
+                <a:cs typeface="+mn-cs"/>
+              </a:defRPr>
+            </a:lvl9pPr>
+          </a:lstStyle>
+          <a:p>
+            <a:pPr algn="ctr"/>
+            <a:endParaRPr lang="ko-KR" altLang="en-US">
+              <a:latin typeface="배달의민족 주아" panose="02020603020101020101" pitchFamily="18" charset="-127"/>
+              <a:ea typeface="배달의민족 주아" panose="02020603020101020101" pitchFamily="18" charset="-127"/>
+            </a:endParaRPr>
+          </a:p>
+        </p:txBody>
+      </p:sp>
+      <p:sp>
+        <p:nvSpPr>
+          <p:cNvPr id="21" name="TextBox 6"/>
+          <p:cNvSpPr txBox="1"/>
+          <p:nvPr/>
+        </p:nvSpPr>
+        <p:spPr>
+          <a:xfrm>
+            <a:off x="4041674" y="2370673"/>
+            <a:ext cx="1582421" cy="307777"/>
+          </a:xfrm>
+          <a:prstGeom prst="rect">
+            <a:avLst/>
+          </a:prstGeom>
+          <a:noFill/>
+          <a:ln>
+            <a:noFill/>
+          </a:ln>
+        </p:spPr>
+        <p:txBody>
+          <a:bodyPr wrap="none" rtlCol="0">
+            <a:spAutoFit/>
+          </a:bodyPr>
+          <a:lstStyle>
+            <a:defPPr>
+              <a:defRPr lang="ko-KR"/>
+            </a:defPPr>
+            <a:lvl1pPr marL="0" algn="l" defTabSz="914400" rtl="0" eaLnBrk="1" latinLnBrk="1" hangingPunct="1">
+              <a:defRPr sz="1800" kern="1200">
+                <a:solidFill>
+                  <a:schemeClr val="tx1"/>
+                </a:solidFill>
+                <a:latin typeface="+mn-lt"/>
+                <a:ea typeface="+mn-ea"/>
+                <a:cs typeface="+mn-cs"/>
+              </a:defRPr>
+            </a:lvl1pPr>
+            <a:lvl2pPr marL="457200" algn="l" defTabSz="914400" rtl="0" eaLnBrk="1" latinLnBrk="1" hangingPunct="1">
+              <a:defRPr sz="1800" kern="1200">
+                <a:solidFill>
+                  <a:schemeClr val="tx1"/>
+                </a:solidFill>
+                <a:latin typeface="+mn-lt"/>
+                <a:ea typeface="+mn-ea"/>
+                <a:cs typeface="+mn-cs"/>
+              </a:defRPr>
+            </a:lvl2pPr>
+            <a:lvl3pPr marL="914400" algn="l" defTabSz="914400" rtl="0" eaLnBrk="1" latinLnBrk="1" hangingPunct="1">
+              <a:defRPr sz="1800" kern="1200">
+                <a:solidFill>
+                  <a:schemeClr val="tx1"/>
+                </a:solidFill>
+                <a:latin typeface="+mn-lt"/>
+                <a:ea typeface="+mn-ea"/>
+                <a:cs typeface="+mn-cs"/>
+              </a:defRPr>
+            </a:lvl3pPr>
+            <a:lvl4pPr marL="1371600" algn="l" defTabSz="914400" rtl="0" eaLnBrk="1" latinLnBrk="1" hangingPunct="1">
+              <a:defRPr sz="1800" kern="1200">
+                <a:solidFill>
+                  <a:schemeClr val="tx1"/>
+                </a:solidFill>
+                <a:latin typeface="+mn-lt"/>
+                <a:ea typeface="+mn-ea"/>
+                <a:cs typeface="+mn-cs"/>
+              </a:defRPr>
+            </a:lvl4pPr>
+            <a:lvl5pPr marL="1828800" algn="l" defTabSz="914400" rtl="0" eaLnBrk="1" latinLnBrk="1" hangingPunct="1">
+              <a:defRPr sz="1800" kern="1200">
+                <a:solidFill>
+                  <a:schemeClr val="tx1"/>
+                </a:solidFill>
+                <a:latin typeface="+mn-lt"/>
+                <a:ea typeface="+mn-ea"/>
+                <a:cs typeface="+mn-cs"/>
+              </a:defRPr>
+            </a:lvl5pPr>
+            <a:lvl6pPr marL="2286000" algn="l" defTabSz="914400" rtl="0" eaLnBrk="1" latinLnBrk="1" hangingPunct="1">
+              <a:defRPr sz="1800" kern="1200">
+                <a:solidFill>
+                  <a:schemeClr val="tx1"/>
+                </a:solidFill>
+                <a:latin typeface="+mn-lt"/>
+                <a:ea typeface="+mn-ea"/>
+                <a:cs typeface="+mn-cs"/>
+              </a:defRPr>
+            </a:lvl6pPr>
+            <a:lvl7pPr marL="2743200" algn="l" defTabSz="914400" rtl="0" eaLnBrk="1" latinLnBrk="1" hangingPunct="1">
+              <a:defRPr sz="1800" kern="1200">
+                <a:solidFill>
+                  <a:schemeClr val="tx1"/>
+                </a:solidFill>
+                <a:latin typeface="+mn-lt"/>
+                <a:ea typeface="+mn-ea"/>
+                <a:cs typeface="+mn-cs"/>
+              </a:defRPr>
+            </a:lvl7pPr>
+            <a:lvl8pPr marL="3200400" algn="l" defTabSz="914400" rtl="0" eaLnBrk="1" latinLnBrk="1" hangingPunct="1">
+              <a:defRPr sz="1800" kern="1200">
+                <a:solidFill>
+                  <a:schemeClr val="tx1"/>
+                </a:solidFill>
+                <a:latin typeface="+mn-lt"/>
+                <a:ea typeface="+mn-ea"/>
+                <a:cs typeface="+mn-cs"/>
+              </a:defRPr>
+            </a:lvl8pPr>
+            <a:lvl9pPr marL="3657600" algn="l" defTabSz="914400" rtl="0" eaLnBrk="1" latinLnBrk="1" hangingPunct="1">
+              <a:defRPr sz="1800" kern="1200">
+                <a:solidFill>
+                  <a:schemeClr val="tx1"/>
+                </a:solidFill>
+                <a:latin typeface="+mn-lt"/>
+                <a:ea typeface="+mn-ea"/>
+                <a:cs typeface="+mn-cs"/>
+              </a:defRPr>
+            </a:lvl9pPr>
+          </a:lstStyle>
+          <a:p>
+            <a:pPr algn="ctr"/>
+            <a:r>
+              <a:rPr lang="en-US" altLang="ko-KR" sz="1400" b="1" dirty="0" smtClean="0">
+                <a:solidFill>
+                  <a:srgbClr val="002060"/>
+                </a:solidFill>
+                <a:latin typeface="Times New Roman" panose="02020603050405020304" pitchFamily="18" charset="0"/>
+                <a:ea typeface="배달의민족 주아" panose="02020603020101020101" pitchFamily="18" charset="-127"/>
+                <a:cs typeface="Times New Roman" panose="02020603050405020304" pitchFamily="18" charset="0"/>
+              </a:rPr>
+              <a:t>Anchor Node(AN)</a:t>
+            </a:r>
+            <a:endParaRPr lang="ko-KR" altLang="en-US" sz="1400" b="1" dirty="0">
+              <a:solidFill>
+                <a:srgbClr val="002060"/>
+              </a:solidFill>
+              <a:latin typeface="Times New Roman" panose="02020603050405020304" pitchFamily="18" charset="0"/>
+              <a:ea typeface="배달의민족 주아" panose="02020603020101020101" pitchFamily="18" charset="-127"/>
+              <a:cs typeface="Times New Roman" panose="02020603050405020304" pitchFamily="18" charset="0"/>
+            </a:endParaRPr>
+          </a:p>
+        </p:txBody>
+      </p:sp>
+      <p:sp>
+        <p:nvSpPr>
+          <p:cNvPr id="16" name="타원 15"/>
+          <p:cNvSpPr/>
+          <p:nvPr/>
+        </p:nvSpPr>
+        <p:spPr>
+          <a:xfrm>
+            <a:off x="4258387" y="2694832"/>
+            <a:ext cx="795674" cy="795674"/>
+          </a:xfrm>
+          <a:prstGeom prst="ellipse">
+            <a:avLst/>
+          </a:prstGeom>
+          <a:noFill/>
+          <a:ln w="38100">
+            <a:solidFill>
+              <a:srgbClr val="002060"/>
+            </a:solidFill>
+          </a:ln>
+        </p:spPr>
+        <p:style>
+          <a:lnRef idx="2">
+            <a:schemeClr val="accent1">
+              <a:shade val="50000"/>
+            </a:schemeClr>
+          </a:lnRef>
+          <a:fillRef idx="1">
+            <a:schemeClr val="accent1"/>
+          </a:fillRef>
+          <a:effectRef idx="0">
+            <a:schemeClr val="accent1"/>
+          </a:effectRef>
+          <a:fontRef idx="minor">
+            <a:schemeClr val="lt1"/>
+          </a:fontRef>
+        </p:style>
+        <p:txBody>
+          <a:bodyPr rtlCol="0" anchor="ctr"/>
+          <a:lstStyle>
+            <a:defPPr>
+              <a:defRPr lang="ko-KR"/>
+            </a:defPPr>
+            <a:lvl1pPr marL="0" algn="l" defTabSz="914400" rtl="0" eaLnBrk="1" latinLnBrk="1" hangingPunct="1">
+              <a:defRPr sz="1800" kern="1200">
+                <a:solidFill>
+                  <a:schemeClr val="lt1"/>
+                </a:solidFill>
+                <a:latin typeface="+mn-lt"/>
+                <a:ea typeface="+mn-ea"/>
+                <a:cs typeface="+mn-cs"/>
+              </a:defRPr>
+            </a:lvl1pPr>
+            <a:lvl2pPr marL="457200" algn="l" defTabSz="914400" rtl="0" eaLnBrk="1" latinLnBrk="1" hangingPunct="1">
+              <a:defRPr sz="1800" kern="1200">
+                <a:solidFill>
+                  <a:schemeClr val="lt1"/>
+                </a:solidFill>
+                <a:latin typeface="+mn-lt"/>
+                <a:ea typeface="+mn-ea"/>
+                <a:cs typeface="+mn-cs"/>
+              </a:defRPr>
+            </a:lvl2pPr>
+            <a:lvl3pPr marL="914400" algn="l" defTabSz="914400" rtl="0" eaLnBrk="1" latinLnBrk="1" hangingPunct="1">
+              <a:defRPr sz="1800" kern="1200">
+                <a:solidFill>
+                  <a:schemeClr val="lt1"/>
+                </a:solidFill>
+                <a:latin typeface="+mn-lt"/>
+                <a:ea typeface="+mn-ea"/>
+                <a:cs typeface="+mn-cs"/>
+              </a:defRPr>
+            </a:lvl3pPr>
+            <a:lvl4pPr marL="1371600" algn="l" defTabSz="914400" rtl="0" eaLnBrk="1" latinLnBrk="1" hangingPunct="1">
+              <a:defRPr sz="1800" kern="1200">
+                <a:solidFill>
+                  <a:schemeClr val="lt1"/>
+                </a:solidFill>
+                <a:latin typeface="+mn-lt"/>
+                <a:ea typeface="+mn-ea"/>
+                <a:cs typeface="+mn-cs"/>
+              </a:defRPr>
+            </a:lvl4pPr>
+            <a:lvl5pPr marL="1828800" algn="l" defTabSz="914400" rtl="0" eaLnBrk="1" latinLnBrk="1" hangingPunct="1">
+              <a:defRPr sz="1800" kern="1200">
+                <a:solidFill>
+                  <a:schemeClr val="lt1"/>
+                </a:solidFill>
+                <a:latin typeface="+mn-lt"/>
+                <a:ea typeface="+mn-ea"/>
+                <a:cs typeface="+mn-cs"/>
+              </a:defRPr>
+            </a:lvl5pPr>
+            <a:lvl6pPr marL="2286000" algn="l" defTabSz="914400" rtl="0" eaLnBrk="1" latinLnBrk="1" hangingPunct="1">
+              <a:defRPr sz="1800" kern="1200">
+                <a:solidFill>
+                  <a:schemeClr val="lt1"/>
+                </a:solidFill>
+                <a:latin typeface="+mn-lt"/>
+                <a:ea typeface="+mn-ea"/>
+                <a:cs typeface="+mn-cs"/>
+              </a:defRPr>
+            </a:lvl6pPr>
+            <a:lvl7pPr marL="2743200" algn="l" defTabSz="914400" rtl="0" eaLnBrk="1" latinLnBrk="1" hangingPunct="1">
+              <a:defRPr sz="1800" kern="1200">
+                <a:solidFill>
+                  <a:schemeClr val="lt1"/>
+                </a:solidFill>
+                <a:latin typeface="+mn-lt"/>
+                <a:ea typeface="+mn-ea"/>
+                <a:cs typeface="+mn-cs"/>
+              </a:defRPr>
+            </a:lvl7pPr>
+            <a:lvl8pPr marL="3200400" algn="l" defTabSz="914400" rtl="0" eaLnBrk="1" latinLnBrk="1" hangingPunct="1">
+              <a:defRPr sz="1800" kern="1200">
+                <a:solidFill>
+                  <a:schemeClr val="lt1"/>
+                </a:solidFill>
+                <a:latin typeface="+mn-lt"/>
+                <a:ea typeface="+mn-ea"/>
+                <a:cs typeface="+mn-cs"/>
+              </a:defRPr>
+            </a:lvl8pPr>
+            <a:lvl9pPr marL="3657600" algn="l" defTabSz="914400" rtl="0" eaLnBrk="1" latinLnBrk="1" hangingPunct="1">
+              <a:defRPr sz="1800" kern="1200">
+                <a:solidFill>
+                  <a:schemeClr val="lt1"/>
+                </a:solidFill>
+                <a:latin typeface="+mn-lt"/>
+                <a:ea typeface="+mn-ea"/>
+                <a:cs typeface="+mn-cs"/>
+              </a:defRPr>
+            </a:lvl9pPr>
+          </a:lstStyle>
+          <a:p>
+            <a:pPr algn="ctr"/>
+            <a:endParaRPr lang="ko-KR" altLang="en-US">
+              <a:solidFill>
+                <a:srgbClr val="002060"/>
+              </a:solidFill>
+              <a:latin typeface="배달의민족 주아" panose="02020603020101020101" pitchFamily="18" charset="-127"/>
+              <a:ea typeface="배달의민족 주아" panose="02020603020101020101" pitchFamily="18" charset="-127"/>
+            </a:endParaRPr>
+          </a:p>
+        </p:txBody>
+      </p:sp>
+      <p:sp>
+        <p:nvSpPr>
+          <p:cNvPr id="19" name="TextBox 13"/>
+          <p:cNvSpPr txBox="1"/>
+          <p:nvPr/>
+        </p:nvSpPr>
+        <p:spPr>
+          <a:xfrm>
+            <a:off x="5624095" y="4314289"/>
+            <a:ext cx="1280672" cy="307777"/>
+          </a:xfrm>
+          <a:prstGeom prst="rect">
+            <a:avLst/>
+          </a:prstGeom>
+          <a:noFill/>
+          <a:ln>
+            <a:noFill/>
+          </a:ln>
+        </p:spPr>
+        <p:txBody>
+          <a:bodyPr wrap="none" rtlCol="0">
+            <a:spAutoFit/>
+          </a:bodyPr>
+          <a:lstStyle>
+            <a:defPPr>
+              <a:defRPr lang="ko-KR"/>
+            </a:defPPr>
+            <a:lvl1pPr marL="0" algn="l" defTabSz="914400" rtl="0" eaLnBrk="1" latinLnBrk="1" hangingPunct="1">
+              <a:defRPr sz="1800" kern="1200">
+                <a:solidFill>
+                  <a:schemeClr val="tx1"/>
+                </a:solidFill>
+                <a:latin typeface="+mn-lt"/>
+                <a:ea typeface="+mn-ea"/>
+                <a:cs typeface="+mn-cs"/>
+              </a:defRPr>
+            </a:lvl1pPr>
+            <a:lvl2pPr marL="457200" algn="l" defTabSz="914400" rtl="0" eaLnBrk="1" latinLnBrk="1" hangingPunct="1">
+              <a:defRPr sz="1800" kern="1200">
+                <a:solidFill>
+                  <a:schemeClr val="tx1"/>
+                </a:solidFill>
+                <a:latin typeface="+mn-lt"/>
+                <a:ea typeface="+mn-ea"/>
+                <a:cs typeface="+mn-cs"/>
+              </a:defRPr>
+            </a:lvl2pPr>
+            <a:lvl3pPr marL="914400" algn="l" defTabSz="914400" rtl="0" eaLnBrk="1" latinLnBrk="1" hangingPunct="1">
+              <a:defRPr sz="1800" kern="1200">
+                <a:solidFill>
+                  <a:schemeClr val="tx1"/>
+                </a:solidFill>
+                <a:latin typeface="+mn-lt"/>
+                <a:ea typeface="+mn-ea"/>
+                <a:cs typeface="+mn-cs"/>
+              </a:defRPr>
+            </a:lvl3pPr>
+            <a:lvl4pPr marL="1371600" algn="l" defTabSz="914400" rtl="0" eaLnBrk="1" latinLnBrk="1" hangingPunct="1">
+              <a:defRPr sz="1800" kern="1200">
+                <a:solidFill>
+                  <a:schemeClr val="tx1"/>
+                </a:solidFill>
+                <a:latin typeface="+mn-lt"/>
+                <a:ea typeface="+mn-ea"/>
+                <a:cs typeface="+mn-cs"/>
+              </a:defRPr>
+            </a:lvl4pPr>
+            <a:lvl5pPr marL="1828800" algn="l" defTabSz="914400" rtl="0" eaLnBrk="1" latinLnBrk="1" hangingPunct="1">
+              <a:defRPr sz="1800" kern="1200">
+                <a:solidFill>
+                  <a:schemeClr val="tx1"/>
+                </a:solidFill>
+                <a:latin typeface="+mn-lt"/>
+                <a:ea typeface="+mn-ea"/>
+                <a:cs typeface="+mn-cs"/>
+              </a:defRPr>
+            </a:lvl5pPr>
+            <a:lvl6pPr marL="2286000" algn="l" defTabSz="914400" rtl="0" eaLnBrk="1" latinLnBrk="1" hangingPunct="1">
+              <a:defRPr sz="1800" kern="1200">
+                <a:solidFill>
+                  <a:schemeClr val="tx1"/>
+                </a:solidFill>
+                <a:latin typeface="+mn-lt"/>
+                <a:ea typeface="+mn-ea"/>
+                <a:cs typeface="+mn-cs"/>
+              </a:defRPr>
+            </a:lvl6pPr>
+            <a:lvl7pPr marL="2743200" algn="l" defTabSz="914400" rtl="0" eaLnBrk="1" latinLnBrk="1" hangingPunct="1">
+              <a:defRPr sz="1800" kern="1200">
+                <a:solidFill>
+                  <a:schemeClr val="tx1"/>
+                </a:solidFill>
+                <a:latin typeface="+mn-lt"/>
+                <a:ea typeface="+mn-ea"/>
+                <a:cs typeface="+mn-cs"/>
+              </a:defRPr>
+            </a:lvl7pPr>
+            <a:lvl8pPr marL="3200400" algn="l" defTabSz="914400" rtl="0" eaLnBrk="1" latinLnBrk="1" hangingPunct="1">
+              <a:defRPr sz="1800" kern="1200">
+                <a:solidFill>
+                  <a:schemeClr val="tx1"/>
+                </a:solidFill>
+                <a:latin typeface="+mn-lt"/>
+                <a:ea typeface="+mn-ea"/>
+                <a:cs typeface="+mn-cs"/>
+              </a:defRPr>
+            </a:lvl8pPr>
+            <a:lvl9pPr marL="3657600" algn="l" defTabSz="914400" rtl="0" eaLnBrk="1" latinLnBrk="1" hangingPunct="1">
+              <a:defRPr sz="1800" kern="1200">
+                <a:solidFill>
+                  <a:schemeClr val="tx1"/>
+                </a:solidFill>
+                <a:latin typeface="+mn-lt"/>
+                <a:ea typeface="+mn-ea"/>
+                <a:cs typeface="+mn-cs"/>
+              </a:defRPr>
+            </a:lvl9pPr>
+          </a:lstStyle>
+          <a:p>
+            <a:pPr algn="ctr"/>
+            <a:r>
+              <a:rPr lang="en-US" altLang="ko-KR" sz="1400" b="1" dirty="0" smtClean="0">
+                <a:latin typeface="Times New Roman" panose="02020603050405020304" pitchFamily="18" charset="0"/>
+                <a:ea typeface="배달의민족 주아" panose="02020603020101020101" pitchFamily="18" charset="-127"/>
+                <a:cs typeface="Times New Roman" panose="02020603050405020304" pitchFamily="18" charset="0"/>
+              </a:rPr>
+              <a:t>Tag Node(TN)</a:t>
+            </a:r>
+            <a:endParaRPr lang="ko-KR" altLang="en-US" sz="1400" b="1" dirty="0">
+              <a:latin typeface="Times New Roman" panose="02020603050405020304" pitchFamily="18" charset="0"/>
+              <a:ea typeface="배달의민족 주아" panose="02020603020101020101" pitchFamily="18" charset="-127"/>
+              <a:cs typeface="Times New Roman" panose="02020603050405020304" pitchFamily="18" charset="0"/>
+            </a:endParaRPr>
+          </a:p>
+        </p:txBody>
+      </p:sp>
+    </p:spTree>
+    <p:extLst>
+      <p:ext uri="{BB962C8B-B14F-4D97-AF65-F5344CB8AC3E}">
+        <p14:creationId xmlns:p14="http://schemas.microsoft.com/office/powerpoint/2010/main" val="479943556"/>
       </p:ext>
     </p:extLst>
   </p:cSld>

--- a/changgyu_참고자료/자료.pptx
+++ b/changgyu_참고자료/자료.pptx
@@ -10,6 +10,7 @@
     <p:sldId id="257" r:id="rId4"/>
     <p:sldId id="260" r:id="rId5"/>
     <p:sldId id="261" r:id="rId6"/>
+    <p:sldId id="262" r:id="rId7"/>
   </p:sldIdLst>
   <p:sldSz cx="12192000" cy="6858000"/>
   <p:notesSz cx="6858000" cy="9144000"/>
@@ -247,7 +248,7 @@
           <a:p>
             <a:fld id="{1922C581-59D4-4B56-B830-B70E24B99D7C}" type="datetimeFigureOut">
               <a:rPr lang="ko-KR" altLang="en-US" smtClean="0"/>
-              <a:t>2018-12-27</a:t>
+              <a:t>2019-01-02</a:t>
             </a:fld>
             <a:endParaRPr lang="ko-KR" altLang="en-US"/>
           </a:p>
@@ -417,7 +418,7 @@
           <a:p>
             <a:fld id="{1922C581-59D4-4B56-B830-B70E24B99D7C}" type="datetimeFigureOut">
               <a:rPr lang="ko-KR" altLang="en-US" smtClean="0"/>
-              <a:t>2018-12-27</a:t>
+              <a:t>2019-01-02</a:t>
             </a:fld>
             <a:endParaRPr lang="ko-KR" altLang="en-US"/>
           </a:p>
@@ -597,7 +598,7 @@
           <a:p>
             <a:fld id="{1922C581-59D4-4B56-B830-B70E24B99D7C}" type="datetimeFigureOut">
               <a:rPr lang="ko-KR" altLang="en-US" smtClean="0"/>
-              <a:t>2018-12-27</a:t>
+              <a:t>2019-01-02</a:t>
             </a:fld>
             <a:endParaRPr lang="ko-KR" altLang="en-US"/>
           </a:p>
@@ -767,7 +768,7 @@
           <a:p>
             <a:fld id="{1922C581-59D4-4B56-B830-B70E24B99D7C}" type="datetimeFigureOut">
               <a:rPr lang="ko-KR" altLang="en-US" smtClean="0"/>
-              <a:t>2018-12-27</a:t>
+              <a:t>2019-01-02</a:t>
             </a:fld>
             <a:endParaRPr lang="ko-KR" altLang="en-US"/>
           </a:p>
@@ -1013,7 +1014,7 @@
           <a:p>
             <a:fld id="{1922C581-59D4-4B56-B830-B70E24B99D7C}" type="datetimeFigureOut">
               <a:rPr lang="ko-KR" altLang="en-US" smtClean="0"/>
-              <a:t>2018-12-27</a:t>
+              <a:t>2019-01-02</a:t>
             </a:fld>
             <a:endParaRPr lang="ko-KR" altLang="en-US"/>
           </a:p>
@@ -1245,7 +1246,7 @@
           <a:p>
             <a:fld id="{1922C581-59D4-4B56-B830-B70E24B99D7C}" type="datetimeFigureOut">
               <a:rPr lang="ko-KR" altLang="en-US" smtClean="0"/>
-              <a:t>2018-12-27</a:t>
+              <a:t>2019-01-02</a:t>
             </a:fld>
             <a:endParaRPr lang="ko-KR" altLang="en-US"/>
           </a:p>
@@ -1612,7 +1613,7 @@
           <a:p>
             <a:fld id="{1922C581-59D4-4B56-B830-B70E24B99D7C}" type="datetimeFigureOut">
               <a:rPr lang="ko-KR" altLang="en-US" smtClean="0"/>
-              <a:t>2018-12-27</a:t>
+              <a:t>2019-01-02</a:t>
             </a:fld>
             <a:endParaRPr lang="ko-KR" altLang="en-US"/>
           </a:p>
@@ -1730,7 +1731,7 @@
           <a:p>
             <a:fld id="{1922C581-59D4-4B56-B830-B70E24B99D7C}" type="datetimeFigureOut">
               <a:rPr lang="ko-KR" altLang="en-US" smtClean="0"/>
-              <a:t>2018-12-27</a:t>
+              <a:t>2019-01-02</a:t>
             </a:fld>
             <a:endParaRPr lang="ko-KR" altLang="en-US"/>
           </a:p>
@@ -1825,7 +1826,7 @@
           <a:p>
             <a:fld id="{1922C581-59D4-4B56-B830-B70E24B99D7C}" type="datetimeFigureOut">
               <a:rPr lang="ko-KR" altLang="en-US" smtClean="0"/>
-              <a:t>2018-12-27</a:t>
+              <a:t>2019-01-02</a:t>
             </a:fld>
             <a:endParaRPr lang="ko-KR" altLang="en-US"/>
           </a:p>
@@ -2102,7 +2103,7 @@
           <a:p>
             <a:fld id="{1922C581-59D4-4B56-B830-B70E24B99D7C}" type="datetimeFigureOut">
               <a:rPr lang="ko-KR" altLang="en-US" smtClean="0"/>
-              <a:t>2018-12-27</a:t>
+              <a:t>2019-01-02</a:t>
             </a:fld>
             <a:endParaRPr lang="ko-KR" altLang="en-US"/>
           </a:p>
@@ -2355,7 +2356,7 @@
           <a:p>
             <a:fld id="{1922C581-59D4-4B56-B830-B70E24B99D7C}" type="datetimeFigureOut">
               <a:rPr lang="ko-KR" altLang="en-US" smtClean="0"/>
-              <a:t>2018-12-27</a:t>
+              <a:t>2019-01-02</a:t>
             </a:fld>
             <a:endParaRPr lang="ko-KR" altLang="en-US"/>
           </a:p>
@@ -2568,7 +2569,7 @@
           <a:p>
             <a:fld id="{1922C581-59D4-4B56-B830-B70E24B99D7C}" type="datetimeFigureOut">
               <a:rPr lang="ko-KR" altLang="en-US" smtClean="0"/>
-              <a:t>2018-12-27</a:t>
+              <a:t>2019-01-02</a:t>
             </a:fld>
             <a:endParaRPr lang="ko-KR" altLang="en-US"/>
           </a:p>
@@ -4650,7 +4651,7 @@
         </p:nvGrpSpPr>
         <p:grpSpPr>
           <a:xfrm>
-            <a:off x="2713182" y="3271982"/>
+            <a:off x="3939600" y="2950200"/>
             <a:ext cx="4317999" cy="952500"/>
             <a:chOff x="2713182" y="3271982"/>
             <a:chExt cx="4317999" cy="952500"/>
@@ -5769,7 +5770,7 @@
         </p:nvGrpSpPr>
         <p:grpSpPr>
           <a:xfrm>
-            <a:off x="662040" y="1103826"/>
+            <a:off x="3284400" y="1920600"/>
             <a:ext cx="5621387" cy="3018038"/>
             <a:chOff x="4134289" y="3179761"/>
             <a:chExt cx="5621387" cy="3018038"/>
@@ -6744,199 +6745,214 @@
       </p:grpSpPr>
       <p:grpSp>
         <p:nvGrpSpPr>
-          <p:cNvPr id="3" name="그룹 2"/>
+          <p:cNvPr id="4" name="그룹 3"/>
           <p:cNvGrpSpPr/>
           <p:nvPr/>
         </p:nvGrpSpPr>
         <p:grpSpPr>
           <a:xfrm>
-            <a:off x="3423310" y="5833242"/>
-            <a:ext cx="1073380" cy="180000"/>
-            <a:chOff x="3415862" y="5665076"/>
-            <a:chExt cx="1073380" cy="180000"/>
+            <a:off x="2856000" y="570600"/>
+            <a:ext cx="6480610" cy="5715483"/>
+            <a:chOff x="719390" y="297759"/>
+            <a:chExt cx="6480610" cy="5715483"/>
           </a:xfrm>
         </p:grpSpPr>
-        <p:sp>
-          <p:nvSpPr>
-            <p:cNvPr id="2" name="타원 1"/>
-            <p:cNvSpPr/>
+        <p:grpSp>
+          <p:nvGrpSpPr>
+            <p:cNvPr id="3" name="그룹 2"/>
+            <p:cNvGrpSpPr/>
             <p:nvPr/>
-          </p:nvSpPr>
-          <p:spPr>
+          </p:nvGrpSpPr>
+          <p:grpSpPr>
             <a:xfrm>
-              <a:off x="3415862" y="5665076"/>
-              <a:ext cx="180000" cy="180000"/>
+              <a:off x="3423310" y="5833242"/>
+              <a:ext cx="1073380" cy="180000"/>
+              <a:chOff x="3415862" y="5665076"/>
+              <a:chExt cx="1073380" cy="180000"/>
             </a:xfrm>
-            <a:prstGeom prst="ellipse">
-              <a:avLst/>
-            </a:prstGeom>
-            <a:solidFill>
-              <a:schemeClr val="tx1"/>
-            </a:solidFill>
-            <a:ln>
+          </p:grpSpPr>
+          <p:sp>
+            <p:nvSpPr>
+              <p:cNvPr id="2" name="타원 1"/>
+              <p:cNvSpPr/>
+              <p:nvPr/>
+            </p:nvSpPr>
+            <p:spPr>
+              <a:xfrm>
+                <a:off x="3415862" y="5665076"/>
+                <a:ext cx="180000" cy="180000"/>
+              </a:xfrm>
+              <a:prstGeom prst="ellipse">
+                <a:avLst/>
+              </a:prstGeom>
               <a:solidFill>
                 <a:schemeClr val="tx1"/>
               </a:solidFill>
-            </a:ln>
-          </p:spPr>
-          <p:style>
-            <a:lnRef idx="2">
-              <a:schemeClr val="accent1">
-                <a:shade val="50000"/>
-              </a:schemeClr>
-            </a:lnRef>
-            <a:fillRef idx="1">
-              <a:schemeClr val="accent1"/>
-            </a:fillRef>
-            <a:effectRef idx="0">
-              <a:schemeClr val="accent1"/>
-            </a:effectRef>
-            <a:fontRef idx="minor">
-              <a:schemeClr val="lt1"/>
-            </a:fontRef>
-          </p:style>
-          <p:txBody>
-            <a:bodyPr rtlCol="0" anchor="ctr"/>
-            <a:lstStyle/>
-            <a:p>
-              <a:pPr algn="ctr"/>
-              <a:endParaRPr lang="ko-KR" altLang="en-US"/>
-            </a:p>
-          </p:txBody>
-        </p:sp>
-        <p:sp>
-          <p:nvSpPr>
-            <p:cNvPr id="8" name="타원 7"/>
-            <p:cNvSpPr/>
-            <p:nvPr/>
-          </p:nvSpPr>
-          <p:spPr>
-            <a:xfrm>
-              <a:off x="3862552" y="5665076"/>
-              <a:ext cx="180000" cy="180000"/>
-            </a:xfrm>
-            <a:prstGeom prst="ellipse">
-              <a:avLst/>
-            </a:prstGeom>
-            <a:solidFill>
-              <a:schemeClr val="tx1"/>
-            </a:solidFill>
-            <a:ln>
+              <a:ln>
+                <a:solidFill>
+                  <a:schemeClr val="tx1"/>
+                </a:solidFill>
+              </a:ln>
+            </p:spPr>
+            <p:style>
+              <a:lnRef idx="2">
+                <a:schemeClr val="accent1">
+                  <a:shade val="50000"/>
+                </a:schemeClr>
+              </a:lnRef>
+              <a:fillRef idx="1">
+                <a:schemeClr val="accent1"/>
+              </a:fillRef>
+              <a:effectRef idx="0">
+                <a:schemeClr val="accent1"/>
+              </a:effectRef>
+              <a:fontRef idx="minor">
+                <a:schemeClr val="lt1"/>
+              </a:fontRef>
+            </p:style>
+            <p:txBody>
+              <a:bodyPr rtlCol="0" anchor="ctr"/>
+              <a:lstStyle/>
+              <a:p>
+                <a:pPr algn="ctr"/>
+                <a:endParaRPr lang="ko-KR" altLang="en-US"/>
+              </a:p>
+            </p:txBody>
+          </p:sp>
+          <p:sp>
+            <p:nvSpPr>
+              <p:cNvPr id="8" name="타원 7"/>
+              <p:cNvSpPr/>
+              <p:nvPr/>
+            </p:nvSpPr>
+            <p:spPr>
+              <a:xfrm>
+                <a:off x="3862552" y="5665076"/>
+                <a:ext cx="180000" cy="180000"/>
+              </a:xfrm>
+              <a:prstGeom prst="ellipse">
+                <a:avLst/>
+              </a:prstGeom>
               <a:solidFill>
                 <a:schemeClr val="tx1"/>
               </a:solidFill>
-            </a:ln>
-          </p:spPr>
-          <p:style>
-            <a:lnRef idx="2">
-              <a:schemeClr val="accent1">
-                <a:shade val="50000"/>
-              </a:schemeClr>
-            </a:lnRef>
-            <a:fillRef idx="1">
-              <a:schemeClr val="accent1"/>
-            </a:fillRef>
-            <a:effectRef idx="0">
-              <a:schemeClr val="accent1"/>
-            </a:effectRef>
-            <a:fontRef idx="minor">
-              <a:schemeClr val="lt1"/>
-            </a:fontRef>
-          </p:style>
-          <p:txBody>
-            <a:bodyPr rtlCol="0" anchor="ctr"/>
-            <a:lstStyle/>
-            <a:p>
-              <a:pPr algn="ctr"/>
-              <a:endParaRPr lang="ko-KR" altLang="en-US"/>
-            </a:p>
-          </p:txBody>
-        </p:sp>
-        <p:sp>
-          <p:nvSpPr>
-            <p:cNvPr id="9" name="타원 8"/>
-            <p:cNvSpPr/>
-            <p:nvPr/>
-          </p:nvSpPr>
-          <p:spPr>
-            <a:xfrm>
-              <a:off x="4309242" y="5665076"/>
-              <a:ext cx="180000" cy="180000"/>
-            </a:xfrm>
-            <a:prstGeom prst="ellipse">
-              <a:avLst/>
-            </a:prstGeom>
-            <a:solidFill>
-              <a:schemeClr val="tx1"/>
-            </a:solidFill>
-            <a:ln>
+              <a:ln>
+                <a:solidFill>
+                  <a:schemeClr val="tx1"/>
+                </a:solidFill>
+              </a:ln>
+            </p:spPr>
+            <p:style>
+              <a:lnRef idx="2">
+                <a:schemeClr val="accent1">
+                  <a:shade val="50000"/>
+                </a:schemeClr>
+              </a:lnRef>
+              <a:fillRef idx="1">
+                <a:schemeClr val="accent1"/>
+              </a:fillRef>
+              <a:effectRef idx="0">
+                <a:schemeClr val="accent1"/>
+              </a:effectRef>
+              <a:fontRef idx="minor">
+                <a:schemeClr val="lt1"/>
+              </a:fontRef>
+            </p:style>
+            <p:txBody>
+              <a:bodyPr rtlCol="0" anchor="ctr"/>
+              <a:lstStyle/>
+              <a:p>
+                <a:pPr algn="ctr"/>
+                <a:endParaRPr lang="ko-KR" altLang="en-US"/>
+              </a:p>
+            </p:txBody>
+          </p:sp>
+          <p:sp>
+            <p:nvSpPr>
+              <p:cNvPr id="9" name="타원 8"/>
+              <p:cNvSpPr/>
+              <p:nvPr/>
+            </p:nvSpPr>
+            <p:spPr>
+              <a:xfrm>
+                <a:off x="4309242" y="5665076"/>
+                <a:ext cx="180000" cy="180000"/>
+              </a:xfrm>
+              <a:prstGeom prst="ellipse">
+                <a:avLst/>
+              </a:prstGeom>
               <a:solidFill>
                 <a:schemeClr val="tx1"/>
               </a:solidFill>
-            </a:ln>
+              <a:ln>
+                <a:solidFill>
+                  <a:schemeClr val="tx1"/>
+                </a:solidFill>
+              </a:ln>
+            </p:spPr>
+            <p:style>
+              <a:lnRef idx="2">
+                <a:schemeClr val="accent1">
+                  <a:shade val="50000"/>
+                </a:schemeClr>
+              </a:lnRef>
+              <a:fillRef idx="1">
+                <a:schemeClr val="accent1"/>
+              </a:fillRef>
+              <a:effectRef idx="0">
+                <a:schemeClr val="accent1"/>
+              </a:effectRef>
+              <a:fontRef idx="minor">
+                <a:schemeClr val="lt1"/>
+              </a:fontRef>
+            </p:style>
+            <p:txBody>
+              <a:bodyPr rtlCol="0" anchor="ctr"/>
+              <a:lstStyle/>
+              <a:p>
+                <a:pPr algn="ctr"/>
+                <a:endParaRPr lang="ko-KR" altLang="en-US"/>
+              </a:p>
+            </p:txBody>
+          </p:sp>
+        </p:grpSp>
+        <p:pic>
+          <p:nvPicPr>
+            <p:cNvPr id="17" name="그림 16"/>
+            <p:cNvPicPr>
+              <a:picLocks noChangeAspect="1"/>
+            </p:cNvPicPr>
+            <p:nvPr/>
+          </p:nvPicPr>
+          <p:blipFill>
+            <a:blip r:embed="rId2">
+              <a:extLst>
+                <a:ext uri="{BEBA8EAE-BF5A-486C-A8C5-ECC9F3942E4B}">
+                  <a14:imgProps xmlns:a14="http://schemas.microsoft.com/office/drawing/2010/main">
+                    <a14:imgLayer r:embed="rId3">
+                      <a14:imgEffect>
+                        <a14:artisticPhotocopy/>
+                      </a14:imgEffect>
+                    </a14:imgLayer>
+                  </a14:imgProps>
+                </a:ext>
+              </a:extLst>
+            </a:blip>
+            <a:stretch>
+              <a:fillRect/>
+            </a:stretch>
+          </p:blipFill>
+          <p:spPr>
+            <a:xfrm>
+              <a:off x="719390" y="297759"/>
+              <a:ext cx="6480610" cy="5041829"/>
+            </a:xfrm>
+            <a:prstGeom prst="rect">
+              <a:avLst/>
+            </a:prstGeom>
           </p:spPr>
-          <p:style>
-            <a:lnRef idx="2">
-              <a:schemeClr val="accent1">
-                <a:shade val="50000"/>
-              </a:schemeClr>
-            </a:lnRef>
-            <a:fillRef idx="1">
-              <a:schemeClr val="accent1"/>
-            </a:fillRef>
-            <a:effectRef idx="0">
-              <a:schemeClr val="accent1"/>
-            </a:effectRef>
-            <a:fontRef idx="minor">
-              <a:schemeClr val="lt1"/>
-            </a:fontRef>
-          </p:style>
-          <p:txBody>
-            <a:bodyPr rtlCol="0" anchor="ctr"/>
-            <a:lstStyle/>
-            <a:p>
-              <a:pPr algn="ctr"/>
-              <a:endParaRPr lang="ko-KR" altLang="en-US"/>
-            </a:p>
-          </p:txBody>
-        </p:sp>
+        </p:pic>
       </p:grpSp>
-      <p:pic>
-        <p:nvPicPr>
-          <p:cNvPr id="17" name="그림 16"/>
-          <p:cNvPicPr>
-            <a:picLocks noChangeAspect="1"/>
-          </p:cNvPicPr>
-          <p:nvPr/>
-        </p:nvPicPr>
-        <p:blipFill>
-          <a:blip r:embed="rId2">
-            <a:extLst>
-              <a:ext uri="{BEBA8EAE-BF5A-486C-A8C5-ECC9F3942E4B}">
-                <a14:imgProps xmlns:a14="http://schemas.microsoft.com/office/drawing/2010/main">
-                  <a14:imgLayer r:embed="rId3">
-                    <a14:imgEffect>
-                      <a14:artisticPhotocopy/>
-                    </a14:imgEffect>
-                  </a14:imgLayer>
-                </a14:imgProps>
-              </a:ext>
-            </a:extLst>
-          </a:blip>
-          <a:stretch>
-            <a:fillRect/>
-          </a:stretch>
-        </p:blipFill>
-        <p:spPr>
-          <a:xfrm>
-            <a:off x="719390" y="297759"/>
-            <a:ext cx="6480610" cy="5041829"/>
-          </a:xfrm>
-          <a:prstGeom prst="rect">
-            <a:avLst/>
-          </a:prstGeom>
-        </p:spPr>
-      </p:pic>
     </p:spTree>
     <p:extLst>
       <p:ext uri="{BB962C8B-B14F-4D97-AF65-F5344CB8AC3E}">
@@ -6967,613 +6983,3983 @@
           <a:chExt cx="0" cy="0"/>
         </a:xfrm>
       </p:grpSpPr>
-      <p:pic>
-        <p:nvPicPr>
-          <p:cNvPr id="13" name="그림 12">
-            <a:extLst>
-              <a:ext uri="{FF2B5EF4-FFF2-40B4-BE49-F238E27FC236}">
-                <a16:creationId xmlns:a16="http://schemas.microsoft.com/office/drawing/2014/main" id="{B2393A60-942A-443D-B3E4-19AF6969E0D0}"/>
-              </a:ext>
-            </a:extLst>
-          </p:cNvPr>
-          <p:cNvPicPr>
-            <a:picLocks noChangeAspect="1"/>
-          </p:cNvPicPr>
+      <p:grpSp>
+        <p:nvGrpSpPr>
+          <p:cNvPr id="2" name="그룹 1"/>
+          <p:cNvGrpSpPr/>
           <p:nvPr/>
-        </p:nvPicPr>
-        <p:blipFill>
-          <a:blip r:embed="rId2">
-            <a:extLst>
-              <a:ext uri="{28A0092B-C50C-407E-A947-70E740481C1C}">
-                <a14:useLocalDpi xmlns:a14="http://schemas.microsoft.com/office/drawing/2010/main" val="0"/>
-              </a:ext>
-            </a:extLst>
-          </a:blip>
-          <a:stretch>
-            <a:fillRect/>
-          </a:stretch>
-        </p:blipFill>
-        <p:spPr>
+        </p:nvGrpSpPr>
+        <p:grpSpPr>
           <a:xfrm>
-            <a:off x="4108810" y="1935838"/>
-            <a:ext cx="3974380" cy="2986323"/>
+            <a:off x="4072800" y="1935000"/>
+            <a:ext cx="4041516" cy="2986323"/>
+            <a:chOff x="4041674" y="1935838"/>
+            <a:chExt cx="4041516" cy="2986323"/>
           </a:xfrm>
-          <a:prstGeom prst="rect">
-            <a:avLst/>
-          </a:prstGeom>
-        </p:spPr>
-      </p:pic>
-      <p:sp>
-        <p:nvSpPr>
-          <p:cNvPr id="14" name="타원 13"/>
-          <p:cNvSpPr/>
-          <p:nvPr/>
-        </p:nvSpPr>
-        <p:spPr>
-          <a:xfrm>
-            <a:off x="5866592" y="3518615"/>
-            <a:ext cx="795674" cy="795674"/>
-          </a:xfrm>
-          <a:prstGeom prst="ellipse">
-            <a:avLst/>
-          </a:prstGeom>
-          <a:noFill/>
-          <a:ln w="38100">
-            <a:solidFill>
-              <a:schemeClr val="tx1"/>
-            </a:solidFill>
-          </a:ln>
-        </p:spPr>
-        <p:style>
-          <a:lnRef idx="2">
-            <a:schemeClr val="accent1">
-              <a:shade val="50000"/>
-            </a:schemeClr>
-          </a:lnRef>
-          <a:fillRef idx="1">
-            <a:schemeClr val="accent1"/>
-          </a:fillRef>
-          <a:effectRef idx="0">
-            <a:schemeClr val="accent1"/>
-          </a:effectRef>
-          <a:fontRef idx="minor">
-            <a:schemeClr val="lt1"/>
-          </a:fontRef>
-        </p:style>
-        <p:txBody>
-          <a:bodyPr rtlCol="0" anchor="ctr"/>
-          <a:lstStyle>
-            <a:defPPr>
-              <a:defRPr lang="ko-KR"/>
-            </a:defPPr>
-            <a:lvl1pPr marL="0" algn="l" defTabSz="914400" rtl="0" eaLnBrk="1" latinLnBrk="1" hangingPunct="1">
-              <a:defRPr sz="1800" kern="1200">
-                <a:solidFill>
-                  <a:schemeClr val="lt1"/>
-                </a:solidFill>
-                <a:latin typeface="+mn-lt"/>
-                <a:ea typeface="+mn-ea"/>
-                <a:cs typeface="+mn-cs"/>
-              </a:defRPr>
-            </a:lvl1pPr>
-            <a:lvl2pPr marL="457200" algn="l" defTabSz="914400" rtl="0" eaLnBrk="1" latinLnBrk="1" hangingPunct="1">
-              <a:defRPr sz="1800" kern="1200">
-                <a:solidFill>
-                  <a:schemeClr val="lt1"/>
-                </a:solidFill>
-                <a:latin typeface="+mn-lt"/>
-                <a:ea typeface="+mn-ea"/>
-                <a:cs typeface="+mn-cs"/>
-              </a:defRPr>
-            </a:lvl2pPr>
-            <a:lvl3pPr marL="914400" algn="l" defTabSz="914400" rtl="0" eaLnBrk="1" latinLnBrk="1" hangingPunct="1">
-              <a:defRPr sz="1800" kern="1200">
-                <a:solidFill>
-                  <a:schemeClr val="lt1"/>
-                </a:solidFill>
-                <a:latin typeface="+mn-lt"/>
-                <a:ea typeface="+mn-ea"/>
-                <a:cs typeface="+mn-cs"/>
-              </a:defRPr>
-            </a:lvl3pPr>
-            <a:lvl4pPr marL="1371600" algn="l" defTabSz="914400" rtl="0" eaLnBrk="1" latinLnBrk="1" hangingPunct="1">
-              <a:defRPr sz="1800" kern="1200">
-                <a:solidFill>
-                  <a:schemeClr val="lt1"/>
-                </a:solidFill>
-                <a:latin typeface="+mn-lt"/>
-                <a:ea typeface="+mn-ea"/>
-                <a:cs typeface="+mn-cs"/>
-              </a:defRPr>
-            </a:lvl4pPr>
-            <a:lvl5pPr marL="1828800" algn="l" defTabSz="914400" rtl="0" eaLnBrk="1" latinLnBrk="1" hangingPunct="1">
-              <a:defRPr sz="1800" kern="1200">
-                <a:solidFill>
-                  <a:schemeClr val="lt1"/>
-                </a:solidFill>
-                <a:latin typeface="+mn-lt"/>
-                <a:ea typeface="+mn-ea"/>
-                <a:cs typeface="+mn-cs"/>
-              </a:defRPr>
-            </a:lvl5pPr>
-            <a:lvl6pPr marL="2286000" algn="l" defTabSz="914400" rtl="0" eaLnBrk="1" latinLnBrk="1" hangingPunct="1">
-              <a:defRPr sz="1800" kern="1200">
-                <a:solidFill>
-                  <a:schemeClr val="lt1"/>
-                </a:solidFill>
-                <a:latin typeface="+mn-lt"/>
-                <a:ea typeface="+mn-ea"/>
-                <a:cs typeface="+mn-cs"/>
-              </a:defRPr>
-            </a:lvl6pPr>
-            <a:lvl7pPr marL="2743200" algn="l" defTabSz="914400" rtl="0" eaLnBrk="1" latinLnBrk="1" hangingPunct="1">
-              <a:defRPr sz="1800" kern="1200">
-                <a:solidFill>
-                  <a:schemeClr val="lt1"/>
-                </a:solidFill>
-                <a:latin typeface="+mn-lt"/>
-                <a:ea typeface="+mn-ea"/>
-                <a:cs typeface="+mn-cs"/>
-              </a:defRPr>
-            </a:lvl7pPr>
-            <a:lvl8pPr marL="3200400" algn="l" defTabSz="914400" rtl="0" eaLnBrk="1" latinLnBrk="1" hangingPunct="1">
-              <a:defRPr sz="1800" kern="1200">
-                <a:solidFill>
-                  <a:schemeClr val="lt1"/>
-                </a:solidFill>
-                <a:latin typeface="+mn-lt"/>
-                <a:ea typeface="+mn-ea"/>
-                <a:cs typeface="+mn-cs"/>
-              </a:defRPr>
-            </a:lvl8pPr>
-            <a:lvl9pPr marL="3657600" algn="l" defTabSz="914400" rtl="0" eaLnBrk="1" latinLnBrk="1" hangingPunct="1">
-              <a:defRPr sz="1800" kern="1200">
-                <a:solidFill>
-                  <a:schemeClr val="lt1"/>
-                </a:solidFill>
-                <a:latin typeface="+mn-lt"/>
-                <a:ea typeface="+mn-ea"/>
-                <a:cs typeface="+mn-cs"/>
-              </a:defRPr>
-            </a:lvl9pPr>
-          </a:lstStyle>
-          <a:p>
-            <a:pPr algn="ctr"/>
-            <a:endParaRPr lang="ko-KR" altLang="en-US">
-              <a:latin typeface="배달의민족 주아" panose="02020603020101020101" pitchFamily="18" charset="-127"/>
-              <a:ea typeface="배달의민족 주아" panose="02020603020101020101" pitchFamily="18" charset="-127"/>
-            </a:endParaRPr>
-          </a:p>
-        </p:txBody>
-      </p:sp>
-      <p:sp>
-        <p:nvSpPr>
-          <p:cNvPr id="21" name="TextBox 6"/>
-          <p:cNvSpPr txBox="1"/>
-          <p:nvPr/>
-        </p:nvSpPr>
-        <p:spPr>
-          <a:xfrm>
-            <a:off x="4041674" y="2370673"/>
-            <a:ext cx="1582421" cy="307777"/>
-          </a:xfrm>
-          <a:prstGeom prst="rect">
-            <a:avLst/>
-          </a:prstGeom>
-          <a:noFill/>
-          <a:ln>
+        </p:grpSpPr>
+        <p:pic>
+          <p:nvPicPr>
+            <p:cNvPr id="13" name="그림 12">
+              <a:extLst>
+                <a:ext uri="{FF2B5EF4-FFF2-40B4-BE49-F238E27FC236}">
+                  <a16:creationId xmlns:a16="http://schemas.microsoft.com/office/drawing/2014/main" id="{B2393A60-942A-443D-B3E4-19AF6969E0D0}"/>
+                </a:ext>
+              </a:extLst>
+            </p:cNvPr>
+            <p:cNvPicPr>
+              <a:picLocks noChangeAspect="1"/>
+            </p:cNvPicPr>
+            <p:nvPr/>
+          </p:nvPicPr>
+          <p:blipFill>
+            <a:blip r:embed="rId2">
+              <a:extLst>
+                <a:ext uri="{28A0092B-C50C-407E-A947-70E740481C1C}">
+                  <a14:useLocalDpi xmlns:a14="http://schemas.microsoft.com/office/drawing/2010/main" val="0"/>
+                </a:ext>
+              </a:extLst>
+            </a:blip>
+            <a:stretch>
+              <a:fillRect/>
+            </a:stretch>
+          </p:blipFill>
+          <p:spPr>
+            <a:xfrm>
+              <a:off x="4108810" y="1935838"/>
+              <a:ext cx="3974380" cy="2986323"/>
+            </a:xfrm>
+            <a:prstGeom prst="rect">
+              <a:avLst/>
+            </a:prstGeom>
+          </p:spPr>
+        </p:pic>
+        <p:sp>
+          <p:nvSpPr>
+            <p:cNvPr id="14" name="타원 13"/>
+            <p:cNvSpPr/>
+            <p:nvPr/>
+          </p:nvSpPr>
+          <p:spPr>
+            <a:xfrm>
+              <a:off x="5866592" y="3518615"/>
+              <a:ext cx="795674" cy="795674"/>
+            </a:xfrm>
+            <a:prstGeom prst="ellipse">
+              <a:avLst/>
+            </a:prstGeom>
             <a:noFill/>
-          </a:ln>
-        </p:spPr>
-        <p:txBody>
-          <a:bodyPr wrap="none" rtlCol="0">
-            <a:spAutoFit/>
-          </a:bodyPr>
-          <a:lstStyle>
-            <a:defPPr>
-              <a:defRPr lang="ko-KR"/>
-            </a:defPPr>
-            <a:lvl1pPr marL="0" algn="l" defTabSz="914400" rtl="0" eaLnBrk="1" latinLnBrk="1" hangingPunct="1">
-              <a:defRPr sz="1800" kern="1200">
-                <a:solidFill>
-                  <a:schemeClr val="tx1"/>
-                </a:solidFill>
-                <a:latin typeface="+mn-lt"/>
-                <a:ea typeface="+mn-ea"/>
-                <a:cs typeface="+mn-cs"/>
-              </a:defRPr>
-            </a:lvl1pPr>
-            <a:lvl2pPr marL="457200" algn="l" defTabSz="914400" rtl="0" eaLnBrk="1" latinLnBrk="1" hangingPunct="1">
-              <a:defRPr sz="1800" kern="1200">
-                <a:solidFill>
-                  <a:schemeClr val="tx1"/>
-                </a:solidFill>
-                <a:latin typeface="+mn-lt"/>
-                <a:ea typeface="+mn-ea"/>
-                <a:cs typeface="+mn-cs"/>
-              </a:defRPr>
-            </a:lvl2pPr>
-            <a:lvl3pPr marL="914400" algn="l" defTabSz="914400" rtl="0" eaLnBrk="1" latinLnBrk="1" hangingPunct="1">
-              <a:defRPr sz="1800" kern="1200">
-                <a:solidFill>
-                  <a:schemeClr val="tx1"/>
-                </a:solidFill>
-                <a:latin typeface="+mn-lt"/>
-                <a:ea typeface="+mn-ea"/>
-                <a:cs typeface="+mn-cs"/>
-              </a:defRPr>
-            </a:lvl3pPr>
-            <a:lvl4pPr marL="1371600" algn="l" defTabSz="914400" rtl="0" eaLnBrk="1" latinLnBrk="1" hangingPunct="1">
-              <a:defRPr sz="1800" kern="1200">
-                <a:solidFill>
-                  <a:schemeClr val="tx1"/>
-                </a:solidFill>
-                <a:latin typeface="+mn-lt"/>
-                <a:ea typeface="+mn-ea"/>
-                <a:cs typeface="+mn-cs"/>
-              </a:defRPr>
-            </a:lvl4pPr>
-            <a:lvl5pPr marL="1828800" algn="l" defTabSz="914400" rtl="0" eaLnBrk="1" latinLnBrk="1" hangingPunct="1">
-              <a:defRPr sz="1800" kern="1200">
-                <a:solidFill>
-                  <a:schemeClr val="tx1"/>
-                </a:solidFill>
-                <a:latin typeface="+mn-lt"/>
-                <a:ea typeface="+mn-ea"/>
-                <a:cs typeface="+mn-cs"/>
-              </a:defRPr>
-            </a:lvl5pPr>
-            <a:lvl6pPr marL="2286000" algn="l" defTabSz="914400" rtl="0" eaLnBrk="1" latinLnBrk="1" hangingPunct="1">
-              <a:defRPr sz="1800" kern="1200">
-                <a:solidFill>
-                  <a:schemeClr val="tx1"/>
-                </a:solidFill>
-                <a:latin typeface="+mn-lt"/>
-                <a:ea typeface="+mn-ea"/>
-                <a:cs typeface="+mn-cs"/>
-              </a:defRPr>
-            </a:lvl6pPr>
-            <a:lvl7pPr marL="2743200" algn="l" defTabSz="914400" rtl="0" eaLnBrk="1" latinLnBrk="1" hangingPunct="1">
-              <a:defRPr sz="1800" kern="1200">
-                <a:solidFill>
-                  <a:schemeClr val="tx1"/>
-                </a:solidFill>
-                <a:latin typeface="+mn-lt"/>
-                <a:ea typeface="+mn-ea"/>
-                <a:cs typeface="+mn-cs"/>
-              </a:defRPr>
-            </a:lvl7pPr>
-            <a:lvl8pPr marL="3200400" algn="l" defTabSz="914400" rtl="0" eaLnBrk="1" latinLnBrk="1" hangingPunct="1">
-              <a:defRPr sz="1800" kern="1200">
-                <a:solidFill>
-                  <a:schemeClr val="tx1"/>
-                </a:solidFill>
-                <a:latin typeface="+mn-lt"/>
-                <a:ea typeface="+mn-ea"/>
-                <a:cs typeface="+mn-cs"/>
-              </a:defRPr>
-            </a:lvl8pPr>
-            <a:lvl9pPr marL="3657600" algn="l" defTabSz="914400" rtl="0" eaLnBrk="1" latinLnBrk="1" hangingPunct="1">
-              <a:defRPr sz="1800" kern="1200">
-                <a:solidFill>
-                  <a:schemeClr val="tx1"/>
-                </a:solidFill>
-                <a:latin typeface="+mn-lt"/>
-                <a:ea typeface="+mn-ea"/>
-                <a:cs typeface="+mn-cs"/>
-              </a:defRPr>
-            </a:lvl9pPr>
-          </a:lstStyle>
-          <a:p>
-            <a:pPr algn="ctr"/>
-            <a:r>
-              <a:rPr lang="en-US" altLang="ko-KR" sz="1400" b="1" dirty="0" smtClean="0">
+            <a:ln w="38100">
+              <a:solidFill>
+                <a:schemeClr val="tx1"/>
+              </a:solidFill>
+            </a:ln>
+          </p:spPr>
+          <p:style>
+            <a:lnRef idx="2">
+              <a:schemeClr val="accent1">
+                <a:shade val="50000"/>
+              </a:schemeClr>
+            </a:lnRef>
+            <a:fillRef idx="1">
+              <a:schemeClr val="accent1"/>
+            </a:fillRef>
+            <a:effectRef idx="0">
+              <a:schemeClr val="accent1"/>
+            </a:effectRef>
+            <a:fontRef idx="minor">
+              <a:schemeClr val="lt1"/>
+            </a:fontRef>
+          </p:style>
+          <p:txBody>
+            <a:bodyPr rtlCol="0" anchor="ctr"/>
+            <a:lstStyle>
+              <a:defPPr>
+                <a:defRPr lang="ko-KR"/>
+              </a:defPPr>
+              <a:lvl1pPr marL="0" algn="l" defTabSz="914400" rtl="0" eaLnBrk="1" latinLnBrk="1" hangingPunct="1">
+                <a:defRPr sz="1800" kern="1200">
+                  <a:solidFill>
+                    <a:schemeClr val="lt1"/>
+                  </a:solidFill>
+                  <a:latin typeface="+mn-lt"/>
+                  <a:ea typeface="+mn-ea"/>
+                  <a:cs typeface="+mn-cs"/>
+                </a:defRPr>
+              </a:lvl1pPr>
+              <a:lvl2pPr marL="457200" algn="l" defTabSz="914400" rtl="0" eaLnBrk="1" latinLnBrk="1" hangingPunct="1">
+                <a:defRPr sz="1800" kern="1200">
+                  <a:solidFill>
+                    <a:schemeClr val="lt1"/>
+                  </a:solidFill>
+                  <a:latin typeface="+mn-lt"/>
+                  <a:ea typeface="+mn-ea"/>
+                  <a:cs typeface="+mn-cs"/>
+                </a:defRPr>
+              </a:lvl2pPr>
+              <a:lvl3pPr marL="914400" algn="l" defTabSz="914400" rtl="0" eaLnBrk="1" latinLnBrk="1" hangingPunct="1">
+                <a:defRPr sz="1800" kern="1200">
+                  <a:solidFill>
+                    <a:schemeClr val="lt1"/>
+                  </a:solidFill>
+                  <a:latin typeface="+mn-lt"/>
+                  <a:ea typeface="+mn-ea"/>
+                  <a:cs typeface="+mn-cs"/>
+                </a:defRPr>
+              </a:lvl3pPr>
+              <a:lvl4pPr marL="1371600" algn="l" defTabSz="914400" rtl="0" eaLnBrk="1" latinLnBrk="1" hangingPunct="1">
+                <a:defRPr sz="1800" kern="1200">
+                  <a:solidFill>
+                    <a:schemeClr val="lt1"/>
+                  </a:solidFill>
+                  <a:latin typeface="+mn-lt"/>
+                  <a:ea typeface="+mn-ea"/>
+                  <a:cs typeface="+mn-cs"/>
+                </a:defRPr>
+              </a:lvl4pPr>
+              <a:lvl5pPr marL="1828800" algn="l" defTabSz="914400" rtl="0" eaLnBrk="1" latinLnBrk="1" hangingPunct="1">
+                <a:defRPr sz="1800" kern="1200">
+                  <a:solidFill>
+                    <a:schemeClr val="lt1"/>
+                  </a:solidFill>
+                  <a:latin typeface="+mn-lt"/>
+                  <a:ea typeface="+mn-ea"/>
+                  <a:cs typeface="+mn-cs"/>
+                </a:defRPr>
+              </a:lvl5pPr>
+              <a:lvl6pPr marL="2286000" algn="l" defTabSz="914400" rtl="0" eaLnBrk="1" latinLnBrk="1" hangingPunct="1">
+                <a:defRPr sz="1800" kern="1200">
+                  <a:solidFill>
+                    <a:schemeClr val="lt1"/>
+                  </a:solidFill>
+                  <a:latin typeface="+mn-lt"/>
+                  <a:ea typeface="+mn-ea"/>
+                  <a:cs typeface="+mn-cs"/>
+                </a:defRPr>
+              </a:lvl6pPr>
+              <a:lvl7pPr marL="2743200" algn="l" defTabSz="914400" rtl="0" eaLnBrk="1" latinLnBrk="1" hangingPunct="1">
+                <a:defRPr sz="1800" kern="1200">
+                  <a:solidFill>
+                    <a:schemeClr val="lt1"/>
+                  </a:solidFill>
+                  <a:latin typeface="+mn-lt"/>
+                  <a:ea typeface="+mn-ea"/>
+                  <a:cs typeface="+mn-cs"/>
+                </a:defRPr>
+              </a:lvl7pPr>
+              <a:lvl8pPr marL="3200400" algn="l" defTabSz="914400" rtl="0" eaLnBrk="1" latinLnBrk="1" hangingPunct="1">
+                <a:defRPr sz="1800" kern="1200">
+                  <a:solidFill>
+                    <a:schemeClr val="lt1"/>
+                  </a:solidFill>
+                  <a:latin typeface="+mn-lt"/>
+                  <a:ea typeface="+mn-ea"/>
+                  <a:cs typeface="+mn-cs"/>
+                </a:defRPr>
+              </a:lvl8pPr>
+              <a:lvl9pPr marL="3657600" algn="l" defTabSz="914400" rtl="0" eaLnBrk="1" latinLnBrk="1" hangingPunct="1">
+                <a:defRPr sz="1800" kern="1200">
+                  <a:solidFill>
+                    <a:schemeClr val="lt1"/>
+                  </a:solidFill>
+                  <a:latin typeface="+mn-lt"/>
+                  <a:ea typeface="+mn-ea"/>
+                  <a:cs typeface="+mn-cs"/>
+                </a:defRPr>
+              </a:lvl9pPr>
+            </a:lstStyle>
+            <a:p>
+              <a:pPr algn="ctr"/>
+              <a:endParaRPr lang="ko-KR" altLang="en-US">
+                <a:latin typeface="배달의민족 주아" panose="02020603020101020101" pitchFamily="18" charset="-127"/>
+                <a:ea typeface="배달의민족 주아" panose="02020603020101020101" pitchFamily="18" charset="-127"/>
+              </a:endParaRPr>
+            </a:p>
+          </p:txBody>
+        </p:sp>
+        <p:sp>
+          <p:nvSpPr>
+            <p:cNvPr id="21" name="TextBox 6"/>
+            <p:cNvSpPr txBox="1"/>
+            <p:nvPr/>
+          </p:nvSpPr>
+          <p:spPr>
+            <a:xfrm>
+              <a:off x="4041674" y="2370673"/>
+              <a:ext cx="1582421" cy="307777"/>
+            </a:xfrm>
+            <a:prstGeom prst="rect">
+              <a:avLst/>
+            </a:prstGeom>
+            <a:noFill/>
+            <a:ln>
+              <a:noFill/>
+            </a:ln>
+          </p:spPr>
+          <p:txBody>
+            <a:bodyPr wrap="none" rtlCol="0">
+              <a:spAutoFit/>
+            </a:bodyPr>
+            <a:lstStyle>
+              <a:defPPr>
+                <a:defRPr lang="ko-KR"/>
+              </a:defPPr>
+              <a:lvl1pPr marL="0" algn="l" defTabSz="914400" rtl="0" eaLnBrk="1" latinLnBrk="1" hangingPunct="1">
+                <a:defRPr sz="1800" kern="1200">
+                  <a:solidFill>
+                    <a:schemeClr val="tx1"/>
+                  </a:solidFill>
+                  <a:latin typeface="+mn-lt"/>
+                  <a:ea typeface="+mn-ea"/>
+                  <a:cs typeface="+mn-cs"/>
+                </a:defRPr>
+              </a:lvl1pPr>
+              <a:lvl2pPr marL="457200" algn="l" defTabSz="914400" rtl="0" eaLnBrk="1" latinLnBrk="1" hangingPunct="1">
+                <a:defRPr sz="1800" kern="1200">
+                  <a:solidFill>
+                    <a:schemeClr val="tx1"/>
+                  </a:solidFill>
+                  <a:latin typeface="+mn-lt"/>
+                  <a:ea typeface="+mn-ea"/>
+                  <a:cs typeface="+mn-cs"/>
+                </a:defRPr>
+              </a:lvl2pPr>
+              <a:lvl3pPr marL="914400" algn="l" defTabSz="914400" rtl="0" eaLnBrk="1" latinLnBrk="1" hangingPunct="1">
+                <a:defRPr sz="1800" kern="1200">
+                  <a:solidFill>
+                    <a:schemeClr val="tx1"/>
+                  </a:solidFill>
+                  <a:latin typeface="+mn-lt"/>
+                  <a:ea typeface="+mn-ea"/>
+                  <a:cs typeface="+mn-cs"/>
+                </a:defRPr>
+              </a:lvl3pPr>
+              <a:lvl4pPr marL="1371600" algn="l" defTabSz="914400" rtl="0" eaLnBrk="1" latinLnBrk="1" hangingPunct="1">
+                <a:defRPr sz="1800" kern="1200">
+                  <a:solidFill>
+                    <a:schemeClr val="tx1"/>
+                  </a:solidFill>
+                  <a:latin typeface="+mn-lt"/>
+                  <a:ea typeface="+mn-ea"/>
+                  <a:cs typeface="+mn-cs"/>
+                </a:defRPr>
+              </a:lvl4pPr>
+              <a:lvl5pPr marL="1828800" algn="l" defTabSz="914400" rtl="0" eaLnBrk="1" latinLnBrk="1" hangingPunct="1">
+                <a:defRPr sz="1800" kern="1200">
+                  <a:solidFill>
+                    <a:schemeClr val="tx1"/>
+                  </a:solidFill>
+                  <a:latin typeface="+mn-lt"/>
+                  <a:ea typeface="+mn-ea"/>
+                  <a:cs typeface="+mn-cs"/>
+                </a:defRPr>
+              </a:lvl5pPr>
+              <a:lvl6pPr marL="2286000" algn="l" defTabSz="914400" rtl="0" eaLnBrk="1" latinLnBrk="1" hangingPunct="1">
+                <a:defRPr sz="1800" kern="1200">
+                  <a:solidFill>
+                    <a:schemeClr val="tx1"/>
+                  </a:solidFill>
+                  <a:latin typeface="+mn-lt"/>
+                  <a:ea typeface="+mn-ea"/>
+                  <a:cs typeface="+mn-cs"/>
+                </a:defRPr>
+              </a:lvl6pPr>
+              <a:lvl7pPr marL="2743200" algn="l" defTabSz="914400" rtl="0" eaLnBrk="1" latinLnBrk="1" hangingPunct="1">
+                <a:defRPr sz="1800" kern="1200">
+                  <a:solidFill>
+                    <a:schemeClr val="tx1"/>
+                  </a:solidFill>
+                  <a:latin typeface="+mn-lt"/>
+                  <a:ea typeface="+mn-ea"/>
+                  <a:cs typeface="+mn-cs"/>
+                </a:defRPr>
+              </a:lvl7pPr>
+              <a:lvl8pPr marL="3200400" algn="l" defTabSz="914400" rtl="0" eaLnBrk="1" latinLnBrk="1" hangingPunct="1">
+                <a:defRPr sz="1800" kern="1200">
+                  <a:solidFill>
+                    <a:schemeClr val="tx1"/>
+                  </a:solidFill>
+                  <a:latin typeface="+mn-lt"/>
+                  <a:ea typeface="+mn-ea"/>
+                  <a:cs typeface="+mn-cs"/>
+                </a:defRPr>
+              </a:lvl8pPr>
+              <a:lvl9pPr marL="3657600" algn="l" defTabSz="914400" rtl="0" eaLnBrk="1" latinLnBrk="1" hangingPunct="1">
+                <a:defRPr sz="1800" kern="1200">
+                  <a:solidFill>
+                    <a:schemeClr val="tx1"/>
+                  </a:solidFill>
+                  <a:latin typeface="+mn-lt"/>
+                  <a:ea typeface="+mn-ea"/>
+                  <a:cs typeface="+mn-cs"/>
+                </a:defRPr>
+              </a:lvl9pPr>
+            </a:lstStyle>
+            <a:p>
+              <a:pPr algn="ctr"/>
+              <a:r>
+                <a:rPr lang="en-US" altLang="ko-KR" sz="1400" b="1" dirty="0" smtClean="0">
+                  <a:solidFill>
+                    <a:srgbClr val="002060"/>
+                  </a:solidFill>
+                  <a:latin typeface="Times New Roman" panose="02020603050405020304" pitchFamily="18" charset="0"/>
+                  <a:ea typeface="배달의민족 주아" panose="02020603020101020101" pitchFamily="18" charset="-127"/>
+                  <a:cs typeface="Times New Roman" panose="02020603050405020304" pitchFamily="18" charset="0"/>
+                </a:rPr>
+                <a:t>Anchor Node(AN)</a:t>
+              </a:r>
+              <a:endParaRPr lang="ko-KR" altLang="en-US" sz="1400" b="1" dirty="0">
                 <a:solidFill>
                   <a:srgbClr val="002060"/>
                 </a:solidFill>
                 <a:latin typeface="Times New Roman" panose="02020603050405020304" pitchFamily="18" charset="0"/>
                 <a:ea typeface="배달의민족 주아" panose="02020603020101020101" pitchFamily="18" charset="-127"/>
                 <a:cs typeface="Times New Roman" panose="02020603050405020304" pitchFamily="18" charset="0"/>
-              </a:rPr>
-              <a:t>Anchor Node(AN)</a:t>
-            </a:r>
-            <a:endParaRPr lang="ko-KR" altLang="en-US" sz="1400" b="1" dirty="0">
+              </a:endParaRPr>
+            </a:p>
+          </p:txBody>
+        </p:sp>
+        <p:sp>
+          <p:nvSpPr>
+            <p:cNvPr id="16" name="타원 15"/>
+            <p:cNvSpPr/>
+            <p:nvPr/>
+          </p:nvSpPr>
+          <p:spPr>
+            <a:xfrm>
+              <a:off x="4258387" y="2694832"/>
+              <a:ext cx="795674" cy="795674"/>
+            </a:xfrm>
+            <a:prstGeom prst="ellipse">
+              <a:avLst/>
+            </a:prstGeom>
+            <a:noFill/>
+            <a:ln w="38100">
               <a:solidFill>
                 <a:srgbClr val="002060"/>
               </a:solidFill>
-              <a:latin typeface="Times New Roman" panose="02020603050405020304" pitchFamily="18" charset="0"/>
-              <a:ea typeface="배달의민족 주아" panose="02020603020101020101" pitchFamily="18" charset="-127"/>
-              <a:cs typeface="Times New Roman" panose="02020603050405020304" pitchFamily="18" charset="0"/>
-            </a:endParaRPr>
-          </a:p>
-        </p:txBody>
-      </p:sp>
-      <p:sp>
-        <p:nvSpPr>
-          <p:cNvPr id="16" name="타원 15"/>
-          <p:cNvSpPr/>
-          <p:nvPr/>
-        </p:nvSpPr>
-        <p:spPr>
-          <a:xfrm>
-            <a:off x="4258387" y="2694832"/>
-            <a:ext cx="795674" cy="795674"/>
-          </a:xfrm>
-          <a:prstGeom prst="ellipse">
-            <a:avLst/>
-          </a:prstGeom>
-          <a:noFill/>
-          <a:ln w="38100">
-            <a:solidFill>
-              <a:srgbClr val="002060"/>
-            </a:solidFill>
-          </a:ln>
-        </p:spPr>
-        <p:style>
-          <a:lnRef idx="2">
-            <a:schemeClr val="accent1">
-              <a:shade val="50000"/>
-            </a:schemeClr>
-          </a:lnRef>
-          <a:fillRef idx="1">
-            <a:schemeClr val="accent1"/>
-          </a:fillRef>
-          <a:effectRef idx="0">
-            <a:schemeClr val="accent1"/>
-          </a:effectRef>
-          <a:fontRef idx="minor">
-            <a:schemeClr val="lt1"/>
-          </a:fontRef>
-        </p:style>
-        <p:txBody>
-          <a:bodyPr rtlCol="0" anchor="ctr"/>
-          <a:lstStyle>
-            <a:defPPr>
-              <a:defRPr lang="ko-KR"/>
-            </a:defPPr>
-            <a:lvl1pPr marL="0" algn="l" defTabSz="914400" rtl="0" eaLnBrk="1" latinLnBrk="1" hangingPunct="1">
-              <a:defRPr sz="1800" kern="1200">
+            </a:ln>
+          </p:spPr>
+          <p:style>
+            <a:lnRef idx="2">
+              <a:schemeClr val="accent1">
+                <a:shade val="50000"/>
+              </a:schemeClr>
+            </a:lnRef>
+            <a:fillRef idx="1">
+              <a:schemeClr val="accent1"/>
+            </a:fillRef>
+            <a:effectRef idx="0">
+              <a:schemeClr val="accent1"/>
+            </a:effectRef>
+            <a:fontRef idx="minor">
+              <a:schemeClr val="lt1"/>
+            </a:fontRef>
+          </p:style>
+          <p:txBody>
+            <a:bodyPr rtlCol="0" anchor="ctr"/>
+            <a:lstStyle>
+              <a:defPPr>
+                <a:defRPr lang="ko-KR"/>
+              </a:defPPr>
+              <a:lvl1pPr marL="0" algn="l" defTabSz="914400" rtl="0" eaLnBrk="1" latinLnBrk="1" hangingPunct="1">
+                <a:defRPr sz="1800" kern="1200">
+                  <a:solidFill>
+                    <a:schemeClr val="lt1"/>
+                  </a:solidFill>
+                  <a:latin typeface="+mn-lt"/>
+                  <a:ea typeface="+mn-ea"/>
+                  <a:cs typeface="+mn-cs"/>
+                </a:defRPr>
+              </a:lvl1pPr>
+              <a:lvl2pPr marL="457200" algn="l" defTabSz="914400" rtl="0" eaLnBrk="1" latinLnBrk="1" hangingPunct="1">
+                <a:defRPr sz="1800" kern="1200">
+                  <a:solidFill>
+                    <a:schemeClr val="lt1"/>
+                  </a:solidFill>
+                  <a:latin typeface="+mn-lt"/>
+                  <a:ea typeface="+mn-ea"/>
+                  <a:cs typeface="+mn-cs"/>
+                </a:defRPr>
+              </a:lvl2pPr>
+              <a:lvl3pPr marL="914400" algn="l" defTabSz="914400" rtl="0" eaLnBrk="1" latinLnBrk="1" hangingPunct="1">
+                <a:defRPr sz="1800" kern="1200">
+                  <a:solidFill>
+                    <a:schemeClr val="lt1"/>
+                  </a:solidFill>
+                  <a:latin typeface="+mn-lt"/>
+                  <a:ea typeface="+mn-ea"/>
+                  <a:cs typeface="+mn-cs"/>
+                </a:defRPr>
+              </a:lvl3pPr>
+              <a:lvl4pPr marL="1371600" algn="l" defTabSz="914400" rtl="0" eaLnBrk="1" latinLnBrk="1" hangingPunct="1">
+                <a:defRPr sz="1800" kern="1200">
+                  <a:solidFill>
+                    <a:schemeClr val="lt1"/>
+                  </a:solidFill>
+                  <a:latin typeface="+mn-lt"/>
+                  <a:ea typeface="+mn-ea"/>
+                  <a:cs typeface="+mn-cs"/>
+                </a:defRPr>
+              </a:lvl4pPr>
+              <a:lvl5pPr marL="1828800" algn="l" defTabSz="914400" rtl="0" eaLnBrk="1" latinLnBrk="1" hangingPunct="1">
+                <a:defRPr sz="1800" kern="1200">
+                  <a:solidFill>
+                    <a:schemeClr val="lt1"/>
+                  </a:solidFill>
+                  <a:latin typeface="+mn-lt"/>
+                  <a:ea typeface="+mn-ea"/>
+                  <a:cs typeface="+mn-cs"/>
+                </a:defRPr>
+              </a:lvl5pPr>
+              <a:lvl6pPr marL="2286000" algn="l" defTabSz="914400" rtl="0" eaLnBrk="1" latinLnBrk="1" hangingPunct="1">
+                <a:defRPr sz="1800" kern="1200">
+                  <a:solidFill>
+                    <a:schemeClr val="lt1"/>
+                  </a:solidFill>
+                  <a:latin typeface="+mn-lt"/>
+                  <a:ea typeface="+mn-ea"/>
+                  <a:cs typeface="+mn-cs"/>
+                </a:defRPr>
+              </a:lvl6pPr>
+              <a:lvl7pPr marL="2743200" algn="l" defTabSz="914400" rtl="0" eaLnBrk="1" latinLnBrk="1" hangingPunct="1">
+                <a:defRPr sz="1800" kern="1200">
+                  <a:solidFill>
+                    <a:schemeClr val="lt1"/>
+                  </a:solidFill>
+                  <a:latin typeface="+mn-lt"/>
+                  <a:ea typeface="+mn-ea"/>
+                  <a:cs typeface="+mn-cs"/>
+                </a:defRPr>
+              </a:lvl7pPr>
+              <a:lvl8pPr marL="3200400" algn="l" defTabSz="914400" rtl="0" eaLnBrk="1" latinLnBrk="1" hangingPunct="1">
+                <a:defRPr sz="1800" kern="1200">
+                  <a:solidFill>
+                    <a:schemeClr val="lt1"/>
+                  </a:solidFill>
+                  <a:latin typeface="+mn-lt"/>
+                  <a:ea typeface="+mn-ea"/>
+                  <a:cs typeface="+mn-cs"/>
+                </a:defRPr>
+              </a:lvl8pPr>
+              <a:lvl9pPr marL="3657600" algn="l" defTabSz="914400" rtl="0" eaLnBrk="1" latinLnBrk="1" hangingPunct="1">
+                <a:defRPr sz="1800" kern="1200">
+                  <a:solidFill>
+                    <a:schemeClr val="lt1"/>
+                  </a:solidFill>
+                  <a:latin typeface="+mn-lt"/>
+                  <a:ea typeface="+mn-ea"/>
+                  <a:cs typeface="+mn-cs"/>
+                </a:defRPr>
+              </a:lvl9pPr>
+            </a:lstStyle>
+            <a:p>
+              <a:pPr algn="ctr"/>
+              <a:endParaRPr lang="ko-KR" altLang="en-US">
                 <a:solidFill>
-                  <a:schemeClr val="lt1"/>
+                  <a:srgbClr val="002060"/>
                 </a:solidFill>
-                <a:latin typeface="+mn-lt"/>
-                <a:ea typeface="+mn-ea"/>
-                <a:cs typeface="+mn-cs"/>
-              </a:defRPr>
-            </a:lvl1pPr>
-            <a:lvl2pPr marL="457200" algn="l" defTabSz="914400" rtl="0" eaLnBrk="1" latinLnBrk="1" hangingPunct="1">
-              <a:defRPr sz="1800" kern="1200">
-                <a:solidFill>
-                  <a:schemeClr val="lt1"/>
-                </a:solidFill>
-                <a:latin typeface="+mn-lt"/>
-                <a:ea typeface="+mn-ea"/>
-                <a:cs typeface="+mn-cs"/>
-              </a:defRPr>
-            </a:lvl2pPr>
-            <a:lvl3pPr marL="914400" algn="l" defTabSz="914400" rtl="0" eaLnBrk="1" latinLnBrk="1" hangingPunct="1">
-              <a:defRPr sz="1800" kern="1200">
-                <a:solidFill>
-                  <a:schemeClr val="lt1"/>
-                </a:solidFill>
-                <a:latin typeface="+mn-lt"/>
-                <a:ea typeface="+mn-ea"/>
-                <a:cs typeface="+mn-cs"/>
-              </a:defRPr>
-            </a:lvl3pPr>
-            <a:lvl4pPr marL="1371600" algn="l" defTabSz="914400" rtl="0" eaLnBrk="1" latinLnBrk="1" hangingPunct="1">
-              <a:defRPr sz="1800" kern="1200">
-                <a:solidFill>
-                  <a:schemeClr val="lt1"/>
-                </a:solidFill>
-                <a:latin typeface="+mn-lt"/>
-                <a:ea typeface="+mn-ea"/>
-                <a:cs typeface="+mn-cs"/>
-              </a:defRPr>
-            </a:lvl4pPr>
-            <a:lvl5pPr marL="1828800" algn="l" defTabSz="914400" rtl="0" eaLnBrk="1" latinLnBrk="1" hangingPunct="1">
-              <a:defRPr sz="1800" kern="1200">
-                <a:solidFill>
-                  <a:schemeClr val="lt1"/>
-                </a:solidFill>
-                <a:latin typeface="+mn-lt"/>
-                <a:ea typeface="+mn-ea"/>
-                <a:cs typeface="+mn-cs"/>
-              </a:defRPr>
-            </a:lvl5pPr>
-            <a:lvl6pPr marL="2286000" algn="l" defTabSz="914400" rtl="0" eaLnBrk="1" latinLnBrk="1" hangingPunct="1">
-              <a:defRPr sz="1800" kern="1200">
-                <a:solidFill>
-                  <a:schemeClr val="lt1"/>
-                </a:solidFill>
-                <a:latin typeface="+mn-lt"/>
-                <a:ea typeface="+mn-ea"/>
-                <a:cs typeface="+mn-cs"/>
-              </a:defRPr>
-            </a:lvl6pPr>
-            <a:lvl7pPr marL="2743200" algn="l" defTabSz="914400" rtl="0" eaLnBrk="1" latinLnBrk="1" hangingPunct="1">
-              <a:defRPr sz="1800" kern="1200">
-                <a:solidFill>
-                  <a:schemeClr val="lt1"/>
-                </a:solidFill>
-                <a:latin typeface="+mn-lt"/>
-                <a:ea typeface="+mn-ea"/>
-                <a:cs typeface="+mn-cs"/>
-              </a:defRPr>
-            </a:lvl7pPr>
-            <a:lvl8pPr marL="3200400" algn="l" defTabSz="914400" rtl="0" eaLnBrk="1" latinLnBrk="1" hangingPunct="1">
-              <a:defRPr sz="1800" kern="1200">
-                <a:solidFill>
-                  <a:schemeClr val="lt1"/>
-                </a:solidFill>
-                <a:latin typeface="+mn-lt"/>
-                <a:ea typeface="+mn-ea"/>
-                <a:cs typeface="+mn-cs"/>
-              </a:defRPr>
-            </a:lvl8pPr>
-            <a:lvl9pPr marL="3657600" algn="l" defTabSz="914400" rtl="0" eaLnBrk="1" latinLnBrk="1" hangingPunct="1">
-              <a:defRPr sz="1800" kern="1200">
-                <a:solidFill>
-                  <a:schemeClr val="lt1"/>
-                </a:solidFill>
-                <a:latin typeface="+mn-lt"/>
-                <a:ea typeface="+mn-ea"/>
-                <a:cs typeface="+mn-cs"/>
-              </a:defRPr>
-            </a:lvl9pPr>
-          </a:lstStyle>
-          <a:p>
-            <a:pPr algn="ctr"/>
-            <a:endParaRPr lang="ko-KR" altLang="en-US">
-              <a:solidFill>
-                <a:srgbClr val="002060"/>
-              </a:solidFill>
-              <a:latin typeface="배달의민족 주아" panose="02020603020101020101" pitchFamily="18" charset="-127"/>
-              <a:ea typeface="배달의민족 주아" panose="02020603020101020101" pitchFamily="18" charset="-127"/>
-            </a:endParaRPr>
-          </a:p>
-        </p:txBody>
-      </p:sp>
-      <p:sp>
-        <p:nvSpPr>
-          <p:cNvPr id="19" name="TextBox 13"/>
-          <p:cNvSpPr txBox="1"/>
-          <p:nvPr/>
-        </p:nvSpPr>
-        <p:spPr>
-          <a:xfrm>
-            <a:off x="5624095" y="4314289"/>
-            <a:ext cx="1280672" cy="307777"/>
-          </a:xfrm>
-          <a:prstGeom prst="rect">
-            <a:avLst/>
-          </a:prstGeom>
-          <a:noFill/>
-          <a:ln>
+                <a:latin typeface="배달의민족 주아" panose="02020603020101020101" pitchFamily="18" charset="-127"/>
+                <a:ea typeface="배달의민족 주아" panose="02020603020101020101" pitchFamily="18" charset="-127"/>
+              </a:endParaRPr>
+            </a:p>
+          </p:txBody>
+        </p:sp>
+        <p:sp>
+          <p:nvSpPr>
+            <p:cNvPr id="19" name="TextBox 13"/>
+            <p:cNvSpPr txBox="1"/>
+            <p:nvPr/>
+          </p:nvSpPr>
+          <p:spPr>
+            <a:xfrm>
+              <a:off x="5624095" y="4314289"/>
+              <a:ext cx="1280672" cy="307777"/>
+            </a:xfrm>
+            <a:prstGeom prst="rect">
+              <a:avLst/>
+            </a:prstGeom>
             <a:noFill/>
-          </a:ln>
-        </p:spPr>
-        <p:txBody>
-          <a:bodyPr wrap="none" rtlCol="0">
-            <a:spAutoFit/>
-          </a:bodyPr>
-          <a:lstStyle>
-            <a:defPPr>
-              <a:defRPr lang="ko-KR"/>
-            </a:defPPr>
-            <a:lvl1pPr marL="0" algn="l" defTabSz="914400" rtl="0" eaLnBrk="1" latinLnBrk="1" hangingPunct="1">
-              <a:defRPr sz="1800" kern="1200">
-                <a:solidFill>
-                  <a:schemeClr val="tx1"/>
-                </a:solidFill>
-                <a:latin typeface="+mn-lt"/>
-                <a:ea typeface="+mn-ea"/>
-                <a:cs typeface="+mn-cs"/>
-              </a:defRPr>
-            </a:lvl1pPr>
-            <a:lvl2pPr marL="457200" algn="l" defTabSz="914400" rtl="0" eaLnBrk="1" latinLnBrk="1" hangingPunct="1">
-              <a:defRPr sz="1800" kern="1200">
-                <a:solidFill>
-                  <a:schemeClr val="tx1"/>
-                </a:solidFill>
-                <a:latin typeface="+mn-lt"/>
-                <a:ea typeface="+mn-ea"/>
-                <a:cs typeface="+mn-cs"/>
-              </a:defRPr>
-            </a:lvl2pPr>
-            <a:lvl3pPr marL="914400" algn="l" defTabSz="914400" rtl="0" eaLnBrk="1" latinLnBrk="1" hangingPunct="1">
-              <a:defRPr sz="1800" kern="1200">
-                <a:solidFill>
-                  <a:schemeClr val="tx1"/>
-                </a:solidFill>
-                <a:latin typeface="+mn-lt"/>
-                <a:ea typeface="+mn-ea"/>
-                <a:cs typeface="+mn-cs"/>
-              </a:defRPr>
-            </a:lvl3pPr>
-            <a:lvl4pPr marL="1371600" algn="l" defTabSz="914400" rtl="0" eaLnBrk="1" latinLnBrk="1" hangingPunct="1">
-              <a:defRPr sz="1800" kern="1200">
-                <a:solidFill>
-                  <a:schemeClr val="tx1"/>
-                </a:solidFill>
-                <a:latin typeface="+mn-lt"/>
-                <a:ea typeface="+mn-ea"/>
-                <a:cs typeface="+mn-cs"/>
-              </a:defRPr>
-            </a:lvl4pPr>
-            <a:lvl5pPr marL="1828800" algn="l" defTabSz="914400" rtl="0" eaLnBrk="1" latinLnBrk="1" hangingPunct="1">
-              <a:defRPr sz="1800" kern="1200">
-                <a:solidFill>
-                  <a:schemeClr val="tx1"/>
-                </a:solidFill>
-                <a:latin typeface="+mn-lt"/>
-                <a:ea typeface="+mn-ea"/>
-                <a:cs typeface="+mn-cs"/>
-              </a:defRPr>
-            </a:lvl5pPr>
-            <a:lvl6pPr marL="2286000" algn="l" defTabSz="914400" rtl="0" eaLnBrk="1" latinLnBrk="1" hangingPunct="1">
-              <a:defRPr sz="1800" kern="1200">
-                <a:solidFill>
-                  <a:schemeClr val="tx1"/>
-                </a:solidFill>
-                <a:latin typeface="+mn-lt"/>
-                <a:ea typeface="+mn-ea"/>
-                <a:cs typeface="+mn-cs"/>
-              </a:defRPr>
-            </a:lvl6pPr>
-            <a:lvl7pPr marL="2743200" algn="l" defTabSz="914400" rtl="0" eaLnBrk="1" latinLnBrk="1" hangingPunct="1">
-              <a:defRPr sz="1800" kern="1200">
-                <a:solidFill>
-                  <a:schemeClr val="tx1"/>
-                </a:solidFill>
-                <a:latin typeface="+mn-lt"/>
-                <a:ea typeface="+mn-ea"/>
-                <a:cs typeface="+mn-cs"/>
-              </a:defRPr>
-            </a:lvl7pPr>
-            <a:lvl8pPr marL="3200400" algn="l" defTabSz="914400" rtl="0" eaLnBrk="1" latinLnBrk="1" hangingPunct="1">
-              <a:defRPr sz="1800" kern="1200">
-                <a:solidFill>
-                  <a:schemeClr val="tx1"/>
-                </a:solidFill>
-                <a:latin typeface="+mn-lt"/>
-                <a:ea typeface="+mn-ea"/>
-                <a:cs typeface="+mn-cs"/>
-              </a:defRPr>
-            </a:lvl8pPr>
-            <a:lvl9pPr marL="3657600" algn="l" defTabSz="914400" rtl="0" eaLnBrk="1" latinLnBrk="1" hangingPunct="1">
-              <a:defRPr sz="1800" kern="1200">
-                <a:solidFill>
-                  <a:schemeClr val="tx1"/>
-                </a:solidFill>
-                <a:latin typeface="+mn-lt"/>
-                <a:ea typeface="+mn-ea"/>
-                <a:cs typeface="+mn-cs"/>
-              </a:defRPr>
-            </a:lvl9pPr>
-          </a:lstStyle>
-          <a:p>
-            <a:pPr algn="ctr"/>
-            <a:r>
-              <a:rPr lang="en-US" altLang="ko-KR" sz="1400" b="1" dirty="0" smtClean="0">
+            <a:ln>
+              <a:noFill/>
+            </a:ln>
+          </p:spPr>
+          <p:txBody>
+            <a:bodyPr wrap="none" rtlCol="0">
+              <a:spAutoFit/>
+            </a:bodyPr>
+            <a:lstStyle>
+              <a:defPPr>
+                <a:defRPr lang="ko-KR"/>
+              </a:defPPr>
+              <a:lvl1pPr marL="0" algn="l" defTabSz="914400" rtl="0" eaLnBrk="1" latinLnBrk="1" hangingPunct="1">
+                <a:defRPr sz="1800" kern="1200">
+                  <a:solidFill>
+                    <a:schemeClr val="tx1"/>
+                  </a:solidFill>
+                  <a:latin typeface="+mn-lt"/>
+                  <a:ea typeface="+mn-ea"/>
+                  <a:cs typeface="+mn-cs"/>
+                </a:defRPr>
+              </a:lvl1pPr>
+              <a:lvl2pPr marL="457200" algn="l" defTabSz="914400" rtl="0" eaLnBrk="1" latinLnBrk="1" hangingPunct="1">
+                <a:defRPr sz="1800" kern="1200">
+                  <a:solidFill>
+                    <a:schemeClr val="tx1"/>
+                  </a:solidFill>
+                  <a:latin typeface="+mn-lt"/>
+                  <a:ea typeface="+mn-ea"/>
+                  <a:cs typeface="+mn-cs"/>
+                </a:defRPr>
+              </a:lvl2pPr>
+              <a:lvl3pPr marL="914400" algn="l" defTabSz="914400" rtl="0" eaLnBrk="1" latinLnBrk="1" hangingPunct="1">
+                <a:defRPr sz="1800" kern="1200">
+                  <a:solidFill>
+                    <a:schemeClr val="tx1"/>
+                  </a:solidFill>
+                  <a:latin typeface="+mn-lt"/>
+                  <a:ea typeface="+mn-ea"/>
+                  <a:cs typeface="+mn-cs"/>
+                </a:defRPr>
+              </a:lvl3pPr>
+              <a:lvl4pPr marL="1371600" algn="l" defTabSz="914400" rtl="0" eaLnBrk="1" latinLnBrk="1" hangingPunct="1">
+                <a:defRPr sz="1800" kern="1200">
+                  <a:solidFill>
+                    <a:schemeClr val="tx1"/>
+                  </a:solidFill>
+                  <a:latin typeface="+mn-lt"/>
+                  <a:ea typeface="+mn-ea"/>
+                  <a:cs typeface="+mn-cs"/>
+                </a:defRPr>
+              </a:lvl4pPr>
+              <a:lvl5pPr marL="1828800" algn="l" defTabSz="914400" rtl="0" eaLnBrk="1" latinLnBrk="1" hangingPunct="1">
+                <a:defRPr sz="1800" kern="1200">
+                  <a:solidFill>
+                    <a:schemeClr val="tx1"/>
+                  </a:solidFill>
+                  <a:latin typeface="+mn-lt"/>
+                  <a:ea typeface="+mn-ea"/>
+                  <a:cs typeface="+mn-cs"/>
+                </a:defRPr>
+              </a:lvl5pPr>
+              <a:lvl6pPr marL="2286000" algn="l" defTabSz="914400" rtl="0" eaLnBrk="1" latinLnBrk="1" hangingPunct="1">
+                <a:defRPr sz="1800" kern="1200">
+                  <a:solidFill>
+                    <a:schemeClr val="tx1"/>
+                  </a:solidFill>
+                  <a:latin typeface="+mn-lt"/>
+                  <a:ea typeface="+mn-ea"/>
+                  <a:cs typeface="+mn-cs"/>
+                </a:defRPr>
+              </a:lvl6pPr>
+              <a:lvl7pPr marL="2743200" algn="l" defTabSz="914400" rtl="0" eaLnBrk="1" latinLnBrk="1" hangingPunct="1">
+                <a:defRPr sz="1800" kern="1200">
+                  <a:solidFill>
+                    <a:schemeClr val="tx1"/>
+                  </a:solidFill>
+                  <a:latin typeface="+mn-lt"/>
+                  <a:ea typeface="+mn-ea"/>
+                  <a:cs typeface="+mn-cs"/>
+                </a:defRPr>
+              </a:lvl7pPr>
+              <a:lvl8pPr marL="3200400" algn="l" defTabSz="914400" rtl="0" eaLnBrk="1" latinLnBrk="1" hangingPunct="1">
+                <a:defRPr sz="1800" kern="1200">
+                  <a:solidFill>
+                    <a:schemeClr val="tx1"/>
+                  </a:solidFill>
+                  <a:latin typeface="+mn-lt"/>
+                  <a:ea typeface="+mn-ea"/>
+                  <a:cs typeface="+mn-cs"/>
+                </a:defRPr>
+              </a:lvl8pPr>
+              <a:lvl9pPr marL="3657600" algn="l" defTabSz="914400" rtl="0" eaLnBrk="1" latinLnBrk="1" hangingPunct="1">
+                <a:defRPr sz="1800" kern="1200">
+                  <a:solidFill>
+                    <a:schemeClr val="tx1"/>
+                  </a:solidFill>
+                  <a:latin typeface="+mn-lt"/>
+                  <a:ea typeface="+mn-ea"/>
+                  <a:cs typeface="+mn-cs"/>
+                </a:defRPr>
+              </a:lvl9pPr>
+            </a:lstStyle>
+            <a:p>
+              <a:pPr algn="ctr"/>
+              <a:r>
+                <a:rPr lang="en-US" altLang="ko-KR" sz="1400" b="1" dirty="0" smtClean="0">
+                  <a:latin typeface="Times New Roman" panose="02020603050405020304" pitchFamily="18" charset="0"/>
+                  <a:ea typeface="배달의민족 주아" panose="02020603020101020101" pitchFamily="18" charset="-127"/>
+                  <a:cs typeface="Times New Roman" panose="02020603050405020304" pitchFamily="18" charset="0"/>
+                </a:rPr>
+                <a:t>Tag Node(TN)</a:t>
+              </a:r>
+              <a:endParaRPr lang="ko-KR" altLang="en-US" sz="1400" b="1" dirty="0">
                 <a:latin typeface="Times New Roman" panose="02020603050405020304" pitchFamily="18" charset="0"/>
                 <a:ea typeface="배달의민족 주아" panose="02020603020101020101" pitchFamily="18" charset="-127"/>
                 <a:cs typeface="Times New Roman" panose="02020603050405020304" pitchFamily="18" charset="0"/>
-              </a:rPr>
-              <a:t>Tag Node(TN)</a:t>
-            </a:r>
-            <a:endParaRPr lang="ko-KR" altLang="en-US" sz="1400" b="1" dirty="0">
-              <a:latin typeface="Times New Roman" panose="02020603050405020304" pitchFamily="18" charset="0"/>
-              <a:ea typeface="배달의민족 주아" panose="02020603020101020101" pitchFamily="18" charset="-127"/>
-              <a:cs typeface="Times New Roman" panose="02020603050405020304" pitchFamily="18" charset="0"/>
-            </a:endParaRPr>
-          </a:p>
-        </p:txBody>
-      </p:sp>
+              </a:endParaRPr>
+            </a:p>
+          </p:txBody>
+        </p:sp>
+      </p:grpSp>
     </p:spTree>
     <p:extLst>
       <p:ext uri="{BB962C8B-B14F-4D97-AF65-F5344CB8AC3E}">
         <p14:creationId xmlns:p14="http://schemas.microsoft.com/office/powerpoint/2010/main" val="479943556"/>
+      </p:ext>
+    </p:extLst>
+  </p:cSld>
+  <p:clrMapOvr>
+    <a:masterClrMapping/>
+  </p:clrMapOvr>
+</p:sld>
+</file>
+
+<file path=ppt/slides/slide6.xml><?xml version="1.0" encoding="utf-8"?>
+<p:sld xmlns:a="http://schemas.openxmlformats.org/drawingml/2006/main" xmlns:r="http://schemas.openxmlformats.org/officeDocument/2006/relationships" xmlns:p="http://schemas.openxmlformats.org/presentationml/2006/main">
+  <p:cSld>
+    <p:spTree>
+      <p:nvGrpSpPr>
+        <p:cNvPr id="1" name=""/>
+        <p:cNvGrpSpPr/>
+        <p:nvPr/>
+      </p:nvGrpSpPr>
+      <p:grpSpPr>
+        <a:xfrm>
+          <a:off x="0" y="0"/>
+          <a:ext cx="0" cy="0"/>
+          <a:chOff x="0" y="0"/>
+          <a:chExt cx="0" cy="0"/>
+        </a:xfrm>
+      </p:grpSpPr>
+      <p:grpSp>
+        <p:nvGrpSpPr>
+          <p:cNvPr id="92" name="그룹 91"/>
+          <p:cNvGrpSpPr/>
+          <p:nvPr/>
+        </p:nvGrpSpPr>
+        <p:grpSpPr>
+          <a:xfrm>
+            <a:off x="1243200" y="-81000"/>
+            <a:ext cx="9702970" cy="7020000"/>
+            <a:chOff x="351350" y="-180000"/>
+            <a:chExt cx="9702970" cy="7020000"/>
+          </a:xfrm>
+        </p:grpSpPr>
+        <mc:AlternateContent xmlns:mc="http://schemas.openxmlformats.org/markup-compatibility/2006">
+          <mc:Choice xmlns:a14="http://schemas.microsoft.com/office/drawing/2010/main" Requires="a14">
+            <p:sp>
+              <p:nvSpPr>
+                <p:cNvPr id="4" name="타원 3"/>
+                <p:cNvSpPr/>
+                <p:nvPr/>
+              </p:nvSpPr>
+              <p:spPr>
+                <a:xfrm>
+                  <a:off x="3688941" y="4320000"/>
+                  <a:ext cx="1080000" cy="1080000"/>
+                </a:xfrm>
+                <a:prstGeom prst="ellipse">
+                  <a:avLst/>
+                </a:prstGeom>
+                <a:noFill/>
+                <a:ln>
+                  <a:solidFill>
+                    <a:schemeClr val="tx1"/>
+                  </a:solidFill>
+                </a:ln>
+              </p:spPr>
+              <p:style>
+                <a:lnRef idx="2">
+                  <a:schemeClr val="accent1">
+                    <a:shade val="50000"/>
+                  </a:schemeClr>
+                </a:lnRef>
+                <a:fillRef idx="1">
+                  <a:schemeClr val="accent1"/>
+                </a:fillRef>
+                <a:effectRef idx="0">
+                  <a:schemeClr val="accent1"/>
+                </a:effectRef>
+                <a:fontRef idx="minor">
+                  <a:schemeClr val="lt1"/>
+                </a:fontRef>
+              </p:style>
+              <p:txBody>
+                <a:bodyPr rtlCol="0" anchor="ctr"/>
+                <a:lstStyle/>
+                <a:p>
+                  <a:pPr algn="ctr"/>
+                  <a14:m>
+                    <m:oMathPara xmlns:m="http://schemas.openxmlformats.org/officeDocument/2006/math">
+                      <m:oMathParaPr>
+                        <m:jc m:val="centerGroup"/>
+                      </m:oMathParaPr>
+                      <m:oMath xmlns:m="http://schemas.openxmlformats.org/officeDocument/2006/math">
+                        <m:sSubSup>
+                          <m:sSubSupPr>
+                            <m:ctrlPr>
+                              <a:rPr lang="en-US" altLang="ko-KR" i="1" smtClean="0">
+                                <a:solidFill>
+                                  <a:schemeClr val="tx1"/>
+                                </a:solidFill>
+                                <a:latin typeface="Cambria Math" panose="02040503050406030204" pitchFamily="18" charset="0"/>
+                              </a:rPr>
+                            </m:ctrlPr>
+                          </m:sSubSupPr>
+                          <m:e>
+                            <m:r>
+                              <a:rPr lang="en-US" altLang="ko-KR" b="0" i="1" smtClean="0">
+                                <a:solidFill>
+                                  <a:schemeClr val="tx1"/>
+                                </a:solidFill>
+                                <a:latin typeface="Cambria Math" panose="02040503050406030204" pitchFamily="18" charset="0"/>
+                              </a:rPr>
+                              <m:t>h</m:t>
+                            </m:r>
+                          </m:e>
+                          <m:sub>
+                            <m:r>
+                              <a:rPr lang="en-US" altLang="ko-KR" b="0" i="1" smtClean="0">
+                                <a:solidFill>
+                                  <a:schemeClr val="tx1"/>
+                                </a:solidFill>
+                                <a:latin typeface="Cambria Math" panose="02040503050406030204" pitchFamily="18" charset="0"/>
+                              </a:rPr>
+                              <m:t>𝑡</m:t>
+                            </m:r>
+                            <m:r>
+                              <a:rPr lang="en-US" altLang="ko-KR" b="0" i="1" smtClean="0">
+                                <a:solidFill>
+                                  <a:schemeClr val="tx1"/>
+                                </a:solidFill>
+                                <a:latin typeface="Cambria Math" panose="02040503050406030204" pitchFamily="18" charset="0"/>
+                              </a:rPr>
+                              <m:t>−1</m:t>
+                            </m:r>
+                          </m:sub>
+                          <m:sup>
+                            <m:r>
+                              <a:rPr lang="en-US" altLang="ko-KR" b="0" i="1" smtClean="0">
+                                <a:solidFill>
+                                  <a:schemeClr val="tx1"/>
+                                </a:solidFill>
+                                <a:latin typeface="Cambria Math" panose="02040503050406030204" pitchFamily="18" charset="0"/>
+                              </a:rPr>
+                              <m:t>𝑓</m:t>
+                            </m:r>
+                          </m:sup>
+                        </m:sSubSup>
+                      </m:oMath>
+                    </m:oMathPara>
+                  </a14:m>
+                  <a:endParaRPr lang="ko-KR" altLang="en-US" dirty="0">
+                    <a:solidFill>
+                      <a:schemeClr val="tx1"/>
+                    </a:solidFill>
+                  </a:endParaRPr>
+                </a:p>
+              </p:txBody>
+            </p:sp>
+          </mc:Choice>
+          <mc:Fallback>
+            <p:sp>
+              <p:nvSpPr>
+                <p:cNvPr id="4" name="타원 3"/>
+                <p:cNvSpPr>
+                  <a:spLocks noRot="1" noChangeAspect="1" noMove="1" noResize="1" noEditPoints="1" noAdjustHandles="1" noChangeArrowheads="1" noChangeShapeType="1" noTextEdit="1"/>
+                </p:cNvSpPr>
+                <p:nvPr/>
+              </p:nvSpPr>
+              <p:spPr>
+                <a:xfrm>
+                  <a:off x="3688941" y="4320000"/>
+                  <a:ext cx="1080000" cy="1080000"/>
+                </a:xfrm>
+                <a:prstGeom prst="ellipse">
+                  <a:avLst/>
+                </a:prstGeom>
+                <a:blipFill>
+                  <a:blip r:embed="rId2"/>
+                  <a:stretch>
+                    <a:fillRect/>
+                  </a:stretch>
+                </a:blipFill>
+                <a:ln>
+                  <a:solidFill>
+                    <a:schemeClr val="tx1"/>
+                  </a:solidFill>
+                </a:ln>
+              </p:spPr>
+              <p:txBody>
+                <a:bodyPr/>
+                <a:lstStyle/>
+                <a:p>
+                  <a:r>
+                    <a:rPr lang="ko-KR" altLang="en-US">
+                      <a:noFill/>
+                    </a:rPr>
+                    <a:t> </a:t>
+                  </a:r>
+                </a:p>
+              </p:txBody>
+            </p:sp>
+          </mc:Fallback>
+        </mc:AlternateContent>
+        <mc:AlternateContent xmlns:mc="http://schemas.openxmlformats.org/markup-compatibility/2006">
+          <mc:Choice xmlns:a14="http://schemas.microsoft.com/office/drawing/2010/main" Requires="a14">
+            <p:sp>
+              <p:nvSpPr>
+                <p:cNvPr id="5" name="타원 4"/>
+                <p:cNvSpPr/>
+                <p:nvPr/>
+              </p:nvSpPr>
+              <p:spPr>
+                <a:xfrm>
+                  <a:off x="5488941" y="4320000"/>
+                  <a:ext cx="1080000" cy="1080000"/>
+                </a:xfrm>
+                <a:prstGeom prst="ellipse">
+                  <a:avLst/>
+                </a:prstGeom>
+                <a:noFill/>
+                <a:ln>
+                  <a:solidFill>
+                    <a:schemeClr val="tx1"/>
+                  </a:solidFill>
+                </a:ln>
+              </p:spPr>
+              <p:style>
+                <a:lnRef idx="2">
+                  <a:schemeClr val="accent1">
+                    <a:shade val="50000"/>
+                  </a:schemeClr>
+                </a:lnRef>
+                <a:fillRef idx="1">
+                  <a:schemeClr val="accent1"/>
+                </a:fillRef>
+                <a:effectRef idx="0">
+                  <a:schemeClr val="accent1"/>
+                </a:effectRef>
+                <a:fontRef idx="minor">
+                  <a:schemeClr val="lt1"/>
+                </a:fontRef>
+              </p:style>
+              <p:txBody>
+                <a:bodyPr rtlCol="0" anchor="ctr"/>
+                <a:lstStyle/>
+                <a:p>
+                  <a:pPr algn="ctr"/>
+                  <a14:m>
+                    <m:oMathPara xmlns:m="http://schemas.openxmlformats.org/officeDocument/2006/math">
+                      <m:oMathParaPr>
+                        <m:jc m:val="centerGroup"/>
+                      </m:oMathParaPr>
+                      <m:oMath xmlns:m="http://schemas.openxmlformats.org/officeDocument/2006/math">
+                        <m:sSubSup>
+                          <m:sSubSupPr>
+                            <m:ctrlPr>
+                              <a:rPr lang="en-US" altLang="ko-KR" i="1" smtClean="0">
+                                <a:solidFill>
+                                  <a:schemeClr val="tx1"/>
+                                </a:solidFill>
+                                <a:latin typeface="Cambria Math" panose="02040503050406030204" pitchFamily="18" charset="0"/>
+                              </a:rPr>
+                            </m:ctrlPr>
+                          </m:sSubSupPr>
+                          <m:e>
+                            <m:r>
+                              <a:rPr lang="en-US" altLang="ko-KR" b="0" i="1" smtClean="0">
+                                <a:solidFill>
+                                  <a:schemeClr val="tx1"/>
+                                </a:solidFill>
+                                <a:latin typeface="Cambria Math" panose="02040503050406030204" pitchFamily="18" charset="0"/>
+                              </a:rPr>
+                              <m:t>h</m:t>
+                            </m:r>
+                          </m:e>
+                          <m:sub>
+                            <m:r>
+                              <a:rPr lang="en-US" altLang="ko-KR" b="0" i="1" smtClean="0">
+                                <a:solidFill>
+                                  <a:schemeClr val="tx1"/>
+                                </a:solidFill>
+                                <a:latin typeface="Cambria Math" panose="02040503050406030204" pitchFamily="18" charset="0"/>
+                              </a:rPr>
+                              <m:t>𝑡</m:t>
+                            </m:r>
+                          </m:sub>
+                          <m:sup>
+                            <m:r>
+                              <a:rPr lang="en-US" altLang="ko-KR" b="0" i="1" smtClean="0">
+                                <a:solidFill>
+                                  <a:schemeClr val="tx1"/>
+                                </a:solidFill>
+                                <a:latin typeface="Cambria Math" panose="02040503050406030204" pitchFamily="18" charset="0"/>
+                              </a:rPr>
+                              <m:t>𝑓</m:t>
+                            </m:r>
+                          </m:sup>
+                        </m:sSubSup>
+                      </m:oMath>
+                    </m:oMathPara>
+                  </a14:m>
+                  <a:endParaRPr lang="ko-KR" altLang="en-US" dirty="0">
+                    <a:solidFill>
+                      <a:schemeClr val="tx1"/>
+                    </a:solidFill>
+                  </a:endParaRPr>
+                </a:p>
+              </p:txBody>
+            </p:sp>
+          </mc:Choice>
+          <mc:Fallback>
+            <p:sp>
+              <p:nvSpPr>
+                <p:cNvPr id="5" name="타원 4"/>
+                <p:cNvSpPr>
+                  <a:spLocks noRot="1" noChangeAspect="1" noMove="1" noResize="1" noEditPoints="1" noAdjustHandles="1" noChangeArrowheads="1" noChangeShapeType="1" noTextEdit="1"/>
+                </p:cNvSpPr>
+                <p:nvPr/>
+              </p:nvSpPr>
+              <p:spPr>
+                <a:xfrm>
+                  <a:off x="5488941" y="4320000"/>
+                  <a:ext cx="1080000" cy="1080000"/>
+                </a:xfrm>
+                <a:prstGeom prst="ellipse">
+                  <a:avLst/>
+                </a:prstGeom>
+                <a:blipFill>
+                  <a:blip r:embed="rId3"/>
+                  <a:stretch>
+                    <a:fillRect/>
+                  </a:stretch>
+                </a:blipFill>
+                <a:ln>
+                  <a:solidFill>
+                    <a:schemeClr val="tx1"/>
+                  </a:solidFill>
+                </a:ln>
+              </p:spPr>
+              <p:txBody>
+                <a:bodyPr/>
+                <a:lstStyle/>
+                <a:p>
+                  <a:r>
+                    <a:rPr lang="ko-KR" altLang="en-US">
+                      <a:noFill/>
+                    </a:rPr>
+                    <a:t> </a:t>
+                  </a:r>
+                </a:p>
+              </p:txBody>
+            </p:sp>
+          </mc:Fallback>
+        </mc:AlternateContent>
+        <mc:AlternateContent xmlns:mc="http://schemas.openxmlformats.org/markup-compatibility/2006">
+          <mc:Choice xmlns:a14="http://schemas.microsoft.com/office/drawing/2010/main" Requires="a14">
+            <p:sp>
+              <p:nvSpPr>
+                <p:cNvPr id="6" name="타원 5"/>
+                <p:cNvSpPr/>
+                <p:nvPr/>
+              </p:nvSpPr>
+              <p:spPr>
+                <a:xfrm>
+                  <a:off x="7288941" y="4320000"/>
+                  <a:ext cx="1080000" cy="1080000"/>
+                </a:xfrm>
+                <a:prstGeom prst="ellipse">
+                  <a:avLst/>
+                </a:prstGeom>
+                <a:noFill/>
+                <a:ln>
+                  <a:solidFill>
+                    <a:schemeClr val="tx1"/>
+                  </a:solidFill>
+                </a:ln>
+              </p:spPr>
+              <p:style>
+                <a:lnRef idx="2">
+                  <a:schemeClr val="accent1">
+                    <a:shade val="50000"/>
+                  </a:schemeClr>
+                </a:lnRef>
+                <a:fillRef idx="1">
+                  <a:schemeClr val="accent1"/>
+                </a:fillRef>
+                <a:effectRef idx="0">
+                  <a:schemeClr val="accent1"/>
+                </a:effectRef>
+                <a:fontRef idx="minor">
+                  <a:schemeClr val="lt1"/>
+                </a:fontRef>
+              </p:style>
+              <p:txBody>
+                <a:bodyPr rtlCol="0" anchor="ctr"/>
+                <a:lstStyle/>
+                <a:p>
+                  <a:pPr algn="ctr"/>
+                  <a14:m>
+                    <m:oMathPara xmlns:m="http://schemas.openxmlformats.org/officeDocument/2006/math">
+                      <m:oMathParaPr>
+                        <m:jc m:val="centerGroup"/>
+                      </m:oMathParaPr>
+                      <m:oMath xmlns:m="http://schemas.openxmlformats.org/officeDocument/2006/math">
+                        <m:sSubSup>
+                          <m:sSubSupPr>
+                            <m:ctrlPr>
+                              <a:rPr lang="en-US" altLang="ko-KR" i="1" smtClean="0">
+                                <a:solidFill>
+                                  <a:schemeClr val="tx1"/>
+                                </a:solidFill>
+                                <a:latin typeface="Cambria Math" panose="02040503050406030204" pitchFamily="18" charset="0"/>
+                              </a:rPr>
+                            </m:ctrlPr>
+                          </m:sSubSupPr>
+                          <m:e>
+                            <m:r>
+                              <a:rPr lang="en-US" altLang="ko-KR" b="0" i="1" smtClean="0">
+                                <a:solidFill>
+                                  <a:schemeClr val="tx1"/>
+                                </a:solidFill>
+                                <a:latin typeface="Cambria Math" panose="02040503050406030204" pitchFamily="18" charset="0"/>
+                              </a:rPr>
+                              <m:t>h</m:t>
+                            </m:r>
+                          </m:e>
+                          <m:sub>
+                            <m:r>
+                              <a:rPr lang="en-US" altLang="ko-KR" b="0" i="1" smtClean="0">
+                                <a:solidFill>
+                                  <a:schemeClr val="tx1"/>
+                                </a:solidFill>
+                                <a:latin typeface="Cambria Math" panose="02040503050406030204" pitchFamily="18" charset="0"/>
+                              </a:rPr>
+                              <m:t>𝑡</m:t>
+                            </m:r>
+                            <m:r>
+                              <a:rPr lang="en-US" altLang="ko-KR" b="0" i="1" smtClean="0">
+                                <a:solidFill>
+                                  <a:schemeClr val="tx1"/>
+                                </a:solidFill>
+                                <a:latin typeface="Cambria Math" panose="02040503050406030204" pitchFamily="18" charset="0"/>
+                              </a:rPr>
+                              <m:t>+1</m:t>
+                            </m:r>
+                          </m:sub>
+                          <m:sup>
+                            <m:r>
+                              <a:rPr lang="en-US" altLang="ko-KR" b="0" i="1" smtClean="0">
+                                <a:solidFill>
+                                  <a:schemeClr val="tx1"/>
+                                </a:solidFill>
+                                <a:latin typeface="Cambria Math" panose="02040503050406030204" pitchFamily="18" charset="0"/>
+                              </a:rPr>
+                              <m:t>𝑓</m:t>
+                            </m:r>
+                          </m:sup>
+                        </m:sSubSup>
+                      </m:oMath>
+                    </m:oMathPara>
+                  </a14:m>
+                  <a:endParaRPr lang="ko-KR" altLang="en-US" dirty="0">
+                    <a:solidFill>
+                      <a:schemeClr val="tx1"/>
+                    </a:solidFill>
+                  </a:endParaRPr>
+                </a:p>
+              </p:txBody>
+            </p:sp>
+          </mc:Choice>
+          <mc:Fallback>
+            <p:sp>
+              <p:nvSpPr>
+                <p:cNvPr id="6" name="타원 5"/>
+                <p:cNvSpPr>
+                  <a:spLocks noRot="1" noChangeAspect="1" noMove="1" noResize="1" noEditPoints="1" noAdjustHandles="1" noChangeArrowheads="1" noChangeShapeType="1" noTextEdit="1"/>
+                </p:cNvSpPr>
+                <p:nvPr/>
+              </p:nvSpPr>
+              <p:spPr>
+                <a:xfrm>
+                  <a:off x="7288941" y="4320000"/>
+                  <a:ext cx="1080000" cy="1080000"/>
+                </a:xfrm>
+                <a:prstGeom prst="ellipse">
+                  <a:avLst/>
+                </a:prstGeom>
+                <a:blipFill>
+                  <a:blip r:embed="rId4"/>
+                  <a:stretch>
+                    <a:fillRect/>
+                  </a:stretch>
+                </a:blipFill>
+                <a:ln>
+                  <a:solidFill>
+                    <a:schemeClr val="tx1"/>
+                  </a:solidFill>
+                </a:ln>
+              </p:spPr>
+              <p:txBody>
+                <a:bodyPr/>
+                <a:lstStyle/>
+                <a:p>
+                  <a:r>
+                    <a:rPr lang="ko-KR" altLang="en-US">
+                      <a:noFill/>
+                    </a:rPr>
+                    <a:t> </a:t>
+                  </a:r>
+                </a:p>
+              </p:txBody>
+            </p:sp>
+          </mc:Fallback>
+        </mc:AlternateContent>
+        <mc:AlternateContent xmlns:mc="http://schemas.openxmlformats.org/markup-compatibility/2006">
+          <mc:Choice xmlns:a14="http://schemas.microsoft.com/office/drawing/2010/main" Requires="a14">
+            <p:sp>
+              <p:nvSpPr>
+                <p:cNvPr id="7" name="타원 6"/>
+                <p:cNvSpPr/>
+                <p:nvPr/>
+              </p:nvSpPr>
+              <p:spPr>
+                <a:xfrm>
+                  <a:off x="3688941" y="1440000"/>
+                  <a:ext cx="1080000" cy="1080000"/>
+                </a:xfrm>
+                <a:prstGeom prst="ellipse">
+                  <a:avLst/>
+                </a:prstGeom>
+                <a:noFill/>
+                <a:ln>
+                  <a:solidFill>
+                    <a:schemeClr val="tx1"/>
+                  </a:solidFill>
+                </a:ln>
+              </p:spPr>
+              <p:style>
+                <a:lnRef idx="2">
+                  <a:schemeClr val="accent1">
+                    <a:shade val="50000"/>
+                  </a:schemeClr>
+                </a:lnRef>
+                <a:fillRef idx="1">
+                  <a:schemeClr val="accent1"/>
+                </a:fillRef>
+                <a:effectRef idx="0">
+                  <a:schemeClr val="accent1"/>
+                </a:effectRef>
+                <a:fontRef idx="minor">
+                  <a:schemeClr val="lt1"/>
+                </a:fontRef>
+              </p:style>
+              <p:txBody>
+                <a:bodyPr rtlCol="0" anchor="ctr"/>
+                <a:lstStyle/>
+                <a:p>
+                  <a:pPr algn="ctr"/>
+                  <a14:m>
+                    <m:oMathPara xmlns:m="http://schemas.openxmlformats.org/officeDocument/2006/math">
+                      <m:oMathParaPr>
+                        <m:jc m:val="center"/>
+                      </m:oMathParaPr>
+                      <m:oMath xmlns:m="http://schemas.openxmlformats.org/officeDocument/2006/math">
+                        <m:sSubSup>
+                          <m:sSubSupPr>
+                            <m:ctrlPr>
+                              <a:rPr lang="en-US" altLang="ko-KR" i="1" smtClean="0">
+                                <a:solidFill>
+                                  <a:schemeClr val="tx1"/>
+                                </a:solidFill>
+                                <a:latin typeface="Cambria Math" panose="02040503050406030204" pitchFamily="18" charset="0"/>
+                              </a:rPr>
+                            </m:ctrlPr>
+                          </m:sSubSupPr>
+                          <m:e>
+                            <m:r>
+                              <a:rPr lang="en-US" altLang="ko-KR" b="0" i="1" smtClean="0">
+                                <a:solidFill>
+                                  <a:schemeClr val="tx1"/>
+                                </a:solidFill>
+                                <a:latin typeface="Cambria Math" panose="02040503050406030204" pitchFamily="18" charset="0"/>
+                              </a:rPr>
+                              <m:t>h</m:t>
+                            </m:r>
+                          </m:e>
+                          <m:sub>
+                            <m:r>
+                              <a:rPr lang="en-US" altLang="ko-KR" b="0" i="1" smtClean="0">
+                                <a:solidFill>
+                                  <a:schemeClr val="tx1"/>
+                                </a:solidFill>
+                                <a:latin typeface="Cambria Math" panose="02040503050406030204" pitchFamily="18" charset="0"/>
+                              </a:rPr>
+                              <m:t>𝑡</m:t>
+                            </m:r>
+                            <m:r>
+                              <a:rPr lang="en-US" altLang="ko-KR" b="0" i="1" smtClean="0">
+                                <a:solidFill>
+                                  <a:schemeClr val="tx1"/>
+                                </a:solidFill>
+                                <a:latin typeface="Cambria Math" panose="02040503050406030204" pitchFamily="18" charset="0"/>
+                              </a:rPr>
+                              <m:t>−1</m:t>
+                            </m:r>
+                          </m:sub>
+                          <m:sup>
+                            <m:r>
+                              <a:rPr lang="en-US" altLang="ko-KR" b="0" i="1" smtClean="0">
+                                <a:solidFill>
+                                  <a:schemeClr val="tx1"/>
+                                </a:solidFill>
+                                <a:latin typeface="Cambria Math" panose="02040503050406030204" pitchFamily="18" charset="0"/>
+                              </a:rPr>
+                              <m:t>𝑏</m:t>
+                            </m:r>
+                          </m:sup>
+                        </m:sSubSup>
+                      </m:oMath>
+                    </m:oMathPara>
+                  </a14:m>
+                  <a:endParaRPr lang="ko-KR" altLang="en-US" dirty="0">
+                    <a:solidFill>
+                      <a:schemeClr val="tx1"/>
+                    </a:solidFill>
+                  </a:endParaRPr>
+                </a:p>
+              </p:txBody>
+            </p:sp>
+          </mc:Choice>
+          <mc:Fallback>
+            <p:sp>
+              <p:nvSpPr>
+                <p:cNvPr id="7" name="타원 6"/>
+                <p:cNvSpPr>
+                  <a:spLocks noRot="1" noChangeAspect="1" noMove="1" noResize="1" noEditPoints="1" noAdjustHandles="1" noChangeArrowheads="1" noChangeShapeType="1" noTextEdit="1"/>
+                </p:cNvSpPr>
+                <p:nvPr/>
+              </p:nvSpPr>
+              <p:spPr>
+                <a:xfrm>
+                  <a:off x="3688941" y="1440000"/>
+                  <a:ext cx="1080000" cy="1080000"/>
+                </a:xfrm>
+                <a:prstGeom prst="ellipse">
+                  <a:avLst/>
+                </a:prstGeom>
+                <a:blipFill>
+                  <a:blip r:embed="rId5"/>
+                  <a:stretch>
+                    <a:fillRect/>
+                  </a:stretch>
+                </a:blipFill>
+                <a:ln>
+                  <a:solidFill>
+                    <a:schemeClr val="tx1"/>
+                  </a:solidFill>
+                </a:ln>
+              </p:spPr>
+              <p:txBody>
+                <a:bodyPr/>
+                <a:lstStyle/>
+                <a:p>
+                  <a:r>
+                    <a:rPr lang="ko-KR" altLang="en-US">
+                      <a:noFill/>
+                    </a:rPr>
+                    <a:t> </a:t>
+                  </a:r>
+                </a:p>
+              </p:txBody>
+            </p:sp>
+          </mc:Fallback>
+        </mc:AlternateContent>
+        <mc:AlternateContent xmlns:mc="http://schemas.openxmlformats.org/markup-compatibility/2006">
+          <mc:Choice xmlns:a14="http://schemas.microsoft.com/office/drawing/2010/main" Requires="a14">
+            <p:sp>
+              <p:nvSpPr>
+                <p:cNvPr id="8" name="타원 7"/>
+                <p:cNvSpPr/>
+                <p:nvPr/>
+              </p:nvSpPr>
+              <p:spPr>
+                <a:xfrm>
+                  <a:off x="5488941" y="1440000"/>
+                  <a:ext cx="1080000" cy="1080000"/>
+                </a:xfrm>
+                <a:prstGeom prst="ellipse">
+                  <a:avLst/>
+                </a:prstGeom>
+                <a:noFill/>
+                <a:ln>
+                  <a:solidFill>
+                    <a:schemeClr val="tx1"/>
+                  </a:solidFill>
+                </a:ln>
+              </p:spPr>
+              <p:style>
+                <a:lnRef idx="2">
+                  <a:schemeClr val="accent1">
+                    <a:shade val="50000"/>
+                  </a:schemeClr>
+                </a:lnRef>
+                <a:fillRef idx="1">
+                  <a:schemeClr val="accent1"/>
+                </a:fillRef>
+                <a:effectRef idx="0">
+                  <a:schemeClr val="accent1"/>
+                </a:effectRef>
+                <a:fontRef idx="minor">
+                  <a:schemeClr val="lt1"/>
+                </a:fontRef>
+              </p:style>
+              <p:txBody>
+                <a:bodyPr rtlCol="0" anchor="ctr"/>
+                <a:lstStyle/>
+                <a:p>
+                  <a:pPr algn="ctr"/>
+                  <a14:m>
+                    <m:oMathPara xmlns:m="http://schemas.openxmlformats.org/officeDocument/2006/math">
+                      <m:oMathParaPr>
+                        <m:jc m:val="centerGroup"/>
+                      </m:oMathParaPr>
+                      <m:oMath xmlns:m="http://schemas.openxmlformats.org/officeDocument/2006/math">
+                        <m:sSubSup>
+                          <m:sSubSupPr>
+                            <m:ctrlPr>
+                              <a:rPr lang="en-US" altLang="ko-KR" i="1" smtClean="0">
+                                <a:solidFill>
+                                  <a:schemeClr val="tx1"/>
+                                </a:solidFill>
+                                <a:latin typeface="Cambria Math" panose="02040503050406030204" pitchFamily="18" charset="0"/>
+                              </a:rPr>
+                            </m:ctrlPr>
+                          </m:sSubSupPr>
+                          <m:e>
+                            <m:r>
+                              <a:rPr lang="en-US" altLang="ko-KR" b="0" i="1" smtClean="0">
+                                <a:solidFill>
+                                  <a:schemeClr val="tx1"/>
+                                </a:solidFill>
+                                <a:latin typeface="Cambria Math" panose="02040503050406030204" pitchFamily="18" charset="0"/>
+                              </a:rPr>
+                              <m:t>h</m:t>
+                            </m:r>
+                          </m:e>
+                          <m:sub>
+                            <m:r>
+                              <a:rPr lang="en-US" altLang="ko-KR" b="0" i="1" smtClean="0">
+                                <a:solidFill>
+                                  <a:schemeClr val="tx1"/>
+                                </a:solidFill>
+                                <a:latin typeface="Cambria Math" panose="02040503050406030204" pitchFamily="18" charset="0"/>
+                              </a:rPr>
+                              <m:t>𝑡</m:t>
+                            </m:r>
+                          </m:sub>
+                          <m:sup>
+                            <m:r>
+                              <a:rPr lang="en-US" altLang="ko-KR" b="0" i="1" smtClean="0">
+                                <a:solidFill>
+                                  <a:schemeClr val="tx1"/>
+                                </a:solidFill>
+                                <a:latin typeface="Cambria Math" panose="02040503050406030204" pitchFamily="18" charset="0"/>
+                              </a:rPr>
+                              <m:t>𝑏</m:t>
+                            </m:r>
+                          </m:sup>
+                        </m:sSubSup>
+                      </m:oMath>
+                    </m:oMathPara>
+                  </a14:m>
+                  <a:endParaRPr lang="ko-KR" altLang="en-US" dirty="0">
+                    <a:solidFill>
+                      <a:schemeClr val="tx1"/>
+                    </a:solidFill>
+                  </a:endParaRPr>
+                </a:p>
+              </p:txBody>
+            </p:sp>
+          </mc:Choice>
+          <mc:Fallback>
+            <p:sp>
+              <p:nvSpPr>
+                <p:cNvPr id="8" name="타원 7"/>
+                <p:cNvSpPr>
+                  <a:spLocks noRot="1" noChangeAspect="1" noMove="1" noResize="1" noEditPoints="1" noAdjustHandles="1" noChangeArrowheads="1" noChangeShapeType="1" noTextEdit="1"/>
+                </p:cNvSpPr>
+                <p:nvPr/>
+              </p:nvSpPr>
+              <p:spPr>
+                <a:xfrm>
+                  <a:off x="5488941" y="1440000"/>
+                  <a:ext cx="1080000" cy="1080000"/>
+                </a:xfrm>
+                <a:prstGeom prst="ellipse">
+                  <a:avLst/>
+                </a:prstGeom>
+                <a:blipFill>
+                  <a:blip r:embed="rId6"/>
+                  <a:stretch>
+                    <a:fillRect/>
+                  </a:stretch>
+                </a:blipFill>
+                <a:ln>
+                  <a:solidFill>
+                    <a:schemeClr val="tx1"/>
+                  </a:solidFill>
+                </a:ln>
+              </p:spPr>
+              <p:txBody>
+                <a:bodyPr/>
+                <a:lstStyle/>
+                <a:p>
+                  <a:r>
+                    <a:rPr lang="ko-KR" altLang="en-US">
+                      <a:noFill/>
+                    </a:rPr>
+                    <a:t> </a:t>
+                  </a:r>
+                </a:p>
+              </p:txBody>
+            </p:sp>
+          </mc:Fallback>
+        </mc:AlternateContent>
+        <mc:AlternateContent xmlns:mc="http://schemas.openxmlformats.org/markup-compatibility/2006">
+          <mc:Choice xmlns:a14="http://schemas.microsoft.com/office/drawing/2010/main" Requires="a14">
+            <p:sp>
+              <p:nvSpPr>
+                <p:cNvPr id="9" name="타원 8"/>
+                <p:cNvSpPr/>
+                <p:nvPr/>
+              </p:nvSpPr>
+              <p:spPr>
+                <a:xfrm>
+                  <a:off x="7288941" y="1440000"/>
+                  <a:ext cx="1080000" cy="1080000"/>
+                </a:xfrm>
+                <a:prstGeom prst="ellipse">
+                  <a:avLst/>
+                </a:prstGeom>
+                <a:noFill/>
+                <a:ln>
+                  <a:solidFill>
+                    <a:schemeClr val="tx1"/>
+                  </a:solidFill>
+                </a:ln>
+              </p:spPr>
+              <p:style>
+                <a:lnRef idx="2">
+                  <a:schemeClr val="accent1">
+                    <a:shade val="50000"/>
+                  </a:schemeClr>
+                </a:lnRef>
+                <a:fillRef idx="1">
+                  <a:schemeClr val="accent1"/>
+                </a:fillRef>
+                <a:effectRef idx="0">
+                  <a:schemeClr val="accent1"/>
+                </a:effectRef>
+                <a:fontRef idx="minor">
+                  <a:schemeClr val="lt1"/>
+                </a:fontRef>
+              </p:style>
+              <p:txBody>
+                <a:bodyPr rtlCol="0" anchor="ctr"/>
+                <a:lstStyle/>
+                <a:p>
+                  <a:pPr algn="ctr"/>
+                  <a14:m>
+                    <m:oMathPara xmlns:m="http://schemas.openxmlformats.org/officeDocument/2006/math">
+                      <m:oMathParaPr>
+                        <m:jc m:val="centerGroup"/>
+                      </m:oMathParaPr>
+                      <m:oMath xmlns:m="http://schemas.openxmlformats.org/officeDocument/2006/math">
+                        <m:sSubSup>
+                          <m:sSubSupPr>
+                            <m:ctrlPr>
+                              <a:rPr lang="en-US" altLang="ko-KR" i="1" smtClean="0">
+                                <a:solidFill>
+                                  <a:schemeClr val="tx1"/>
+                                </a:solidFill>
+                                <a:latin typeface="Cambria Math" panose="02040503050406030204" pitchFamily="18" charset="0"/>
+                              </a:rPr>
+                            </m:ctrlPr>
+                          </m:sSubSupPr>
+                          <m:e>
+                            <m:r>
+                              <a:rPr lang="en-US" altLang="ko-KR" b="0" i="1" smtClean="0">
+                                <a:solidFill>
+                                  <a:schemeClr val="tx1"/>
+                                </a:solidFill>
+                                <a:latin typeface="Cambria Math" panose="02040503050406030204" pitchFamily="18" charset="0"/>
+                              </a:rPr>
+                              <m:t>h</m:t>
+                            </m:r>
+                          </m:e>
+                          <m:sub>
+                            <m:r>
+                              <a:rPr lang="en-US" altLang="ko-KR" b="0" i="1" smtClean="0">
+                                <a:solidFill>
+                                  <a:schemeClr val="tx1"/>
+                                </a:solidFill>
+                                <a:latin typeface="Cambria Math" panose="02040503050406030204" pitchFamily="18" charset="0"/>
+                              </a:rPr>
+                              <m:t>𝑡</m:t>
+                            </m:r>
+                            <m:r>
+                              <a:rPr lang="en-US" altLang="ko-KR" b="0" i="1" smtClean="0">
+                                <a:solidFill>
+                                  <a:schemeClr val="tx1"/>
+                                </a:solidFill>
+                                <a:latin typeface="Cambria Math" panose="02040503050406030204" pitchFamily="18" charset="0"/>
+                              </a:rPr>
+                              <m:t>+1</m:t>
+                            </m:r>
+                          </m:sub>
+                          <m:sup>
+                            <m:r>
+                              <a:rPr lang="en-US" altLang="ko-KR" b="0" i="1" smtClean="0">
+                                <a:solidFill>
+                                  <a:schemeClr val="tx1"/>
+                                </a:solidFill>
+                                <a:latin typeface="Cambria Math" panose="02040503050406030204" pitchFamily="18" charset="0"/>
+                              </a:rPr>
+                              <m:t>𝑏</m:t>
+                            </m:r>
+                          </m:sup>
+                        </m:sSubSup>
+                      </m:oMath>
+                    </m:oMathPara>
+                  </a14:m>
+                  <a:endParaRPr lang="ko-KR" altLang="en-US" dirty="0">
+                    <a:solidFill>
+                      <a:schemeClr val="tx1"/>
+                    </a:solidFill>
+                  </a:endParaRPr>
+                </a:p>
+              </p:txBody>
+            </p:sp>
+          </mc:Choice>
+          <mc:Fallback>
+            <p:sp>
+              <p:nvSpPr>
+                <p:cNvPr id="9" name="타원 8"/>
+                <p:cNvSpPr>
+                  <a:spLocks noRot="1" noChangeAspect="1" noMove="1" noResize="1" noEditPoints="1" noAdjustHandles="1" noChangeArrowheads="1" noChangeShapeType="1" noTextEdit="1"/>
+                </p:cNvSpPr>
+                <p:nvPr/>
+              </p:nvSpPr>
+              <p:spPr>
+                <a:xfrm>
+                  <a:off x="7288941" y="1440000"/>
+                  <a:ext cx="1080000" cy="1080000"/>
+                </a:xfrm>
+                <a:prstGeom prst="ellipse">
+                  <a:avLst/>
+                </a:prstGeom>
+                <a:blipFill>
+                  <a:blip r:embed="rId7"/>
+                  <a:stretch>
+                    <a:fillRect/>
+                  </a:stretch>
+                </a:blipFill>
+                <a:ln>
+                  <a:solidFill>
+                    <a:schemeClr val="tx1"/>
+                  </a:solidFill>
+                </a:ln>
+              </p:spPr>
+              <p:txBody>
+                <a:bodyPr/>
+                <a:lstStyle/>
+                <a:p>
+                  <a:r>
+                    <a:rPr lang="ko-KR" altLang="en-US">
+                      <a:noFill/>
+                    </a:rPr>
+                    <a:t> </a:t>
+                  </a:r>
+                </a:p>
+              </p:txBody>
+            </p:sp>
+          </mc:Fallback>
+        </mc:AlternateContent>
+        <p:cxnSp>
+          <p:nvCxnSpPr>
+            <p:cNvPr id="11" name="직선 화살표 연결선 10"/>
+            <p:cNvCxnSpPr>
+              <a:stCxn id="8" idx="2"/>
+              <a:endCxn id="7" idx="6"/>
+            </p:cNvCxnSpPr>
+            <p:nvPr/>
+          </p:nvCxnSpPr>
+          <p:spPr>
+            <a:xfrm flipH="1">
+              <a:off x="4768941" y="1980000"/>
+              <a:ext cx="720000" cy="0"/>
+            </a:xfrm>
+            <a:prstGeom prst="straightConnector1">
+              <a:avLst/>
+            </a:prstGeom>
+            <a:ln>
+              <a:solidFill>
+                <a:schemeClr val="tx1"/>
+              </a:solidFill>
+              <a:headEnd w="lg" len="lg"/>
+              <a:tailEnd type="triangle" w="lg" len="lg"/>
+            </a:ln>
+          </p:spPr>
+          <p:style>
+            <a:lnRef idx="1">
+              <a:schemeClr val="accent1"/>
+            </a:lnRef>
+            <a:fillRef idx="0">
+              <a:schemeClr val="accent1"/>
+            </a:fillRef>
+            <a:effectRef idx="0">
+              <a:schemeClr val="accent1"/>
+            </a:effectRef>
+            <a:fontRef idx="minor">
+              <a:schemeClr val="tx1"/>
+            </a:fontRef>
+          </p:style>
+        </p:cxnSp>
+        <p:cxnSp>
+          <p:nvCxnSpPr>
+            <p:cNvPr id="12" name="직선 화살표 연결선 11"/>
+            <p:cNvCxnSpPr>
+              <a:stCxn id="9" idx="2"/>
+              <a:endCxn id="8" idx="6"/>
+            </p:cNvCxnSpPr>
+            <p:nvPr/>
+          </p:nvCxnSpPr>
+          <p:spPr>
+            <a:xfrm flipH="1">
+              <a:off x="6568941" y="1980000"/>
+              <a:ext cx="720000" cy="0"/>
+            </a:xfrm>
+            <a:prstGeom prst="straightConnector1">
+              <a:avLst/>
+            </a:prstGeom>
+            <a:ln>
+              <a:solidFill>
+                <a:schemeClr val="tx1"/>
+              </a:solidFill>
+              <a:headEnd w="lg" len="lg"/>
+              <a:tailEnd type="triangle" w="lg" len="lg"/>
+            </a:ln>
+          </p:spPr>
+          <p:style>
+            <a:lnRef idx="1">
+              <a:schemeClr val="accent1"/>
+            </a:lnRef>
+            <a:fillRef idx="0">
+              <a:schemeClr val="accent1"/>
+            </a:fillRef>
+            <a:effectRef idx="0">
+              <a:schemeClr val="accent1"/>
+            </a:effectRef>
+            <a:fontRef idx="minor">
+              <a:schemeClr val="tx1"/>
+            </a:fontRef>
+          </p:style>
+        </p:cxnSp>
+        <p:cxnSp>
+          <p:nvCxnSpPr>
+            <p:cNvPr id="15" name="직선 화살표 연결선 14"/>
+            <p:cNvCxnSpPr>
+              <a:stCxn id="5" idx="2"/>
+              <a:endCxn id="4" idx="6"/>
+            </p:cNvCxnSpPr>
+            <p:nvPr/>
+          </p:nvCxnSpPr>
+          <p:spPr>
+            <a:xfrm flipH="1">
+              <a:off x="4768941" y="4860000"/>
+              <a:ext cx="720000" cy="0"/>
+            </a:xfrm>
+            <a:prstGeom prst="straightConnector1">
+              <a:avLst/>
+            </a:prstGeom>
+            <a:ln>
+              <a:solidFill>
+                <a:schemeClr val="tx1"/>
+              </a:solidFill>
+              <a:headEnd type="triangle" w="lg" len="lg"/>
+              <a:tailEnd type="none" w="lg" len="lg"/>
+            </a:ln>
+          </p:spPr>
+          <p:style>
+            <a:lnRef idx="1">
+              <a:schemeClr val="accent1"/>
+            </a:lnRef>
+            <a:fillRef idx="0">
+              <a:schemeClr val="accent1"/>
+            </a:fillRef>
+            <a:effectRef idx="0">
+              <a:schemeClr val="accent1"/>
+            </a:effectRef>
+            <a:fontRef idx="minor">
+              <a:schemeClr val="tx1"/>
+            </a:fontRef>
+          </p:style>
+        </p:cxnSp>
+        <p:cxnSp>
+          <p:nvCxnSpPr>
+            <p:cNvPr id="18" name="직선 화살표 연결선 17"/>
+            <p:cNvCxnSpPr>
+              <a:stCxn id="6" idx="2"/>
+              <a:endCxn id="5" idx="6"/>
+            </p:cNvCxnSpPr>
+            <p:nvPr/>
+          </p:nvCxnSpPr>
+          <p:spPr>
+            <a:xfrm flipH="1">
+              <a:off x="6568941" y="4860000"/>
+              <a:ext cx="720000" cy="0"/>
+            </a:xfrm>
+            <a:prstGeom prst="straightConnector1">
+              <a:avLst/>
+            </a:prstGeom>
+            <a:ln>
+              <a:solidFill>
+                <a:schemeClr val="tx1"/>
+              </a:solidFill>
+              <a:headEnd type="triangle" w="lg" len="lg"/>
+              <a:tailEnd type="none" w="lg" len="lg"/>
+            </a:ln>
+          </p:spPr>
+          <p:style>
+            <a:lnRef idx="1">
+              <a:schemeClr val="accent1"/>
+            </a:lnRef>
+            <a:fillRef idx="0">
+              <a:schemeClr val="accent1"/>
+            </a:fillRef>
+            <a:effectRef idx="0">
+              <a:schemeClr val="accent1"/>
+            </a:effectRef>
+            <a:fontRef idx="minor">
+              <a:schemeClr val="tx1"/>
+            </a:fontRef>
+          </p:style>
+        </p:cxnSp>
+        <p:cxnSp>
+          <p:nvCxnSpPr>
+            <p:cNvPr id="21" name="직선 화살표 연결선 20"/>
+            <p:cNvCxnSpPr>
+              <a:endCxn id="6" idx="6"/>
+            </p:cNvCxnSpPr>
+            <p:nvPr/>
+          </p:nvCxnSpPr>
+          <p:spPr>
+            <a:xfrm flipH="1">
+              <a:off x="8368940" y="4860000"/>
+              <a:ext cx="720000" cy="0"/>
+            </a:xfrm>
+            <a:prstGeom prst="straightConnector1">
+              <a:avLst/>
+            </a:prstGeom>
+            <a:ln>
+              <a:solidFill>
+                <a:schemeClr val="tx1"/>
+              </a:solidFill>
+              <a:headEnd type="triangle" w="lg" len="lg"/>
+              <a:tailEnd type="none" w="lg" len="lg"/>
+            </a:ln>
+          </p:spPr>
+          <p:style>
+            <a:lnRef idx="1">
+              <a:schemeClr val="accent1"/>
+            </a:lnRef>
+            <a:fillRef idx="0">
+              <a:schemeClr val="accent1"/>
+            </a:fillRef>
+            <a:effectRef idx="0">
+              <a:schemeClr val="accent1"/>
+            </a:effectRef>
+            <a:fontRef idx="minor">
+              <a:schemeClr val="tx1"/>
+            </a:fontRef>
+          </p:style>
+        </p:cxnSp>
+        <p:cxnSp>
+          <p:nvCxnSpPr>
+            <p:cNvPr id="22" name="직선 화살표 연결선 21"/>
+            <p:cNvCxnSpPr/>
+            <p:nvPr/>
+          </p:nvCxnSpPr>
+          <p:spPr>
+            <a:xfrm flipH="1">
+              <a:off x="2968941" y="4860000"/>
+              <a:ext cx="720000" cy="0"/>
+            </a:xfrm>
+            <a:prstGeom prst="straightConnector1">
+              <a:avLst/>
+            </a:prstGeom>
+            <a:ln>
+              <a:solidFill>
+                <a:schemeClr val="tx1"/>
+              </a:solidFill>
+              <a:headEnd type="triangle" w="lg" len="lg"/>
+              <a:tailEnd type="none" w="lg" len="lg"/>
+            </a:ln>
+          </p:spPr>
+          <p:style>
+            <a:lnRef idx="1">
+              <a:schemeClr val="accent1"/>
+            </a:lnRef>
+            <a:fillRef idx="0">
+              <a:schemeClr val="accent1"/>
+            </a:fillRef>
+            <a:effectRef idx="0">
+              <a:schemeClr val="accent1"/>
+            </a:effectRef>
+            <a:fontRef idx="minor">
+              <a:schemeClr val="tx1"/>
+            </a:fontRef>
+          </p:style>
+        </p:cxnSp>
+        <p:cxnSp>
+          <p:nvCxnSpPr>
+            <p:cNvPr id="23" name="직선 화살표 연결선 22"/>
+            <p:cNvCxnSpPr>
+              <a:endCxn id="9" idx="6"/>
+            </p:cNvCxnSpPr>
+            <p:nvPr/>
+          </p:nvCxnSpPr>
+          <p:spPr>
+            <a:xfrm flipH="1">
+              <a:off x="8368940" y="1980000"/>
+              <a:ext cx="720000" cy="0"/>
+            </a:xfrm>
+            <a:prstGeom prst="straightConnector1">
+              <a:avLst/>
+            </a:prstGeom>
+            <a:ln>
+              <a:solidFill>
+                <a:schemeClr val="tx1"/>
+              </a:solidFill>
+              <a:headEnd w="lg" len="lg"/>
+              <a:tailEnd type="triangle" w="lg" len="lg"/>
+            </a:ln>
+          </p:spPr>
+          <p:style>
+            <a:lnRef idx="1">
+              <a:schemeClr val="accent1"/>
+            </a:lnRef>
+            <a:fillRef idx="0">
+              <a:schemeClr val="accent1"/>
+            </a:fillRef>
+            <a:effectRef idx="0">
+              <a:schemeClr val="accent1"/>
+            </a:effectRef>
+            <a:fontRef idx="minor">
+              <a:schemeClr val="tx1"/>
+            </a:fontRef>
+          </p:style>
+        </p:cxnSp>
+        <p:cxnSp>
+          <p:nvCxnSpPr>
+            <p:cNvPr id="24" name="직선 화살표 연결선 23"/>
+            <p:cNvCxnSpPr/>
+            <p:nvPr/>
+          </p:nvCxnSpPr>
+          <p:spPr>
+            <a:xfrm flipH="1">
+              <a:off x="2968941" y="1980000"/>
+              <a:ext cx="720000" cy="0"/>
+            </a:xfrm>
+            <a:prstGeom prst="straightConnector1">
+              <a:avLst/>
+            </a:prstGeom>
+            <a:ln>
+              <a:solidFill>
+                <a:schemeClr val="tx1"/>
+              </a:solidFill>
+              <a:headEnd w="lg" len="lg"/>
+              <a:tailEnd type="triangle" w="lg" len="lg"/>
+            </a:ln>
+          </p:spPr>
+          <p:style>
+            <a:lnRef idx="1">
+              <a:schemeClr val="accent1"/>
+            </a:lnRef>
+            <a:fillRef idx="0">
+              <a:schemeClr val="accent1"/>
+            </a:fillRef>
+            <a:effectRef idx="0">
+              <a:schemeClr val="accent1"/>
+            </a:effectRef>
+            <a:fontRef idx="minor">
+              <a:schemeClr val="tx1"/>
+            </a:fontRef>
+          </p:style>
+        </p:cxnSp>
+        <p:cxnSp>
+          <p:nvCxnSpPr>
+            <p:cNvPr id="33" name="직선 화살표 연결선 32"/>
+            <p:cNvCxnSpPr/>
+            <p:nvPr/>
+          </p:nvCxnSpPr>
+          <p:spPr>
+            <a:xfrm rot="16200000" flipH="1">
+              <a:off x="7468941" y="5760000"/>
+              <a:ext cx="720000" cy="0"/>
+            </a:xfrm>
+            <a:prstGeom prst="straightConnector1">
+              <a:avLst/>
+            </a:prstGeom>
+            <a:ln>
+              <a:solidFill>
+                <a:schemeClr val="tx1"/>
+              </a:solidFill>
+              <a:headEnd type="triangle" w="lg" len="lg"/>
+              <a:tailEnd type="none" w="lg" len="lg"/>
+            </a:ln>
+          </p:spPr>
+          <p:style>
+            <a:lnRef idx="1">
+              <a:schemeClr val="accent1"/>
+            </a:lnRef>
+            <a:fillRef idx="0">
+              <a:schemeClr val="accent1"/>
+            </a:fillRef>
+            <a:effectRef idx="0">
+              <a:schemeClr val="accent1"/>
+            </a:effectRef>
+            <a:fontRef idx="minor">
+              <a:schemeClr val="tx1"/>
+            </a:fontRef>
+          </p:style>
+        </p:cxnSp>
+        <p:cxnSp>
+          <p:nvCxnSpPr>
+            <p:cNvPr id="34" name="직선 화살표 연결선 33"/>
+            <p:cNvCxnSpPr/>
+            <p:nvPr/>
+          </p:nvCxnSpPr>
+          <p:spPr>
+            <a:xfrm rot="16200000" flipH="1">
+              <a:off x="5668941" y="5760000"/>
+              <a:ext cx="720000" cy="0"/>
+            </a:xfrm>
+            <a:prstGeom prst="straightConnector1">
+              <a:avLst/>
+            </a:prstGeom>
+            <a:ln>
+              <a:solidFill>
+                <a:schemeClr val="tx1"/>
+              </a:solidFill>
+              <a:headEnd type="triangle" w="lg" len="lg"/>
+              <a:tailEnd type="none" w="lg" len="lg"/>
+            </a:ln>
+          </p:spPr>
+          <p:style>
+            <a:lnRef idx="1">
+              <a:schemeClr val="accent1"/>
+            </a:lnRef>
+            <a:fillRef idx="0">
+              <a:schemeClr val="accent1"/>
+            </a:fillRef>
+            <a:effectRef idx="0">
+              <a:schemeClr val="accent1"/>
+            </a:effectRef>
+            <a:fontRef idx="minor">
+              <a:schemeClr val="tx1"/>
+            </a:fontRef>
+          </p:style>
+        </p:cxnSp>
+        <p:cxnSp>
+          <p:nvCxnSpPr>
+            <p:cNvPr id="35" name="직선 화살표 연결선 34"/>
+            <p:cNvCxnSpPr/>
+            <p:nvPr/>
+          </p:nvCxnSpPr>
+          <p:spPr>
+            <a:xfrm rot="16200000" flipH="1">
+              <a:off x="3868941" y="5760000"/>
+              <a:ext cx="720000" cy="0"/>
+            </a:xfrm>
+            <a:prstGeom prst="straightConnector1">
+              <a:avLst/>
+            </a:prstGeom>
+            <a:ln>
+              <a:solidFill>
+                <a:schemeClr val="tx1"/>
+              </a:solidFill>
+              <a:headEnd type="triangle" w="lg" len="lg"/>
+              <a:tailEnd type="none" w="lg" len="lg"/>
+            </a:ln>
+          </p:spPr>
+          <p:style>
+            <a:lnRef idx="1">
+              <a:schemeClr val="accent1"/>
+            </a:lnRef>
+            <a:fillRef idx="0">
+              <a:schemeClr val="accent1"/>
+            </a:fillRef>
+            <a:effectRef idx="0">
+              <a:schemeClr val="accent1"/>
+            </a:effectRef>
+            <a:fontRef idx="minor">
+              <a:schemeClr val="tx1"/>
+            </a:fontRef>
+          </p:style>
+        </p:cxnSp>
+        <p:cxnSp>
+          <p:nvCxnSpPr>
+            <p:cNvPr id="36" name="직선 화살표 연결선 35"/>
+            <p:cNvCxnSpPr/>
+            <p:nvPr/>
+          </p:nvCxnSpPr>
+          <p:spPr>
+            <a:xfrm rot="16200000" flipH="1">
+              <a:off x="7468941" y="1080000"/>
+              <a:ext cx="720000" cy="0"/>
+            </a:xfrm>
+            <a:prstGeom prst="straightConnector1">
+              <a:avLst/>
+            </a:prstGeom>
+            <a:ln>
+              <a:solidFill>
+                <a:schemeClr val="tx1"/>
+              </a:solidFill>
+              <a:headEnd type="triangle" w="lg" len="lg"/>
+              <a:tailEnd type="none" w="lg" len="lg"/>
+            </a:ln>
+          </p:spPr>
+          <p:style>
+            <a:lnRef idx="1">
+              <a:schemeClr val="accent1"/>
+            </a:lnRef>
+            <a:fillRef idx="0">
+              <a:schemeClr val="accent1"/>
+            </a:fillRef>
+            <a:effectRef idx="0">
+              <a:schemeClr val="accent1"/>
+            </a:effectRef>
+            <a:fontRef idx="minor">
+              <a:schemeClr val="tx1"/>
+            </a:fontRef>
+          </p:style>
+        </p:cxnSp>
+        <p:cxnSp>
+          <p:nvCxnSpPr>
+            <p:cNvPr id="37" name="직선 화살표 연결선 36"/>
+            <p:cNvCxnSpPr/>
+            <p:nvPr/>
+          </p:nvCxnSpPr>
+          <p:spPr>
+            <a:xfrm rot="16200000" flipH="1">
+              <a:off x="5668941" y="1080000"/>
+              <a:ext cx="720000" cy="0"/>
+            </a:xfrm>
+            <a:prstGeom prst="straightConnector1">
+              <a:avLst/>
+            </a:prstGeom>
+            <a:ln>
+              <a:solidFill>
+                <a:schemeClr val="tx1"/>
+              </a:solidFill>
+              <a:headEnd type="triangle" w="lg" len="lg"/>
+              <a:tailEnd type="none" w="lg" len="lg"/>
+            </a:ln>
+          </p:spPr>
+          <p:style>
+            <a:lnRef idx="1">
+              <a:schemeClr val="accent1"/>
+            </a:lnRef>
+            <a:fillRef idx="0">
+              <a:schemeClr val="accent1"/>
+            </a:fillRef>
+            <a:effectRef idx="0">
+              <a:schemeClr val="accent1"/>
+            </a:effectRef>
+            <a:fontRef idx="minor">
+              <a:schemeClr val="tx1"/>
+            </a:fontRef>
+          </p:style>
+        </p:cxnSp>
+        <p:cxnSp>
+          <p:nvCxnSpPr>
+            <p:cNvPr id="38" name="직선 화살표 연결선 37"/>
+            <p:cNvCxnSpPr/>
+            <p:nvPr/>
+          </p:nvCxnSpPr>
+          <p:spPr>
+            <a:xfrm rot="16200000" flipH="1">
+              <a:off x="3868941" y="1080000"/>
+              <a:ext cx="720000" cy="0"/>
+            </a:xfrm>
+            <a:prstGeom prst="straightConnector1">
+              <a:avLst/>
+            </a:prstGeom>
+            <a:ln>
+              <a:solidFill>
+                <a:schemeClr val="tx1"/>
+              </a:solidFill>
+              <a:headEnd type="triangle" w="lg" len="lg"/>
+              <a:tailEnd type="none" w="lg" len="lg"/>
+            </a:ln>
+          </p:spPr>
+          <p:style>
+            <a:lnRef idx="1">
+              <a:schemeClr val="accent1"/>
+            </a:lnRef>
+            <a:fillRef idx="0">
+              <a:schemeClr val="accent1"/>
+            </a:fillRef>
+            <a:effectRef idx="0">
+              <a:schemeClr val="accent1"/>
+            </a:effectRef>
+            <a:fontRef idx="minor">
+              <a:schemeClr val="tx1"/>
+            </a:fontRef>
+          </p:style>
+        </p:cxnSp>
+        <mc:AlternateContent xmlns:mc="http://schemas.openxmlformats.org/markup-compatibility/2006">
+          <mc:Choice xmlns:a14="http://schemas.microsoft.com/office/drawing/2010/main" Requires="a14">
+            <p:sp>
+              <p:nvSpPr>
+                <p:cNvPr id="39" name="타원 38"/>
+                <p:cNvSpPr/>
+                <p:nvPr/>
+              </p:nvSpPr>
+              <p:spPr>
+                <a:xfrm>
+                  <a:off x="3688941" y="5760000"/>
+                  <a:ext cx="1080000" cy="1080000"/>
+                </a:xfrm>
+                <a:prstGeom prst="ellipse">
+                  <a:avLst/>
+                </a:prstGeom>
+                <a:noFill/>
+                <a:ln>
+                  <a:noFill/>
+                </a:ln>
+              </p:spPr>
+              <p:style>
+                <a:lnRef idx="2">
+                  <a:schemeClr val="accent1">
+                    <a:shade val="50000"/>
+                  </a:schemeClr>
+                </a:lnRef>
+                <a:fillRef idx="1">
+                  <a:schemeClr val="accent1"/>
+                </a:fillRef>
+                <a:effectRef idx="0">
+                  <a:schemeClr val="accent1"/>
+                </a:effectRef>
+                <a:fontRef idx="minor">
+                  <a:schemeClr val="lt1"/>
+                </a:fontRef>
+              </p:style>
+              <p:txBody>
+                <a:bodyPr rtlCol="0" anchor="ctr"/>
+                <a:lstStyle/>
+                <a:p>
+                  <a:pPr algn="ctr"/>
+                  <a14:m>
+                    <m:oMathPara xmlns:m="http://schemas.openxmlformats.org/officeDocument/2006/math">
+                      <m:oMathParaPr>
+                        <m:jc m:val="centerGroup"/>
+                      </m:oMathParaPr>
+                      <m:oMath xmlns:m="http://schemas.openxmlformats.org/officeDocument/2006/math">
+                        <m:sSub>
+                          <m:sSubPr>
+                            <m:ctrlPr>
+                              <a:rPr lang="en-US" altLang="ko-KR" i="1" smtClean="0">
+                                <a:solidFill>
+                                  <a:schemeClr val="tx1"/>
+                                </a:solidFill>
+                                <a:latin typeface="Cambria Math" panose="02040503050406030204" pitchFamily="18" charset="0"/>
+                              </a:rPr>
+                            </m:ctrlPr>
+                          </m:sSubPr>
+                          <m:e>
+                            <m:r>
+                              <a:rPr lang="en-US" altLang="ko-KR" b="0" i="1" smtClean="0">
+                                <a:solidFill>
+                                  <a:schemeClr val="tx1"/>
+                                </a:solidFill>
+                                <a:latin typeface="Cambria Math" panose="02040503050406030204" pitchFamily="18" charset="0"/>
+                              </a:rPr>
+                              <m:t>𝑥</m:t>
+                            </m:r>
+                          </m:e>
+                          <m:sub>
+                            <m:r>
+                              <a:rPr lang="en-US" altLang="ko-KR" b="0" i="1" smtClean="0">
+                                <a:solidFill>
+                                  <a:schemeClr val="tx1"/>
+                                </a:solidFill>
+                                <a:latin typeface="Cambria Math" panose="02040503050406030204" pitchFamily="18" charset="0"/>
+                              </a:rPr>
+                              <m:t>𝑡</m:t>
+                            </m:r>
+                            <m:r>
+                              <a:rPr lang="en-US" altLang="ko-KR" b="0" i="1" smtClean="0">
+                                <a:solidFill>
+                                  <a:schemeClr val="tx1"/>
+                                </a:solidFill>
+                                <a:latin typeface="Cambria Math" panose="02040503050406030204" pitchFamily="18" charset="0"/>
+                              </a:rPr>
+                              <m:t>−1</m:t>
+                            </m:r>
+                          </m:sub>
+                        </m:sSub>
+                      </m:oMath>
+                    </m:oMathPara>
+                  </a14:m>
+                  <a:endParaRPr lang="ko-KR" altLang="en-US" dirty="0">
+                    <a:solidFill>
+                      <a:schemeClr val="tx1"/>
+                    </a:solidFill>
+                  </a:endParaRPr>
+                </a:p>
+              </p:txBody>
+            </p:sp>
+          </mc:Choice>
+          <mc:Fallback>
+            <p:sp>
+              <p:nvSpPr>
+                <p:cNvPr id="39" name="타원 38"/>
+                <p:cNvSpPr>
+                  <a:spLocks noRot="1" noChangeAspect="1" noMove="1" noResize="1" noEditPoints="1" noAdjustHandles="1" noChangeArrowheads="1" noChangeShapeType="1" noTextEdit="1"/>
+                </p:cNvSpPr>
+                <p:nvPr/>
+              </p:nvSpPr>
+              <p:spPr>
+                <a:xfrm>
+                  <a:off x="3688941" y="5760000"/>
+                  <a:ext cx="1080000" cy="1080000"/>
+                </a:xfrm>
+                <a:prstGeom prst="ellipse">
+                  <a:avLst/>
+                </a:prstGeom>
+                <a:blipFill>
+                  <a:blip r:embed="rId8"/>
+                  <a:stretch>
+                    <a:fillRect/>
+                  </a:stretch>
+                </a:blipFill>
+                <a:ln>
+                  <a:noFill/>
+                </a:ln>
+              </p:spPr>
+              <p:txBody>
+                <a:bodyPr/>
+                <a:lstStyle/>
+                <a:p>
+                  <a:r>
+                    <a:rPr lang="ko-KR" altLang="en-US">
+                      <a:noFill/>
+                    </a:rPr>
+                    <a:t> </a:t>
+                  </a:r>
+                </a:p>
+              </p:txBody>
+            </p:sp>
+          </mc:Fallback>
+        </mc:AlternateContent>
+        <mc:AlternateContent xmlns:mc="http://schemas.openxmlformats.org/markup-compatibility/2006">
+          <mc:Choice xmlns:a14="http://schemas.microsoft.com/office/drawing/2010/main" Requires="a14">
+            <p:sp>
+              <p:nvSpPr>
+                <p:cNvPr id="40" name="타원 39"/>
+                <p:cNvSpPr/>
+                <p:nvPr/>
+              </p:nvSpPr>
+              <p:spPr>
+                <a:xfrm>
+                  <a:off x="7288941" y="5760000"/>
+                  <a:ext cx="1080000" cy="1080000"/>
+                </a:xfrm>
+                <a:prstGeom prst="ellipse">
+                  <a:avLst/>
+                </a:prstGeom>
+                <a:noFill/>
+                <a:ln>
+                  <a:noFill/>
+                </a:ln>
+              </p:spPr>
+              <p:style>
+                <a:lnRef idx="2">
+                  <a:schemeClr val="accent1">
+                    <a:shade val="50000"/>
+                  </a:schemeClr>
+                </a:lnRef>
+                <a:fillRef idx="1">
+                  <a:schemeClr val="accent1"/>
+                </a:fillRef>
+                <a:effectRef idx="0">
+                  <a:schemeClr val="accent1"/>
+                </a:effectRef>
+                <a:fontRef idx="minor">
+                  <a:schemeClr val="lt1"/>
+                </a:fontRef>
+              </p:style>
+              <p:txBody>
+                <a:bodyPr rtlCol="0" anchor="ctr"/>
+                <a:lstStyle/>
+                <a:p>
+                  <a:pPr algn="ctr"/>
+                  <a14:m>
+                    <m:oMathPara xmlns:m="http://schemas.openxmlformats.org/officeDocument/2006/math">
+                      <m:oMathParaPr>
+                        <m:jc m:val="centerGroup"/>
+                      </m:oMathParaPr>
+                      <m:oMath xmlns:m="http://schemas.openxmlformats.org/officeDocument/2006/math">
+                        <m:sSub>
+                          <m:sSubPr>
+                            <m:ctrlPr>
+                              <a:rPr lang="en-US" altLang="ko-KR" i="1" smtClean="0">
+                                <a:solidFill>
+                                  <a:schemeClr val="tx1"/>
+                                </a:solidFill>
+                                <a:latin typeface="Cambria Math" panose="02040503050406030204" pitchFamily="18" charset="0"/>
+                              </a:rPr>
+                            </m:ctrlPr>
+                          </m:sSubPr>
+                          <m:e>
+                            <m:r>
+                              <a:rPr lang="en-US" altLang="ko-KR" b="0" i="1" smtClean="0">
+                                <a:solidFill>
+                                  <a:schemeClr val="tx1"/>
+                                </a:solidFill>
+                                <a:latin typeface="Cambria Math" panose="02040503050406030204" pitchFamily="18" charset="0"/>
+                              </a:rPr>
+                              <m:t>𝑥</m:t>
+                            </m:r>
+                          </m:e>
+                          <m:sub>
+                            <m:r>
+                              <a:rPr lang="en-US" altLang="ko-KR" b="0" i="1" smtClean="0">
+                                <a:solidFill>
+                                  <a:schemeClr val="tx1"/>
+                                </a:solidFill>
+                                <a:latin typeface="Cambria Math" panose="02040503050406030204" pitchFamily="18" charset="0"/>
+                              </a:rPr>
+                              <m:t>𝑡</m:t>
+                            </m:r>
+                            <m:r>
+                              <a:rPr lang="en-US" altLang="ko-KR" b="0" i="1" smtClean="0">
+                                <a:solidFill>
+                                  <a:schemeClr val="tx1"/>
+                                </a:solidFill>
+                                <a:latin typeface="Cambria Math" panose="02040503050406030204" pitchFamily="18" charset="0"/>
+                              </a:rPr>
+                              <m:t>+1</m:t>
+                            </m:r>
+                          </m:sub>
+                        </m:sSub>
+                      </m:oMath>
+                    </m:oMathPara>
+                  </a14:m>
+                  <a:endParaRPr lang="ko-KR" altLang="en-US" dirty="0">
+                    <a:solidFill>
+                      <a:schemeClr val="tx1"/>
+                    </a:solidFill>
+                  </a:endParaRPr>
+                </a:p>
+              </p:txBody>
+            </p:sp>
+          </mc:Choice>
+          <mc:Fallback>
+            <p:sp>
+              <p:nvSpPr>
+                <p:cNvPr id="40" name="타원 39"/>
+                <p:cNvSpPr>
+                  <a:spLocks noRot="1" noChangeAspect="1" noMove="1" noResize="1" noEditPoints="1" noAdjustHandles="1" noChangeArrowheads="1" noChangeShapeType="1" noTextEdit="1"/>
+                </p:cNvSpPr>
+                <p:nvPr/>
+              </p:nvSpPr>
+              <p:spPr>
+                <a:xfrm>
+                  <a:off x="7288941" y="5760000"/>
+                  <a:ext cx="1080000" cy="1080000"/>
+                </a:xfrm>
+                <a:prstGeom prst="ellipse">
+                  <a:avLst/>
+                </a:prstGeom>
+                <a:blipFill>
+                  <a:blip r:embed="rId9"/>
+                  <a:stretch>
+                    <a:fillRect/>
+                  </a:stretch>
+                </a:blipFill>
+                <a:ln>
+                  <a:noFill/>
+                </a:ln>
+              </p:spPr>
+              <p:txBody>
+                <a:bodyPr/>
+                <a:lstStyle/>
+                <a:p>
+                  <a:r>
+                    <a:rPr lang="ko-KR" altLang="en-US">
+                      <a:noFill/>
+                    </a:rPr>
+                    <a:t> </a:t>
+                  </a:r>
+                </a:p>
+              </p:txBody>
+            </p:sp>
+          </mc:Fallback>
+        </mc:AlternateContent>
+        <mc:AlternateContent xmlns:mc="http://schemas.openxmlformats.org/markup-compatibility/2006">
+          <mc:Choice xmlns:a14="http://schemas.microsoft.com/office/drawing/2010/main" Requires="a14">
+            <p:sp>
+              <p:nvSpPr>
+                <p:cNvPr id="41" name="타원 40"/>
+                <p:cNvSpPr/>
+                <p:nvPr/>
+              </p:nvSpPr>
+              <p:spPr>
+                <a:xfrm>
+                  <a:off x="5488941" y="5760000"/>
+                  <a:ext cx="1080000" cy="1080000"/>
+                </a:xfrm>
+                <a:prstGeom prst="ellipse">
+                  <a:avLst/>
+                </a:prstGeom>
+                <a:noFill/>
+                <a:ln>
+                  <a:noFill/>
+                </a:ln>
+              </p:spPr>
+              <p:style>
+                <a:lnRef idx="2">
+                  <a:schemeClr val="accent1">
+                    <a:shade val="50000"/>
+                  </a:schemeClr>
+                </a:lnRef>
+                <a:fillRef idx="1">
+                  <a:schemeClr val="accent1"/>
+                </a:fillRef>
+                <a:effectRef idx="0">
+                  <a:schemeClr val="accent1"/>
+                </a:effectRef>
+                <a:fontRef idx="minor">
+                  <a:schemeClr val="lt1"/>
+                </a:fontRef>
+              </p:style>
+              <p:txBody>
+                <a:bodyPr rtlCol="0" anchor="ctr"/>
+                <a:lstStyle/>
+                <a:p>
+                  <a:pPr algn="ctr"/>
+                  <a14:m>
+                    <m:oMathPara xmlns:m="http://schemas.openxmlformats.org/officeDocument/2006/math">
+                      <m:oMathParaPr>
+                        <m:jc m:val="centerGroup"/>
+                      </m:oMathParaPr>
+                      <m:oMath xmlns:m="http://schemas.openxmlformats.org/officeDocument/2006/math">
+                        <m:sSub>
+                          <m:sSubPr>
+                            <m:ctrlPr>
+                              <a:rPr lang="en-US" altLang="ko-KR" i="1" smtClean="0">
+                                <a:solidFill>
+                                  <a:schemeClr val="tx1"/>
+                                </a:solidFill>
+                                <a:latin typeface="Cambria Math" panose="02040503050406030204" pitchFamily="18" charset="0"/>
+                              </a:rPr>
+                            </m:ctrlPr>
+                          </m:sSubPr>
+                          <m:e>
+                            <m:r>
+                              <a:rPr lang="en-US" altLang="ko-KR" b="0" i="1" smtClean="0">
+                                <a:solidFill>
+                                  <a:schemeClr val="tx1"/>
+                                </a:solidFill>
+                                <a:latin typeface="Cambria Math" panose="02040503050406030204" pitchFamily="18" charset="0"/>
+                              </a:rPr>
+                              <m:t>𝑥</m:t>
+                            </m:r>
+                          </m:e>
+                          <m:sub>
+                            <m:r>
+                              <a:rPr lang="en-US" altLang="ko-KR" b="0" i="1" smtClean="0">
+                                <a:solidFill>
+                                  <a:schemeClr val="tx1"/>
+                                </a:solidFill>
+                                <a:latin typeface="Cambria Math" panose="02040503050406030204" pitchFamily="18" charset="0"/>
+                              </a:rPr>
+                              <m:t>𝑡</m:t>
+                            </m:r>
+                          </m:sub>
+                        </m:sSub>
+                      </m:oMath>
+                    </m:oMathPara>
+                  </a14:m>
+                  <a:endParaRPr lang="ko-KR" altLang="en-US" dirty="0">
+                    <a:solidFill>
+                      <a:schemeClr val="tx1"/>
+                    </a:solidFill>
+                  </a:endParaRPr>
+                </a:p>
+              </p:txBody>
+            </p:sp>
+          </mc:Choice>
+          <mc:Fallback>
+            <p:sp>
+              <p:nvSpPr>
+                <p:cNvPr id="41" name="타원 40"/>
+                <p:cNvSpPr>
+                  <a:spLocks noRot="1" noChangeAspect="1" noMove="1" noResize="1" noEditPoints="1" noAdjustHandles="1" noChangeArrowheads="1" noChangeShapeType="1" noTextEdit="1"/>
+                </p:cNvSpPr>
+                <p:nvPr/>
+              </p:nvSpPr>
+              <p:spPr>
+                <a:xfrm>
+                  <a:off x="5488941" y="5760000"/>
+                  <a:ext cx="1080000" cy="1080000"/>
+                </a:xfrm>
+                <a:prstGeom prst="ellipse">
+                  <a:avLst/>
+                </a:prstGeom>
+                <a:blipFill>
+                  <a:blip r:embed="rId10"/>
+                  <a:stretch>
+                    <a:fillRect/>
+                  </a:stretch>
+                </a:blipFill>
+                <a:ln>
+                  <a:noFill/>
+                </a:ln>
+              </p:spPr>
+              <p:txBody>
+                <a:bodyPr/>
+                <a:lstStyle/>
+                <a:p>
+                  <a:r>
+                    <a:rPr lang="ko-KR" altLang="en-US">
+                      <a:noFill/>
+                    </a:rPr>
+                    <a:t> </a:t>
+                  </a:r>
+                </a:p>
+              </p:txBody>
+            </p:sp>
+          </mc:Fallback>
+        </mc:AlternateContent>
+        <mc:AlternateContent xmlns:mc="http://schemas.openxmlformats.org/markup-compatibility/2006">
+          <mc:Choice xmlns:a14="http://schemas.microsoft.com/office/drawing/2010/main" Requires="a14">
+            <p:sp>
+              <p:nvSpPr>
+                <p:cNvPr id="42" name="타원 41"/>
+                <p:cNvSpPr/>
+                <p:nvPr/>
+              </p:nvSpPr>
+              <p:spPr>
+                <a:xfrm>
+                  <a:off x="3688941" y="-180000"/>
+                  <a:ext cx="1080000" cy="1080000"/>
+                </a:xfrm>
+                <a:prstGeom prst="ellipse">
+                  <a:avLst/>
+                </a:prstGeom>
+                <a:noFill/>
+                <a:ln>
+                  <a:noFill/>
+                </a:ln>
+              </p:spPr>
+              <p:style>
+                <a:lnRef idx="2">
+                  <a:schemeClr val="accent1">
+                    <a:shade val="50000"/>
+                  </a:schemeClr>
+                </a:lnRef>
+                <a:fillRef idx="1">
+                  <a:schemeClr val="accent1"/>
+                </a:fillRef>
+                <a:effectRef idx="0">
+                  <a:schemeClr val="accent1"/>
+                </a:effectRef>
+                <a:fontRef idx="minor">
+                  <a:schemeClr val="lt1"/>
+                </a:fontRef>
+              </p:style>
+              <p:txBody>
+                <a:bodyPr rtlCol="0" anchor="ctr" anchorCtr="1"/>
+                <a:lstStyle/>
+                <a:p>
+                  <a:pPr algn="ctr"/>
+                  <a14:m>
+                    <m:oMathPara xmlns:m="http://schemas.openxmlformats.org/officeDocument/2006/math">
+                      <m:oMathParaPr>
+                        <m:jc m:val="centerGroup"/>
+                      </m:oMathParaPr>
+                      <m:oMath xmlns:m="http://schemas.openxmlformats.org/officeDocument/2006/math">
+                        <m:sSub>
+                          <m:sSubPr>
+                            <m:ctrlPr>
+                              <a:rPr lang="en-US" altLang="ko-KR" i="1" smtClean="0">
+                                <a:solidFill>
+                                  <a:schemeClr val="tx1"/>
+                                </a:solidFill>
+                                <a:latin typeface="Cambria Math" panose="02040503050406030204" pitchFamily="18" charset="0"/>
+                              </a:rPr>
+                            </m:ctrlPr>
+                          </m:sSubPr>
+                          <m:e>
+                            <m:r>
+                              <a:rPr lang="en-US" altLang="ko-KR" b="0" i="1" smtClean="0">
+                                <a:solidFill>
+                                  <a:schemeClr val="tx1"/>
+                                </a:solidFill>
+                                <a:latin typeface="Cambria Math" panose="02040503050406030204" pitchFamily="18" charset="0"/>
+                              </a:rPr>
+                              <m:t>𝑦</m:t>
+                            </m:r>
+                          </m:e>
+                          <m:sub>
+                            <m:r>
+                              <a:rPr lang="en-US" altLang="ko-KR" b="0" i="1" smtClean="0">
+                                <a:solidFill>
+                                  <a:schemeClr val="tx1"/>
+                                </a:solidFill>
+                                <a:latin typeface="Cambria Math" panose="02040503050406030204" pitchFamily="18" charset="0"/>
+                              </a:rPr>
+                              <m:t>𝑡</m:t>
+                            </m:r>
+                            <m:r>
+                              <a:rPr lang="en-US" altLang="ko-KR" b="0" i="1" smtClean="0">
+                                <a:solidFill>
+                                  <a:schemeClr val="tx1"/>
+                                </a:solidFill>
+                                <a:latin typeface="Cambria Math" panose="02040503050406030204" pitchFamily="18" charset="0"/>
+                              </a:rPr>
+                              <m:t>−1</m:t>
+                            </m:r>
+                          </m:sub>
+                        </m:sSub>
+                      </m:oMath>
+                    </m:oMathPara>
+                  </a14:m>
+                  <a:endParaRPr lang="ko-KR" altLang="en-US" dirty="0">
+                    <a:solidFill>
+                      <a:schemeClr val="tx1"/>
+                    </a:solidFill>
+                  </a:endParaRPr>
+                </a:p>
+              </p:txBody>
+            </p:sp>
+          </mc:Choice>
+          <mc:Fallback>
+            <p:sp>
+              <p:nvSpPr>
+                <p:cNvPr id="42" name="타원 41"/>
+                <p:cNvSpPr>
+                  <a:spLocks noRot="1" noChangeAspect="1" noMove="1" noResize="1" noEditPoints="1" noAdjustHandles="1" noChangeArrowheads="1" noChangeShapeType="1" noTextEdit="1"/>
+                </p:cNvSpPr>
+                <p:nvPr/>
+              </p:nvSpPr>
+              <p:spPr>
+                <a:xfrm>
+                  <a:off x="3688941" y="-180000"/>
+                  <a:ext cx="1080000" cy="1080000"/>
+                </a:xfrm>
+                <a:prstGeom prst="ellipse">
+                  <a:avLst/>
+                </a:prstGeom>
+                <a:blipFill>
+                  <a:blip r:embed="rId11"/>
+                  <a:stretch>
+                    <a:fillRect/>
+                  </a:stretch>
+                </a:blipFill>
+                <a:ln>
+                  <a:noFill/>
+                </a:ln>
+              </p:spPr>
+              <p:txBody>
+                <a:bodyPr/>
+                <a:lstStyle/>
+                <a:p>
+                  <a:r>
+                    <a:rPr lang="ko-KR" altLang="en-US">
+                      <a:noFill/>
+                    </a:rPr>
+                    <a:t> </a:t>
+                  </a:r>
+                </a:p>
+              </p:txBody>
+            </p:sp>
+          </mc:Fallback>
+        </mc:AlternateContent>
+        <mc:AlternateContent xmlns:mc="http://schemas.openxmlformats.org/markup-compatibility/2006">
+          <mc:Choice xmlns:a14="http://schemas.microsoft.com/office/drawing/2010/main" Requires="a14">
+            <p:sp>
+              <p:nvSpPr>
+                <p:cNvPr id="43" name="타원 42"/>
+                <p:cNvSpPr/>
+                <p:nvPr/>
+              </p:nvSpPr>
+              <p:spPr>
+                <a:xfrm>
+                  <a:off x="7288941" y="-180000"/>
+                  <a:ext cx="1080000" cy="1080000"/>
+                </a:xfrm>
+                <a:prstGeom prst="ellipse">
+                  <a:avLst/>
+                </a:prstGeom>
+                <a:noFill/>
+                <a:ln>
+                  <a:noFill/>
+                </a:ln>
+              </p:spPr>
+              <p:style>
+                <a:lnRef idx="2">
+                  <a:schemeClr val="accent1">
+                    <a:shade val="50000"/>
+                  </a:schemeClr>
+                </a:lnRef>
+                <a:fillRef idx="1">
+                  <a:schemeClr val="accent1"/>
+                </a:fillRef>
+                <a:effectRef idx="0">
+                  <a:schemeClr val="accent1"/>
+                </a:effectRef>
+                <a:fontRef idx="minor">
+                  <a:schemeClr val="lt1"/>
+                </a:fontRef>
+              </p:style>
+              <p:txBody>
+                <a:bodyPr rtlCol="0" anchor="ctr" anchorCtr="1"/>
+                <a:lstStyle/>
+                <a:p>
+                  <a:pPr algn="ctr"/>
+                  <a14:m>
+                    <m:oMathPara xmlns:m="http://schemas.openxmlformats.org/officeDocument/2006/math">
+                      <m:oMathParaPr>
+                        <m:jc m:val="centerGroup"/>
+                      </m:oMathParaPr>
+                      <m:oMath xmlns:m="http://schemas.openxmlformats.org/officeDocument/2006/math">
+                        <m:sSub>
+                          <m:sSubPr>
+                            <m:ctrlPr>
+                              <a:rPr lang="en-US" altLang="ko-KR" i="1" smtClean="0">
+                                <a:solidFill>
+                                  <a:schemeClr val="tx1"/>
+                                </a:solidFill>
+                                <a:latin typeface="Cambria Math" panose="02040503050406030204" pitchFamily="18" charset="0"/>
+                              </a:rPr>
+                            </m:ctrlPr>
+                          </m:sSubPr>
+                          <m:e>
+                            <m:r>
+                              <a:rPr lang="en-US" altLang="ko-KR" b="0" i="1" smtClean="0">
+                                <a:solidFill>
+                                  <a:schemeClr val="tx1"/>
+                                </a:solidFill>
+                                <a:latin typeface="Cambria Math" panose="02040503050406030204" pitchFamily="18" charset="0"/>
+                              </a:rPr>
+                              <m:t>𝑦</m:t>
+                            </m:r>
+                          </m:e>
+                          <m:sub>
+                            <m:r>
+                              <a:rPr lang="en-US" altLang="ko-KR" b="0" i="1" smtClean="0">
+                                <a:solidFill>
+                                  <a:schemeClr val="tx1"/>
+                                </a:solidFill>
+                                <a:latin typeface="Cambria Math" panose="02040503050406030204" pitchFamily="18" charset="0"/>
+                              </a:rPr>
+                              <m:t>𝑡</m:t>
+                            </m:r>
+                            <m:r>
+                              <a:rPr lang="en-US" altLang="ko-KR" b="0" i="1" smtClean="0">
+                                <a:solidFill>
+                                  <a:schemeClr val="tx1"/>
+                                </a:solidFill>
+                                <a:latin typeface="Cambria Math" panose="02040503050406030204" pitchFamily="18" charset="0"/>
+                              </a:rPr>
+                              <m:t>+1</m:t>
+                            </m:r>
+                          </m:sub>
+                        </m:sSub>
+                      </m:oMath>
+                    </m:oMathPara>
+                  </a14:m>
+                  <a:endParaRPr lang="ko-KR" altLang="en-US" dirty="0">
+                    <a:solidFill>
+                      <a:schemeClr val="tx1"/>
+                    </a:solidFill>
+                  </a:endParaRPr>
+                </a:p>
+              </p:txBody>
+            </p:sp>
+          </mc:Choice>
+          <mc:Fallback>
+            <p:sp>
+              <p:nvSpPr>
+                <p:cNvPr id="43" name="타원 42"/>
+                <p:cNvSpPr>
+                  <a:spLocks noRot="1" noChangeAspect="1" noMove="1" noResize="1" noEditPoints="1" noAdjustHandles="1" noChangeArrowheads="1" noChangeShapeType="1" noTextEdit="1"/>
+                </p:cNvSpPr>
+                <p:nvPr/>
+              </p:nvSpPr>
+              <p:spPr>
+                <a:xfrm>
+                  <a:off x="7288941" y="-180000"/>
+                  <a:ext cx="1080000" cy="1080000"/>
+                </a:xfrm>
+                <a:prstGeom prst="ellipse">
+                  <a:avLst/>
+                </a:prstGeom>
+                <a:blipFill>
+                  <a:blip r:embed="rId12"/>
+                  <a:stretch>
+                    <a:fillRect/>
+                  </a:stretch>
+                </a:blipFill>
+                <a:ln>
+                  <a:noFill/>
+                </a:ln>
+              </p:spPr>
+              <p:txBody>
+                <a:bodyPr/>
+                <a:lstStyle/>
+                <a:p>
+                  <a:r>
+                    <a:rPr lang="ko-KR" altLang="en-US">
+                      <a:noFill/>
+                    </a:rPr>
+                    <a:t> </a:t>
+                  </a:r>
+                </a:p>
+              </p:txBody>
+            </p:sp>
+          </mc:Fallback>
+        </mc:AlternateContent>
+        <mc:AlternateContent xmlns:mc="http://schemas.openxmlformats.org/markup-compatibility/2006">
+          <mc:Choice xmlns:a14="http://schemas.microsoft.com/office/drawing/2010/main" Requires="a14">
+            <p:sp>
+              <p:nvSpPr>
+                <p:cNvPr id="44" name="타원 43"/>
+                <p:cNvSpPr/>
+                <p:nvPr/>
+              </p:nvSpPr>
+              <p:spPr>
+                <a:xfrm>
+                  <a:off x="5488941" y="-180000"/>
+                  <a:ext cx="1080000" cy="1080000"/>
+                </a:xfrm>
+                <a:prstGeom prst="ellipse">
+                  <a:avLst/>
+                </a:prstGeom>
+                <a:noFill/>
+                <a:ln>
+                  <a:noFill/>
+                </a:ln>
+              </p:spPr>
+              <p:style>
+                <a:lnRef idx="2">
+                  <a:schemeClr val="accent1">
+                    <a:shade val="50000"/>
+                  </a:schemeClr>
+                </a:lnRef>
+                <a:fillRef idx="1">
+                  <a:schemeClr val="accent1"/>
+                </a:fillRef>
+                <a:effectRef idx="0">
+                  <a:schemeClr val="accent1"/>
+                </a:effectRef>
+                <a:fontRef idx="minor">
+                  <a:schemeClr val="lt1"/>
+                </a:fontRef>
+              </p:style>
+              <p:txBody>
+                <a:bodyPr rtlCol="0" anchor="ctr" anchorCtr="1"/>
+                <a:lstStyle/>
+                <a:p>
+                  <a:pPr algn="ctr"/>
+                  <a14:m>
+                    <m:oMathPara xmlns:m="http://schemas.openxmlformats.org/officeDocument/2006/math">
+                      <m:oMathParaPr>
+                        <m:jc m:val="centerGroup"/>
+                      </m:oMathParaPr>
+                      <m:oMath xmlns:m="http://schemas.openxmlformats.org/officeDocument/2006/math">
+                        <m:sSub>
+                          <m:sSubPr>
+                            <m:ctrlPr>
+                              <a:rPr lang="en-US" altLang="ko-KR" i="1" smtClean="0">
+                                <a:solidFill>
+                                  <a:schemeClr val="tx1"/>
+                                </a:solidFill>
+                                <a:latin typeface="Cambria Math" panose="02040503050406030204" pitchFamily="18" charset="0"/>
+                              </a:rPr>
+                            </m:ctrlPr>
+                          </m:sSubPr>
+                          <m:e>
+                            <m:r>
+                              <a:rPr lang="en-US" altLang="ko-KR" b="0" i="1" smtClean="0">
+                                <a:solidFill>
+                                  <a:schemeClr val="tx1"/>
+                                </a:solidFill>
+                                <a:latin typeface="Cambria Math" panose="02040503050406030204" pitchFamily="18" charset="0"/>
+                              </a:rPr>
+                              <m:t>𝑦</m:t>
+                            </m:r>
+                          </m:e>
+                          <m:sub>
+                            <m:r>
+                              <a:rPr lang="en-US" altLang="ko-KR" b="0" i="1" smtClean="0">
+                                <a:solidFill>
+                                  <a:schemeClr val="tx1"/>
+                                </a:solidFill>
+                                <a:latin typeface="Cambria Math" panose="02040503050406030204" pitchFamily="18" charset="0"/>
+                              </a:rPr>
+                              <m:t>𝑡</m:t>
+                            </m:r>
+                          </m:sub>
+                        </m:sSub>
+                      </m:oMath>
+                    </m:oMathPara>
+                  </a14:m>
+                  <a:endParaRPr lang="ko-KR" altLang="en-US" dirty="0">
+                    <a:solidFill>
+                      <a:schemeClr val="tx1"/>
+                    </a:solidFill>
+                  </a:endParaRPr>
+                </a:p>
+              </p:txBody>
+            </p:sp>
+          </mc:Choice>
+          <mc:Fallback>
+            <p:sp>
+              <p:nvSpPr>
+                <p:cNvPr id="44" name="타원 43"/>
+                <p:cNvSpPr>
+                  <a:spLocks noRot="1" noChangeAspect="1" noMove="1" noResize="1" noEditPoints="1" noAdjustHandles="1" noChangeArrowheads="1" noChangeShapeType="1" noTextEdit="1"/>
+                </p:cNvSpPr>
+                <p:nvPr/>
+              </p:nvSpPr>
+              <p:spPr>
+                <a:xfrm>
+                  <a:off x="5488941" y="-180000"/>
+                  <a:ext cx="1080000" cy="1080000"/>
+                </a:xfrm>
+                <a:prstGeom prst="ellipse">
+                  <a:avLst/>
+                </a:prstGeom>
+                <a:blipFill>
+                  <a:blip r:embed="rId13"/>
+                  <a:stretch>
+                    <a:fillRect/>
+                  </a:stretch>
+                </a:blipFill>
+                <a:ln>
+                  <a:noFill/>
+                </a:ln>
+              </p:spPr>
+              <p:txBody>
+                <a:bodyPr/>
+                <a:lstStyle/>
+                <a:p>
+                  <a:r>
+                    <a:rPr lang="ko-KR" altLang="en-US">
+                      <a:noFill/>
+                    </a:rPr>
+                    <a:t> </a:t>
+                  </a:r>
+                </a:p>
+              </p:txBody>
+            </p:sp>
+          </mc:Fallback>
+        </mc:AlternateContent>
+        <p:sp>
+          <p:nvSpPr>
+            <p:cNvPr id="70" name="자유형 69"/>
+            <p:cNvSpPr/>
+            <p:nvPr/>
+          </p:nvSpPr>
+          <p:spPr>
+            <a:xfrm>
+              <a:off x="3237466" y="2520000"/>
+              <a:ext cx="991474" cy="3599999"/>
+            </a:xfrm>
+            <a:custGeom>
+              <a:avLst/>
+              <a:gdLst>
+                <a:gd name="connsiteX0" fmla="*/ 988556 w 988556"/>
+                <a:gd name="connsiteY0" fmla="*/ 3509319 h 3509319"/>
+                <a:gd name="connsiteX1" fmla="*/ 16 w 988556"/>
+                <a:gd name="connsiteY1" fmla="*/ 1482811 h 3509319"/>
+                <a:gd name="connsiteX2" fmla="*/ 963843 w 988556"/>
+                <a:gd name="connsiteY2" fmla="*/ 0 h 3509319"/>
+              </a:gdLst>
+              <a:ahLst/>
+              <a:cxnLst>
+                <a:cxn ang="0">
+                  <a:pos x="connsiteX0" y="connsiteY0"/>
+                </a:cxn>
+                <a:cxn ang="0">
+                  <a:pos x="connsiteX1" y="connsiteY1"/>
+                </a:cxn>
+                <a:cxn ang="0">
+                  <a:pos x="connsiteX2" y="connsiteY2"/>
+                </a:cxn>
+              </a:cxnLst>
+              <a:rect l="l" t="t" r="r" b="b"/>
+              <a:pathLst>
+                <a:path w="988556" h="3509319">
+                  <a:moveTo>
+                    <a:pt x="988556" y="3509319"/>
+                  </a:moveTo>
+                  <a:cubicBezTo>
+                    <a:pt x="496345" y="2788508"/>
+                    <a:pt x="4135" y="2067697"/>
+                    <a:pt x="16" y="1482811"/>
+                  </a:cubicBezTo>
+                  <a:cubicBezTo>
+                    <a:pt x="-4103" y="897925"/>
+                    <a:pt x="747600" y="308919"/>
+                    <a:pt x="963843" y="0"/>
+                  </a:cubicBezTo>
+                </a:path>
+              </a:pathLst>
+            </a:custGeom>
+            <a:noFill/>
+            <a:ln>
+              <a:solidFill>
+                <a:schemeClr val="tx1"/>
+              </a:solidFill>
+              <a:headEnd type="none" w="med" len="med"/>
+              <a:tailEnd type="triangle" w="lg" len="lg"/>
+            </a:ln>
+          </p:spPr>
+          <p:style>
+            <a:lnRef idx="2">
+              <a:schemeClr val="accent1">
+                <a:shade val="50000"/>
+              </a:schemeClr>
+            </a:lnRef>
+            <a:fillRef idx="1">
+              <a:schemeClr val="accent1"/>
+            </a:fillRef>
+            <a:effectRef idx="0">
+              <a:schemeClr val="accent1"/>
+            </a:effectRef>
+            <a:fontRef idx="minor">
+              <a:schemeClr val="lt1"/>
+            </a:fontRef>
+          </p:style>
+          <p:txBody>
+            <a:bodyPr rtlCol="0" anchor="ctr"/>
+            <a:lstStyle/>
+            <a:p>
+              <a:pPr algn="ctr"/>
+              <a:endParaRPr lang="ko-KR" altLang="en-US"/>
+            </a:p>
+          </p:txBody>
+        </p:sp>
+        <p:sp>
+          <p:nvSpPr>
+            <p:cNvPr id="71" name="자유형 70"/>
+            <p:cNvSpPr/>
+            <p:nvPr/>
+          </p:nvSpPr>
+          <p:spPr>
+            <a:xfrm>
+              <a:off x="6837466" y="2519998"/>
+              <a:ext cx="991474" cy="3599999"/>
+            </a:xfrm>
+            <a:custGeom>
+              <a:avLst/>
+              <a:gdLst>
+                <a:gd name="connsiteX0" fmla="*/ 988556 w 988556"/>
+                <a:gd name="connsiteY0" fmla="*/ 3509319 h 3509319"/>
+                <a:gd name="connsiteX1" fmla="*/ 16 w 988556"/>
+                <a:gd name="connsiteY1" fmla="*/ 1482811 h 3509319"/>
+                <a:gd name="connsiteX2" fmla="*/ 963843 w 988556"/>
+                <a:gd name="connsiteY2" fmla="*/ 0 h 3509319"/>
+              </a:gdLst>
+              <a:ahLst/>
+              <a:cxnLst>
+                <a:cxn ang="0">
+                  <a:pos x="connsiteX0" y="connsiteY0"/>
+                </a:cxn>
+                <a:cxn ang="0">
+                  <a:pos x="connsiteX1" y="connsiteY1"/>
+                </a:cxn>
+                <a:cxn ang="0">
+                  <a:pos x="connsiteX2" y="connsiteY2"/>
+                </a:cxn>
+              </a:cxnLst>
+              <a:rect l="l" t="t" r="r" b="b"/>
+              <a:pathLst>
+                <a:path w="988556" h="3509319">
+                  <a:moveTo>
+                    <a:pt x="988556" y="3509319"/>
+                  </a:moveTo>
+                  <a:cubicBezTo>
+                    <a:pt x="496345" y="2788508"/>
+                    <a:pt x="4135" y="2067697"/>
+                    <a:pt x="16" y="1482811"/>
+                  </a:cubicBezTo>
+                  <a:cubicBezTo>
+                    <a:pt x="-4103" y="897925"/>
+                    <a:pt x="747600" y="308919"/>
+                    <a:pt x="963843" y="0"/>
+                  </a:cubicBezTo>
+                </a:path>
+              </a:pathLst>
+            </a:custGeom>
+            <a:noFill/>
+            <a:ln>
+              <a:solidFill>
+                <a:schemeClr val="tx1"/>
+              </a:solidFill>
+              <a:headEnd type="none" w="med" len="med"/>
+              <a:tailEnd type="triangle" w="lg" len="lg"/>
+            </a:ln>
+          </p:spPr>
+          <p:style>
+            <a:lnRef idx="2">
+              <a:schemeClr val="accent1">
+                <a:shade val="50000"/>
+              </a:schemeClr>
+            </a:lnRef>
+            <a:fillRef idx="1">
+              <a:schemeClr val="accent1"/>
+            </a:fillRef>
+            <a:effectRef idx="0">
+              <a:schemeClr val="accent1"/>
+            </a:effectRef>
+            <a:fontRef idx="minor">
+              <a:schemeClr val="lt1"/>
+            </a:fontRef>
+          </p:style>
+          <p:txBody>
+            <a:bodyPr rtlCol="0" anchor="ctr"/>
+            <a:lstStyle/>
+            <a:p>
+              <a:pPr algn="ctr"/>
+              <a:endParaRPr lang="ko-KR" altLang="en-US"/>
+            </a:p>
+          </p:txBody>
+        </p:sp>
+        <p:sp>
+          <p:nvSpPr>
+            <p:cNvPr id="72" name="자유형 71"/>
+            <p:cNvSpPr/>
+            <p:nvPr/>
+          </p:nvSpPr>
+          <p:spPr>
+            <a:xfrm>
+              <a:off x="5033379" y="2519999"/>
+              <a:ext cx="991474" cy="3599999"/>
+            </a:xfrm>
+            <a:custGeom>
+              <a:avLst/>
+              <a:gdLst>
+                <a:gd name="connsiteX0" fmla="*/ 988556 w 988556"/>
+                <a:gd name="connsiteY0" fmla="*/ 3509319 h 3509319"/>
+                <a:gd name="connsiteX1" fmla="*/ 16 w 988556"/>
+                <a:gd name="connsiteY1" fmla="*/ 1482811 h 3509319"/>
+                <a:gd name="connsiteX2" fmla="*/ 963843 w 988556"/>
+                <a:gd name="connsiteY2" fmla="*/ 0 h 3509319"/>
+              </a:gdLst>
+              <a:ahLst/>
+              <a:cxnLst>
+                <a:cxn ang="0">
+                  <a:pos x="connsiteX0" y="connsiteY0"/>
+                </a:cxn>
+                <a:cxn ang="0">
+                  <a:pos x="connsiteX1" y="connsiteY1"/>
+                </a:cxn>
+                <a:cxn ang="0">
+                  <a:pos x="connsiteX2" y="connsiteY2"/>
+                </a:cxn>
+              </a:cxnLst>
+              <a:rect l="l" t="t" r="r" b="b"/>
+              <a:pathLst>
+                <a:path w="988556" h="3509319">
+                  <a:moveTo>
+                    <a:pt x="988556" y="3509319"/>
+                  </a:moveTo>
+                  <a:cubicBezTo>
+                    <a:pt x="496345" y="2788508"/>
+                    <a:pt x="4135" y="2067697"/>
+                    <a:pt x="16" y="1482811"/>
+                  </a:cubicBezTo>
+                  <a:cubicBezTo>
+                    <a:pt x="-4103" y="897925"/>
+                    <a:pt x="747600" y="308919"/>
+                    <a:pt x="963843" y="0"/>
+                  </a:cubicBezTo>
+                </a:path>
+              </a:pathLst>
+            </a:custGeom>
+            <a:noFill/>
+            <a:ln>
+              <a:solidFill>
+                <a:schemeClr val="tx1"/>
+              </a:solidFill>
+              <a:headEnd type="none" w="med" len="med"/>
+              <a:tailEnd type="triangle" w="lg" len="lg"/>
+            </a:ln>
+          </p:spPr>
+          <p:style>
+            <a:lnRef idx="2">
+              <a:schemeClr val="accent1">
+                <a:shade val="50000"/>
+              </a:schemeClr>
+            </a:lnRef>
+            <a:fillRef idx="1">
+              <a:schemeClr val="accent1"/>
+            </a:fillRef>
+            <a:effectRef idx="0">
+              <a:schemeClr val="accent1"/>
+            </a:effectRef>
+            <a:fontRef idx="minor">
+              <a:schemeClr val="lt1"/>
+            </a:fontRef>
+          </p:style>
+          <p:txBody>
+            <a:bodyPr rtlCol="0" anchor="ctr"/>
+            <a:lstStyle/>
+            <a:p>
+              <a:pPr algn="ctr"/>
+              <a:endParaRPr lang="ko-KR" altLang="en-US"/>
+            </a:p>
+          </p:txBody>
+        </p:sp>
+        <p:sp>
+          <p:nvSpPr>
+            <p:cNvPr id="73" name="자유형 72"/>
+            <p:cNvSpPr/>
+            <p:nvPr/>
+          </p:nvSpPr>
+          <p:spPr>
+            <a:xfrm flipH="1">
+              <a:off x="4228940" y="719997"/>
+              <a:ext cx="990000" cy="3600001"/>
+            </a:xfrm>
+            <a:custGeom>
+              <a:avLst/>
+              <a:gdLst>
+                <a:gd name="connsiteX0" fmla="*/ 988556 w 988556"/>
+                <a:gd name="connsiteY0" fmla="*/ 3509319 h 3509319"/>
+                <a:gd name="connsiteX1" fmla="*/ 16 w 988556"/>
+                <a:gd name="connsiteY1" fmla="*/ 1482811 h 3509319"/>
+                <a:gd name="connsiteX2" fmla="*/ 963843 w 988556"/>
+                <a:gd name="connsiteY2" fmla="*/ 0 h 3509319"/>
+              </a:gdLst>
+              <a:ahLst/>
+              <a:cxnLst>
+                <a:cxn ang="0">
+                  <a:pos x="connsiteX0" y="connsiteY0"/>
+                </a:cxn>
+                <a:cxn ang="0">
+                  <a:pos x="connsiteX1" y="connsiteY1"/>
+                </a:cxn>
+                <a:cxn ang="0">
+                  <a:pos x="connsiteX2" y="connsiteY2"/>
+                </a:cxn>
+              </a:cxnLst>
+              <a:rect l="l" t="t" r="r" b="b"/>
+              <a:pathLst>
+                <a:path w="988556" h="3509319">
+                  <a:moveTo>
+                    <a:pt x="988556" y="3509319"/>
+                  </a:moveTo>
+                  <a:cubicBezTo>
+                    <a:pt x="496345" y="2788508"/>
+                    <a:pt x="4135" y="2067697"/>
+                    <a:pt x="16" y="1482811"/>
+                  </a:cubicBezTo>
+                  <a:cubicBezTo>
+                    <a:pt x="-4103" y="897925"/>
+                    <a:pt x="747600" y="308919"/>
+                    <a:pt x="963843" y="0"/>
+                  </a:cubicBezTo>
+                </a:path>
+              </a:pathLst>
+            </a:custGeom>
+            <a:noFill/>
+            <a:ln>
+              <a:solidFill>
+                <a:schemeClr val="tx1"/>
+              </a:solidFill>
+              <a:headEnd type="none" w="med" len="med"/>
+              <a:tailEnd type="triangle" w="lg" len="lg"/>
+            </a:ln>
+          </p:spPr>
+          <p:style>
+            <a:lnRef idx="2">
+              <a:schemeClr val="accent1">
+                <a:shade val="50000"/>
+              </a:schemeClr>
+            </a:lnRef>
+            <a:fillRef idx="1">
+              <a:schemeClr val="accent1"/>
+            </a:fillRef>
+            <a:effectRef idx="0">
+              <a:schemeClr val="accent1"/>
+            </a:effectRef>
+            <a:fontRef idx="minor">
+              <a:schemeClr val="lt1"/>
+            </a:fontRef>
+          </p:style>
+          <p:txBody>
+            <a:bodyPr rtlCol="0" anchor="ctr"/>
+            <a:lstStyle/>
+            <a:p>
+              <a:pPr algn="ctr"/>
+              <a:endParaRPr lang="ko-KR" altLang="en-US"/>
+            </a:p>
+          </p:txBody>
+        </p:sp>
+        <p:sp>
+          <p:nvSpPr>
+            <p:cNvPr id="74" name="자유형 73"/>
+            <p:cNvSpPr/>
+            <p:nvPr/>
+          </p:nvSpPr>
+          <p:spPr>
+            <a:xfrm flipH="1">
+              <a:off x="7828942" y="719998"/>
+              <a:ext cx="991474" cy="3599999"/>
+            </a:xfrm>
+            <a:custGeom>
+              <a:avLst/>
+              <a:gdLst>
+                <a:gd name="connsiteX0" fmla="*/ 988556 w 988556"/>
+                <a:gd name="connsiteY0" fmla="*/ 3509319 h 3509319"/>
+                <a:gd name="connsiteX1" fmla="*/ 16 w 988556"/>
+                <a:gd name="connsiteY1" fmla="*/ 1482811 h 3509319"/>
+                <a:gd name="connsiteX2" fmla="*/ 963843 w 988556"/>
+                <a:gd name="connsiteY2" fmla="*/ 0 h 3509319"/>
+              </a:gdLst>
+              <a:ahLst/>
+              <a:cxnLst>
+                <a:cxn ang="0">
+                  <a:pos x="connsiteX0" y="connsiteY0"/>
+                </a:cxn>
+                <a:cxn ang="0">
+                  <a:pos x="connsiteX1" y="connsiteY1"/>
+                </a:cxn>
+                <a:cxn ang="0">
+                  <a:pos x="connsiteX2" y="connsiteY2"/>
+                </a:cxn>
+              </a:cxnLst>
+              <a:rect l="l" t="t" r="r" b="b"/>
+              <a:pathLst>
+                <a:path w="988556" h="3509319">
+                  <a:moveTo>
+                    <a:pt x="988556" y="3509319"/>
+                  </a:moveTo>
+                  <a:cubicBezTo>
+                    <a:pt x="496345" y="2788508"/>
+                    <a:pt x="4135" y="2067697"/>
+                    <a:pt x="16" y="1482811"/>
+                  </a:cubicBezTo>
+                  <a:cubicBezTo>
+                    <a:pt x="-4103" y="897925"/>
+                    <a:pt x="747600" y="308919"/>
+                    <a:pt x="963843" y="0"/>
+                  </a:cubicBezTo>
+                </a:path>
+              </a:pathLst>
+            </a:custGeom>
+            <a:noFill/>
+            <a:ln>
+              <a:solidFill>
+                <a:schemeClr val="tx1"/>
+              </a:solidFill>
+              <a:headEnd type="none" w="med" len="med"/>
+              <a:tailEnd type="triangle" w="lg" len="lg"/>
+            </a:ln>
+          </p:spPr>
+          <p:style>
+            <a:lnRef idx="2">
+              <a:schemeClr val="accent1">
+                <a:shade val="50000"/>
+              </a:schemeClr>
+            </a:lnRef>
+            <a:fillRef idx="1">
+              <a:schemeClr val="accent1"/>
+            </a:fillRef>
+            <a:effectRef idx="0">
+              <a:schemeClr val="accent1"/>
+            </a:effectRef>
+            <a:fontRef idx="minor">
+              <a:schemeClr val="lt1"/>
+            </a:fontRef>
+          </p:style>
+          <p:txBody>
+            <a:bodyPr rtlCol="0" anchor="ctr"/>
+            <a:lstStyle/>
+            <a:p>
+              <a:pPr algn="ctr"/>
+              <a:endParaRPr lang="ko-KR" altLang="en-US"/>
+            </a:p>
+          </p:txBody>
+        </p:sp>
+        <p:sp>
+          <p:nvSpPr>
+            <p:cNvPr id="75" name="자유형 74"/>
+            <p:cNvSpPr/>
+            <p:nvPr/>
+          </p:nvSpPr>
+          <p:spPr>
+            <a:xfrm flipH="1">
+              <a:off x="6027467" y="719998"/>
+              <a:ext cx="991474" cy="3599999"/>
+            </a:xfrm>
+            <a:custGeom>
+              <a:avLst/>
+              <a:gdLst>
+                <a:gd name="connsiteX0" fmla="*/ 988556 w 988556"/>
+                <a:gd name="connsiteY0" fmla="*/ 3509319 h 3509319"/>
+                <a:gd name="connsiteX1" fmla="*/ 16 w 988556"/>
+                <a:gd name="connsiteY1" fmla="*/ 1482811 h 3509319"/>
+                <a:gd name="connsiteX2" fmla="*/ 963843 w 988556"/>
+                <a:gd name="connsiteY2" fmla="*/ 0 h 3509319"/>
+              </a:gdLst>
+              <a:ahLst/>
+              <a:cxnLst>
+                <a:cxn ang="0">
+                  <a:pos x="connsiteX0" y="connsiteY0"/>
+                </a:cxn>
+                <a:cxn ang="0">
+                  <a:pos x="connsiteX1" y="connsiteY1"/>
+                </a:cxn>
+                <a:cxn ang="0">
+                  <a:pos x="connsiteX2" y="connsiteY2"/>
+                </a:cxn>
+              </a:cxnLst>
+              <a:rect l="l" t="t" r="r" b="b"/>
+              <a:pathLst>
+                <a:path w="988556" h="3509319">
+                  <a:moveTo>
+                    <a:pt x="988556" y="3509319"/>
+                  </a:moveTo>
+                  <a:cubicBezTo>
+                    <a:pt x="496345" y="2788508"/>
+                    <a:pt x="4135" y="2067697"/>
+                    <a:pt x="16" y="1482811"/>
+                  </a:cubicBezTo>
+                  <a:cubicBezTo>
+                    <a:pt x="-4103" y="897925"/>
+                    <a:pt x="747600" y="308919"/>
+                    <a:pt x="963843" y="0"/>
+                  </a:cubicBezTo>
+                </a:path>
+              </a:pathLst>
+            </a:custGeom>
+            <a:noFill/>
+            <a:ln>
+              <a:solidFill>
+                <a:schemeClr val="tx1"/>
+              </a:solidFill>
+              <a:headEnd type="none" w="med" len="med"/>
+              <a:tailEnd type="triangle" w="lg" len="lg"/>
+            </a:ln>
+          </p:spPr>
+          <p:style>
+            <a:lnRef idx="2">
+              <a:schemeClr val="accent1">
+                <a:shade val="50000"/>
+              </a:schemeClr>
+            </a:lnRef>
+            <a:fillRef idx="1">
+              <a:schemeClr val="accent1"/>
+            </a:fillRef>
+            <a:effectRef idx="0">
+              <a:schemeClr val="accent1"/>
+            </a:effectRef>
+            <a:fontRef idx="minor">
+              <a:schemeClr val="lt1"/>
+            </a:fontRef>
+          </p:style>
+          <p:txBody>
+            <a:bodyPr rtlCol="0" anchor="ctr"/>
+            <a:lstStyle/>
+            <a:p>
+              <a:pPr algn="ctr"/>
+              <a:endParaRPr lang="ko-KR" altLang="en-US"/>
+            </a:p>
+          </p:txBody>
+        </p:sp>
+        <p:sp>
+          <p:nvSpPr>
+            <p:cNvPr id="76" name="TextBox 75"/>
+            <p:cNvSpPr txBox="1"/>
+            <p:nvPr/>
+          </p:nvSpPr>
+          <p:spPr>
+            <a:xfrm>
+              <a:off x="351350" y="1800000"/>
+              <a:ext cx="1950330" cy="369332"/>
+            </a:xfrm>
+            <a:prstGeom prst="rect">
+              <a:avLst/>
+            </a:prstGeom>
+            <a:noFill/>
+          </p:spPr>
+          <p:txBody>
+            <a:bodyPr wrap="square" rtlCol="0">
+              <a:spAutoFit/>
+            </a:bodyPr>
+            <a:lstStyle/>
+            <a:p>
+              <a:pPr algn="ctr"/>
+              <a:r>
+                <a:rPr lang="en-US" altLang="ko-KR" dirty="0" smtClean="0">
+                  <a:latin typeface="times" panose="02020603050405020304" pitchFamily="18" charset="0"/>
+                  <a:cs typeface="times" panose="02020603050405020304" pitchFamily="18" charset="0"/>
+                </a:rPr>
+                <a:t>Backward Layer</a:t>
+              </a:r>
+              <a:endParaRPr lang="ko-KR" altLang="en-US" dirty="0">
+                <a:latin typeface="times" panose="02020603050405020304" pitchFamily="18" charset="0"/>
+                <a:cs typeface="times" panose="02020603050405020304" pitchFamily="18" charset="0"/>
+              </a:endParaRPr>
+            </a:p>
+          </p:txBody>
+        </p:sp>
+        <p:sp>
+          <p:nvSpPr>
+            <p:cNvPr id="77" name="TextBox 76"/>
+            <p:cNvSpPr txBox="1"/>
+            <p:nvPr/>
+          </p:nvSpPr>
+          <p:spPr>
+            <a:xfrm>
+              <a:off x="351639" y="4680000"/>
+              <a:ext cx="1950330" cy="369332"/>
+            </a:xfrm>
+            <a:prstGeom prst="rect">
+              <a:avLst/>
+            </a:prstGeom>
+            <a:noFill/>
+          </p:spPr>
+          <p:txBody>
+            <a:bodyPr wrap="square" rtlCol="0">
+              <a:spAutoFit/>
+            </a:bodyPr>
+            <a:lstStyle/>
+            <a:p>
+              <a:pPr algn="ctr"/>
+              <a:r>
+                <a:rPr lang="en-US" altLang="ko-KR" dirty="0" smtClean="0">
+                  <a:latin typeface="times" panose="02020603050405020304" pitchFamily="18" charset="0"/>
+                  <a:cs typeface="times" panose="02020603050405020304" pitchFamily="18" charset="0"/>
+                </a:rPr>
+                <a:t>Forward Layer</a:t>
+              </a:r>
+              <a:endParaRPr lang="ko-KR" altLang="en-US" dirty="0">
+                <a:latin typeface="times" panose="02020603050405020304" pitchFamily="18" charset="0"/>
+                <a:cs typeface="times" panose="02020603050405020304" pitchFamily="18" charset="0"/>
+              </a:endParaRPr>
+            </a:p>
+          </p:txBody>
+        </p:sp>
+        <p:sp>
+          <p:nvSpPr>
+            <p:cNvPr id="78" name="TextBox 77"/>
+            <p:cNvSpPr txBox="1"/>
+            <p:nvPr/>
+          </p:nvSpPr>
+          <p:spPr>
+            <a:xfrm>
+              <a:off x="351639" y="6120000"/>
+              <a:ext cx="1950330" cy="369332"/>
+            </a:xfrm>
+            <a:prstGeom prst="rect">
+              <a:avLst/>
+            </a:prstGeom>
+            <a:noFill/>
+          </p:spPr>
+          <p:txBody>
+            <a:bodyPr wrap="square" rtlCol="0">
+              <a:spAutoFit/>
+            </a:bodyPr>
+            <a:lstStyle/>
+            <a:p>
+              <a:pPr algn="ctr"/>
+              <a:r>
+                <a:rPr lang="en-US" altLang="ko-KR" dirty="0" smtClean="0">
+                  <a:latin typeface="times" panose="02020603050405020304" pitchFamily="18" charset="0"/>
+                  <a:cs typeface="times" panose="02020603050405020304" pitchFamily="18" charset="0"/>
+                </a:rPr>
+                <a:t>Inputs</a:t>
+              </a:r>
+              <a:endParaRPr lang="ko-KR" altLang="en-US" dirty="0">
+                <a:latin typeface="times" panose="02020603050405020304" pitchFamily="18" charset="0"/>
+                <a:cs typeface="times" panose="02020603050405020304" pitchFamily="18" charset="0"/>
+              </a:endParaRPr>
+            </a:p>
+          </p:txBody>
+        </p:sp>
+        <p:sp>
+          <p:nvSpPr>
+            <p:cNvPr id="79" name="TextBox 78"/>
+            <p:cNvSpPr txBox="1"/>
+            <p:nvPr/>
+          </p:nvSpPr>
+          <p:spPr>
+            <a:xfrm>
+              <a:off x="351639" y="216000"/>
+              <a:ext cx="1950330" cy="369332"/>
+            </a:xfrm>
+            <a:prstGeom prst="rect">
+              <a:avLst/>
+            </a:prstGeom>
+            <a:noFill/>
+          </p:spPr>
+          <p:txBody>
+            <a:bodyPr wrap="square" rtlCol="0">
+              <a:spAutoFit/>
+            </a:bodyPr>
+            <a:lstStyle/>
+            <a:p>
+              <a:pPr algn="ctr"/>
+              <a:r>
+                <a:rPr lang="en-US" altLang="ko-KR" dirty="0" smtClean="0">
+                  <a:latin typeface="times" panose="02020603050405020304" pitchFamily="18" charset="0"/>
+                  <a:cs typeface="times" panose="02020603050405020304" pitchFamily="18" charset="0"/>
+                </a:rPr>
+                <a:t>Outputs</a:t>
+              </a:r>
+              <a:endParaRPr lang="ko-KR" altLang="en-US" dirty="0">
+                <a:latin typeface="times" panose="02020603050405020304" pitchFamily="18" charset="0"/>
+                <a:cs typeface="times" panose="02020603050405020304" pitchFamily="18" charset="0"/>
+              </a:endParaRPr>
+            </a:p>
+          </p:txBody>
+        </p:sp>
+        <p:grpSp>
+          <p:nvGrpSpPr>
+            <p:cNvPr id="82" name="그룹 81"/>
+            <p:cNvGrpSpPr/>
+            <p:nvPr/>
+          </p:nvGrpSpPr>
+          <p:grpSpPr>
+            <a:xfrm>
+              <a:off x="2002086" y="3384000"/>
+              <a:ext cx="965380" cy="72000"/>
+              <a:chOff x="3415862" y="5665076"/>
+              <a:chExt cx="965380" cy="72000"/>
+            </a:xfrm>
+          </p:grpSpPr>
+          <p:sp>
+            <p:nvSpPr>
+              <p:cNvPr id="83" name="타원 82"/>
+              <p:cNvSpPr/>
+              <p:nvPr/>
+            </p:nvSpPr>
+            <p:spPr>
+              <a:xfrm>
+                <a:off x="3415862" y="5665076"/>
+                <a:ext cx="72000" cy="72000"/>
+              </a:xfrm>
+              <a:prstGeom prst="ellipse">
+                <a:avLst/>
+              </a:prstGeom>
+              <a:solidFill>
+                <a:schemeClr val="tx1"/>
+              </a:solidFill>
+              <a:ln>
+                <a:solidFill>
+                  <a:schemeClr val="tx1"/>
+                </a:solidFill>
+              </a:ln>
+            </p:spPr>
+            <p:style>
+              <a:lnRef idx="2">
+                <a:schemeClr val="accent1">
+                  <a:shade val="50000"/>
+                </a:schemeClr>
+              </a:lnRef>
+              <a:fillRef idx="1">
+                <a:schemeClr val="accent1"/>
+              </a:fillRef>
+              <a:effectRef idx="0">
+                <a:schemeClr val="accent1"/>
+              </a:effectRef>
+              <a:fontRef idx="minor">
+                <a:schemeClr val="lt1"/>
+              </a:fontRef>
+            </p:style>
+            <p:txBody>
+              <a:bodyPr rtlCol="0" anchor="ctr"/>
+              <a:lstStyle/>
+              <a:p>
+                <a:pPr algn="ctr"/>
+                <a:endParaRPr lang="ko-KR" altLang="en-US"/>
+              </a:p>
+            </p:txBody>
+          </p:sp>
+          <p:sp>
+            <p:nvSpPr>
+              <p:cNvPr id="84" name="타원 83"/>
+              <p:cNvSpPr/>
+              <p:nvPr/>
+            </p:nvSpPr>
+            <p:spPr>
+              <a:xfrm>
+                <a:off x="3862552" y="5665076"/>
+                <a:ext cx="72000" cy="72000"/>
+              </a:xfrm>
+              <a:prstGeom prst="ellipse">
+                <a:avLst/>
+              </a:prstGeom>
+              <a:solidFill>
+                <a:schemeClr val="tx1"/>
+              </a:solidFill>
+              <a:ln>
+                <a:solidFill>
+                  <a:schemeClr val="tx1"/>
+                </a:solidFill>
+              </a:ln>
+            </p:spPr>
+            <p:style>
+              <a:lnRef idx="2">
+                <a:schemeClr val="accent1">
+                  <a:shade val="50000"/>
+                </a:schemeClr>
+              </a:lnRef>
+              <a:fillRef idx="1">
+                <a:schemeClr val="accent1"/>
+              </a:fillRef>
+              <a:effectRef idx="0">
+                <a:schemeClr val="accent1"/>
+              </a:effectRef>
+              <a:fontRef idx="minor">
+                <a:schemeClr val="lt1"/>
+              </a:fontRef>
+            </p:style>
+            <p:txBody>
+              <a:bodyPr rtlCol="0" anchor="ctr"/>
+              <a:lstStyle/>
+              <a:p>
+                <a:pPr algn="ctr"/>
+                <a:endParaRPr lang="ko-KR" altLang="en-US"/>
+              </a:p>
+            </p:txBody>
+          </p:sp>
+          <p:sp>
+            <p:nvSpPr>
+              <p:cNvPr id="85" name="타원 84"/>
+              <p:cNvSpPr/>
+              <p:nvPr/>
+            </p:nvSpPr>
+            <p:spPr>
+              <a:xfrm>
+                <a:off x="4309242" y="5665076"/>
+                <a:ext cx="72000" cy="72000"/>
+              </a:xfrm>
+              <a:prstGeom prst="ellipse">
+                <a:avLst/>
+              </a:prstGeom>
+              <a:solidFill>
+                <a:schemeClr val="tx1"/>
+              </a:solidFill>
+              <a:ln>
+                <a:solidFill>
+                  <a:schemeClr val="tx1"/>
+                </a:solidFill>
+              </a:ln>
+            </p:spPr>
+            <p:style>
+              <a:lnRef idx="2">
+                <a:schemeClr val="accent1">
+                  <a:shade val="50000"/>
+                </a:schemeClr>
+              </a:lnRef>
+              <a:fillRef idx="1">
+                <a:schemeClr val="accent1"/>
+              </a:fillRef>
+              <a:effectRef idx="0">
+                <a:schemeClr val="accent1"/>
+              </a:effectRef>
+              <a:fontRef idx="minor">
+                <a:schemeClr val="lt1"/>
+              </a:fontRef>
+            </p:style>
+            <p:txBody>
+              <a:bodyPr rtlCol="0" anchor="ctr"/>
+              <a:lstStyle/>
+              <a:p>
+                <a:pPr algn="ctr"/>
+                <a:endParaRPr lang="ko-KR" altLang="en-US"/>
+              </a:p>
+            </p:txBody>
+          </p:sp>
+        </p:grpSp>
+        <p:grpSp>
+          <p:nvGrpSpPr>
+            <p:cNvPr id="88" name="그룹 87"/>
+            <p:cNvGrpSpPr/>
+            <p:nvPr/>
+          </p:nvGrpSpPr>
+          <p:grpSpPr>
+            <a:xfrm>
+              <a:off x="9088940" y="3384000"/>
+              <a:ext cx="965380" cy="72000"/>
+              <a:chOff x="3415862" y="5665076"/>
+              <a:chExt cx="965380" cy="72000"/>
+            </a:xfrm>
+          </p:grpSpPr>
+          <p:sp>
+            <p:nvSpPr>
+              <p:cNvPr id="89" name="타원 88"/>
+              <p:cNvSpPr/>
+              <p:nvPr/>
+            </p:nvSpPr>
+            <p:spPr>
+              <a:xfrm>
+                <a:off x="3415862" y="5665076"/>
+                <a:ext cx="72000" cy="72000"/>
+              </a:xfrm>
+              <a:prstGeom prst="ellipse">
+                <a:avLst/>
+              </a:prstGeom>
+              <a:solidFill>
+                <a:schemeClr val="tx1"/>
+              </a:solidFill>
+              <a:ln>
+                <a:solidFill>
+                  <a:schemeClr val="tx1"/>
+                </a:solidFill>
+              </a:ln>
+            </p:spPr>
+            <p:style>
+              <a:lnRef idx="2">
+                <a:schemeClr val="accent1">
+                  <a:shade val="50000"/>
+                </a:schemeClr>
+              </a:lnRef>
+              <a:fillRef idx="1">
+                <a:schemeClr val="accent1"/>
+              </a:fillRef>
+              <a:effectRef idx="0">
+                <a:schemeClr val="accent1"/>
+              </a:effectRef>
+              <a:fontRef idx="minor">
+                <a:schemeClr val="lt1"/>
+              </a:fontRef>
+            </p:style>
+            <p:txBody>
+              <a:bodyPr rtlCol="0" anchor="ctr"/>
+              <a:lstStyle/>
+              <a:p>
+                <a:pPr algn="ctr"/>
+                <a:endParaRPr lang="ko-KR" altLang="en-US"/>
+              </a:p>
+            </p:txBody>
+          </p:sp>
+          <p:sp>
+            <p:nvSpPr>
+              <p:cNvPr id="90" name="타원 89"/>
+              <p:cNvSpPr/>
+              <p:nvPr/>
+            </p:nvSpPr>
+            <p:spPr>
+              <a:xfrm>
+                <a:off x="3862552" y="5665076"/>
+                <a:ext cx="72000" cy="72000"/>
+              </a:xfrm>
+              <a:prstGeom prst="ellipse">
+                <a:avLst/>
+              </a:prstGeom>
+              <a:solidFill>
+                <a:schemeClr val="tx1"/>
+              </a:solidFill>
+              <a:ln>
+                <a:solidFill>
+                  <a:schemeClr val="tx1"/>
+                </a:solidFill>
+              </a:ln>
+            </p:spPr>
+            <p:style>
+              <a:lnRef idx="2">
+                <a:schemeClr val="accent1">
+                  <a:shade val="50000"/>
+                </a:schemeClr>
+              </a:lnRef>
+              <a:fillRef idx="1">
+                <a:schemeClr val="accent1"/>
+              </a:fillRef>
+              <a:effectRef idx="0">
+                <a:schemeClr val="accent1"/>
+              </a:effectRef>
+              <a:fontRef idx="minor">
+                <a:schemeClr val="lt1"/>
+              </a:fontRef>
+            </p:style>
+            <p:txBody>
+              <a:bodyPr rtlCol="0" anchor="ctr"/>
+              <a:lstStyle/>
+              <a:p>
+                <a:pPr algn="ctr"/>
+                <a:endParaRPr lang="ko-KR" altLang="en-US"/>
+              </a:p>
+            </p:txBody>
+          </p:sp>
+          <p:sp>
+            <p:nvSpPr>
+              <p:cNvPr id="91" name="타원 90"/>
+              <p:cNvSpPr/>
+              <p:nvPr/>
+            </p:nvSpPr>
+            <p:spPr>
+              <a:xfrm>
+                <a:off x="4309242" y="5665076"/>
+                <a:ext cx="72000" cy="72000"/>
+              </a:xfrm>
+              <a:prstGeom prst="ellipse">
+                <a:avLst/>
+              </a:prstGeom>
+              <a:solidFill>
+                <a:schemeClr val="tx1"/>
+              </a:solidFill>
+              <a:ln>
+                <a:solidFill>
+                  <a:schemeClr val="tx1"/>
+                </a:solidFill>
+              </a:ln>
+            </p:spPr>
+            <p:style>
+              <a:lnRef idx="2">
+                <a:schemeClr val="accent1">
+                  <a:shade val="50000"/>
+                </a:schemeClr>
+              </a:lnRef>
+              <a:fillRef idx="1">
+                <a:schemeClr val="accent1"/>
+              </a:fillRef>
+              <a:effectRef idx="0">
+                <a:schemeClr val="accent1"/>
+              </a:effectRef>
+              <a:fontRef idx="minor">
+                <a:schemeClr val="lt1"/>
+              </a:fontRef>
+            </p:style>
+            <p:txBody>
+              <a:bodyPr rtlCol="0" anchor="ctr"/>
+              <a:lstStyle/>
+              <a:p>
+                <a:pPr algn="ctr"/>
+                <a:endParaRPr lang="ko-KR" altLang="en-US"/>
+              </a:p>
+            </p:txBody>
+          </p:sp>
+        </p:grpSp>
+      </p:grpSp>
+    </p:spTree>
+    <p:extLst>
+      <p:ext uri="{BB962C8B-B14F-4D97-AF65-F5344CB8AC3E}">
+        <p14:creationId xmlns:p14="http://schemas.microsoft.com/office/powerpoint/2010/main" val="2308280461"/>
       </p:ext>
     </p:extLst>
   </p:cSld>

--- a/changgyu_참고자료/자료.pptx
+++ b/changgyu_참고자료/자료.pptx
@@ -2,7 +2,7 @@
 <file path=ppt/presentation.xml><?xml version="1.0" encoding="utf-8"?>
 <p:presentation xmlns:a="http://schemas.openxmlformats.org/drawingml/2006/main" xmlns:r="http://schemas.openxmlformats.org/officeDocument/2006/relationships" xmlns:p="http://schemas.openxmlformats.org/presentationml/2006/main" saveSubsetFonts="1">
   <p:sldMasterIdLst>
-    <p:sldMasterId id="2147483648" r:id="rId1"/>
+    <p:sldMasterId id="2147483660" r:id="rId1"/>
   </p:sldMasterIdLst>
   <p:sldIdLst>
     <p:sldId id="256" r:id="rId2"/>
@@ -12,7 +12,7 @@
     <p:sldId id="261" r:id="rId6"/>
     <p:sldId id="262" r:id="rId7"/>
   </p:sldIdLst>
-  <p:sldSz cx="12192000" cy="6858000"/>
+  <p:sldSz cx="9144000" cy="6858000" type="screen4x3"/>
   <p:notesSz cx="6858000" cy="9144000"/>
   <p:defaultTextStyle>
     <a:defPPr>
@@ -136,7 +136,7 @@
       </p:grpSpPr>
       <p:sp>
         <p:nvSpPr>
-          <p:cNvPr id="2" name="제목 1"/>
+          <p:cNvPr id="2" name="Title 1"/>
           <p:cNvSpPr>
             <a:spLocks noGrp="1"/>
           </p:cNvSpPr>
@@ -146,8 +146,8 @@
         </p:nvSpPr>
         <p:spPr>
           <a:xfrm>
-            <a:off x="1524000" y="1122363"/>
-            <a:ext cx="9144000" cy="2387600"/>
+            <a:off x="685800" y="1122363"/>
+            <a:ext cx="7772400" cy="2387600"/>
           </a:xfrm>
         </p:spPr>
         <p:txBody>
@@ -162,13 +162,13 @@
               <a:rPr lang="ko-KR" altLang="en-US" smtClean="0"/>
               <a:t>마스터 제목 스타일 편집</a:t>
             </a:r>
-            <a:endParaRPr lang="ko-KR" altLang="en-US"/>
+            <a:endParaRPr lang="en-US" dirty="0"/>
           </a:p>
         </p:txBody>
       </p:sp>
       <p:sp>
         <p:nvSpPr>
-          <p:cNvPr id="3" name="부제목 2"/>
+          <p:cNvPr id="3" name="Subtitle 2"/>
           <p:cNvSpPr>
             <a:spLocks noGrp="1"/>
           </p:cNvSpPr>
@@ -178,8 +178,8 @@
         </p:nvSpPr>
         <p:spPr>
           <a:xfrm>
-            <a:off x="1524000" y="3602038"/>
-            <a:ext cx="9144000" cy="1655762"/>
+            <a:off x="1143000" y="3602038"/>
+            <a:ext cx="6858000" cy="1655762"/>
           </a:xfrm>
         </p:spPr>
         <p:txBody>
@@ -227,13 +227,13 @@
               <a:rPr lang="ko-KR" altLang="en-US" smtClean="0"/>
               <a:t>클릭하여 마스터 부제목 스타일 편집</a:t>
             </a:r>
-            <a:endParaRPr lang="ko-KR" altLang="en-US"/>
+            <a:endParaRPr lang="en-US" dirty="0"/>
           </a:p>
         </p:txBody>
       </p:sp>
       <p:sp>
         <p:nvSpPr>
-          <p:cNvPr id="4" name="날짜 개체 틀 3"/>
+          <p:cNvPr id="4" name="Date Placeholder 3"/>
           <p:cNvSpPr>
             <a:spLocks noGrp="1"/>
           </p:cNvSpPr>
@@ -248,7 +248,7 @@
           <a:p>
             <a:fld id="{1922C581-59D4-4B56-B830-B70E24B99D7C}" type="datetimeFigureOut">
               <a:rPr lang="ko-KR" altLang="en-US" smtClean="0"/>
-              <a:t>2019-01-02</a:t>
+              <a:t>2019-01-03</a:t>
             </a:fld>
             <a:endParaRPr lang="ko-KR" altLang="en-US"/>
           </a:p>
@@ -256,7 +256,7 @@
       </p:sp>
       <p:sp>
         <p:nvSpPr>
-          <p:cNvPr id="5" name="바닥글 개체 틀 4"/>
+          <p:cNvPr id="5" name="Footer Placeholder 4"/>
           <p:cNvSpPr>
             <a:spLocks noGrp="1"/>
           </p:cNvSpPr>
@@ -275,7 +275,7 @@
       </p:sp>
       <p:sp>
         <p:nvSpPr>
-          <p:cNvPr id="6" name="슬라이드 번호 개체 틀 5"/>
+          <p:cNvPr id="6" name="Slide Number Placeholder 5"/>
           <p:cNvSpPr>
             <a:spLocks noGrp="1"/>
           </p:cNvSpPr>
@@ -299,7 +299,7 @@
     </p:spTree>
     <p:extLst>
       <p:ext uri="{BB962C8B-B14F-4D97-AF65-F5344CB8AC3E}">
-        <p14:creationId xmlns:p14="http://schemas.microsoft.com/office/powerpoint/2010/main" val="3847957261"/>
+        <p14:creationId xmlns:p14="http://schemas.microsoft.com/office/powerpoint/2010/main" val="144993146"/>
       </p:ext>
     </p:extLst>
   </p:cSld>
@@ -328,7 +328,7 @@
       </p:grpSpPr>
       <p:sp>
         <p:nvSpPr>
-          <p:cNvPr id="2" name="제목 1"/>
+          <p:cNvPr id="2" name="Title 1"/>
           <p:cNvSpPr>
             <a:spLocks noGrp="1"/>
           </p:cNvSpPr>
@@ -345,13 +345,13 @@
               <a:rPr lang="ko-KR" altLang="en-US" smtClean="0"/>
               <a:t>마스터 제목 스타일 편집</a:t>
             </a:r>
-            <a:endParaRPr lang="ko-KR" altLang="en-US"/>
+            <a:endParaRPr lang="en-US" dirty="0"/>
           </a:p>
         </p:txBody>
       </p:sp>
       <p:sp>
         <p:nvSpPr>
-          <p:cNvPr id="3" name="세로 텍스트 개체 틀 2"/>
+          <p:cNvPr id="3" name="Vertical Text Placeholder 2"/>
           <p:cNvSpPr>
             <a:spLocks noGrp="1"/>
           </p:cNvSpPr>
@@ -397,13 +397,13 @@
               <a:rPr lang="ko-KR" altLang="en-US" smtClean="0"/>
               <a:t>다섯째 수준</a:t>
             </a:r>
-            <a:endParaRPr lang="ko-KR" altLang="en-US"/>
+            <a:endParaRPr lang="en-US" dirty="0"/>
           </a:p>
         </p:txBody>
       </p:sp>
       <p:sp>
         <p:nvSpPr>
-          <p:cNvPr id="4" name="날짜 개체 틀 3"/>
+          <p:cNvPr id="4" name="Date Placeholder 3"/>
           <p:cNvSpPr>
             <a:spLocks noGrp="1"/>
           </p:cNvSpPr>
@@ -418,7 +418,7 @@
           <a:p>
             <a:fld id="{1922C581-59D4-4B56-B830-B70E24B99D7C}" type="datetimeFigureOut">
               <a:rPr lang="ko-KR" altLang="en-US" smtClean="0"/>
-              <a:t>2019-01-02</a:t>
+              <a:t>2019-01-03</a:t>
             </a:fld>
             <a:endParaRPr lang="ko-KR" altLang="en-US"/>
           </a:p>
@@ -426,7 +426,7 @@
       </p:sp>
       <p:sp>
         <p:nvSpPr>
-          <p:cNvPr id="5" name="바닥글 개체 틀 4"/>
+          <p:cNvPr id="5" name="Footer Placeholder 4"/>
           <p:cNvSpPr>
             <a:spLocks noGrp="1"/>
           </p:cNvSpPr>
@@ -445,7 +445,7 @@
       </p:sp>
       <p:sp>
         <p:nvSpPr>
-          <p:cNvPr id="6" name="슬라이드 번호 개체 틀 5"/>
+          <p:cNvPr id="6" name="Slide Number Placeholder 5"/>
           <p:cNvSpPr>
             <a:spLocks noGrp="1"/>
           </p:cNvSpPr>
@@ -469,7 +469,7 @@
     </p:spTree>
     <p:extLst>
       <p:ext uri="{BB962C8B-B14F-4D97-AF65-F5344CB8AC3E}">
-        <p14:creationId xmlns:p14="http://schemas.microsoft.com/office/powerpoint/2010/main" val="1814442457"/>
+        <p14:creationId xmlns:p14="http://schemas.microsoft.com/office/powerpoint/2010/main" val="3936212320"/>
       </p:ext>
     </p:extLst>
   </p:cSld>
@@ -498,7 +498,7 @@
       </p:grpSpPr>
       <p:sp>
         <p:nvSpPr>
-          <p:cNvPr id="2" name="세로 제목 1"/>
+          <p:cNvPr id="2" name="Vertical Title 1"/>
           <p:cNvSpPr>
             <a:spLocks noGrp="1"/>
           </p:cNvSpPr>
@@ -508,8 +508,8 @@
         </p:nvSpPr>
         <p:spPr>
           <a:xfrm>
-            <a:off x="8724900" y="365125"/>
-            <a:ext cx="2628900" cy="5811838"/>
+            <a:off x="6543675" y="365125"/>
+            <a:ext cx="1971675" cy="5811838"/>
           </a:xfrm>
         </p:spPr>
         <p:txBody>
@@ -520,13 +520,13 @@
               <a:rPr lang="ko-KR" altLang="en-US" smtClean="0"/>
               <a:t>마스터 제목 스타일 편집</a:t>
             </a:r>
-            <a:endParaRPr lang="ko-KR" altLang="en-US"/>
+            <a:endParaRPr lang="en-US" dirty="0"/>
           </a:p>
         </p:txBody>
       </p:sp>
       <p:sp>
         <p:nvSpPr>
-          <p:cNvPr id="3" name="세로 텍스트 개체 틀 2"/>
+          <p:cNvPr id="3" name="Vertical Text Placeholder 2"/>
           <p:cNvSpPr>
             <a:spLocks noGrp="1"/>
           </p:cNvSpPr>
@@ -536,8 +536,8 @@
         </p:nvSpPr>
         <p:spPr>
           <a:xfrm>
-            <a:off x="838200" y="365125"/>
-            <a:ext cx="7734300" cy="5811838"/>
+            <a:off x="628650" y="365125"/>
+            <a:ext cx="5800725" cy="5811838"/>
           </a:xfrm>
         </p:spPr>
         <p:txBody>
@@ -577,13 +577,13 @@
               <a:rPr lang="ko-KR" altLang="en-US" smtClean="0"/>
               <a:t>다섯째 수준</a:t>
             </a:r>
-            <a:endParaRPr lang="ko-KR" altLang="en-US"/>
+            <a:endParaRPr lang="en-US" dirty="0"/>
           </a:p>
         </p:txBody>
       </p:sp>
       <p:sp>
         <p:nvSpPr>
-          <p:cNvPr id="4" name="날짜 개체 틀 3"/>
+          <p:cNvPr id="4" name="Date Placeholder 3"/>
           <p:cNvSpPr>
             <a:spLocks noGrp="1"/>
           </p:cNvSpPr>
@@ -598,7 +598,7 @@
           <a:p>
             <a:fld id="{1922C581-59D4-4B56-B830-B70E24B99D7C}" type="datetimeFigureOut">
               <a:rPr lang="ko-KR" altLang="en-US" smtClean="0"/>
-              <a:t>2019-01-02</a:t>
+              <a:t>2019-01-03</a:t>
             </a:fld>
             <a:endParaRPr lang="ko-KR" altLang="en-US"/>
           </a:p>
@@ -606,7 +606,7 @@
       </p:sp>
       <p:sp>
         <p:nvSpPr>
-          <p:cNvPr id="5" name="바닥글 개체 틀 4"/>
+          <p:cNvPr id="5" name="Footer Placeholder 4"/>
           <p:cNvSpPr>
             <a:spLocks noGrp="1"/>
           </p:cNvSpPr>
@@ -625,7 +625,7 @@
       </p:sp>
       <p:sp>
         <p:nvSpPr>
-          <p:cNvPr id="6" name="슬라이드 번호 개체 틀 5"/>
+          <p:cNvPr id="6" name="Slide Number Placeholder 5"/>
           <p:cNvSpPr>
             <a:spLocks noGrp="1"/>
           </p:cNvSpPr>
@@ -649,7 +649,7 @@
     </p:spTree>
     <p:extLst>
       <p:ext uri="{BB962C8B-B14F-4D97-AF65-F5344CB8AC3E}">
-        <p14:creationId xmlns:p14="http://schemas.microsoft.com/office/powerpoint/2010/main" val="3927992813"/>
+        <p14:creationId xmlns:p14="http://schemas.microsoft.com/office/powerpoint/2010/main" val="1641326337"/>
       </p:ext>
     </p:extLst>
   </p:cSld>
@@ -678,7 +678,7 @@
       </p:grpSpPr>
       <p:sp>
         <p:nvSpPr>
-          <p:cNvPr id="2" name="제목 1"/>
+          <p:cNvPr id="2" name="Title 1"/>
           <p:cNvSpPr>
             <a:spLocks noGrp="1"/>
           </p:cNvSpPr>
@@ -695,13 +695,13 @@
               <a:rPr lang="ko-KR" altLang="en-US" smtClean="0"/>
               <a:t>마스터 제목 스타일 편집</a:t>
             </a:r>
-            <a:endParaRPr lang="ko-KR" altLang="en-US"/>
+            <a:endParaRPr lang="en-US" dirty="0"/>
           </a:p>
         </p:txBody>
       </p:sp>
       <p:sp>
         <p:nvSpPr>
-          <p:cNvPr id="3" name="내용 개체 틀 2"/>
+          <p:cNvPr id="3" name="Content Placeholder 2"/>
           <p:cNvSpPr>
             <a:spLocks noGrp="1"/>
           </p:cNvSpPr>
@@ -747,13 +747,13 @@
               <a:rPr lang="ko-KR" altLang="en-US" smtClean="0"/>
               <a:t>다섯째 수준</a:t>
             </a:r>
-            <a:endParaRPr lang="ko-KR" altLang="en-US"/>
+            <a:endParaRPr lang="en-US" dirty="0"/>
           </a:p>
         </p:txBody>
       </p:sp>
       <p:sp>
         <p:nvSpPr>
-          <p:cNvPr id="4" name="날짜 개체 틀 3"/>
+          <p:cNvPr id="4" name="Date Placeholder 3"/>
           <p:cNvSpPr>
             <a:spLocks noGrp="1"/>
           </p:cNvSpPr>
@@ -768,7 +768,7 @@
           <a:p>
             <a:fld id="{1922C581-59D4-4B56-B830-B70E24B99D7C}" type="datetimeFigureOut">
               <a:rPr lang="ko-KR" altLang="en-US" smtClean="0"/>
-              <a:t>2019-01-02</a:t>
+              <a:t>2019-01-03</a:t>
             </a:fld>
             <a:endParaRPr lang="ko-KR" altLang="en-US"/>
           </a:p>
@@ -776,7 +776,7 @@
       </p:sp>
       <p:sp>
         <p:nvSpPr>
-          <p:cNvPr id="5" name="바닥글 개체 틀 4"/>
+          <p:cNvPr id="5" name="Footer Placeholder 4"/>
           <p:cNvSpPr>
             <a:spLocks noGrp="1"/>
           </p:cNvSpPr>
@@ -795,7 +795,7 @@
       </p:sp>
       <p:sp>
         <p:nvSpPr>
-          <p:cNvPr id="6" name="슬라이드 번호 개체 틀 5"/>
+          <p:cNvPr id="6" name="Slide Number Placeholder 5"/>
           <p:cNvSpPr>
             <a:spLocks noGrp="1"/>
           </p:cNvSpPr>
@@ -819,7 +819,7 @@
     </p:spTree>
     <p:extLst>
       <p:ext uri="{BB962C8B-B14F-4D97-AF65-F5344CB8AC3E}">
-        <p14:creationId xmlns:p14="http://schemas.microsoft.com/office/powerpoint/2010/main" val="2802503540"/>
+        <p14:creationId xmlns:p14="http://schemas.microsoft.com/office/powerpoint/2010/main" val="3495189560"/>
       </p:ext>
     </p:extLst>
   </p:cSld>
@@ -848,7 +848,7 @@
       </p:grpSpPr>
       <p:sp>
         <p:nvSpPr>
-          <p:cNvPr id="2" name="제목 1"/>
+          <p:cNvPr id="2" name="Title 1"/>
           <p:cNvSpPr>
             <a:spLocks noGrp="1"/>
           </p:cNvSpPr>
@@ -858,8 +858,8 @@
         </p:nvSpPr>
         <p:spPr>
           <a:xfrm>
-            <a:off x="831850" y="1709738"/>
-            <a:ext cx="10515600" cy="2852737"/>
+            <a:off x="623888" y="1709739"/>
+            <a:ext cx="7886700" cy="2852737"/>
           </a:xfrm>
         </p:spPr>
         <p:txBody>
@@ -874,13 +874,13 @@
               <a:rPr lang="ko-KR" altLang="en-US" smtClean="0"/>
               <a:t>마스터 제목 스타일 편집</a:t>
             </a:r>
-            <a:endParaRPr lang="ko-KR" altLang="en-US"/>
+            <a:endParaRPr lang="en-US" dirty="0"/>
           </a:p>
         </p:txBody>
       </p:sp>
       <p:sp>
         <p:nvSpPr>
-          <p:cNvPr id="3" name="텍스트 개체 틀 2"/>
+          <p:cNvPr id="3" name="Text Placeholder 2"/>
           <p:cNvSpPr>
             <a:spLocks noGrp="1"/>
           </p:cNvSpPr>
@@ -890,8 +890,8 @@
         </p:nvSpPr>
         <p:spPr>
           <a:xfrm>
-            <a:off x="831850" y="4589463"/>
-            <a:ext cx="10515600" cy="1500187"/>
+            <a:off x="623888" y="4589464"/>
+            <a:ext cx="7886700" cy="1500187"/>
           </a:xfrm>
         </p:spPr>
         <p:txBody>
@@ -901,9 +901,7 @@
               <a:buNone/>
               <a:defRPr sz="2400">
                 <a:solidFill>
-                  <a:schemeClr val="tx1">
-                    <a:tint val="75000"/>
-                  </a:schemeClr>
+                  <a:schemeClr val="tx1"/>
                 </a:solidFill>
               </a:defRPr>
             </a:lvl1pPr>
@@ -999,7 +997,7 @@
       </p:sp>
       <p:sp>
         <p:nvSpPr>
-          <p:cNvPr id="4" name="날짜 개체 틀 3"/>
+          <p:cNvPr id="4" name="Date Placeholder 3"/>
           <p:cNvSpPr>
             <a:spLocks noGrp="1"/>
           </p:cNvSpPr>
@@ -1014,7 +1012,7 @@
           <a:p>
             <a:fld id="{1922C581-59D4-4B56-B830-B70E24B99D7C}" type="datetimeFigureOut">
               <a:rPr lang="ko-KR" altLang="en-US" smtClean="0"/>
-              <a:t>2019-01-02</a:t>
+              <a:t>2019-01-03</a:t>
             </a:fld>
             <a:endParaRPr lang="ko-KR" altLang="en-US"/>
           </a:p>
@@ -1022,7 +1020,7 @@
       </p:sp>
       <p:sp>
         <p:nvSpPr>
-          <p:cNvPr id="5" name="바닥글 개체 틀 4"/>
+          <p:cNvPr id="5" name="Footer Placeholder 4"/>
           <p:cNvSpPr>
             <a:spLocks noGrp="1"/>
           </p:cNvSpPr>
@@ -1041,7 +1039,7 @@
       </p:sp>
       <p:sp>
         <p:nvSpPr>
-          <p:cNvPr id="6" name="슬라이드 번호 개체 틀 5"/>
+          <p:cNvPr id="6" name="Slide Number Placeholder 5"/>
           <p:cNvSpPr>
             <a:spLocks noGrp="1"/>
           </p:cNvSpPr>
@@ -1065,7 +1063,7 @@
     </p:spTree>
     <p:extLst>
       <p:ext uri="{BB962C8B-B14F-4D97-AF65-F5344CB8AC3E}">
-        <p14:creationId xmlns:p14="http://schemas.microsoft.com/office/powerpoint/2010/main" val="2220630581"/>
+        <p14:creationId xmlns:p14="http://schemas.microsoft.com/office/powerpoint/2010/main" val="4171905796"/>
       </p:ext>
     </p:extLst>
   </p:cSld>
@@ -1094,7 +1092,7 @@
       </p:grpSpPr>
       <p:sp>
         <p:nvSpPr>
-          <p:cNvPr id="2" name="제목 1"/>
+          <p:cNvPr id="2" name="Title 1"/>
           <p:cNvSpPr>
             <a:spLocks noGrp="1"/>
           </p:cNvSpPr>
@@ -1111,13 +1109,13 @@
               <a:rPr lang="ko-KR" altLang="en-US" smtClean="0"/>
               <a:t>마스터 제목 스타일 편집</a:t>
             </a:r>
-            <a:endParaRPr lang="ko-KR" altLang="en-US"/>
+            <a:endParaRPr lang="en-US" dirty="0"/>
           </a:p>
         </p:txBody>
       </p:sp>
       <p:sp>
         <p:nvSpPr>
-          <p:cNvPr id="3" name="내용 개체 틀 2"/>
+          <p:cNvPr id="3" name="Content Placeholder 2"/>
           <p:cNvSpPr>
             <a:spLocks noGrp="1"/>
           </p:cNvSpPr>
@@ -1127,8 +1125,8 @@
         </p:nvSpPr>
         <p:spPr>
           <a:xfrm>
-            <a:off x="838200" y="1825625"/>
-            <a:ext cx="5181600" cy="4351338"/>
+            <a:off x="628650" y="1825625"/>
+            <a:ext cx="3886200" cy="4351338"/>
           </a:xfrm>
         </p:spPr>
         <p:txBody>
@@ -1168,13 +1166,13 @@
               <a:rPr lang="ko-KR" altLang="en-US" smtClean="0"/>
               <a:t>다섯째 수준</a:t>
             </a:r>
-            <a:endParaRPr lang="ko-KR" altLang="en-US"/>
+            <a:endParaRPr lang="en-US" dirty="0"/>
           </a:p>
         </p:txBody>
       </p:sp>
       <p:sp>
         <p:nvSpPr>
-          <p:cNvPr id="4" name="내용 개체 틀 3"/>
+          <p:cNvPr id="4" name="Content Placeholder 3"/>
           <p:cNvSpPr>
             <a:spLocks noGrp="1"/>
           </p:cNvSpPr>
@@ -1184,8 +1182,8 @@
         </p:nvSpPr>
         <p:spPr>
           <a:xfrm>
-            <a:off x="6172200" y="1825625"/>
-            <a:ext cx="5181600" cy="4351338"/>
+            <a:off x="4629150" y="1825625"/>
+            <a:ext cx="3886200" cy="4351338"/>
           </a:xfrm>
         </p:spPr>
         <p:txBody>
@@ -1225,13 +1223,13 @@
               <a:rPr lang="ko-KR" altLang="en-US" smtClean="0"/>
               <a:t>다섯째 수준</a:t>
             </a:r>
-            <a:endParaRPr lang="ko-KR" altLang="en-US"/>
+            <a:endParaRPr lang="en-US" dirty="0"/>
           </a:p>
         </p:txBody>
       </p:sp>
       <p:sp>
         <p:nvSpPr>
-          <p:cNvPr id="5" name="날짜 개체 틀 4"/>
+          <p:cNvPr id="5" name="Date Placeholder 4"/>
           <p:cNvSpPr>
             <a:spLocks noGrp="1"/>
           </p:cNvSpPr>
@@ -1246,7 +1244,7 @@
           <a:p>
             <a:fld id="{1922C581-59D4-4B56-B830-B70E24B99D7C}" type="datetimeFigureOut">
               <a:rPr lang="ko-KR" altLang="en-US" smtClean="0"/>
-              <a:t>2019-01-02</a:t>
+              <a:t>2019-01-03</a:t>
             </a:fld>
             <a:endParaRPr lang="ko-KR" altLang="en-US"/>
           </a:p>
@@ -1254,7 +1252,7 @@
       </p:sp>
       <p:sp>
         <p:nvSpPr>
-          <p:cNvPr id="6" name="바닥글 개체 틀 5"/>
+          <p:cNvPr id="6" name="Footer Placeholder 5"/>
           <p:cNvSpPr>
             <a:spLocks noGrp="1"/>
           </p:cNvSpPr>
@@ -1273,7 +1271,7 @@
       </p:sp>
       <p:sp>
         <p:nvSpPr>
-          <p:cNvPr id="7" name="슬라이드 번호 개체 틀 6"/>
+          <p:cNvPr id="7" name="Slide Number Placeholder 6"/>
           <p:cNvSpPr>
             <a:spLocks noGrp="1"/>
           </p:cNvSpPr>
@@ -1297,7 +1295,7 @@
     </p:spTree>
     <p:extLst>
       <p:ext uri="{BB962C8B-B14F-4D97-AF65-F5344CB8AC3E}">
-        <p14:creationId xmlns:p14="http://schemas.microsoft.com/office/powerpoint/2010/main" val="1109993628"/>
+        <p14:creationId xmlns:p14="http://schemas.microsoft.com/office/powerpoint/2010/main" val="3968652208"/>
       </p:ext>
     </p:extLst>
   </p:cSld>
@@ -1326,7 +1324,7 @@
       </p:grpSpPr>
       <p:sp>
         <p:nvSpPr>
-          <p:cNvPr id="2" name="제목 1"/>
+          <p:cNvPr id="2" name="Title 1"/>
           <p:cNvSpPr>
             <a:spLocks noGrp="1"/>
           </p:cNvSpPr>
@@ -1336,8 +1334,8 @@
         </p:nvSpPr>
         <p:spPr>
           <a:xfrm>
-            <a:off x="839788" y="365125"/>
-            <a:ext cx="10515600" cy="1325563"/>
+            <a:off x="629841" y="365126"/>
+            <a:ext cx="7886700" cy="1325563"/>
           </a:xfrm>
         </p:spPr>
         <p:txBody>
@@ -1348,13 +1346,13 @@
               <a:rPr lang="ko-KR" altLang="en-US" smtClean="0"/>
               <a:t>마스터 제목 스타일 편집</a:t>
             </a:r>
-            <a:endParaRPr lang="ko-KR" altLang="en-US"/>
+            <a:endParaRPr lang="en-US" dirty="0"/>
           </a:p>
         </p:txBody>
       </p:sp>
       <p:sp>
         <p:nvSpPr>
-          <p:cNvPr id="3" name="텍스트 개체 틀 2"/>
+          <p:cNvPr id="3" name="Text Placeholder 2"/>
           <p:cNvSpPr>
             <a:spLocks noGrp="1"/>
           </p:cNvSpPr>
@@ -1364,8 +1362,8 @@
         </p:nvSpPr>
         <p:spPr>
           <a:xfrm>
-            <a:off x="839788" y="1681163"/>
-            <a:ext cx="5157787" cy="823912"/>
+            <a:off x="629842" y="1681163"/>
+            <a:ext cx="3868340" cy="823912"/>
           </a:xfrm>
         </p:spPr>
         <p:txBody>
@@ -1419,7 +1417,7 @@
       </p:sp>
       <p:sp>
         <p:nvSpPr>
-          <p:cNvPr id="4" name="내용 개체 틀 3"/>
+          <p:cNvPr id="4" name="Content Placeholder 3"/>
           <p:cNvSpPr>
             <a:spLocks noGrp="1"/>
           </p:cNvSpPr>
@@ -1429,8 +1427,8 @@
         </p:nvSpPr>
         <p:spPr>
           <a:xfrm>
-            <a:off x="839788" y="2505075"/>
-            <a:ext cx="5157787" cy="3684588"/>
+            <a:off x="629842" y="2505075"/>
+            <a:ext cx="3868340" cy="3684588"/>
           </a:xfrm>
         </p:spPr>
         <p:txBody>
@@ -1470,13 +1468,13 @@
               <a:rPr lang="ko-KR" altLang="en-US" smtClean="0"/>
               <a:t>다섯째 수준</a:t>
             </a:r>
-            <a:endParaRPr lang="ko-KR" altLang="en-US"/>
+            <a:endParaRPr lang="en-US" dirty="0"/>
           </a:p>
         </p:txBody>
       </p:sp>
       <p:sp>
         <p:nvSpPr>
-          <p:cNvPr id="5" name="텍스트 개체 틀 4"/>
+          <p:cNvPr id="5" name="Text Placeholder 4"/>
           <p:cNvSpPr>
             <a:spLocks noGrp="1"/>
           </p:cNvSpPr>
@@ -1486,8 +1484,8 @@
         </p:nvSpPr>
         <p:spPr>
           <a:xfrm>
-            <a:off x="6172200" y="1681163"/>
-            <a:ext cx="5183188" cy="823912"/>
+            <a:off x="4629150" y="1681163"/>
+            <a:ext cx="3887391" cy="823912"/>
           </a:xfrm>
         </p:spPr>
         <p:txBody>
@@ -1541,7 +1539,7 @@
       </p:sp>
       <p:sp>
         <p:nvSpPr>
-          <p:cNvPr id="6" name="내용 개체 틀 5"/>
+          <p:cNvPr id="6" name="Content Placeholder 5"/>
           <p:cNvSpPr>
             <a:spLocks noGrp="1"/>
           </p:cNvSpPr>
@@ -1551,8 +1549,8 @@
         </p:nvSpPr>
         <p:spPr>
           <a:xfrm>
-            <a:off x="6172200" y="2505075"/>
-            <a:ext cx="5183188" cy="3684588"/>
+            <a:off x="4629150" y="2505075"/>
+            <a:ext cx="3887391" cy="3684588"/>
           </a:xfrm>
         </p:spPr>
         <p:txBody>
@@ -1592,13 +1590,13 @@
               <a:rPr lang="ko-KR" altLang="en-US" smtClean="0"/>
               <a:t>다섯째 수준</a:t>
             </a:r>
-            <a:endParaRPr lang="ko-KR" altLang="en-US"/>
+            <a:endParaRPr lang="en-US" dirty="0"/>
           </a:p>
         </p:txBody>
       </p:sp>
       <p:sp>
         <p:nvSpPr>
-          <p:cNvPr id="7" name="날짜 개체 틀 6"/>
+          <p:cNvPr id="7" name="Date Placeholder 6"/>
           <p:cNvSpPr>
             <a:spLocks noGrp="1"/>
           </p:cNvSpPr>
@@ -1613,7 +1611,7 @@
           <a:p>
             <a:fld id="{1922C581-59D4-4B56-B830-B70E24B99D7C}" type="datetimeFigureOut">
               <a:rPr lang="ko-KR" altLang="en-US" smtClean="0"/>
-              <a:t>2019-01-02</a:t>
+              <a:t>2019-01-03</a:t>
             </a:fld>
             <a:endParaRPr lang="ko-KR" altLang="en-US"/>
           </a:p>
@@ -1621,7 +1619,7 @@
       </p:sp>
       <p:sp>
         <p:nvSpPr>
-          <p:cNvPr id="8" name="바닥글 개체 틀 7"/>
+          <p:cNvPr id="8" name="Footer Placeholder 7"/>
           <p:cNvSpPr>
             <a:spLocks noGrp="1"/>
           </p:cNvSpPr>
@@ -1640,7 +1638,7 @@
       </p:sp>
       <p:sp>
         <p:nvSpPr>
-          <p:cNvPr id="9" name="슬라이드 번호 개체 틀 8"/>
+          <p:cNvPr id="9" name="Slide Number Placeholder 8"/>
           <p:cNvSpPr>
             <a:spLocks noGrp="1"/>
           </p:cNvSpPr>
@@ -1664,7 +1662,7 @@
     </p:spTree>
     <p:extLst>
       <p:ext uri="{BB962C8B-B14F-4D97-AF65-F5344CB8AC3E}">
-        <p14:creationId xmlns:p14="http://schemas.microsoft.com/office/powerpoint/2010/main" val="2513305583"/>
+        <p14:creationId xmlns:p14="http://schemas.microsoft.com/office/powerpoint/2010/main" val="210251583"/>
       </p:ext>
     </p:extLst>
   </p:cSld>
@@ -1693,7 +1691,7 @@
       </p:grpSpPr>
       <p:sp>
         <p:nvSpPr>
-          <p:cNvPr id="2" name="제목 1"/>
+          <p:cNvPr id="2" name="Title 1"/>
           <p:cNvSpPr>
             <a:spLocks noGrp="1"/>
           </p:cNvSpPr>
@@ -1710,13 +1708,13 @@
               <a:rPr lang="ko-KR" altLang="en-US" smtClean="0"/>
               <a:t>마스터 제목 스타일 편집</a:t>
             </a:r>
-            <a:endParaRPr lang="ko-KR" altLang="en-US"/>
+            <a:endParaRPr lang="en-US" dirty="0"/>
           </a:p>
         </p:txBody>
       </p:sp>
       <p:sp>
         <p:nvSpPr>
-          <p:cNvPr id="3" name="날짜 개체 틀 2"/>
+          <p:cNvPr id="3" name="Date Placeholder 2"/>
           <p:cNvSpPr>
             <a:spLocks noGrp="1"/>
           </p:cNvSpPr>
@@ -1731,7 +1729,7 @@
           <a:p>
             <a:fld id="{1922C581-59D4-4B56-B830-B70E24B99D7C}" type="datetimeFigureOut">
               <a:rPr lang="ko-KR" altLang="en-US" smtClean="0"/>
-              <a:t>2019-01-02</a:t>
+              <a:t>2019-01-03</a:t>
             </a:fld>
             <a:endParaRPr lang="ko-KR" altLang="en-US"/>
           </a:p>
@@ -1739,7 +1737,7 @@
       </p:sp>
       <p:sp>
         <p:nvSpPr>
-          <p:cNvPr id="4" name="바닥글 개체 틀 3"/>
+          <p:cNvPr id="4" name="Footer Placeholder 3"/>
           <p:cNvSpPr>
             <a:spLocks noGrp="1"/>
           </p:cNvSpPr>
@@ -1758,7 +1756,7 @@
       </p:sp>
       <p:sp>
         <p:nvSpPr>
-          <p:cNvPr id="5" name="슬라이드 번호 개체 틀 4"/>
+          <p:cNvPr id="5" name="Slide Number Placeholder 4"/>
           <p:cNvSpPr>
             <a:spLocks noGrp="1"/>
           </p:cNvSpPr>
@@ -1782,7 +1780,7 @@
     </p:spTree>
     <p:extLst>
       <p:ext uri="{BB962C8B-B14F-4D97-AF65-F5344CB8AC3E}">
-        <p14:creationId xmlns:p14="http://schemas.microsoft.com/office/powerpoint/2010/main" val="272231563"/>
+        <p14:creationId xmlns:p14="http://schemas.microsoft.com/office/powerpoint/2010/main" val="307416972"/>
       </p:ext>
     </p:extLst>
   </p:cSld>
@@ -1811,7 +1809,7 @@
       </p:grpSpPr>
       <p:sp>
         <p:nvSpPr>
-          <p:cNvPr id="2" name="날짜 개체 틀 1"/>
+          <p:cNvPr id="2" name="Date Placeholder 1"/>
           <p:cNvSpPr>
             <a:spLocks noGrp="1"/>
           </p:cNvSpPr>
@@ -1826,7 +1824,7 @@
           <a:p>
             <a:fld id="{1922C581-59D4-4B56-B830-B70E24B99D7C}" type="datetimeFigureOut">
               <a:rPr lang="ko-KR" altLang="en-US" smtClean="0"/>
-              <a:t>2019-01-02</a:t>
+              <a:t>2019-01-03</a:t>
             </a:fld>
             <a:endParaRPr lang="ko-KR" altLang="en-US"/>
           </a:p>
@@ -1834,7 +1832,7 @@
       </p:sp>
       <p:sp>
         <p:nvSpPr>
-          <p:cNvPr id="3" name="바닥글 개체 틀 2"/>
+          <p:cNvPr id="3" name="Footer Placeholder 2"/>
           <p:cNvSpPr>
             <a:spLocks noGrp="1"/>
           </p:cNvSpPr>
@@ -1853,7 +1851,7 @@
       </p:sp>
       <p:sp>
         <p:nvSpPr>
-          <p:cNvPr id="4" name="슬라이드 번호 개체 틀 3"/>
+          <p:cNvPr id="4" name="Slide Number Placeholder 3"/>
           <p:cNvSpPr>
             <a:spLocks noGrp="1"/>
           </p:cNvSpPr>
@@ -1877,7 +1875,7 @@
     </p:spTree>
     <p:extLst>
       <p:ext uri="{BB962C8B-B14F-4D97-AF65-F5344CB8AC3E}">
-        <p14:creationId xmlns:p14="http://schemas.microsoft.com/office/powerpoint/2010/main" val="17662054"/>
+        <p14:creationId xmlns:p14="http://schemas.microsoft.com/office/powerpoint/2010/main" val="2861454660"/>
       </p:ext>
     </p:extLst>
   </p:cSld>
@@ -1906,7 +1904,7 @@
       </p:grpSpPr>
       <p:sp>
         <p:nvSpPr>
-          <p:cNvPr id="2" name="제목 1"/>
+          <p:cNvPr id="2" name="Title 1"/>
           <p:cNvSpPr>
             <a:spLocks noGrp="1"/>
           </p:cNvSpPr>
@@ -1916,8 +1914,8 @@
         </p:nvSpPr>
         <p:spPr>
           <a:xfrm>
-            <a:off x="839788" y="457200"/>
-            <a:ext cx="3932237" cy="1600200"/>
+            <a:off x="629841" y="457200"/>
+            <a:ext cx="2949178" cy="1600200"/>
           </a:xfrm>
         </p:spPr>
         <p:txBody>
@@ -1932,13 +1930,13 @@
               <a:rPr lang="ko-KR" altLang="en-US" smtClean="0"/>
               <a:t>마스터 제목 스타일 편집</a:t>
             </a:r>
-            <a:endParaRPr lang="ko-KR" altLang="en-US"/>
+            <a:endParaRPr lang="en-US" dirty="0"/>
           </a:p>
         </p:txBody>
       </p:sp>
       <p:sp>
         <p:nvSpPr>
-          <p:cNvPr id="3" name="내용 개체 틀 2"/>
+          <p:cNvPr id="3" name="Content Placeholder 2"/>
           <p:cNvSpPr>
             <a:spLocks noGrp="1"/>
           </p:cNvSpPr>
@@ -1948,8 +1946,8 @@
         </p:nvSpPr>
         <p:spPr>
           <a:xfrm>
-            <a:off x="5183188" y="987425"/>
-            <a:ext cx="6172200" cy="4873625"/>
+            <a:off x="3887391" y="987426"/>
+            <a:ext cx="4629150" cy="4873625"/>
           </a:xfrm>
         </p:spPr>
         <p:txBody>
@@ -2017,13 +2015,13 @@
               <a:rPr lang="ko-KR" altLang="en-US" smtClean="0"/>
               <a:t>다섯째 수준</a:t>
             </a:r>
-            <a:endParaRPr lang="ko-KR" altLang="en-US"/>
+            <a:endParaRPr lang="en-US" dirty="0"/>
           </a:p>
         </p:txBody>
       </p:sp>
       <p:sp>
         <p:nvSpPr>
-          <p:cNvPr id="4" name="텍스트 개체 틀 3"/>
+          <p:cNvPr id="4" name="Text Placeholder 3"/>
           <p:cNvSpPr>
             <a:spLocks noGrp="1"/>
           </p:cNvSpPr>
@@ -2033,8 +2031,8 @@
         </p:nvSpPr>
         <p:spPr>
           <a:xfrm>
-            <a:off x="839788" y="2057400"/>
-            <a:ext cx="3932237" cy="3811588"/>
+            <a:off x="629841" y="2057400"/>
+            <a:ext cx="2949178" cy="3811588"/>
           </a:xfrm>
         </p:spPr>
         <p:txBody>
@@ -2088,7 +2086,7 @@
       </p:sp>
       <p:sp>
         <p:nvSpPr>
-          <p:cNvPr id="5" name="날짜 개체 틀 4"/>
+          <p:cNvPr id="5" name="Date Placeholder 4"/>
           <p:cNvSpPr>
             <a:spLocks noGrp="1"/>
           </p:cNvSpPr>
@@ -2103,7 +2101,7 @@
           <a:p>
             <a:fld id="{1922C581-59D4-4B56-B830-B70E24B99D7C}" type="datetimeFigureOut">
               <a:rPr lang="ko-KR" altLang="en-US" smtClean="0"/>
-              <a:t>2019-01-02</a:t>
+              <a:t>2019-01-03</a:t>
             </a:fld>
             <a:endParaRPr lang="ko-KR" altLang="en-US"/>
           </a:p>
@@ -2111,7 +2109,7 @@
       </p:sp>
       <p:sp>
         <p:nvSpPr>
-          <p:cNvPr id="6" name="바닥글 개체 틀 5"/>
+          <p:cNvPr id="6" name="Footer Placeholder 5"/>
           <p:cNvSpPr>
             <a:spLocks noGrp="1"/>
           </p:cNvSpPr>
@@ -2130,7 +2128,7 @@
       </p:sp>
       <p:sp>
         <p:nvSpPr>
-          <p:cNvPr id="7" name="슬라이드 번호 개체 틀 6"/>
+          <p:cNvPr id="7" name="Slide Number Placeholder 6"/>
           <p:cNvSpPr>
             <a:spLocks noGrp="1"/>
           </p:cNvSpPr>
@@ -2154,7 +2152,7 @@
     </p:spTree>
     <p:extLst>
       <p:ext uri="{BB962C8B-B14F-4D97-AF65-F5344CB8AC3E}">
-        <p14:creationId xmlns:p14="http://schemas.microsoft.com/office/powerpoint/2010/main" val="417347968"/>
+        <p14:creationId xmlns:p14="http://schemas.microsoft.com/office/powerpoint/2010/main" val="3029992223"/>
       </p:ext>
     </p:extLst>
   </p:cSld>
@@ -2183,7 +2181,7 @@
       </p:grpSpPr>
       <p:sp>
         <p:nvSpPr>
-          <p:cNvPr id="2" name="제목 1"/>
+          <p:cNvPr id="2" name="Title 1"/>
           <p:cNvSpPr>
             <a:spLocks noGrp="1"/>
           </p:cNvSpPr>
@@ -2193,8 +2191,8 @@
         </p:nvSpPr>
         <p:spPr>
           <a:xfrm>
-            <a:off x="839788" y="457200"/>
-            <a:ext cx="3932237" cy="1600200"/>
+            <a:off x="629841" y="457200"/>
+            <a:ext cx="2949178" cy="1600200"/>
           </a:xfrm>
         </p:spPr>
         <p:txBody>
@@ -2209,15 +2207,15 @@
               <a:rPr lang="ko-KR" altLang="en-US" smtClean="0"/>
               <a:t>마스터 제목 스타일 편집</a:t>
             </a:r>
-            <a:endParaRPr lang="ko-KR" altLang="en-US"/>
+            <a:endParaRPr lang="en-US" dirty="0"/>
           </a:p>
         </p:txBody>
       </p:sp>
       <p:sp>
         <p:nvSpPr>
-          <p:cNvPr id="3" name="그림 개체 틀 2"/>
+          <p:cNvPr id="3" name="Picture Placeholder 2"/>
           <p:cNvSpPr>
-            <a:spLocks noGrp="1"/>
+            <a:spLocks noGrp="1" noChangeAspect="1"/>
           </p:cNvSpPr>
           <p:nvPr>
             <p:ph type="pic" idx="1"/>
@@ -2225,12 +2223,12 @@
         </p:nvSpPr>
         <p:spPr>
           <a:xfrm>
-            <a:off x="5183188" y="987425"/>
-            <a:ext cx="6172200" cy="4873625"/>
+            <a:off x="3887391" y="987426"/>
+            <a:ext cx="4629150" cy="4873625"/>
           </a:xfrm>
         </p:spPr>
         <p:txBody>
-          <a:bodyPr/>
+          <a:bodyPr anchor="t"/>
           <a:lstStyle>
             <a:lvl1pPr marL="0" indent="0">
               <a:buNone/>
@@ -2270,13 +2268,17 @@
             </a:lvl9pPr>
           </a:lstStyle>
           <a:p>
-            <a:endParaRPr lang="ko-KR" altLang="en-US"/>
+            <a:r>
+              <a:rPr lang="ko-KR" altLang="en-US" smtClean="0"/>
+              <a:t>그림을 추가하려면 아이콘을 클릭하십시오</a:t>
+            </a:r>
+            <a:endParaRPr lang="en-US" dirty="0"/>
           </a:p>
         </p:txBody>
       </p:sp>
       <p:sp>
         <p:nvSpPr>
-          <p:cNvPr id="4" name="텍스트 개체 틀 3"/>
+          <p:cNvPr id="4" name="Text Placeholder 3"/>
           <p:cNvSpPr>
             <a:spLocks noGrp="1"/>
           </p:cNvSpPr>
@@ -2286,8 +2288,8 @@
         </p:nvSpPr>
         <p:spPr>
           <a:xfrm>
-            <a:off x="839788" y="2057400"/>
-            <a:ext cx="3932237" cy="3811588"/>
+            <a:off x="629841" y="2057400"/>
+            <a:ext cx="2949178" cy="3811588"/>
           </a:xfrm>
         </p:spPr>
         <p:txBody>
@@ -2341,7 +2343,7 @@
       </p:sp>
       <p:sp>
         <p:nvSpPr>
-          <p:cNvPr id="5" name="날짜 개체 틀 4"/>
+          <p:cNvPr id="5" name="Date Placeholder 4"/>
           <p:cNvSpPr>
             <a:spLocks noGrp="1"/>
           </p:cNvSpPr>
@@ -2356,7 +2358,7 @@
           <a:p>
             <a:fld id="{1922C581-59D4-4B56-B830-B70E24B99D7C}" type="datetimeFigureOut">
               <a:rPr lang="ko-KR" altLang="en-US" smtClean="0"/>
-              <a:t>2019-01-02</a:t>
+              <a:t>2019-01-03</a:t>
             </a:fld>
             <a:endParaRPr lang="ko-KR" altLang="en-US"/>
           </a:p>
@@ -2364,7 +2366,7 @@
       </p:sp>
       <p:sp>
         <p:nvSpPr>
-          <p:cNvPr id="6" name="바닥글 개체 틀 5"/>
+          <p:cNvPr id="6" name="Footer Placeholder 5"/>
           <p:cNvSpPr>
             <a:spLocks noGrp="1"/>
           </p:cNvSpPr>
@@ -2383,7 +2385,7 @@
       </p:sp>
       <p:sp>
         <p:nvSpPr>
-          <p:cNvPr id="7" name="슬라이드 번호 개체 틀 6"/>
+          <p:cNvPr id="7" name="Slide Number Placeholder 6"/>
           <p:cNvSpPr>
             <a:spLocks noGrp="1"/>
           </p:cNvSpPr>
@@ -2407,7 +2409,7 @@
     </p:spTree>
     <p:extLst>
       <p:ext uri="{BB962C8B-B14F-4D97-AF65-F5344CB8AC3E}">
-        <p14:creationId xmlns:p14="http://schemas.microsoft.com/office/powerpoint/2010/main" val="3369818585"/>
+        <p14:creationId xmlns:p14="http://schemas.microsoft.com/office/powerpoint/2010/main" val="2263845729"/>
       </p:ext>
     </p:extLst>
   </p:cSld>
@@ -2441,7 +2443,7 @@
       </p:grpSpPr>
       <p:sp>
         <p:nvSpPr>
-          <p:cNvPr id="2" name="제목 개체 틀 1"/>
+          <p:cNvPr id="2" name="Title Placeholder 1"/>
           <p:cNvSpPr>
             <a:spLocks noGrp="1"/>
           </p:cNvSpPr>
@@ -2451,8 +2453,8 @@
         </p:nvSpPr>
         <p:spPr>
           <a:xfrm>
-            <a:off x="838200" y="365125"/>
-            <a:ext cx="10515600" cy="1325563"/>
+            <a:off x="628650" y="365126"/>
+            <a:ext cx="7886700" cy="1325563"/>
           </a:xfrm>
           <a:prstGeom prst="rect">
             <a:avLst/>
@@ -2468,13 +2470,13 @@
               <a:rPr lang="ko-KR" altLang="en-US" smtClean="0"/>
               <a:t>마스터 제목 스타일 편집</a:t>
             </a:r>
-            <a:endParaRPr lang="ko-KR" altLang="en-US"/>
+            <a:endParaRPr lang="en-US" dirty="0"/>
           </a:p>
         </p:txBody>
       </p:sp>
       <p:sp>
         <p:nvSpPr>
-          <p:cNvPr id="3" name="텍스트 개체 틀 2"/>
+          <p:cNvPr id="3" name="Text Placeholder 2"/>
           <p:cNvSpPr>
             <a:spLocks noGrp="1"/>
           </p:cNvSpPr>
@@ -2484,8 +2486,8 @@
         </p:nvSpPr>
         <p:spPr>
           <a:xfrm>
-            <a:off x="838200" y="1825625"/>
-            <a:ext cx="10515600" cy="4351338"/>
+            <a:off x="628650" y="1825625"/>
+            <a:ext cx="7886700" cy="4351338"/>
           </a:xfrm>
           <a:prstGeom prst="rect">
             <a:avLst/>
@@ -2530,13 +2532,13 @@
               <a:rPr lang="ko-KR" altLang="en-US" smtClean="0"/>
               <a:t>다섯째 수준</a:t>
             </a:r>
-            <a:endParaRPr lang="ko-KR" altLang="en-US"/>
+            <a:endParaRPr lang="en-US" dirty="0"/>
           </a:p>
         </p:txBody>
       </p:sp>
       <p:sp>
         <p:nvSpPr>
-          <p:cNvPr id="4" name="날짜 개체 틀 3"/>
+          <p:cNvPr id="4" name="Date Placeholder 3"/>
           <p:cNvSpPr>
             <a:spLocks noGrp="1"/>
           </p:cNvSpPr>
@@ -2546,8 +2548,8 @@
         </p:nvSpPr>
         <p:spPr>
           <a:xfrm>
-            <a:off x="838200" y="6356350"/>
-            <a:ext cx="2743200" cy="365125"/>
+            <a:off x="628650" y="6356351"/>
+            <a:ext cx="2057400" cy="365125"/>
           </a:xfrm>
           <a:prstGeom prst="rect">
             <a:avLst/>
@@ -2569,7 +2571,7 @@
           <a:p>
             <a:fld id="{1922C581-59D4-4B56-B830-B70E24B99D7C}" type="datetimeFigureOut">
               <a:rPr lang="ko-KR" altLang="en-US" smtClean="0"/>
-              <a:t>2019-01-02</a:t>
+              <a:t>2019-01-03</a:t>
             </a:fld>
             <a:endParaRPr lang="ko-KR" altLang="en-US"/>
           </a:p>
@@ -2577,7 +2579,7 @@
       </p:sp>
       <p:sp>
         <p:nvSpPr>
-          <p:cNvPr id="5" name="바닥글 개체 틀 4"/>
+          <p:cNvPr id="5" name="Footer Placeholder 4"/>
           <p:cNvSpPr>
             <a:spLocks noGrp="1"/>
           </p:cNvSpPr>
@@ -2587,8 +2589,8 @@
         </p:nvSpPr>
         <p:spPr>
           <a:xfrm>
-            <a:off x="4038600" y="6356350"/>
-            <a:ext cx="4114800" cy="365125"/>
+            <a:off x="3028950" y="6356351"/>
+            <a:ext cx="3086100" cy="365125"/>
           </a:xfrm>
           <a:prstGeom prst="rect">
             <a:avLst/>
@@ -2614,7 +2616,7 @@
       </p:sp>
       <p:sp>
         <p:nvSpPr>
-          <p:cNvPr id="6" name="슬라이드 번호 개체 틀 5"/>
+          <p:cNvPr id="6" name="Slide Number Placeholder 5"/>
           <p:cNvSpPr>
             <a:spLocks noGrp="1"/>
           </p:cNvSpPr>
@@ -2624,8 +2626,8 @@
         </p:nvSpPr>
         <p:spPr>
           <a:xfrm>
-            <a:off x="8610600" y="6356350"/>
-            <a:ext cx="2743200" cy="365125"/>
+            <a:off x="6457950" y="6356351"/>
+            <a:ext cx="2057400" cy="365125"/>
           </a:xfrm>
           <a:prstGeom prst="rect">
             <a:avLst/>
@@ -2656,23 +2658,23 @@
     </p:spTree>
     <p:extLst>
       <p:ext uri="{BB962C8B-B14F-4D97-AF65-F5344CB8AC3E}">
-        <p14:creationId xmlns:p14="http://schemas.microsoft.com/office/powerpoint/2010/main" val="1776370348"/>
+        <p14:creationId xmlns:p14="http://schemas.microsoft.com/office/powerpoint/2010/main" val="1566277837"/>
       </p:ext>
     </p:extLst>
   </p:cSld>
   <p:clrMap bg1="lt1" tx1="dk1" bg2="lt2" tx2="dk2" accent1="accent1" accent2="accent2" accent3="accent3" accent4="accent4" accent5="accent5" accent6="accent6" hlink="hlink" folHlink="folHlink"/>
   <p:sldLayoutIdLst>
-    <p:sldLayoutId id="2147483649" r:id="rId1"/>
-    <p:sldLayoutId id="2147483650" r:id="rId2"/>
-    <p:sldLayoutId id="2147483651" r:id="rId3"/>
-    <p:sldLayoutId id="2147483652" r:id="rId4"/>
-    <p:sldLayoutId id="2147483653" r:id="rId5"/>
-    <p:sldLayoutId id="2147483654" r:id="rId6"/>
-    <p:sldLayoutId id="2147483655" r:id="rId7"/>
-    <p:sldLayoutId id="2147483656" r:id="rId8"/>
-    <p:sldLayoutId id="2147483657" r:id="rId9"/>
-    <p:sldLayoutId id="2147483658" r:id="rId10"/>
-    <p:sldLayoutId id="2147483659" r:id="rId11"/>
+    <p:sldLayoutId id="2147483661" r:id="rId1"/>
+    <p:sldLayoutId id="2147483662" r:id="rId2"/>
+    <p:sldLayoutId id="2147483663" r:id="rId3"/>
+    <p:sldLayoutId id="2147483664" r:id="rId4"/>
+    <p:sldLayoutId id="2147483665" r:id="rId5"/>
+    <p:sldLayoutId id="2147483666" r:id="rId6"/>
+    <p:sldLayoutId id="2147483667" r:id="rId7"/>
+    <p:sldLayoutId id="2147483668" r:id="rId8"/>
+    <p:sldLayoutId id="2147483669" r:id="rId9"/>
+    <p:sldLayoutId id="2147483670" r:id="rId10"/>
+    <p:sldLayoutId id="2147483671" r:id="rId11"/>
   </p:sldLayoutIdLst>
   <p:txStyles>
     <p:titleStyle>
@@ -2860,7 +2862,7 @@
     </p:bodyStyle>
     <p:otherStyle>
       <a:defPPr>
-        <a:defRPr lang="ko-KR"/>
+        <a:defRPr lang="en-US"/>
       </a:defPPr>
       <a:lvl1pPr marL="0" algn="l" defTabSz="914400" rtl="0" eaLnBrk="1" latinLnBrk="1" hangingPunct="1">
         <a:defRPr sz="1800" kern="1200">
@@ -2982,8 +2984,8 @@
         </p:nvGrpSpPr>
         <p:grpSpPr>
           <a:xfrm>
-            <a:off x="3515921" y="2655812"/>
-            <a:ext cx="4605256" cy="2410512"/>
+            <a:off x="2636941" y="2849109"/>
+            <a:ext cx="3453942" cy="1807884"/>
             <a:chOff x="3515921" y="2655812"/>
             <a:chExt cx="4605256" cy="2410512"/>
           </a:xfrm>
@@ -3030,7 +3032,7 @@
             <a:lstStyle/>
             <a:p>
               <a:pPr algn="ctr"/>
-              <a:endParaRPr lang="ko-KR" altLang="en-US">
+              <a:endParaRPr lang="ko-KR" altLang="en-US" sz="1350">
                 <a:solidFill>
                   <a:schemeClr val="tx1"/>
                 </a:solidFill>
@@ -3080,7 +3082,7 @@
             <a:lstStyle/>
             <a:p>
               <a:pPr algn="ctr"/>
-              <a:endParaRPr lang="ko-KR" altLang="en-US">
+              <a:endParaRPr lang="ko-KR" altLang="en-US" sz="1350">
                 <a:solidFill>
                   <a:schemeClr val="tx1"/>
                 </a:solidFill>
@@ -3130,7 +3132,7 @@
             <a:lstStyle/>
             <a:p>
               <a:pPr algn="ctr"/>
-              <a:endParaRPr lang="ko-KR" altLang="en-US"/>
+              <a:endParaRPr lang="ko-KR" altLang="en-US" sz="1350"/>
             </a:p>
           </p:txBody>
         </p:sp>
@@ -3290,7 +3292,7 @@
               <a:lstStyle/>
               <a:p>
                 <a:pPr algn="ctr"/>
-                <a:endParaRPr lang="ko-KR" altLang="en-US"/>
+                <a:endParaRPr lang="ko-KR" altLang="en-US" sz="1350"/>
               </a:p>
             </p:txBody>
           </p:sp>
@@ -3451,7 +3453,7 @@
               <a:lstStyle/>
               <a:p>
                 <a:pPr algn="ctr"/>
-                <a:endParaRPr lang="ko-KR" altLang="en-US"/>
+                <a:endParaRPr lang="ko-KR" altLang="en-US" sz="1350"/>
               </a:p>
             </p:txBody>
           </p:sp>
@@ -3612,7 +3614,7 @@
               <a:lstStyle/>
               <a:p>
                 <a:pPr algn="ctr"/>
-                <a:endParaRPr lang="ko-KR" altLang="en-US"/>
+                <a:endParaRPr lang="ko-KR" altLang="en-US" sz="1350"/>
               </a:p>
             </p:txBody>
           </p:sp>
@@ -3773,7 +3775,7 @@
               <a:lstStyle/>
               <a:p>
                 <a:pPr algn="ctr"/>
-                <a:endParaRPr lang="ko-KR" altLang="en-US"/>
+                <a:endParaRPr lang="ko-KR" altLang="en-US" sz="1350"/>
               </a:p>
             </p:txBody>
           </p:sp>
@@ -3934,7 +3936,7 @@
               <a:lstStyle/>
               <a:p>
                 <a:pPr algn="ctr"/>
-                <a:endParaRPr lang="ko-KR" altLang="en-US"/>
+                <a:endParaRPr lang="ko-KR" altLang="en-US" sz="1350"/>
               </a:p>
             </p:txBody>
           </p:sp>
@@ -4095,7 +4097,7 @@
               <a:lstStyle/>
               <a:p>
                 <a:pPr algn="ctr"/>
-                <a:endParaRPr lang="ko-KR" altLang="en-US"/>
+                <a:endParaRPr lang="ko-KR" altLang="en-US" sz="1350"/>
               </a:p>
             </p:txBody>
           </p:sp>
@@ -4256,7 +4258,7 @@
               <a:lstStyle/>
               <a:p>
                 <a:pPr algn="ctr"/>
-                <a:endParaRPr lang="ko-KR" altLang="en-US"/>
+                <a:endParaRPr lang="ko-KR" altLang="en-US" sz="1350"/>
               </a:p>
             </p:txBody>
           </p:sp>
@@ -4417,7 +4419,7 @@
               <a:lstStyle/>
               <a:p>
                 <a:pPr algn="ctr"/>
-                <a:endParaRPr lang="ko-KR" altLang="en-US"/>
+                <a:endParaRPr lang="ko-KR" altLang="en-US" sz="1350"/>
               </a:p>
             </p:txBody>
           </p:sp>
@@ -4478,7 +4480,7 @@
               <a:lstStyle/>
               <a:p>
                 <a:pPr algn="ctr"/>
-                <a:endParaRPr lang="ko-KR" altLang="en-US"/>
+                <a:endParaRPr lang="ko-KR" altLang="en-US" sz="1350"/>
               </a:p>
             </p:txBody>
           </p:sp>
@@ -4524,7 +4526,7 @@
               <a:lstStyle/>
               <a:p>
                 <a:pPr algn="ctr"/>
-                <a:endParaRPr lang="ko-KR" altLang="en-US"/>
+                <a:endParaRPr lang="ko-KR" altLang="en-US" sz="1350"/>
               </a:p>
             </p:txBody>
           </p:sp>
@@ -4572,7 +4574,7 @@
               <a:lstStyle/>
               <a:p>
                 <a:pPr algn="ctr"/>
-                <a:endParaRPr lang="ko-KR" altLang="en-US"/>
+                <a:endParaRPr lang="ko-KR" altLang="en-US" sz="1350"/>
               </a:p>
             </p:txBody>
           </p:sp>
@@ -4651,8 +4653,8 @@
         </p:nvGrpSpPr>
         <p:grpSpPr>
           <a:xfrm>
-            <a:off x="3939600" y="2950200"/>
-            <a:ext cx="4317999" cy="952500"/>
+            <a:off x="2954701" y="3069900"/>
+            <a:ext cx="3238499" cy="714375"/>
             <a:chOff x="2713182" y="3271982"/>
             <a:chExt cx="4317999" cy="952500"/>
           </a:xfrm>
@@ -4813,7 +4815,7 @@
               <a:lstStyle/>
               <a:p>
                 <a:pPr algn="ctr"/>
-                <a:endParaRPr lang="ko-KR" altLang="en-US"/>
+                <a:endParaRPr lang="ko-KR" altLang="en-US" sz="1350"/>
               </a:p>
             </p:txBody>
           </p:sp>
@@ -4874,7 +4876,7 @@
               <a:lstStyle/>
               <a:p>
                 <a:pPr algn="ctr"/>
-                <a:endParaRPr lang="ko-KR" altLang="en-US"/>
+                <a:endParaRPr lang="ko-KR" altLang="en-US" sz="1350"/>
               </a:p>
             </p:txBody>
           </p:sp>
@@ -4920,7 +4922,7 @@
               <a:lstStyle/>
               <a:p>
                 <a:pPr algn="ctr"/>
-                <a:endParaRPr lang="ko-KR" altLang="en-US"/>
+                <a:endParaRPr lang="ko-KR" altLang="en-US" sz="1350"/>
               </a:p>
             </p:txBody>
           </p:sp>
@@ -4968,7 +4970,7 @@
               <a:lstStyle/>
               <a:p>
                 <a:pPr algn="ctr"/>
-                <a:endParaRPr lang="ko-KR" altLang="en-US"/>
+                <a:endParaRPr lang="ko-KR" altLang="en-US" sz="1350"/>
               </a:p>
             </p:txBody>
           </p:sp>
@@ -5374,7 +5376,7 @@
               <a:lstStyle/>
               <a:p>
                 <a:pPr algn="ctr"/>
-                <a:endParaRPr lang="ko-KR" altLang="en-US"/>
+                <a:endParaRPr lang="ko-KR" altLang="en-US" sz="1350"/>
               </a:p>
             </p:txBody>
           </p:sp>
@@ -5535,7 +5537,7 @@
               <a:lstStyle/>
               <a:p>
                 <a:pPr algn="ctr"/>
-                <a:endParaRPr lang="ko-KR" altLang="en-US"/>
+                <a:endParaRPr lang="ko-KR" altLang="en-US" sz="1350"/>
               </a:p>
             </p:txBody>
           </p:sp>
@@ -5696,7 +5698,7 @@
               <a:lstStyle/>
               <a:p>
                 <a:pPr algn="ctr"/>
-                <a:endParaRPr lang="ko-KR" altLang="en-US"/>
+                <a:endParaRPr lang="ko-KR" altLang="en-US" sz="1350"/>
               </a:p>
             </p:txBody>
           </p:sp>
@@ -5710,7 +5712,7 @@
           <p:spPr>
             <a:xfrm>
               <a:off x="2713182" y="3271982"/>
-              <a:ext cx="4317999" cy="276999"/>
+              <a:ext cx="4317999" cy="307776"/>
             </a:xfrm>
             <a:prstGeom prst="rect">
               <a:avLst/>
@@ -5724,10 +5726,10 @@
             <a:lstStyle/>
             <a:p>
               <a:r>
-                <a:rPr lang="en-US" altLang="ko-KR" sz="1200" dirty="0" smtClean="0"/>
+                <a:rPr lang="en-US" altLang="ko-KR" sz="900" dirty="0"/>
                 <a:t>4m           3m            2m            1m</a:t>
               </a:r>
-              <a:endParaRPr lang="ko-KR" altLang="en-US" sz="1200" dirty="0"/>
+              <a:endParaRPr lang="ko-KR" altLang="en-US" sz="900" dirty="0"/>
             </a:p>
           </p:txBody>
         </p:sp>
@@ -5770,8 +5772,8 @@
         </p:nvGrpSpPr>
         <p:grpSpPr>
           <a:xfrm>
-            <a:off x="3284400" y="1920600"/>
-            <a:ext cx="5621387" cy="3018038"/>
+            <a:off x="2463301" y="2297700"/>
+            <a:ext cx="4216040" cy="2263529"/>
             <a:chOff x="4134289" y="3179761"/>
             <a:chExt cx="5621387" cy="3018038"/>
           </a:xfrm>
@@ -5819,7 +5821,7 @@
             <a:p>
               <a:pPr algn="ctr"/>
               <a:r>
-                <a:rPr lang="en-US" altLang="ko-KR" sz="1100" b="1" dirty="0" smtClean="0">
+                <a:rPr lang="en-US" altLang="ko-KR" sz="825" b="1" dirty="0">
                   <a:solidFill>
                     <a:schemeClr val="tx1"/>
                   </a:solidFill>
@@ -5828,7 +5830,7 @@
                 </a:rPr>
                 <a:t>Global position receiving thread</a:t>
               </a:r>
-              <a:endParaRPr lang="ko-KR" altLang="en-US" sz="1100" b="1" dirty="0">
+              <a:endParaRPr lang="ko-KR" altLang="en-US" sz="825" b="1" dirty="0">
                 <a:solidFill>
                   <a:schemeClr val="tx1"/>
                 </a:solidFill>
@@ -5881,7 +5883,7 @@
             <a:p>
               <a:pPr algn="ctr"/>
               <a:r>
-                <a:rPr lang="en-US" altLang="ko-KR" sz="1200" b="1" dirty="0" smtClean="0">
+                <a:rPr lang="en-US" altLang="ko-KR" sz="900" b="1" dirty="0">
                   <a:solidFill>
                     <a:schemeClr val="tx1"/>
                   </a:solidFill>
@@ -5894,7 +5896,7 @@
             <a:p>
               <a:pPr algn="ctr"/>
               <a:r>
-                <a:rPr lang="en-US" altLang="ko-KR" sz="1200" b="1" dirty="0" smtClean="0">
+                <a:rPr lang="en-US" altLang="ko-KR" sz="900" b="1" dirty="0">
                   <a:solidFill>
                     <a:schemeClr val="tx1"/>
                   </a:solidFill>
@@ -5907,7 +5909,7 @@
             <a:p>
               <a:pPr algn="ctr"/>
               <a:r>
-                <a:rPr lang="en-US" altLang="ko-KR" sz="1200" b="1" dirty="0" smtClean="0">
+                <a:rPr lang="en-US" altLang="ko-KR" sz="900" b="1" dirty="0">
                   <a:solidFill>
                     <a:schemeClr val="tx1"/>
                   </a:solidFill>
@@ -5916,7 +5918,7 @@
                 </a:rPr>
                 <a:t>saving thread</a:t>
               </a:r>
-              <a:endParaRPr lang="ko-KR" altLang="en-US" sz="1200" b="1" dirty="0">
+              <a:endParaRPr lang="ko-KR" altLang="en-US" sz="900" b="1" dirty="0">
                 <a:solidFill>
                   <a:schemeClr val="tx1"/>
                 </a:solidFill>
@@ -5969,7 +5971,7 @@
             <a:p>
               <a:pPr algn="ctr"/>
               <a:r>
-                <a:rPr lang="en-US" altLang="ko-KR" sz="1100" b="1" dirty="0" smtClean="0">
+                <a:rPr lang="en-US" altLang="ko-KR" sz="825" b="1" dirty="0">
                   <a:solidFill>
                     <a:schemeClr val="tx1"/>
                   </a:solidFill>
@@ -5978,7 +5980,7 @@
                 </a:rPr>
                 <a:t>UWB distance receiving thread</a:t>
               </a:r>
-              <a:endParaRPr lang="ko-KR" altLang="en-US" sz="1100" b="1" dirty="0">
+              <a:endParaRPr lang="ko-KR" altLang="en-US" sz="825" b="1" dirty="0">
                 <a:solidFill>
                   <a:schemeClr val="tx1"/>
                 </a:solidFill>
@@ -6161,7 +6163,7 @@
               <a:lstStyle/>
               <a:p>
                 <a:pPr algn="ctr"/>
-                <a:endParaRPr lang="ko-KR" altLang="en-US">
+                <a:endParaRPr lang="ko-KR" altLang="en-US" sz="1350">
                   <a:latin typeface="Times New Roman" panose="02020603050405020304" pitchFamily="18" charset="0"/>
                   <a:cs typeface="Times New Roman" panose="02020603050405020304" pitchFamily="18" charset="0"/>
                 </a:endParaRPr>
@@ -6179,8 +6181,8 @@
             </p:nvCxnSpPr>
             <p:spPr>
               <a:xfrm flipV="1">
-                <a:off x="4771297" y="3392901"/>
-                <a:ext cx="8699" cy="140129"/>
+                <a:off x="4771297" y="3472149"/>
+                <a:ext cx="8699" cy="60881"/>
               </a:xfrm>
               <a:prstGeom prst="straightConnector1">
                 <a:avLst/>
@@ -6216,7 +6218,7 @@
             <p:spPr>
               <a:xfrm>
                 <a:off x="4213970" y="3179761"/>
-                <a:ext cx="1132051" cy="261610"/>
+                <a:ext cx="1132051" cy="292388"/>
               </a:xfrm>
               <a:prstGeom prst="rect">
                 <a:avLst/>
@@ -6231,7 +6233,7 @@
               <a:p>
                 <a:pPr algn="ctr"/>
                 <a:r>
-                  <a:rPr lang="en-US" altLang="ko-KR" sz="1100" dirty="0" smtClean="0">
+                  <a:rPr lang="en-US" altLang="ko-KR" sz="825" dirty="0">
                     <a:solidFill>
                       <a:srgbClr val="002060"/>
                     </a:solidFill>
@@ -6241,7 +6243,7 @@
                   </a:rPr>
                   <a:t>UWB tag</a:t>
                 </a:r>
-                <a:endParaRPr lang="ko-KR" altLang="en-US" sz="1100" dirty="0">
+                <a:endParaRPr lang="ko-KR" altLang="en-US" sz="825" dirty="0">
                   <a:solidFill>
                     <a:srgbClr val="002060"/>
                   </a:solidFill>
@@ -6290,8 +6292,8 @@
           </p:nvSpPr>
           <p:spPr>
             <a:xfrm>
-              <a:off x="4410701" y="4754385"/>
-              <a:ext cx="1487908" cy="261610"/>
+              <a:off x="4379657" y="4754385"/>
+              <a:ext cx="1549997" cy="292388"/>
             </a:xfrm>
             <a:prstGeom prst="rect">
               <a:avLst/>
@@ -6305,7 +6307,7 @@
             <a:p>
               <a:pPr algn="ctr"/>
               <a:r>
-                <a:rPr lang="en-US" altLang="ko-KR" sz="1100" dirty="0" smtClean="0">
+                <a:rPr lang="en-US" altLang="ko-KR" sz="825" dirty="0">
                   <a:solidFill>
                     <a:srgbClr val="002060"/>
                   </a:solidFill>
@@ -6315,7 +6317,7 @@
                 </a:rPr>
                 <a:t>Motion capture camera</a:t>
               </a:r>
-              <a:endParaRPr lang="ko-KR" altLang="en-US" sz="1100" dirty="0">
+              <a:endParaRPr lang="ko-KR" altLang="en-US" sz="825" dirty="0">
                 <a:solidFill>
                   <a:srgbClr val="002060"/>
                 </a:solidFill>
@@ -6367,7 +6369,7 @@
             <a:lstStyle/>
             <a:p>
               <a:pPr algn="ctr"/>
-              <a:endParaRPr lang="ko-KR" altLang="en-US">
+              <a:endParaRPr lang="ko-KR" altLang="en-US" sz="1350">
                 <a:latin typeface="Times New Roman" panose="02020603050405020304" pitchFamily="18" charset="0"/>
                 <a:cs typeface="Times New Roman" panose="02020603050405020304" pitchFamily="18" charset="0"/>
               </a:endParaRPr>
@@ -6385,8 +6387,8 @@
           </p:nvCxnSpPr>
           <p:spPr>
             <a:xfrm flipH="1" flipV="1">
-              <a:off x="5154655" y="4959716"/>
-              <a:ext cx="637900" cy="503543"/>
+              <a:off x="5154656" y="5046773"/>
+              <a:ext cx="637899" cy="416487"/>
             </a:xfrm>
             <a:prstGeom prst="straightConnector1">
               <a:avLst/>
@@ -6620,7 +6622,7 @@
               <a:lstStyle/>
               <a:p>
                 <a:pPr algn="ctr"/>
-                <a:endParaRPr lang="ko-KR" altLang="en-US">
+                <a:endParaRPr lang="ko-KR" altLang="en-US" sz="1350">
                   <a:latin typeface="Times New Roman" panose="02020603050405020304" pitchFamily="18" charset="0"/>
                   <a:cs typeface="Times New Roman" panose="02020603050405020304" pitchFamily="18" charset="0"/>
                 </a:endParaRPr>
@@ -6636,7 +6638,7 @@
             <p:spPr>
               <a:xfrm>
                 <a:off x="5222142" y="3179761"/>
-                <a:ext cx="1095707" cy="261610"/>
+                <a:ext cx="1095707" cy="292388"/>
               </a:xfrm>
               <a:prstGeom prst="rect">
                 <a:avLst/>
@@ -6651,7 +6653,7 @@
               <a:p>
                 <a:pPr algn="ctr"/>
                 <a:r>
-                  <a:rPr lang="en-US" altLang="ko-KR" sz="1100" dirty="0" smtClean="0">
+                  <a:rPr lang="en-US" altLang="ko-KR" sz="825" dirty="0">
                     <a:solidFill>
                       <a:srgbClr val="002060"/>
                     </a:solidFill>
@@ -6661,7 +6663,7 @@
                   </a:rPr>
                   <a:t>UWB anchor</a:t>
                 </a:r>
-                <a:endParaRPr lang="ko-KR" altLang="en-US" sz="1100" dirty="0">
+                <a:endParaRPr lang="ko-KR" altLang="en-US" sz="825" dirty="0">
                   <a:solidFill>
                     <a:srgbClr val="002060"/>
                   </a:solidFill>
@@ -6683,8 +6685,8 @@
             </p:nvCxnSpPr>
             <p:spPr>
               <a:xfrm flipV="1">
-                <a:off x="5768905" y="3392901"/>
-                <a:ext cx="1091" cy="240533"/>
+                <a:off x="5768905" y="3472149"/>
+                <a:ext cx="1091" cy="161285"/>
               </a:xfrm>
               <a:prstGeom prst="straightConnector1">
                 <a:avLst/>
@@ -6751,8 +6753,8 @@
         </p:nvGrpSpPr>
         <p:grpSpPr>
           <a:xfrm>
-            <a:off x="2856000" y="570600"/>
-            <a:ext cx="6480610" cy="5715483"/>
+            <a:off x="2142000" y="1285201"/>
+            <a:ext cx="4860458" cy="4286612"/>
             <a:chOff x="719390" y="297759"/>
             <a:chExt cx="6480610" cy="5715483"/>
           </a:xfrm>
@@ -6815,7 +6817,7 @@
               <a:lstStyle/>
               <a:p>
                 <a:pPr algn="ctr"/>
-                <a:endParaRPr lang="ko-KR" altLang="en-US"/>
+                <a:endParaRPr lang="ko-KR" altLang="en-US" sz="1350"/>
               </a:p>
             </p:txBody>
           </p:sp>
@@ -6863,7 +6865,7 @@
               <a:lstStyle/>
               <a:p>
                 <a:pPr algn="ctr"/>
-                <a:endParaRPr lang="ko-KR" altLang="en-US"/>
+                <a:endParaRPr lang="ko-KR" altLang="en-US" sz="1350"/>
               </a:p>
             </p:txBody>
           </p:sp>
@@ -6911,7 +6913,7 @@
               <a:lstStyle/>
               <a:p>
                 <a:pPr algn="ctr"/>
-                <a:endParaRPr lang="ko-KR" altLang="en-US"/>
+                <a:endParaRPr lang="ko-KR" altLang="en-US" sz="1350"/>
               </a:p>
             </p:txBody>
           </p:sp>
@@ -6991,10 +6993,10 @@
         </p:nvGrpSpPr>
         <p:grpSpPr>
           <a:xfrm>
-            <a:off x="4072800" y="1935000"/>
-            <a:ext cx="4041516" cy="2986323"/>
-            <a:chOff x="4041674" y="1935838"/>
-            <a:chExt cx="4041516" cy="2986323"/>
+            <a:off x="3029088" y="2308501"/>
+            <a:ext cx="3056649" cy="2239742"/>
+            <a:chOff x="4007658" y="1935838"/>
+            <a:chExt cx="4075532" cy="2986323"/>
           </a:xfrm>
         </p:grpSpPr>
         <p:pic>
@@ -7012,7 +7014,7 @@
             <p:nvPr/>
           </p:nvPicPr>
           <p:blipFill>
-            <a:blip r:embed="rId2">
+            <a:blip r:embed="rId2" cstate="print">
               <a:extLst>
                 <a:ext uri="{28A0092B-C50C-407E-A947-70E740481C1C}">
                   <a14:useLocalDpi xmlns:a14="http://schemas.microsoft.com/office/drawing/2010/main" val="0"/>
@@ -7169,7 +7171,7 @@
             </a:lstStyle>
             <a:p>
               <a:pPr algn="ctr"/>
-              <a:endParaRPr lang="ko-KR" altLang="en-US">
+              <a:endParaRPr lang="ko-KR" altLang="en-US" sz="1350">
                 <a:latin typeface="배달의민족 주아" panose="02020603020101020101" pitchFamily="18" charset="-127"/>
                 <a:ea typeface="배달의민족 주아" panose="02020603020101020101" pitchFamily="18" charset="-127"/>
               </a:endParaRPr>
@@ -7184,8 +7186,8 @@
           </p:nvSpPr>
           <p:spPr>
             <a:xfrm>
-              <a:off x="4041674" y="2370673"/>
-              <a:ext cx="1582421" cy="307777"/>
+              <a:off x="4007658" y="2370673"/>
+              <a:ext cx="1650452" cy="338555"/>
             </a:xfrm>
             <a:prstGeom prst="rect">
               <a:avLst/>
@@ -7297,7 +7299,7 @@
             <a:p>
               <a:pPr algn="ctr"/>
               <a:r>
-                <a:rPr lang="en-US" altLang="ko-KR" sz="1400" b="1" dirty="0" smtClean="0">
+                <a:rPr lang="en-US" altLang="ko-KR" sz="1050" b="1" dirty="0">
                   <a:solidFill>
                     <a:srgbClr val="002060"/>
                   </a:solidFill>
@@ -7307,7 +7309,7 @@
                 </a:rPr>
                 <a:t>Anchor Node(AN)</a:t>
               </a:r>
-              <a:endParaRPr lang="ko-KR" altLang="en-US" sz="1400" b="1" dirty="0">
+              <a:endParaRPr lang="ko-KR" altLang="en-US" sz="1050" b="1" dirty="0">
                 <a:solidFill>
                   <a:srgbClr val="002060"/>
                 </a:solidFill>
@@ -7454,7 +7456,7 @@
             </a:lstStyle>
             <a:p>
               <a:pPr algn="ctr"/>
-              <a:endParaRPr lang="ko-KR" altLang="en-US">
+              <a:endParaRPr lang="ko-KR" altLang="en-US" sz="1350">
                 <a:solidFill>
                   <a:srgbClr val="002060"/>
                 </a:solidFill>
@@ -7472,8 +7474,8 @@
           </p:nvSpPr>
           <p:spPr>
             <a:xfrm>
-              <a:off x="5624095" y="4314289"/>
-              <a:ext cx="1280672" cy="307777"/>
+              <a:off x="5584545" y="4314289"/>
+              <a:ext cx="1359775" cy="338555"/>
             </a:xfrm>
             <a:prstGeom prst="rect">
               <a:avLst/>
@@ -7585,14 +7587,14 @@
             <a:p>
               <a:pPr algn="ctr"/>
               <a:r>
-                <a:rPr lang="en-US" altLang="ko-KR" sz="1400" b="1" dirty="0" smtClean="0">
+                <a:rPr lang="en-US" altLang="ko-KR" sz="1050" b="1" dirty="0">
                   <a:latin typeface="Times New Roman" panose="02020603050405020304" pitchFamily="18" charset="0"/>
                   <a:ea typeface="배달의민족 주아" panose="02020603020101020101" pitchFamily="18" charset="-127"/>
                   <a:cs typeface="Times New Roman" panose="02020603050405020304" pitchFamily="18" charset="0"/>
                 </a:rPr>
                 <a:t>Tag Node(TN)</a:t>
               </a:r>
-              <a:endParaRPr lang="ko-KR" altLang="en-US" sz="1400" b="1" dirty="0">
+              <a:endParaRPr lang="ko-KR" altLang="en-US" sz="1050" b="1" dirty="0">
                 <a:latin typeface="Times New Roman" panose="02020603050405020304" pitchFamily="18" charset="0"/>
                 <a:ea typeface="배달의민족 주아" panose="02020603020101020101" pitchFamily="18" charset="-127"/>
                 <a:cs typeface="Times New Roman" panose="02020603050405020304" pitchFamily="18" charset="0"/>
@@ -7633,16 +7635,16 @@
       </p:grpSpPr>
       <p:grpSp>
         <p:nvGrpSpPr>
-          <p:cNvPr id="92" name="그룹 91"/>
+          <p:cNvPr id="64" name="그룹 63"/>
           <p:cNvGrpSpPr/>
           <p:nvPr/>
         </p:nvGrpSpPr>
         <p:grpSpPr>
           <a:xfrm>
-            <a:off x="1243200" y="-81000"/>
-            <a:ext cx="9702970" cy="7020000"/>
-            <a:chOff x="351350" y="-180000"/>
-            <a:chExt cx="9702970" cy="7020000"/>
+            <a:off x="155025" y="360000"/>
+            <a:ext cx="8669010" cy="6120000"/>
+            <a:chOff x="155025" y="360000"/>
+            <a:chExt cx="8669010" cy="6120000"/>
           </a:xfrm>
         </p:grpSpPr>
         <mc:AlternateContent xmlns:mc="http://schemas.openxmlformats.org/markup-compatibility/2006">
@@ -7655,7 +7657,7 @@
               </p:nvSpPr>
               <p:spPr>
                 <a:xfrm>
-                  <a:off x="3688941" y="4320000"/>
+                  <a:off x="2700000" y="4140000"/>
                   <a:ext cx="1080000" cy="1080000"/>
                 </a:xfrm>
                 <a:prstGeom prst="ellipse">
@@ -7695,17 +7697,18 @@
                         <m:jc m:val="centerGroup"/>
                       </m:oMathParaPr>
                       <m:oMath xmlns:m="http://schemas.openxmlformats.org/officeDocument/2006/math">
-                        <m:sSubSup>
-                          <m:sSubSupPr>
+                        <m:acc>
+                          <m:accPr>
+                            <m:chr m:val="⃑"/>
                             <m:ctrlPr>
-                              <a:rPr lang="en-US" altLang="ko-KR" i="1" smtClean="0">
+                              <a:rPr lang="ko-KR" altLang="en-US" i="1" smtClean="0">
                                 <a:solidFill>
                                   <a:schemeClr val="tx1"/>
                                 </a:solidFill>
                                 <a:latin typeface="Cambria Math" panose="02040503050406030204" pitchFamily="18" charset="0"/>
                               </a:rPr>
                             </m:ctrlPr>
-                          </m:sSubSupPr>
+                          </m:accPr>
                           <m:e>
                             <m:r>
                               <a:rPr lang="en-US" altLang="ko-KR" b="0" i="1" smtClean="0">
@@ -7714,41 +7717,10 @@
                                 </a:solidFill>
                                 <a:latin typeface="Cambria Math" panose="02040503050406030204" pitchFamily="18" charset="0"/>
                               </a:rPr>
-                              <m:t>h</m:t>
+                              <m:t>𝐿𝑆𝑇𝑀</m:t>
                             </m:r>
                           </m:e>
-                          <m:sub>
-                            <m:r>
-                              <a:rPr lang="en-US" altLang="ko-KR" b="0" i="1" smtClean="0">
-                                <a:solidFill>
-                                  <a:schemeClr val="tx1"/>
-                                </a:solidFill>
-                                <a:latin typeface="Cambria Math" panose="02040503050406030204" pitchFamily="18" charset="0"/>
-                              </a:rPr>
-                              <m:t>𝑡</m:t>
-                            </m:r>
-                            <m:r>
-                              <a:rPr lang="en-US" altLang="ko-KR" b="0" i="1" smtClean="0">
-                                <a:solidFill>
-                                  <a:schemeClr val="tx1"/>
-                                </a:solidFill>
-                                <a:latin typeface="Cambria Math" panose="02040503050406030204" pitchFamily="18" charset="0"/>
-                              </a:rPr>
-                              <m:t>−1</m:t>
-                            </m:r>
-                          </m:sub>
-                          <m:sup>
-                            <m:r>
-                              <a:rPr lang="en-US" altLang="ko-KR" b="0" i="1" smtClean="0">
-                                <a:solidFill>
-                                  <a:schemeClr val="tx1"/>
-                                </a:solidFill>
-                                <a:latin typeface="Cambria Math" panose="02040503050406030204" pitchFamily="18" charset="0"/>
-                              </a:rPr>
-                              <m:t>𝑓</m:t>
-                            </m:r>
-                          </m:sup>
-                        </m:sSubSup>
+                        </m:acc>
                       </m:oMath>
                     </m:oMathPara>
                   </a14:m>
@@ -7756,6 +7728,8 @@
                     <a:solidFill>
                       <a:schemeClr val="tx1"/>
                     </a:solidFill>
+                    <a:latin typeface="Times New Roman" panose="02020603050405020304" pitchFamily="18" charset="0"/>
+                    <a:cs typeface="Times New Roman" panose="02020603050405020304" pitchFamily="18" charset="0"/>
                   </a:endParaRPr>
                 </a:p>
               </p:txBody>
@@ -7772,7 +7746,7 @@
               </p:nvSpPr>
               <p:spPr>
                 <a:xfrm>
-                  <a:off x="3688941" y="4320000"/>
+                  <a:off x="2700000" y="4140000"/>
                   <a:ext cx="1080000" cy="1080000"/>
                 </a:xfrm>
                 <a:prstGeom prst="ellipse">
@@ -7815,7 +7789,7 @@
               </p:nvSpPr>
               <p:spPr>
                 <a:xfrm>
-                  <a:off x="5488941" y="4320000"/>
+                  <a:off x="4500000" y="4140000"/>
                   <a:ext cx="1080000" cy="1080000"/>
                 </a:xfrm>
                 <a:prstGeom prst="ellipse">
@@ -7855,51 +7829,30 @@
                         <m:jc m:val="centerGroup"/>
                       </m:oMathParaPr>
                       <m:oMath xmlns:m="http://schemas.openxmlformats.org/officeDocument/2006/math">
-                        <m:sSubSup>
-                          <m:sSubSupPr>
+                        <m:acc>
+                          <m:accPr>
+                            <m:chr m:val="⃑"/>
                             <m:ctrlPr>
-                              <a:rPr lang="en-US" altLang="ko-KR" i="1" smtClean="0">
+                              <a:rPr lang="ko-KR" altLang="en-US" i="1">
                                 <a:solidFill>
                                   <a:schemeClr val="tx1"/>
                                 </a:solidFill>
                                 <a:latin typeface="Cambria Math" panose="02040503050406030204" pitchFamily="18" charset="0"/>
                               </a:rPr>
                             </m:ctrlPr>
-                          </m:sSubSupPr>
+                          </m:accPr>
                           <m:e>
                             <m:r>
-                              <a:rPr lang="en-US" altLang="ko-KR" b="0" i="1" smtClean="0">
+                              <a:rPr lang="en-US" altLang="ko-KR" i="1">
                                 <a:solidFill>
                                   <a:schemeClr val="tx1"/>
                                 </a:solidFill>
                                 <a:latin typeface="Cambria Math" panose="02040503050406030204" pitchFamily="18" charset="0"/>
                               </a:rPr>
-                              <m:t>h</m:t>
+                              <m:t>𝐿𝑆𝑇𝑀</m:t>
                             </m:r>
                           </m:e>
-                          <m:sub>
-                            <m:r>
-                              <a:rPr lang="en-US" altLang="ko-KR" b="0" i="1" smtClean="0">
-                                <a:solidFill>
-                                  <a:schemeClr val="tx1"/>
-                                </a:solidFill>
-                                <a:latin typeface="Cambria Math" panose="02040503050406030204" pitchFamily="18" charset="0"/>
-                              </a:rPr>
-                              <m:t>𝑡</m:t>
-                            </m:r>
-                          </m:sub>
-                          <m:sup>
-                            <m:r>
-                              <a:rPr lang="en-US" altLang="ko-KR" b="0" i="1" smtClean="0">
-                                <a:solidFill>
-                                  <a:schemeClr val="tx1"/>
-                                </a:solidFill>
-                                <a:latin typeface="Cambria Math" panose="02040503050406030204" pitchFamily="18" charset="0"/>
-                              </a:rPr>
-                              <m:t>𝑓</m:t>
-                            </m:r>
-                          </m:sup>
-                        </m:sSubSup>
+                        </m:acc>
                       </m:oMath>
                     </m:oMathPara>
                   </a14:m>
@@ -7923,7 +7876,7 @@
               </p:nvSpPr>
               <p:spPr>
                 <a:xfrm>
-                  <a:off x="5488941" y="4320000"/>
+                  <a:off x="4500000" y="4140000"/>
                   <a:ext cx="1080000" cy="1080000"/>
                 </a:xfrm>
                 <a:prstGeom prst="ellipse">
@@ -7966,7 +7919,7 @@
               </p:nvSpPr>
               <p:spPr>
                 <a:xfrm>
-                  <a:off x="7288941" y="4320000"/>
+                  <a:off x="6300000" y="4140000"/>
                   <a:ext cx="1080000" cy="1080000"/>
                 </a:xfrm>
                 <a:prstGeom prst="ellipse">
@@ -8006,60 +7959,30 @@
                         <m:jc m:val="centerGroup"/>
                       </m:oMathParaPr>
                       <m:oMath xmlns:m="http://schemas.openxmlformats.org/officeDocument/2006/math">
-                        <m:sSubSup>
-                          <m:sSubSupPr>
+                        <m:acc>
+                          <m:accPr>
+                            <m:chr m:val="⃑"/>
                             <m:ctrlPr>
-                              <a:rPr lang="en-US" altLang="ko-KR" i="1" smtClean="0">
+                              <a:rPr lang="ko-KR" altLang="en-US" i="1">
                                 <a:solidFill>
                                   <a:schemeClr val="tx1"/>
                                 </a:solidFill>
                                 <a:latin typeface="Cambria Math" panose="02040503050406030204" pitchFamily="18" charset="0"/>
                               </a:rPr>
                             </m:ctrlPr>
-                          </m:sSubSupPr>
+                          </m:accPr>
                           <m:e>
                             <m:r>
-                              <a:rPr lang="en-US" altLang="ko-KR" b="0" i="1" smtClean="0">
+                              <a:rPr lang="en-US" altLang="ko-KR" i="1">
                                 <a:solidFill>
                                   <a:schemeClr val="tx1"/>
                                 </a:solidFill>
                                 <a:latin typeface="Cambria Math" panose="02040503050406030204" pitchFamily="18" charset="0"/>
                               </a:rPr>
-                              <m:t>h</m:t>
+                              <m:t>𝐿𝑆𝑇𝑀</m:t>
                             </m:r>
                           </m:e>
-                          <m:sub>
-                            <m:r>
-                              <a:rPr lang="en-US" altLang="ko-KR" b="0" i="1" smtClean="0">
-                                <a:solidFill>
-                                  <a:schemeClr val="tx1"/>
-                                </a:solidFill>
-                                <a:latin typeface="Cambria Math" panose="02040503050406030204" pitchFamily="18" charset="0"/>
-                              </a:rPr>
-                              <m:t>𝑡</m:t>
-                            </m:r>
-                            <m:r>
-                              <a:rPr lang="en-US" altLang="ko-KR" b="0" i="1" smtClean="0">
-                                <a:solidFill>
-                                  <a:schemeClr val="tx1"/>
-                                </a:solidFill>
-                                <a:latin typeface="Cambria Math" panose="02040503050406030204" pitchFamily="18" charset="0"/>
-                              </a:rPr>
-                              <m:t>+1</m:t>
-                            </m:r>
-                          </m:sub>
-                          <m:sup>
-                            <m:r>
-                              <a:rPr lang="en-US" altLang="ko-KR" b="0" i="1" smtClean="0">
-                                <a:solidFill>
-                                  <a:schemeClr val="tx1"/>
-                                </a:solidFill>
-                                <a:latin typeface="Cambria Math" panose="02040503050406030204" pitchFamily="18" charset="0"/>
-                              </a:rPr>
-                              <m:t>𝑓</m:t>
-                            </m:r>
-                          </m:sup>
-                        </m:sSubSup>
+                        </m:acc>
                       </m:oMath>
                     </m:oMathPara>
                   </a14:m>
@@ -8083,7 +8006,7 @@
               </p:nvSpPr>
               <p:spPr>
                 <a:xfrm>
-                  <a:off x="7288941" y="4320000"/>
+                  <a:off x="6300000" y="4140000"/>
                   <a:ext cx="1080000" cy="1080000"/>
                 </a:xfrm>
                 <a:prstGeom prst="ellipse">
@@ -8126,7 +8049,7 @@
               </p:nvSpPr>
               <p:spPr>
                 <a:xfrm>
-                  <a:off x="3688941" y="1440000"/>
+                  <a:off x="2700000" y="1800000"/>
                   <a:ext cx="1080000" cy="1080000"/>
                 </a:xfrm>
                 <a:prstGeom prst="ellipse">
@@ -8166,17 +8089,18 @@
                         <m:jc m:val="center"/>
                       </m:oMathParaPr>
                       <m:oMath xmlns:m="http://schemas.openxmlformats.org/officeDocument/2006/math">
-                        <m:sSubSup>
-                          <m:sSubSupPr>
+                        <m:acc>
+                          <m:accPr>
+                            <m:chr m:val="⃖"/>
                             <m:ctrlPr>
-                              <a:rPr lang="en-US" altLang="ko-KR" i="1" smtClean="0">
+                              <a:rPr lang="ko-KR" altLang="en-US" i="1" smtClean="0">
                                 <a:solidFill>
                                   <a:schemeClr val="tx1"/>
                                 </a:solidFill>
                                 <a:latin typeface="Cambria Math" panose="02040503050406030204" pitchFamily="18" charset="0"/>
                               </a:rPr>
                             </m:ctrlPr>
-                          </m:sSubSupPr>
+                          </m:accPr>
                           <m:e>
                             <m:r>
                               <a:rPr lang="en-US" altLang="ko-KR" b="0" i="1" smtClean="0">
@@ -8185,41 +8109,10 @@
                                 </a:solidFill>
                                 <a:latin typeface="Cambria Math" panose="02040503050406030204" pitchFamily="18" charset="0"/>
                               </a:rPr>
-                              <m:t>h</m:t>
+                              <m:t>𝐿𝑆𝑇𝑀</m:t>
                             </m:r>
                           </m:e>
-                          <m:sub>
-                            <m:r>
-                              <a:rPr lang="en-US" altLang="ko-KR" b="0" i="1" smtClean="0">
-                                <a:solidFill>
-                                  <a:schemeClr val="tx1"/>
-                                </a:solidFill>
-                                <a:latin typeface="Cambria Math" panose="02040503050406030204" pitchFamily="18" charset="0"/>
-                              </a:rPr>
-                              <m:t>𝑡</m:t>
-                            </m:r>
-                            <m:r>
-                              <a:rPr lang="en-US" altLang="ko-KR" b="0" i="1" smtClean="0">
-                                <a:solidFill>
-                                  <a:schemeClr val="tx1"/>
-                                </a:solidFill>
-                                <a:latin typeface="Cambria Math" panose="02040503050406030204" pitchFamily="18" charset="0"/>
-                              </a:rPr>
-                              <m:t>−1</m:t>
-                            </m:r>
-                          </m:sub>
-                          <m:sup>
-                            <m:r>
-                              <a:rPr lang="en-US" altLang="ko-KR" b="0" i="1" smtClean="0">
-                                <a:solidFill>
-                                  <a:schemeClr val="tx1"/>
-                                </a:solidFill>
-                                <a:latin typeface="Cambria Math" panose="02040503050406030204" pitchFamily="18" charset="0"/>
-                              </a:rPr>
-                              <m:t>𝑏</m:t>
-                            </m:r>
-                          </m:sup>
-                        </m:sSubSup>
+                        </m:acc>
                       </m:oMath>
                     </m:oMathPara>
                   </a14:m>
@@ -8227,6 +8120,8 @@
                     <a:solidFill>
                       <a:schemeClr val="tx1"/>
                     </a:solidFill>
+                    <a:latin typeface="Times New Roman" panose="02020603050405020304" pitchFamily="18" charset="0"/>
+                    <a:cs typeface="Times New Roman" panose="02020603050405020304" pitchFamily="18" charset="0"/>
                   </a:endParaRPr>
                 </a:p>
               </p:txBody>
@@ -8243,7 +8138,7 @@
               </p:nvSpPr>
               <p:spPr>
                 <a:xfrm>
-                  <a:off x="3688941" y="1440000"/>
+                  <a:off x="2700000" y="1800000"/>
                   <a:ext cx="1080000" cy="1080000"/>
                 </a:xfrm>
                 <a:prstGeom prst="ellipse">
@@ -8286,7 +8181,7 @@
               </p:nvSpPr>
               <p:spPr>
                 <a:xfrm>
-                  <a:off x="5488941" y="1440000"/>
+                  <a:off x="4500000" y="1800000"/>
                   <a:ext cx="1080000" cy="1080000"/>
                 </a:xfrm>
                 <a:prstGeom prst="ellipse">
@@ -8323,54 +8218,33 @@
                   <a14:m>
                     <m:oMathPara xmlns:m="http://schemas.openxmlformats.org/officeDocument/2006/math">
                       <m:oMathParaPr>
-                        <m:jc m:val="centerGroup"/>
+                        <m:jc m:val="center"/>
                       </m:oMathParaPr>
                       <m:oMath xmlns:m="http://schemas.openxmlformats.org/officeDocument/2006/math">
-                        <m:sSubSup>
-                          <m:sSubSupPr>
+                        <m:acc>
+                          <m:accPr>
+                            <m:chr m:val="⃖"/>
                             <m:ctrlPr>
-                              <a:rPr lang="en-US" altLang="ko-KR" i="1" smtClean="0">
+                              <a:rPr lang="ko-KR" altLang="en-US" i="1">
                                 <a:solidFill>
                                   <a:schemeClr val="tx1"/>
                                 </a:solidFill>
                                 <a:latin typeface="Cambria Math" panose="02040503050406030204" pitchFamily="18" charset="0"/>
                               </a:rPr>
                             </m:ctrlPr>
-                          </m:sSubSupPr>
+                          </m:accPr>
                           <m:e>
                             <m:r>
-                              <a:rPr lang="en-US" altLang="ko-KR" b="0" i="1" smtClean="0">
+                              <a:rPr lang="en-US" altLang="ko-KR" i="1">
                                 <a:solidFill>
                                   <a:schemeClr val="tx1"/>
                                 </a:solidFill>
                                 <a:latin typeface="Cambria Math" panose="02040503050406030204" pitchFamily="18" charset="0"/>
                               </a:rPr>
-                              <m:t>h</m:t>
+                              <m:t>𝐿𝑆𝑇𝑀</m:t>
                             </m:r>
                           </m:e>
-                          <m:sub>
-                            <m:r>
-                              <a:rPr lang="en-US" altLang="ko-KR" b="0" i="1" smtClean="0">
-                                <a:solidFill>
-                                  <a:schemeClr val="tx1"/>
-                                </a:solidFill>
-                                <a:latin typeface="Cambria Math" panose="02040503050406030204" pitchFamily="18" charset="0"/>
-                              </a:rPr>
-                              <m:t>𝑡</m:t>
-                            </m:r>
-                          </m:sub>
-                          <m:sup>
-                            <m:r>
-                              <a:rPr lang="en-US" altLang="ko-KR" b="0" i="1" smtClean="0">
-                                <a:solidFill>
-                                  <a:schemeClr val="tx1"/>
-                                </a:solidFill>
-                                <a:latin typeface="Cambria Math" panose="02040503050406030204" pitchFamily="18" charset="0"/>
-                              </a:rPr>
-                              <m:t>𝑏</m:t>
-                            </m:r>
-                          </m:sup>
-                        </m:sSubSup>
+                        </m:acc>
                       </m:oMath>
                     </m:oMathPara>
                   </a14:m>
@@ -8378,6 +8252,8 @@
                     <a:solidFill>
                       <a:schemeClr val="tx1"/>
                     </a:solidFill>
+                    <a:latin typeface="Times New Roman" panose="02020603050405020304" pitchFamily="18" charset="0"/>
+                    <a:cs typeface="Times New Roman" panose="02020603050405020304" pitchFamily="18" charset="0"/>
                   </a:endParaRPr>
                 </a:p>
               </p:txBody>
@@ -8394,7 +8270,7 @@
               </p:nvSpPr>
               <p:spPr>
                 <a:xfrm>
-                  <a:off x="5488941" y="1440000"/>
+                  <a:off x="4500000" y="1800000"/>
                   <a:ext cx="1080000" cy="1080000"/>
                 </a:xfrm>
                 <a:prstGeom prst="ellipse">
@@ -8437,7 +8313,7 @@
               </p:nvSpPr>
               <p:spPr>
                 <a:xfrm>
-                  <a:off x="7288941" y="1440000"/>
+                  <a:off x="6300000" y="1800000"/>
                   <a:ext cx="1080000" cy="1080000"/>
                 </a:xfrm>
                 <a:prstGeom prst="ellipse">
@@ -8474,63 +8350,33 @@
                   <a14:m>
                     <m:oMathPara xmlns:m="http://schemas.openxmlformats.org/officeDocument/2006/math">
                       <m:oMathParaPr>
-                        <m:jc m:val="centerGroup"/>
+                        <m:jc m:val="center"/>
                       </m:oMathParaPr>
                       <m:oMath xmlns:m="http://schemas.openxmlformats.org/officeDocument/2006/math">
-                        <m:sSubSup>
-                          <m:sSubSupPr>
+                        <m:acc>
+                          <m:accPr>
+                            <m:chr m:val="⃖"/>
                             <m:ctrlPr>
-                              <a:rPr lang="en-US" altLang="ko-KR" i="1" smtClean="0">
+                              <a:rPr lang="ko-KR" altLang="en-US" i="1">
                                 <a:solidFill>
                                   <a:schemeClr val="tx1"/>
                                 </a:solidFill>
                                 <a:latin typeface="Cambria Math" panose="02040503050406030204" pitchFamily="18" charset="0"/>
                               </a:rPr>
                             </m:ctrlPr>
-                          </m:sSubSupPr>
+                          </m:accPr>
                           <m:e>
                             <m:r>
-                              <a:rPr lang="en-US" altLang="ko-KR" b="0" i="1" smtClean="0">
+                              <a:rPr lang="en-US" altLang="ko-KR" i="1">
                                 <a:solidFill>
                                   <a:schemeClr val="tx1"/>
                                 </a:solidFill>
                                 <a:latin typeface="Cambria Math" panose="02040503050406030204" pitchFamily="18" charset="0"/>
                               </a:rPr>
-                              <m:t>h</m:t>
+                              <m:t>𝐿𝑆𝑇𝑀</m:t>
                             </m:r>
                           </m:e>
-                          <m:sub>
-                            <m:r>
-                              <a:rPr lang="en-US" altLang="ko-KR" b="0" i="1" smtClean="0">
-                                <a:solidFill>
-                                  <a:schemeClr val="tx1"/>
-                                </a:solidFill>
-                                <a:latin typeface="Cambria Math" panose="02040503050406030204" pitchFamily="18" charset="0"/>
-                              </a:rPr>
-                              <m:t>𝑡</m:t>
-                            </m:r>
-                            <m:r>
-                              <a:rPr lang="en-US" altLang="ko-KR" b="0" i="1" smtClean="0">
-                                <a:solidFill>
-                                  <a:schemeClr val="tx1"/>
-                                </a:solidFill>
-                                <a:latin typeface="Cambria Math" panose="02040503050406030204" pitchFamily="18" charset="0"/>
-                              </a:rPr>
-                              <m:t>+1</m:t>
-                            </m:r>
-                          </m:sub>
-                          <m:sup>
-                            <m:r>
-                              <a:rPr lang="en-US" altLang="ko-KR" b="0" i="1" smtClean="0">
-                                <a:solidFill>
-                                  <a:schemeClr val="tx1"/>
-                                </a:solidFill>
-                                <a:latin typeface="Cambria Math" panose="02040503050406030204" pitchFamily="18" charset="0"/>
-                              </a:rPr>
-                              <m:t>𝑏</m:t>
-                            </m:r>
-                          </m:sup>
-                        </m:sSubSup>
+                        </m:acc>
                       </m:oMath>
                     </m:oMathPara>
                   </a14:m>
@@ -8538,6 +8384,8 @@
                     <a:solidFill>
                       <a:schemeClr val="tx1"/>
                     </a:solidFill>
+                    <a:latin typeface="Times New Roman" panose="02020603050405020304" pitchFamily="18" charset="0"/>
+                    <a:cs typeface="Times New Roman" panose="02020603050405020304" pitchFamily="18" charset="0"/>
                   </a:endParaRPr>
                 </a:p>
               </p:txBody>
@@ -8554,7 +8402,7 @@
               </p:nvSpPr>
               <p:spPr>
                 <a:xfrm>
-                  <a:off x="7288941" y="1440000"/>
+                  <a:off x="6300000" y="1800000"/>
                   <a:ext cx="1080000" cy="1080000"/>
                 </a:xfrm>
                 <a:prstGeom prst="ellipse">
@@ -8598,7 +8446,7 @@
           </p:nvCxnSpPr>
           <p:spPr>
             <a:xfrm flipH="1">
-              <a:off x="4768941" y="1980000"/>
+              <a:off x="3780000" y="2340000"/>
               <a:ext cx="720000" cy="0"/>
             </a:xfrm>
             <a:prstGeom prst="straightConnector1">
@@ -8638,7 +8486,7 @@
           </p:nvCxnSpPr>
           <p:spPr>
             <a:xfrm flipH="1">
-              <a:off x="6568941" y="1980000"/>
+              <a:off x="5580000" y="2340000"/>
               <a:ext cx="720000" cy="0"/>
             </a:xfrm>
             <a:prstGeom prst="straightConnector1">
@@ -8678,7 +8526,7 @@
           </p:nvCxnSpPr>
           <p:spPr>
             <a:xfrm flipH="1">
-              <a:off x="4768941" y="4860000"/>
+              <a:off x="3780000" y="4680000"/>
               <a:ext cx="720000" cy="0"/>
             </a:xfrm>
             <a:prstGeom prst="straightConnector1">
@@ -8718,7 +8566,7 @@
           </p:nvCxnSpPr>
           <p:spPr>
             <a:xfrm flipH="1">
-              <a:off x="6568941" y="4860000"/>
+              <a:off x="5580000" y="4680000"/>
               <a:ext cx="720000" cy="0"/>
             </a:xfrm>
             <a:prstGeom prst="straightConnector1">
@@ -8756,8 +8604,8 @@
             <p:nvPr/>
           </p:nvCxnSpPr>
           <p:spPr>
-            <a:xfrm flipH="1">
-              <a:off x="8368940" y="4860000"/>
+            <a:xfrm flipH="1" flipV="1">
+              <a:off x="7380000" y="4680000"/>
               <a:ext cx="720000" cy="0"/>
             </a:xfrm>
             <a:prstGeom prst="straightConnector1">
@@ -8794,7 +8642,7 @@
           </p:nvCxnSpPr>
           <p:spPr>
             <a:xfrm flipH="1">
-              <a:off x="2968941" y="4860000"/>
+              <a:off x="1976117" y="4680000"/>
               <a:ext cx="720000" cy="0"/>
             </a:xfrm>
             <a:prstGeom prst="straightConnector1">
@@ -8832,8 +8680,8 @@
             <p:nvPr/>
           </p:nvCxnSpPr>
           <p:spPr>
-            <a:xfrm flipH="1">
-              <a:off x="8368940" y="1980000"/>
+            <a:xfrm flipH="1" flipV="1">
+              <a:off x="7380000" y="2340000"/>
               <a:ext cx="720000" cy="0"/>
             </a:xfrm>
             <a:prstGeom prst="straightConnector1">
@@ -8865,12 +8713,14 @@
         <p:cxnSp>
           <p:nvCxnSpPr>
             <p:cNvPr id="24" name="직선 화살표 연결선 23"/>
-            <p:cNvCxnSpPr/>
+            <p:cNvCxnSpPr>
+              <a:stCxn id="7" idx="2"/>
+            </p:cNvCxnSpPr>
             <p:nvPr/>
           </p:nvCxnSpPr>
           <p:spPr>
             <a:xfrm flipH="1">
-              <a:off x="2968941" y="1980000"/>
+              <a:off x="1976117" y="2340000"/>
               <a:ext cx="720000" cy="0"/>
             </a:xfrm>
             <a:prstGeom prst="straightConnector1">
@@ -8902,13 +8752,16 @@
         <p:cxnSp>
           <p:nvCxnSpPr>
             <p:cNvPr id="33" name="직선 화살표 연결선 32"/>
-            <p:cNvCxnSpPr/>
+            <p:cNvCxnSpPr>
+              <a:stCxn id="6" idx="4"/>
+              <a:endCxn id="40" idx="0"/>
+            </p:cNvCxnSpPr>
             <p:nvPr/>
           </p:nvCxnSpPr>
           <p:spPr>
-            <a:xfrm rot="16200000" flipH="1">
-              <a:off x="7468941" y="5760000"/>
-              <a:ext cx="720000" cy="0"/>
+            <a:xfrm>
+              <a:off x="6840000" y="5220000"/>
+              <a:ext cx="0" cy="540000"/>
             </a:xfrm>
             <a:prstGeom prst="straightConnector1">
               <a:avLst/>
@@ -8939,13 +8792,16 @@
         <p:cxnSp>
           <p:nvCxnSpPr>
             <p:cNvPr id="34" name="직선 화살표 연결선 33"/>
-            <p:cNvCxnSpPr/>
+            <p:cNvCxnSpPr>
+              <a:stCxn id="5" idx="4"/>
+              <a:endCxn id="41" idx="0"/>
+            </p:cNvCxnSpPr>
             <p:nvPr/>
           </p:nvCxnSpPr>
           <p:spPr>
-            <a:xfrm rot="16200000" flipH="1">
-              <a:off x="5668941" y="5760000"/>
-              <a:ext cx="720000" cy="0"/>
+            <a:xfrm>
+              <a:off x="5040000" y="5220000"/>
+              <a:ext cx="0" cy="540000"/>
             </a:xfrm>
             <a:prstGeom prst="straightConnector1">
               <a:avLst/>
@@ -8976,13 +8832,16 @@
         <p:cxnSp>
           <p:nvCxnSpPr>
             <p:cNvPr id="35" name="직선 화살표 연결선 34"/>
-            <p:cNvCxnSpPr/>
+            <p:cNvCxnSpPr>
+              <a:stCxn id="4" idx="4"/>
+              <a:endCxn id="39" idx="0"/>
+            </p:cNvCxnSpPr>
             <p:nvPr/>
           </p:nvCxnSpPr>
           <p:spPr>
-            <a:xfrm rot="16200000" flipH="1">
-              <a:off x="3868941" y="5760000"/>
-              <a:ext cx="720000" cy="0"/>
+            <a:xfrm>
+              <a:off x="3240000" y="5220000"/>
+              <a:ext cx="0" cy="540000"/>
             </a:xfrm>
             <a:prstGeom prst="straightConnector1">
               <a:avLst/>
@@ -9013,13 +8872,16 @@
         <p:cxnSp>
           <p:nvCxnSpPr>
             <p:cNvPr id="36" name="직선 화살표 연결선 35"/>
-            <p:cNvCxnSpPr/>
+            <p:cNvCxnSpPr>
+              <a:stCxn id="43" idx="4"/>
+              <a:endCxn id="9" idx="0"/>
+            </p:cNvCxnSpPr>
             <p:nvPr/>
           </p:nvCxnSpPr>
           <p:spPr>
-            <a:xfrm rot="16200000" flipH="1">
-              <a:off x="7468941" y="1080000"/>
-              <a:ext cx="720000" cy="0"/>
+            <a:xfrm>
+              <a:off x="6840000" y="1080000"/>
+              <a:ext cx="0" cy="720000"/>
             </a:xfrm>
             <a:prstGeom prst="straightConnector1">
               <a:avLst/>
@@ -9050,13 +8912,16 @@
         <p:cxnSp>
           <p:nvCxnSpPr>
             <p:cNvPr id="37" name="직선 화살표 연결선 36"/>
-            <p:cNvCxnSpPr/>
+            <p:cNvCxnSpPr>
+              <a:stCxn id="44" idx="4"/>
+              <a:endCxn id="8" idx="0"/>
+            </p:cNvCxnSpPr>
             <p:nvPr/>
           </p:nvCxnSpPr>
           <p:spPr>
-            <a:xfrm rot="16200000" flipH="1">
-              <a:off x="5668941" y="1080000"/>
-              <a:ext cx="720000" cy="0"/>
+            <a:xfrm>
+              <a:off x="5040000" y="1080000"/>
+              <a:ext cx="0" cy="720000"/>
             </a:xfrm>
             <a:prstGeom prst="straightConnector1">
               <a:avLst/>
@@ -9087,13 +8952,16 @@
         <p:cxnSp>
           <p:nvCxnSpPr>
             <p:cNvPr id="38" name="직선 화살표 연결선 37"/>
-            <p:cNvCxnSpPr/>
+            <p:cNvCxnSpPr>
+              <a:stCxn id="42" idx="4"/>
+              <a:endCxn id="7" idx="0"/>
+            </p:cNvCxnSpPr>
             <p:nvPr/>
           </p:nvCxnSpPr>
           <p:spPr>
-            <a:xfrm rot="16200000" flipH="1">
-              <a:off x="3868941" y="1080000"/>
-              <a:ext cx="720000" cy="0"/>
+            <a:xfrm>
+              <a:off x="3240000" y="1080000"/>
+              <a:ext cx="0" cy="720000"/>
             </a:xfrm>
             <a:prstGeom prst="straightConnector1">
               <a:avLst/>
@@ -9131,8 +8999,8 @@
               </p:nvSpPr>
               <p:spPr>
                 <a:xfrm>
-                  <a:off x="3688941" y="5760000"/>
-                  <a:ext cx="1080000" cy="1080000"/>
+                  <a:off x="2880000" y="5760000"/>
+                  <a:ext cx="720000" cy="720000"/>
                 </a:xfrm>
                 <a:prstGeom prst="ellipse">
                   <a:avLst/>
@@ -9172,7 +9040,7 @@
                         <m:sSub>
                           <m:sSubPr>
                             <m:ctrlPr>
-                              <a:rPr lang="en-US" altLang="ko-KR" i="1" smtClean="0">
+                              <a:rPr lang="en-US" altLang="ko-KR" i="1">
                                 <a:solidFill>
                                   <a:schemeClr val="tx1"/>
                                 </a:solidFill>
@@ -9182,7 +9050,7 @@
                           </m:sSubPr>
                           <m:e>
                             <m:r>
-                              <a:rPr lang="en-US" altLang="ko-KR" b="0" i="1" smtClean="0">
+                              <a:rPr lang="en-US" altLang="ko-KR" i="1">
                                 <a:solidFill>
                                   <a:schemeClr val="tx1"/>
                                 </a:solidFill>
@@ -9193,7 +9061,7 @@
                           </m:e>
                           <m:sub>
                             <m:r>
-                              <a:rPr lang="en-US" altLang="ko-KR" b="0" i="1" smtClean="0">
+                              <a:rPr lang="en-US" altLang="ko-KR" i="1">
                                 <a:solidFill>
                                   <a:schemeClr val="tx1"/>
                                 </a:solidFill>
@@ -9202,7 +9070,7 @@
                               <m:t>𝑡</m:t>
                             </m:r>
                             <m:r>
-                              <a:rPr lang="en-US" altLang="ko-KR" b="0" i="1" smtClean="0">
+                              <a:rPr lang="en-US" altLang="ko-KR" i="1">
                                 <a:solidFill>
                                   <a:schemeClr val="tx1"/>
                                 </a:solidFill>
@@ -9219,6 +9087,8 @@
                     <a:solidFill>
                       <a:schemeClr val="tx1"/>
                     </a:solidFill>
+                    <a:latin typeface="Times New Roman" panose="02020603050405020304" pitchFamily="18" charset="0"/>
+                    <a:cs typeface="Times New Roman" panose="02020603050405020304" pitchFamily="18" charset="0"/>
                   </a:endParaRPr>
                 </a:p>
               </p:txBody>
@@ -9235,8 +9105,8 @@
               </p:nvSpPr>
               <p:spPr>
                 <a:xfrm>
-                  <a:off x="3688941" y="5760000"/>
-                  <a:ext cx="1080000" cy="1080000"/>
+                  <a:off x="2880000" y="5760000"/>
+                  <a:ext cx="720000" cy="720000"/>
                 </a:xfrm>
                 <a:prstGeom prst="ellipse">
                   <a:avLst/>
@@ -9276,8 +9146,8 @@
               </p:nvSpPr>
               <p:spPr>
                 <a:xfrm>
-                  <a:off x="7288941" y="5760000"/>
-                  <a:ext cx="1080000" cy="1080000"/>
+                  <a:off x="6480000" y="5760000"/>
+                  <a:ext cx="720000" cy="720000"/>
                 </a:xfrm>
                 <a:prstGeom prst="ellipse">
                   <a:avLst/>
@@ -9317,7 +9187,7 @@
                         <m:sSub>
                           <m:sSubPr>
                             <m:ctrlPr>
-                              <a:rPr lang="en-US" altLang="ko-KR" i="1" smtClean="0">
+                              <a:rPr lang="en-US" altLang="ko-KR" i="1">
                                 <a:solidFill>
                                   <a:schemeClr val="tx1"/>
                                 </a:solidFill>
@@ -9327,7 +9197,7 @@
                           </m:sSubPr>
                           <m:e>
                             <m:r>
-                              <a:rPr lang="en-US" altLang="ko-KR" b="0" i="1" smtClean="0">
+                              <a:rPr lang="en-US" altLang="ko-KR" i="1">
                                 <a:solidFill>
                                   <a:schemeClr val="tx1"/>
                                 </a:solidFill>
@@ -9338,7 +9208,7 @@
                           </m:e>
                           <m:sub>
                             <m:r>
-                              <a:rPr lang="en-US" altLang="ko-KR" b="0" i="1" smtClean="0">
+                              <a:rPr lang="en-US" altLang="ko-KR" i="1">
                                 <a:solidFill>
                                   <a:schemeClr val="tx1"/>
                                 </a:solidFill>
@@ -9347,7 +9217,7 @@
                               <m:t>𝑡</m:t>
                             </m:r>
                             <m:r>
-                              <a:rPr lang="en-US" altLang="ko-KR" b="0" i="1" smtClean="0">
+                              <a:rPr lang="en-US" altLang="ko-KR" i="1">
                                 <a:solidFill>
                                   <a:schemeClr val="tx1"/>
                                 </a:solidFill>
@@ -9364,6 +9234,8 @@
                     <a:solidFill>
                       <a:schemeClr val="tx1"/>
                     </a:solidFill>
+                    <a:latin typeface="Times New Roman" panose="02020603050405020304" pitchFamily="18" charset="0"/>
+                    <a:cs typeface="Times New Roman" panose="02020603050405020304" pitchFamily="18" charset="0"/>
                   </a:endParaRPr>
                 </a:p>
               </p:txBody>
@@ -9380,8 +9252,8 @@
               </p:nvSpPr>
               <p:spPr>
                 <a:xfrm>
-                  <a:off x="7288941" y="5760000"/>
-                  <a:ext cx="1080000" cy="1080000"/>
+                  <a:off x="6480000" y="5760000"/>
+                  <a:ext cx="720000" cy="720000"/>
                 </a:xfrm>
                 <a:prstGeom prst="ellipse">
                   <a:avLst/>
@@ -9421,8 +9293,8 @@
               </p:nvSpPr>
               <p:spPr>
                 <a:xfrm>
-                  <a:off x="5488941" y="5760000"/>
-                  <a:ext cx="1080000" cy="1080000"/>
+                  <a:off x="4680000" y="5760000"/>
+                  <a:ext cx="720000" cy="720000"/>
                 </a:xfrm>
                 <a:prstGeom prst="ellipse">
                   <a:avLst/>
@@ -9462,7 +9334,7 @@
                         <m:sSub>
                           <m:sSubPr>
                             <m:ctrlPr>
-                              <a:rPr lang="en-US" altLang="ko-KR" i="1" smtClean="0">
+                              <a:rPr lang="en-US" altLang="ko-KR" i="1">
                                 <a:solidFill>
                                   <a:schemeClr val="tx1"/>
                                 </a:solidFill>
@@ -9472,7 +9344,7 @@
                           </m:sSubPr>
                           <m:e>
                             <m:r>
-                              <a:rPr lang="en-US" altLang="ko-KR" b="0" i="1" smtClean="0">
+                              <a:rPr lang="en-US" altLang="ko-KR" i="1">
                                 <a:solidFill>
                                   <a:schemeClr val="tx1"/>
                                 </a:solidFill>
@@ -9483,7 +9355,7 @@
                           </m:e>
                           <m:sub>
                             <m:r>
-                              <a:rPr lang="en-US" altLang="ko-KR" b="0" i="1" smtClean="0">
+                              <a:rPr lang="en-US" altLang="ko-KR" i="1">
                                 <a:solidFill>
                                   <a:schemeClr val="tx1"/>
                                 </a:solidFill>
@@ -9500,6 +9372,8 @@
                     <a:solidFill>
                       <a:schemeClr val="tx1"/>
                     </a:solidFill>
+                    <a:latin typeface="Times New Roman" panose="02020603050405020304" pitchFamily="18" charset="0"/>
+                    <a:cs typeface="Times New Roman" panose="02020603050405020304" pitchFamily="18" charset="0"/>
                   </a:endParaRPr>
                 </a:p>
               </p:txBody>
@@ -9516,8 +9390,8 @@
               </p:nvSpPr>
               <p:spPr>
                 <a:xfrm>
-                  <a:off x="5488941" y="5760000"/>
-                  <a:ext cx="1080000" cy="1080000"/>
+                  <a:off x="4680000" y="5760000"/>
+                  <a:ext cx="720000" cy="720000"/>
                 </a:xfrm>
                 <a:prstGeom prst="ellipse">
                   <a:avLst/>
@@ -9557,8 +9431,8 @@
               </p:nvSpPr>
               <p:spPr>
                 <a:xfrm>
-                  <a:off x="3688941" y="-180000"/>
-                  <a:ext cx="1080000" cy="1080000"/>
+                  <a:off x="2880000" y="360000"/>
+                  <a:ext cx="720000" cy="720000"/>
                 </a:xfrm>
                 <a:prstGeom prst="ellipse">
                   <a:avLst/>
@@ -9598,7 +9472,7 @@
                         <m:sSub>
                           <m:sSubPr>
                             <m:ctrlPr>
-                              <a:rPr lang="en-US" altLang="ko-KR" i="1" smtClean="0">
+                              <a:rPr lang="en-US" altLang="ko-KR" i="1">
                                 <a:solidFill>
                                   <a:schemeClr val="tx1"/>
                                 </a:solidFill>
@@ -9608,7 +9482,7 @@
                           </m:sSubPr>
                           <m:e>
                             <m:r>
-                              <a:rPr lang="en-US" altLang="ko-KR" b="0" i="1" smtClean="0">
+                              <a:rPr lang="en-US" altLang="ko-KR" i="1">
                                 <a:solidFill>
                                   <a:schemeClr val="tx1"/>
                                 </a:solidFill>
@@ -9619,7 +9493,7 @@
                           </m:e>
                           <m:sub>
                             <m:r>
-                              <a:rPr lang="en-US" altLang="ko-KR" b="0" i="1" smtClean="0">
+                              <a:rPr lang="en-US" altLang="ko-KR" i="1">
                                 <a:solidFill>
                                   <a:schemeClr val="tx1"/>
                                 </a:solidFill>
@@ -9628,7 +9502,7 @@
                               <m:t>𝑡</m:t>
                             </m:r>
                             <m:r>
-                              <a:rPr lang="en-US" altLang="ko-KR" b="0" i="1" smtClean="0">
+                              <a:rPr lang="en-US" altLang="ko-KR" i="1">
                                 <a:solidFill>
                                   <a:schemeClr val="tx1"/>
                                 </a:solidFill>
@@ -9645,6 +9519,8 @@
                     <a:solidFill>
                       <a:schemeClr val="tx1"/>
                     </a:solidFill>
+                    <a:latin typeface="Times New Roman" panose="02020603050405020304" pitchFamily="18" charset="0"/>
+                    <a:cs typeface="Times New Roman" panose="02020603050405020304" pitchFamily="18" charset="0"/>
                   </a:endParaRPr>
                 </a:p>
               </p:txBody>
@@ -9661,8 +9537,8 @@
               </p:nvSpPr>
               <p:spPr>
                 <a:xfrm>
-                  <a:off x="3688941" y="-180000"/>
-                  <a:ext cx="1080000" cy="1080000"/>
+                  <a:off x="2880000" y="360000"/>
+                  <a:ext cx="720000" cy="720000"/>
                 </a:xfrm>
                 <a:prstGeom prst="ellipse">
                   <a:avLst/>
@@ -9702,8 +9578,8 @@
               </p:nvSpPr>
               <p:spPr>
                 <a:xfrm>
-                  <a:off x="7288941" y="-180000"/>
-                  <a:ext cx="1080000" cy="1080000"/>
+                  <a:off x="6480000" y="360000"/>
+                  <a:ext cx="720000" cy="720000"/>
                 </a:xfrm>
                 <a:prstGeom prst="ellipse">
                   <a:avLst/>
@@ -9743,7 +9619,7 @@
                         <m:sSub>
                           <m:sSubPr>
                             <m:ctrlPr>
-                              <a:rPr lang="en-US" altLang="ko-KR" i="1" smtClean="0">
+                              <a:rPr lang="en-US" altLang="ko-KR" i="1">
                                 <a:solidFill>
                                   <a:schemeClr val="tx1"/>
                                 </a:solidFill>
@@ -9753,7 +9629,7 @@
                           </m:sSubPr>
                           <m:e>
                             <m:r>
-                              <a:rPr lang="en-US" altLang="ko-KR" b="0" i="1" smtClean="0">
+                              <a:rPr lang="en-US" altLang="ko-KR" i="1">
                                 <a:solidFill>
                                   <a:schemeClr val="tx1"/>
                                 </a:solidFill>
@@ -9764,7 +9640,7 @@
                           </m:e>
                           <m:sub>
                             <m:r>
-                              <a:rPr lang="en-US" altLang="ko-KR" b="0" i="1" smtClean="0">
+                              <a:rPr lang="en-US" altLang="ko-KR" i="1">
                                 <a:solidFill>
                                   <a:schemeClr val="tx1"/>
                                 </a:solidFill>
@@ -9773,7 +9649,7 @@
                               <m:t>𝑡</m:t>
                             </m:r>
                             <m:r>
-                              <a:rPr lang="en-US" altLang="ko-KR" b="0" i="1" smtClean="0">
+                              <a:rPr lang="en-US" altLang="ko-KR" i="1">
                                 <a:solidFill>
                                   <a:schemeClr val="tx1"/>
                                 </a:solidFill>
@@ -9790,6 +9666,8 @@
                     <a:solidFill>
                       <a:schemeClr val="tx1"/>
                     </a:solidFill>
+                    <a:latin typeface="Times New Roman" panose="02020603050405020304" pitchFamily="18" charset="0"/>
+                    <a:cs typeface="Times New Roman" panose="02020603050405020304" pitchFamily="18" charset="0"/>
                   </a:endParaRPr>
                 </a:p>
               </p:txBody>
@@ -9806,8 +9684,8 @@
               </p:nvSpPr>
               <p:spPr>
                 <a:xfrm>
-                  <a:off x="7288941" y="-180000"/>
-                  <a:ext cx="1080000" cy="1080000"/>
+                  <a:off x="6480000" y="360000"/>
+                  <a:ext cx="720000" cy="720000"/>
                 </a:xfrm>
                 <a:prstGeom prst="ellipse">
                   <a:avLst/>
@@ -9847,8 +9725,8 @@
               </p:nvSpPr>
               <p:spPr>
                 <a:xfrm>
-                  <a:off x="5488941" y="-180000"/>
-                  <a:ext cx="1080000" cy="1080000"/>
+                  <a:off x="4680000" y="360000"/>
+                  <a:ext cx="720000" cy="720000"/>
                 </a:xfrm>
                 <a:prstGeom prst="ellipse">
                   <a:avLst/>
@@ -9888,7 +9766,7 @@
                         <m:sSub>
                           <m:sSubPr>
                             <m:ctrlPr>
-                              <a:rPr lang="en-US" altLang="ko-KR" i="1" smtClean="0">
+                              <a:rPr lang="en-US" altLang="ko-KR" i="1">
                                 <a:solidFill>
                                   <a:schemeClr val="tx1"/>
                                 </a:solidFill>
@@ -9898,7 +9776,7 @@
                           </m:sSubPr>
                           <m:e>
                             <m:r>
-                              <a:rPr lang="en-US" altLang="ko-KR" b="0" i="1" smtClean="0">
+                              <a:rPr lang="en-US" altLang="ko-KR" i="1">
                                 <a:solidFill>
                                   <a:schemeClr val="tx1"/>
                                 </a:solidFill>
@@ -9909,7 +9787,7 @@
                           </m:e>
                           <m:sub>
                             <m:r>
-                              <a:rPr lang="en-US" altLang="ko-KR" b="0" i="1" smtClean="0">
+                              <a:rPr lang="en-US" altLang="ko-KR" i="1">
                                 <a:solidFill>
                                   <a:schemeClr val="tx1"/>
                                 </a:solidFill>
@@ -9926,6 +9804,8 @@
                     <a:solidFill>
                       <a:schemeClr val="tx1"/>
                     </a:solidFill>
+                    <a:latin typeface="Times New Roman" panose="02020603050405020304" pitchFamily="18" charset="0"/>
+                    <a:cs typeface="Times New Roman" panose="02020603050405020304" pitchFamily="18" charset="0"/>
                   </a:endParaRPr>
                 </a:p>
               </p:txBody>
@@ -9942,8 +9822,8 @@
               </p:nvSpPr>
               <p:spPr>
                 <a:xfrm>
-                  <a:off x="5488941" y="-180000"/>
-                  <a:ext cx="1080000" cy="1080000"/>
+                  <a:off x="4680000" y="360000"/>
+                  <a:ext cx="720000" cy="720000"/>
                 </a:xfrm>
                 <a:prstGeom prst="ellipse">
                   <a:avLst/>
@@ -9981,8 +9861,8 @@
           </p:nvSpPr>
           <p:spPr>
             <a:xfrm>
-              <a:off x="3237466" y="2520000"/>
-              <a:ext cx="991474" cy="3599999"/>
+              <a:off x="2340000" y="2880000"/>
+              <a:ext cx="900000" cy="2880000"/>
             </a:xfrm>
             <a:custGeom>
               <a:avLst/>
@@ -10055,7 +9935,7 @@
             <a:lstStyle/>
             <a:p>
               <a:pPr algn="ctr"/>
-              <a:endParaRPr lang="ko-KR" altLang="en-US"/>
+              <a:endParaRPr lang="ko-KR" altLang="en-US" sz="1350"/>
             </a:p>
           </p:txBody>
         </p:sp>
@@ -10067,8 +9947,8 @@
           </p:nvSpPr>
           <p:spPr>
             <a:xfrm>
-              <a:off x="6837466" y="2519998"/>
-              <a:ext cx="991474" cy="3599999"/>
+              <a:off x="4140000" y="2880000"/>
+              <a:ext cx="900000" cy="2880000"/>
             </a:xfrm>
             <a:custGeom>
               <a:avLst/>
@@ -10141,7 +10021,7 @@
             <a:lstStyle/>
             <a:p>
               <a:pPr algn="ctr"/>
-              <a:endParaRPr lang="ko-KR" altLang="en-US"/>
+              <a:endParaRPr lang="ko-KR" altLang="en-US" sz="1350"/>
             </a:p>
           </p:txBody>
         </p:sp>
@@ -10153,8 +10033,8 @@
           </p:nvSpPr>
           <p:spPr>
             <a:xfrm>
-              <a:off x="5033379" y="2519999"/>
-              <a:ext cx="991474" cy="3599999"/>
+              <a:off x="5940000" y="2880000"/>
+              <a:ext cx="900000" cy="2880000"/>
             </a:xfrm>
             <a:custGeom>
               <a:avLst/>
@@ -10227,7 +10107,7 @@
             <a:lstStyle/>
             <a:p>
               <a:pPr algn="ctr"/>
-              <a:endParaRPr lang="ko-KR" altLang="en-US"/>
+              <a:endParaRPr lang="ko-KR" altLang="en-US" sz="1350"/>
             </a:p>
           </p:txBody>
         </p:sp>
@@ -10239,8 +10119,8 @@
           </p:nvSpPr>
           <p:spPr>
             <a:xfrm flipH="1">
-              <a:off x="4228940" y="719997"/>
-              <a:ext cx="990000" cy="3600001"/>
+              <a:off x="3240000" y="1080001"/>
+              <a:ext cx="900000" cy="3059998"/>
             </a:xfrm>
             <a:custGeom>
               <a:avLst/>
@@ -10313,7 +10193,7 @@
             <a:lstStyle/>
             <a:p>
               <a:pPr algn="ctr"/>
-              <a:endParaRPr lang="ko-KR" altLang="en-US"/>
+              <a:endParaRPr lang="ko-KR" altLang="en-US" sz="1350"/>
             </a:p>
           </p:txBody>
         </p:sp>
@@ -10325,8 +10205,8 @@
           </p:nvSpPr>
           <p:spPr>
             <a:xfrm flipH="1">
-              <a:off x="7828942" y="719998"/>
-              <a:ext cx="991474" cy="3599999"/>
+              <a:off x="5040000" y="1079999"/>
+              <a:ext cx="900000" cy="3060000"/>
             </a:xfrm>
             <a:custGeom>
               <a:avLst/>
@@ -10399,7 +10279,7 @@
             <a:lstStyle/>
             <a:p>
               <a:pPr algn="ctr"/>
-              <a:endParaRPr lang="ko-KR" altLang="en-US"/>
+              <a:endParaRPr lang="ko-KR" altLang="en-US" sz="1350"/>
             </a:p>
           </p:txBody>
         </p:sp>
@@ -10411,8 +10291,8 @@
           </p:nvSpPr>
           <p:spPr>
             <a:xfrm flipH="1">
-              <a:off x="6027467" y="719998"/>
-              <a:ext cx="991474" cy="3599999"/>
+              <a:off x="6840000" y="1080000"/>
+              <a:ext cx="900000" cy="3060000"/>
             </a:xfrm>
             <a:custGeom>
               <a:avLst/>
@@ -10485,7 +10365,7 @@
             <a:lstStyle/>
             <a:p>
               <a:pPr algn="ctr"/>
-              <a:endParaRPr lang="ko-KR" altLang="en-US"/>
+              <a:endParaRPr lang="ko-KR" altLang="en-US" sz="1350"/>
             </a:p>
           </p:txBody>
         </p:sp>
@@ -10497,8 +10377,8 @@
           </p:nvSpPr>
           <p:spPr>
             <a:xfrm>
-              <a:off x="351350" y="1800000"/>
-              <a:ext cx="1950330" cy="369332"/>
+              <a:off x="155025" y="2155334"/>
+              <a:ext cx="1764864" cy="369332"/>
             </a:xfrm>
             <a:prstGeom prst="rect">
               <a:avLst/>
@@ -10513,7 +10393,7 @@
             <a:p>
               <a:pPr algn="ctr"/>
               <a:r>
-                <a:rPr lang="en-US" altLang="ko-KR" dirty="0" smtClean="0">
+                <a:rPr lang="en-US" altLang="ko-KR" dirty="0">
                   <a:latin typeface="times" panose="02020603050405020304" pitchFamily="18" charset="0"/>
                   <a:cs typeface="times" panose="02020603050405020304" pitchFamily="18" charset="0"/>
                 </a:rPr>
@@ -10534,8 +10414,8 @@
           </p:nvSpPr>
           <p:spPr>
             <a:xfrm>
-              <a:off x="351639" y="4680000"/>
-              <a:ext cx="1950330" cy="369332"/>
+              <a:off x="225272" y="4495334"/>
+              <a:ext cx="1624370" cy="369332"/>
             </a:xfrm>
             <a:prstGeom prst="rect">
               <a:avLst/>
@@ -10550,7 +10430,7 @@
             <a:p>
               <a:pPr algn="ctr"/>
               <a:r>
-                <a:rPr lang="en-US" altLang="ko-KR" dirty="0" smtClean="0">
+                <a:rPr lang="en-US" altLang="ko-KR" dirty="0">
                   <a:latin typeface="times" panose="02020603050405020304" pitchFamily="18" charset="0"/>
                   <a:cs typeface="times" panose="02020603050405020304" pitchFamily="18" charset="0"/>
                 </a:rPr>
@@ -10571,8 +10451,8 @@
           </p:nvSpPr>
           <p:spPr>
             <a:xfrm>
-              <a:off x="351639" y="6120000"/>
-              <a:ext cx="1950330" cy="369332"/>
+              <a:off x="306083" y="5935334"/>
+              <a:ext cx="1462748" cy="369332"/>
             </a:xfrm>
             <a:prstGeom prst="rect">
               <a:avLst/>
@@ -10587,7 +10467,7 @@
             <a:p>
               <a:pPr algn="ctr"/>
               <a:r>
-                <a:rPr lang="en-US" altLang="ko-KR" dirty="0" smtClean="0">
+                <a:rPr lang="en-US" altLang="ko-KR" dirty="0">
                   <a:latin typeface="times" panose="02020603050405020304" pitchFamily="18" charset="0"/>
                   <a:cs typeface="times" panose="02020603050405020304" pitchFamily="18" charset="0"/>
                 </a:rPr>
@@ -10608,8 +10488,8 @@
           </p:nvSpPr>
           <p:spPr>
             <a:xfrm>
-              <a:off x="351639" y="216000"/>
-              <a:ext cx="1950330" cy="369332"/>
+              <a:off x="310188" y="535334"/>
+              <a:ext cx="1462748" cy="369332"/>
             </a:xfrm>
             <a:prstGeom prst="rect">
               <a:avLst/>
@@ -10624,7 +10504,7 @@
             <a:p>
               <a:pPr algn="ctr"/>
               <a:r>
-                <a:rPr lang="en-US" altLang="ko-KR" dirty="0" smtClean="0">
+                <a:rPr lang="en-US" altLang="ko-KR" dirty="0">
                   <a:latin typeface="times" panose="02020603050405020304" pitchFamily="18" charset="0"/>
                   <a:cs typeface="times" panose="02020603050405020304" pitchFamily="18" charset="0"/>
                 </a:rPr>
@@ -10645,8 +10525,8 @@
           </p:nvGrpSpPr>
           <p:grpSpPr>
             <a:xfrm>
-              <a:off x="2002086" y="3384000"/>
-              <a:ext cx="965380" cy="72000"/>
+              <a:off x="1252082" y="3469500"/>
+              <a:ext cx="724035" cy="54000"/>
               <a:chOff x="3415862" y="5665076"/>
               <a:chExt cx="965380" cy="72000"/>
             </a:xfrm>
@@ -10695,7 +10575,7 @@
               <a:lstStyle/>
               <a:p>
                 <a:pPr algn="ctr"/>
-                <a:endParaRPr lang="ko-KR" altLang="en-US"/>
+                <a:endParaRPr lang="ko-KR" altLang="en-US" sz="1350"/>
               </a:p>
             </p:txBody>
           </p:sp>
@@ -10743,7 +10623,7 @@
               <a:lstStyle/>
               <a:p>
                 <a:pPr algn="ctr"/>
-                <a:endParaRPr lang="ko-KR" altLang="en-US"/>
+                <a:endParaRPr lang="ko-KR" altLang="en-US" sz="1350"/>
               </a:p>
             </p:txBody>
           </p:sp>
@@ -10791,7 +10671,7 @@
               <a:lstStyle/>
               <a:p>
                 <a:pPr algn="ctr"/>
-                <a:endParaRPr lang="ko-KR" altLang="en-US"/>
+                <a:endParaRPr lang="ko-KR" altLang="en-US" sz="1350"/>
               </a:p>
             </p:txBody>
           </p:sp>
@@ -10804,8 +10684,8 @@
           </p:nvGrpSpPr>
           <p:grpSpPr>
             <a:xfrm>
-              <a:off x="9088940" y="3384000"/>
-              <a:ext cx="965380" cy="72000"/>
+              <a:off x="8100000" y="3496500"/>
+              <a:ext cx="724035" cy="54000"/>
               <a:chOff x="3415862" y="5665076"/>
               <a:chExt cx="965380" cy="72000"/>
             </a:xfrm>
@@ -10854,7 +10734,7 @@
               <a:lstStyle/>
               <a:p>
                 <a:pPr algn="ctr"/>
-                <a:endParaRPr lang="ko-KR" altLang="en-US"/>
+                <a:endParaRPr lang="ko-KR" altLang="en-US" sz="1350"/>
               </a:p>
             </p:txBody>
           </p:sp>
@@ -10902,7 +10782,7 @@
               <a:lstStyle/>
               <a:p>
                 <a:pPr algn="ctr"/>
-                <a:endParaRPr lang="ko-KR" altLang="en-US"/>
+                <a:endParaRPr lang="ko-KR" altLang="en-US" sz="1350"/>
               </a:p>
             </p:txBody>
           </p:sp>
@@ -10950,11 +10830,711 @@
               <a:lstStyle/>
               <a:p>
                 <a:pPr algn="ctr"/>
-                <a:endParaRPr lang="ko-KR" altLang="en-US"/>
+                <a:endParaRPr lang="ko-KR" altLang="en-US" sz="1350"/>
               </a:p>
             </p:txBody>
           </p:sp>
         </p:grpSp>
+        <mc:AlternateContent xmlns:mc="http://schemas.openxmlformats.org/markup-compatibility/2006">
+          <mc:Choice xmlns:a14="http://schemas.microsoft.com/office/drawing/2010/main" Requires="a14">
+            <p:sp>
+              <p:nvSpPr>
+                <p:cNvPr id="19" name="직사각형 18"/>
+                <p:cNvSpPr/>
+                <p:nvPr/>
+              </p:nvSpPr>
+              <p:spPr>
+                <a:xfrm>
+                  <a:off x="2569964" y="1248560"/>
+                  <a:ext cx="673198" cy="381195"/>
+                </a:xfrm>
+                <a:prstGeom prst="rect">
+                  <a:avLst/>
+                </a:prstGeom>
+              </p:spPr>
+              <p:txBody>
+                <a:bodyPr wrap="none" anchor="ctr">
+                  <a:spAutoFit/>
+                </a:bodyPr>
+                <a:lstStyle/>
+                <a:p>
+                  <a14:m>
+                    <m:oMathPara xmlns:m="http://schemas.openxmlformats.org/officeDocument/2006/math">
+                      <m:oMathParaPr>
+                        <m:jc m:val="centerGroup"/>
+                      </m:oMathParaPr>
+                      <m:oMath xmlns:m="http://schemas.openxmlformats.org/officeDocument/2006/math">
+                        <m:sSubSup>
+                          <m:sSubSupPr>
+                            <m:ctrlPr>
+                              <a:rPr lang="en-US" altLang="ko-KR" i="1">
+                                <a:latin typeface="Cambria Math" panose="02040503050406030204" pitchFamily="18" charset="0"/>
+                              </a:rPr>
+                            </m:ctrlPr>
+                          </m:sSubSupPr>
+                          <m:e>
+                            <m:r>
+                              <a:rPr lang="en-US" altLang="ko-KR" i="1">
+                                <a:latin typeface="Cambria Math" panose="02040503050406030204" pitchFamily="18" charset="0"/>
+                              </a:rPr>
+                              <m:t>h</m:t>
+                            </m:r>
+                          </m:e>
+                          <m:sub>
+                            <m:r>
+                              <a:rPr lang="en-US" altLang="ko-KR" i="1">
+                                <a:latin typeface="Cambria Math" panose="02040503050406030204" pitchFamily="18" charset="0"/>
+                              </a:rPr>
+                              <m:t>𝑡</m:t>
+                            </m:r>
+                            <m:r>
+                              <a:rPr lang="en-US" altLang="ko-KR" i="1">
+                                <a:latin typeface="Cambria Math" panose="02040503050406030204" pitchFamily="18" charset="0"/>
+                              </a:rPr>
+                              <m:t>−1</m:t>
+                            </m:r>
+                          </m:sub>
+                          <m:sup>
+                            <m:r>
+                              <a:rPr lang="en-US" altLang="ko-KR" i="1">
+                                <a:latin typeface="Cambria Math" panose="02040503050406030204" pitchFamily="18" charset="0"/>
+                              </a:rPr>
+                              <m:t>𝑏</m:t>
+                            </m:r>
+                          </m:sup>
+                        </m:sSubSup>
+                      </m:oMath>
+                    </m:oMathPara>
+                  </a14:m>
+                  <a:endParaRPr lang="ko-KR" altLang="en-US" dirty="0">
+                    <a:latin typeface="Times New Roman" panose="02020603050405020304" pitchFamily="18" charset="0"/>
+                    <a:cs typeface="Times New Roman" panose="02020603050405020304" pitchFamily="18" charset="0"/>
+                  </a:endParaRPr>
+                </a:p>
+              </p:txBody>
+            </p:sp>
+          </mc:Choice>
+          <mc:Fallback>
+            <p:sp>
+              <p:nvSpPr>
+                <p:cNvPr id="19" name="직사각형 18"/>
+                <p:cNvSpPr>
+                  <a:spLocks noRot="1" noChangeAspect="1" noMove="1" noResize="1" noEditPoints="1" noAdjustHandles="1" noChangeArrowheads="1" noChangeShapeType="1" noTextEdit="1"/>
+                </p:cNvSpPr>
+                <p:nvPr/>
+              </p:nvSpPr>
+              <p:spPr>
+                <a:xfrm>
+                  <a:off x="2569964" y="1248560"/>
+                  <a:ext cx="673198" cy="381195"/>
+                </a:xfrm>
+                <a:prstGeom prst="rect">
+                  <a:avLst/>
+                </a:prstGeom>
+                <a:blipFill>
+                  <a:blip r:embed="rId14"/>
+                  <a:stretch>
+                    <a:fillRect b="-3226"/>
+                  </a:stretch>
+                </a:blipFill>
+              </p:spPr>
+              <p:txBody>
+                <a:bodyPr/>
+                <a:lstStyle/>
+                <a:p>
+                  <a:r>
+                    <a:rPr lang="ko-KR" altLang="en-US">
+                      <a:noFill/>
+                    </a:rPr>
+                    <a:t> </a:t>
+                  </a:r>
+                </a:p>
+              </p:txBody>
+            </p:sp>
+          </mc:Fallback>
+        </mc:AlternateContent>
+        <mc:AlternateContent xmlns:mc="http://schemas.openxmlformats.org/markup-compatibility/2006">
+          <mc:Choice xmlns:a14="http://schemas.microsoft.com/office/drawing/2010/main" Requires="a14">
+            <p:sp>
+              <p:nvSpPr>
+                <p:cNvPr id="20" name="직사각형 19"/>
+                <p:cNvSpPr/>
+                <p:nvPr/>
+              </p:nvSpPr>
+              <p:spPr>
+                <a:xfrm>
+                  <a:off x="3599999" y="1078587"/>
+                  <a:ext cx="673198" cy="429220"/>
+                </a:xfrm>
+                <a:prstGeom prst="rect">
+                  <a:avLst/>
+                </a:prstGeom>
+              </p:spPr>
+              <p:txBody>
+                <a:bodyPr wrap="none" anchor="ctr">
+                  <a:spAutoFit/>
+                </a:bodyPr>
+                <a:lstStyle/>
+                <a:p>
+                  <a:pPr algn="ctr"/>
+                  <a14:m>
+                    <m:oMathPara xmlns:m="http://schemas.openxmlformats.org/officeDocument/2006/math">
+                      <m:oMathParaPr>
+                        <m:jc m:val="centerGroup"/>
+                      </m:oMathParaPr>
+                      <m:oMath xmlns:m="http://schemas.openxmlformats.org/officeDocument/2006/math">
+                        <m:sSubSup>
+                          <m:sSubSupPr>
+                            <m:ctrlPr>
+                              <a:rPr lang="en-US" altLang="ko-KR" i="1">
+                                <a:latin typeface="Cambria Math" panose="02040503050406030204" pitchFamily="18" charset="0"/>
+                              </a:rPr>
+                            </m:ctrlPr>
+                          </m:sSubSupPr>
+                          <m:e>
+                            <m:r>
+                              <a:rPr lang="en-US" altLang="ko-KR" i="1">
+                                <a:latin typeface="Cambria Math" panose="02040503050406030204" pitchFamily="18" charset="0"/>
+                              </a:rPr>
+                              <m:t>h</m:t>
+                            </m:r>
+                          </m:e>
+                          <m:sub>
+                            <m:r>
+                              <a:rPr lang="en-US" altLang="ko-KR" i="1">
+                                <a:latin typeface="Cambria Math" panose="02040503050406030204" pitchFamily="18" charset="0"/>
+                              </a:rPr>
+                              <m:t>𝑡</m:t>
+                            </m:r>
+                            <m:r>
+                              <a:rPr lang="en-US" altLang="ko-KR" i="1">
+                                <a:latin typeface="Cambria Math" panose="02040503050406030204" pitchFamily="18" charset="0"/>
+                              </a:rPr>
+                              <m:t>−1</m:t>
+                            </m:r>
+                          </m:sub>
+                          <m:sup>
+                            <m:r>
+                              <a:rPr lang="en-US" altLang="ko-KR" i="1">
+                                <a:latin typeface="Cambria Math" panose="02040503050406030204" pitchFamily="18" charset="0"/>
+                              </a:rPr>
+                              <m:t>𝑓</m:t>
+                            </m:r>
+                          </m:sup>
+                        </m:sSubSup>
+                      </m:oMath>
+                    </m:oMathPara>
+                  </a14:m>
+                  <a:endParaRPr lang="ko-KR" altLang="en-US" dirty="0">
+                    <a:latin typeface="Times New Roman" panose="02020603050405020304" pitchFamily="18" charset="0"/>
+                    <a:cs typeface="Times New Roman" panose="02020603050405020304" pitchFamily="18" charset="0"/>
+                  </a:endParaRPr>
+                </a:p>
+              </p:txBody>
+            </p:sp>
+          </mc:Choice>
+          <mc:Fallback>
+            <p:sp>
+              <p:nvSpPr>
+                <p:cNvPr id="20" name="직사각형 19"/>
+                <p:cNvSpPr>
+                  <a:spLocks noRot="1" noChangeAspect="1" noMove="1" noResize="1" noEditPoints="1" noAdjustHandles="1" noChangeArrowheads="1" noChangeShapeType="1" noTextEdit="1"/>
+                </p:cNvSpPr>
+                <p:nvPr/>
+              </p:nvSpPr>
+              <p:spPr>
+                <a:xfrm>
+                  <a:off x="3599999" y="1078587"/>
+                  <a:ext cx="673198" cy="429220"/>
+                </a:xfrm>
+                <a:prstGeom prst="rect">
+                  <a:avLst/>
+                </a:prstGeom>
+                <a:blipFill>
+                  <a:blip r:embed="rId15"/>
+                  <a:stretch>
+                    <a:fillRect b="-2857"/>
+                  </a:stretch>
+                </a:blipFill>
+              </p:spPr>
+              <p:txBody>
+                <a:bodyPr/>
+                <a:lstStyle/>
+                <a:p>
+                  <a:r>
+                    <a:rPr lang="ko-KR" altLang="en-US">
+                      <a:noFill/>
+                    </a:rPr>
+                    <a:t> </a:t>
+                  </a:r>
+                </a:p>
+              </p:txBody>
+            </p:sp>
+          </mc:Fallback>
+        </mc:AlternateContent>
+        <mc:AlternateContent xmlns:mc="http://schemas.openxmlformats.org/markup-compatibility/2006">
+          <mc:Choice xmlns:a14="http://schemas.microsoft.com/office/drawing/2010/main" Requires="a14">
+            <p:sp>
+              <p:nvSpPr>
+                <p:cNvPr id="25" name="직사각형 24"/>
+                <p:cNvSpPr/>
+                <p:nvPr/>
+              </p:nvSpPr>
+              <p:spPr>
+                <a:xfrm>
+                  <a:off x="4535814" y="1249402"/>
+                  <a:ext cx="489621" cy="378373"/>
+                </a:xfrm>
+                <a:prstGeom prst="rect">
+                  <a:avLst/>
+                </a:prstGeom>
+              </p:spPr>
+              <p:txBody>
+                <a:bodyPr wrap="none" anchor="ctr">
+                  <a:spAutoFit/>
+                </a:bodyPr>
+                <a:lstStyle/>
+                <a:p>
+                  <a14:m>
+                    <m:oMathPara xmlns:m="http://schemas.openxmlformats.org/officeDocument/2006/math">
+                      <m:oMathParaPr>
+                        <m:jc m:val="centerGroup"/>
+                      </m:oMathParaPr>
+                      <m:oMath xmlns:m="http://schemas.openxmlformats.org/officeDocument/2006/math">
+                        <m:sSubSup>
+                          <m:sSubSupPr>
+                            <m:ctrlPr>
+                              <a:rPr lang="en-US" altLang="ko-KR" i="1">
+                                <a:latin typeface="Cambria Math" panose="02040503050406030204" pitchFamily="18" charset="0"/>
+                              </a:rPr>
+                            </m:ctrlPr>
+                          </m:sSubSupPr>
+                          <m:e>
+                            <m:r>
+                              <a:rPr lang="en-US" altLang="ko-KR" i="1">
+                                <a:latin typeface="Cambria Math" panose="02040503050406030204" pitchFamily="18" charset="0"/>
+                              </a:rPr>
+                              <m:t>h</m:t>
+                            </m:r>
+                          </m:e>
+                          <m:sub>
+                            <m:r>
+                              <a:rPr lang="en-US" altLang="ko-KR" i="1">
+                                <a:latin typeface="Cambria Math" panose="02040503050406030204" pitchFamily="18" charset="0"/>
+                              </a:rPr>
+                              <m:t>𝑡</m:t>
+                            </m:r>
+                          </m:sub>
+                          <m:sup>
+                            <m:r>
+                              <a:rPr lang="en-US" altLang="ko-KR" i="1">
+                                <a:latin typeface="Cambria Math" panose="02040503050406030204" pitchFamily="18" charset="0"/>
+                              </a:rPr>
+                              <m:t>𝑏</m:t>
+                            </m:r>
+                          </m:sup>
+                        </m:sSubSup>
+                      </m:oMath>
+                    </m:oMathPara>
+                  </a14:m>
+                  <a:endParaRPr lang="ko-KR" altLang="en-US" dirty="0">
+                    <a:latin typeface="Times New Roman" panose="02020603050405020304" pitchFamily="18" charset="0"/>
+                    <a:cs typeface="Times New Roman" panose="02020603050405020304" pitchFamily="18" charset="0"/>
+                  </a:endParaRPr>
+                </a:p>
+              </p:txBody>
+            </p:sp>
+          </mc:Choice>
+          <mc:Fallback>
+            <p:sp>
+              <p:nvSpPr>
+                <p:cNvPr id="25" name="직사각형 24"/>
+                <p:cNvSpPr>
+                  <a:spLocks noRot="1" noChangeAspect="1" noMove="1" noResize="1" noEditPoints="1" noAdjustHandles="1" noChangeArrowheads="1" noChangeShapeType="1" noTextEdit="1"/>
+                </p:cNvSpPr>
+                <p:nvPr/>
+              </p:nvSpPr>
+              <p:spPr>
+                <a:xfrm>
+                  <a:off x="4535814" y="1249402"/>
+                  <a:ext cx="489621" cy="378373"/>
+                </a:xfrm>
+                <a:prstGeom prst="rect">
+                  <a:avLst/>
+                </a:prstGeom>
+                <a:blipFill>
+                  <a:blip r:embed="rId16"/>
+                  <a:stretch>
+                    <a:fillRect b="-3226"/>
+                  </a:stretch>
+                </a:blipFill>
+              </p:spPr>
+              <p:txBody>
+                <a:bodyPr/>
+                <a:lstStyle/>
+                <a:p>
+                  <a:r>
+                    <a:rPr lang="ko-KR" altLang="en-US">
+                      <a:noFill/>
+                    </a:rPr>
+                    <a:t> </a:t>
+                  </a:r>
+                </a:p>
+              </p:txBody>
+            </p:sp>
+          </mc:Fallback>
+        </mc:AlternateContent>
+        <mc:AlternateContent xmlns:mc="http://schemas.openxmlformats.org/markup-compatibility/2006">
+          <mc:Choice xmlns:a14="http://schemas.microsoft.com/office/drawing/2010/main" Requires="a14">
+            <p:sp>
+              <p:nvSpPr>
+                <p:cNvPr id="60" name="직사각형 59"/>
+                <p:cNvSpPr/>
+                <p:nvPr/>
+              </p:nvSpPr>
+              <p:spPr>
+                <a:xfrm>
+                  <a:off x="6166801" y="1246580"/>
+                  <a:ext cx="673198" cy="381195"/>
+                </a:xfrm>
+                <a:prstGeom prst="rect">
+                  <a:avLst/>
+                </a:prstGeom>
+              </p:spPr>
+              <p:txBody>
+                <a:bodyPr wrap="none" anchor="ctr">
+                  <a:spAutoFit/>
+                </a:bodyPr>
+                <a:lstStyle/>
+                <a:p>
+                  <a:pPr algn="ctr"/>
+                  <a14:m>
+                    <m:oMathPara xmlns:m="http://schemas.openxmlformats.org/officeDocument/2006/math">
+                      <m:oMathParaPr>
+                        <m:jc m:val="centerGroup"/>
+                      </m:oMathParaPr>
+                      <m:oMath xmlns:m="http://schemas.openxmlformats.org/officeDocument/2006/math">
+                        <m:sSubSup>
+                          <m:sSubSupPr>
+                            <m:ctrlPr>
+                              <a:rPr lang="en-US" altLang="ko-KR" i="1">
+                                <a:latin typeface="Cambria Math" panose="02040503050406030204" pitchFamily="18" charset="0"/>
+                              </a:rPr>
+                            </m:ctrlPr>
+                          </m:sSubSupPr>
+                          <m:e>
+                            <m:r>
+                              <a:rPr lang="en-US" altLang="ko-KR" i="1">
+                                <a:latin typeface="Cambria Math" panose="02040503050406030204" pitchFamily="18" charset="0"/>
+                              </a:rPr>
+                              <m:t>h</m:t>
+                            </m:r>
+                          </m:e>
+                          <m:sub>
+                            <m:r>
+                              <a:rPr lang="en-US" altLang="ko-KR" i="1">
+                                <a:latin typeface="Cambria Math" panose="02040503050406030204" pitchFamily="18" charset="0"/>
+                              </a:rPr>
+                              <m:t>𝑡</m:t>
+                            </m:r>
+                            <m:r>
+                              <a:rPr lang="en-US" altLang="ko-KR" i="1">
+                                <a:latin typeface="Cambria Math" panose="02040503050406030204" pitchFamily="18" charset="0"/>
+                              </a:rPr>
+                              <m:t>+1</m:t>
+                            </m:r>
+                          </m:sub>
+                          <m:sup>
+                            <m:r>
+                              <a:rPr lang="en-US" altLang="ko-KR" i="1">
+                                <a:latin typeface="Cambria Math" panose="02040503050406030204" pitchFamily="18" charset="0"/>
+                              </a:rPr>
+                              <m:t>𝑏</m:t>
+                            </m:r>
+                          </m:sup>
+                        </m:sSubSup>
+                      </m:oMath>
+                    </m:oMathPara>
+                  </a14:m>
+                  <a:endParaRPr lang="ko-KR" altLang="en-US" dirty="0">
+                    <a:latin typeface="Times New Roman" panose="02020603050405020304" pitchFamily="18" charset="0"/>
+                    <a:cs typeface="Times New Roman" panose="02020603050405020304" pitchFamily="18" charset="0"/>
+                  </a:endParaRPr>
+                </a:p>
+              </p:txBody>
+            </p:sp>
+          </mc:Choice>
+          <mc:Fallback>
+            <p:sp>
+              <p:nvSpPr>
+                <p:cNvPr id="60" name="직사각형 59"/>
+                <p:cNvSpPr>
+                  <a:spLocks noRot="1" noChangeAspect="1" noMove="1" noResize="1" noEditPoints="1" noAdjustHandles="1" noChangeArrowheads="1" noChangeShapeType="1" noTextEdit="1"/>
+                </p:cNvSpPr>
+                <p:nvPr/>
+              </p:nvSpPr>
+              <p:spPr>
+                <a:xfrm>
+                  <a:off x="6166801" y="1246580"/>
+                  <a:ext cx="673198" cy="381195"/>
+                </a:xfrm>
+                <a:prstGeom prst="rect">
+                  <a:avLst/>
+                </a:prstGeom>
+                <a:blipFill>
+                  <a:blip r:embed="rId17"/>
+                  <a:stretch>
+                    <a:fillRect b="-3175"/>
+                  </a:stretch>
+                </a:blipFill>
+              </p:spPr>
+              <p:txBody>
+                <a:bodyPr/>
+                <a:lstStyle/>
+                <a:p>
+                  <a:r>
+                    <a:rPr lang="ko-KR" altLang="en-US">
+                      <a:noFill/>
+                    </a:rPr>
+                    <a:t> </a:t>
+                  </a:r>
+                </a:p>
+              </p:txBody>
+            </p:sp>
+          </mc:Fallback>
+        </mc:AlternateContent>
+        <mc:AlternateContent xmlns:mc="http://schemas.openxmlformats.org/markup-compatibility/2006">
+          <mc:Choice xmlns:a14="http://schemas.microsoft.com/office/drawing/2010/main" Requires="a14">
+            <p:sp>
+              <p:nvSpPr>
+                <p:cNvPr id="61" name="직사각형 60"/>
+                <p:cNvSpPr/>
+                <p:nvPr/>
+              </p:nvSpPr>
+              <p:spPr>
+                <a:xfrm>
+                  <a:off x="5397596" y="1079998"/>
+                  <a:ext cx="496161" cy="427809"/>
+                </a:xfrm>
+                <a:prstGeom prst="rect">
+                  <a:avLst/>
+                </a:prstGeom>
+              </p:spPr>
+              <p:txBody>
+                <a:bodyPr wrap="none" anchor="ctr">
+                  <a:spAutoFit/>
+                </a:bodyPr>
+                <a:lstStyle/>
+                <a:p>
+                  <a:pPr algn="ctr"/>
+                  <a14:m>
+                    <m:oMathPara xmlns:m="http://schemas.openxmlformats.org/officeDocument/2006/math">
+                      <m:oMathParaPr>
+                        <m:jc m:val="centerGroup"/>
+                      </m:oMathParaPr>
+                      <m:oMath xmlns:m="http://schemas.openxmlformats.org/officeDocument/2006/math">
+                        <m:sSubSup>
+                          <m:sSubSupPr>
+                            <m:ctrlPr>
+                              <a:rPr lang="en-US" altLang="ko-KR" i="1">
+                                <a:latin typeface="Cambria Math" panose="02040503050406030204" pitchFamily="18" charset="0"/>
+                              </a:rPr>
+                            </m:ctrlPr>
+                          </m:sSubSupPr>
+                          <m:e>
+                            <m:r>
+                              <a:rPr lang="en-US" altLang="ko-KR" i="1">
+                                <a:latin typeface="Cambria Math" panose="02040503050406030204" pitchFamily="18" charset="0"/>
+                              </a:rPr>
+                              <m:t>h</m:t>
+                            </m:r>
+                          </m:e>
+                          <m:sub>
+                            <m:r>
+                              <a:rPr lang="en-US" altLang="ko-KR" i="1">
+                                <a:latin typeface="Cambria Math" panose="02040503050406030204" pitchFamily="18" charset="0"/>
+                              </a:rPr>
+                              <m:t>𝑡</m:t>
+                            </m:r>
+                          </m:sub>
+                          <m:sup>
+                            <m:r>
+                              <a:rPr lang="en-US" altLang="ko-KR" i="1">
+                                <a:latin typeface="Cambria Math" panose="02040503050406030204" pitchFamily="18" charset="0"/>
+                              </a:rPr>
+                              <m:t>𝑓</m:t>
+                            </m:r>
+                          </m:sup>
+                        </m:sSubSup>
+                      </m:oMath>
+                    </m:oMathPara>
+                  </a14:m>
+                  <a:endParaRPr lang="ko-KR" altLang="en-US" dirty="0">
+                    <a:latin typeface="Times New Roman" panose="02020603050405020304" pitchFamily="18" charset="0"/>
+                    <a:cs typeface="Times New Roman" panose="02020603050405020304" pitchFamily="18" charset="0"/>
+                  </a:endParaRPr>
+                </a:p>
+              </p:txBody>
+            </p:sp>
+          </mc:Choice>
+          <mc:Fallback>
+            <p:sp>
+              <p:nvSpPr>
+                <p:cNvPr id="61" name="직사각형 60"/>
+                <p:cNvSpPr>
+                  <a:spLocks noRot="1" noChangeAspect="1" noMove="1" noResize="1" noEditPoints="1" noAdjustHandles="1" noChangeArrowheads="1" noChangeShapeType="1" noTextEdit="1"/>
+                </p:cNvSpPr>
+                <p:nvPr/>
+              </p:nvSpPr>
+              <p:spPr>
+                <a:xfrm>
+                  <a:off x="5397596" y="1079998"/>
+                  <a:ext cx="496161" cy="427809"/>
+                </a:xfrm>
+                <a:prstGeom prst="rect">
+                  <a:avLst/>
+                </a:prstGeom>
+                <a:blipFill>
+                  <a:blip r:embed="rId18"/>
+                  <a:stretch>
+                    <a:fillRect b="-2857"/>
+                  </a:stretch>
+                </a:blipFill>
+              </p:spPr>
+              <p:txBody>
+                <a:bodyPr/>
+                <a:lstStyle/>
+                <a:p>
+                  <a:r>
+                    <a:rPr lang="ko-KR" altLang="en-US">
+                      <a:noFill/>
+                    </a:rPr>
+                    <a:t> </a:t>
+                  </a:r>
+                </a:p>
+              </p:txBody>
+            </p:sp>
+          </mc:Fallback>
+        </mc:AlternateContent>
+        <mc:AlternateContent xmlns:mc="http://schemas.openxmlformats.org/markup-compatibility/2006">
+          <mc:Choice xmlns:a14="http://schemas.microsoft.com/office/drawing/2010/main" Requires="a14">
+            <p:sp>
+              <p:nvSpPr>
+                <p:cNvPr id="62" name="직사각형 61"/>
+                <p:cNvSpPr/>
+                <p:nvPr/>
+              </p:nvSpPr>
+              <p:spPr>
+                <a:xfrm>
+                  <a:off x="7199999" y="1079998"/>
+                  <a:ext cx="673198" cy="429220"/>
+                </a:xfrm>
+                <a:prstGeom prst="rect">
+                  <a:avLst/>
+                </a:prstGeom>
+              </p:spPr>
+              <p:txBody>
+                <a:bodyPr wrap="none" anchor="ctr">
+                  <a:spAutoFit/>
+                </a:bodyPr>
+                <a:lstStyle/>
+                <a:p>
+                  <a:pPr algn="ctr"/>
+                  <a14:m>
+                    <m:oMathPara xmlns:m="http://schemas.openxmlformats.org/officeDocument/2006/math">
+                      <m:oMathParaPr>
+                        <m:jc m:val="centerGroup"/>
+                      </m:oMathParaPr>
+                      <m:oMath xmlns:m="http://schemas.openxmlformats.org/officeDocument/2006/math">
+                        <m:sSubSup>
+                          <m:sSubSupPr>
+                            <m:ctrlPr>
+                              <a:rPr lang="en-US" altLang="ko-KR" i="1">
+                                <a:latin typeface="Cambria Math" panose="02040503050406030204" pitchFamily="18" charset="0"/>
+                              </a:rPr>
+                            </m:ctrlPr>
+                          </m:sSubSupPr>
+                          <m:e>
+                            <m:r>
+                              <a:rPr lang="en-US" altLang="ko-KR" i="1">
+                                <a:latin typeface="Cambria Math" panose="02040503050406030204" pitchFamily="18" charset="0"/>
+                              </a:rPr>
+                              <m:t>h</m:t>
+                            </m:r>
+                          </m:e>
+                          <m:sub>
+                            <m:r>
+                              <a:rPr lang="en-US" altLang="ko-KR" i="1">
+                                <a:latin typeface="Cambria Math" panose="02040503050406030204" pitchFamily="18" charset="0"/>
+                              </a:rPr>
+                              <m:t>𝑡</m:t>
+                            </m:r>
+                            <m:r>
+                              <a:rPr lang="en-US" altLang="ko-KR" i="1">
+                                <a:latin typeface="Cambria Math" panose="02040503050406030204" pitchFamily="18" charset="0"/>
+                              </a:rPr>
+                              <m:t>+1</m:t>
+                            </m:r>
+                          </m:sub>
+                          <m:sup>
+                            <m:r>
+                              <a:rPr lang="en-US" altLang="ko-KR" i="1">
+                                <a:latin typeface="Cambria Math" panose="02040503050406030204" pitchFamily="18" charset="0"/>
+                              </a:rPr>
+                              <m:t>𝑓</m:t>
+                            </m:r>
+                          </m:sup>
+                        </m:sSubSup>
+                      </m:oMath>
+                    </m:oMathPara>
+                  </a14:m>
+                  <a:endParaRPr lang="ko-KR" altLang="en-US" dirty="0">
+                    <a:latin typeface="Times New Roman" panose="02020603050405020304" pitchFamily="18" charset="0"/>
+                    <a:cs typeface="Times New Roman" panose="02020603050405020304" pitchFamily="18" charset="0"/>
+                  </a:endParaRPr>
+                </a:p>
+              </p:txBody>
+            </p:sp>
+          </mc:Choice>
+          <mc:Fallback>
+            <p:sp>
+              <p:nvSpPr>
+                <p:cNvPr id="62" name="직사각형 61"/>
+                <p:cNvSpPr>
+                  <a:spLocks noRot="1" noChangeAspect="1" noMove="1" noResize="1" noEditPoints="1" noAdjustHandles="1" noChangeArrowheads="1" noChangeShapeType="1" noTextEdit="1"/>
+                </p:cNvSpPr>
+                <p:nvPr/>
+              </p:nvSpPr>
+              <p:spPr>
+                <a:xfrm>
+                  <a:off x="7199999" y="1079998"/>
+                  <a:ext cx="673198" cy="429220"/>
+                </a:xfrm>
+                <a:prstGeom prst="rect">
+                  <a:avLst/>
+                </a:prstGeom>
+                <a:blipFill>
+                  <a:blip r:embed="rId19"/>
+                  <a:stretch>
+                    <a:fillRect b="-2817"/>
+                  </a:stretch>
+                </a:blipFill>
+              </p:spPr>
+              <p:txBody>
+                <a:bodyPr/>
+                <a:lstStyle/>
+                <a:p>
+                  <a:r>
+                    <a:rPr lang="ko-KR" altLang="en-US">
+                      <a:noFill/>
+                    </a:rPr>
+                    <a:t> </a:t>
+                  </a:r>
+                </a:p>
+              </p:txBody>
+            </p:sp>
+          </mc:Fallback>
+        </mc:AlternateContent>
       </p:grpSp>
     </p:spTree>
     <p:extLst>
@@ -10972,7 +11552,7 @@
 <file path=ppt/theme/theme1.xml><?xml version="1.0" encoding="utf-8"?>
 <a:theme xmlns:a="http://schemas.openxmlformats.org/drawingml/2006/main" name="Office 테마">
   <a:themeElements>
-    <a:clrScheme name="Office">
+    <a:clrScheme name="Office 테마">
       <a:dk1>
         <a:sysClr val="windowText" lastClr="000000"/>
       </a:dk1>
@@ -11010,9 +11590,9 @@
         <a:srgbClr val="954F72"/>
       </a:folHlink>
     </a:clrScheme>
-    <a:fontScheme name="Office">
+    <a:fontScheme name="Office 테마">
       <a:majorFont>
-        <a:latin typeface="맑은 고딕" panose="020F0302020204030204"/>
+        <a:latin typeface="Calibri Light" panose="020F0302020204030204"/>
         <a:ea typeface=""/>
         <a:cs typeface=""/>
         <a:font script="Jpan" typeface="游ゴシック Light"/>
@@ -11047,7 +11627,7 @@
         <a:font script="Geor" typeface="Sylfaen"/>
       </a:majorFont>
       <a:minorFont>
-        <a:latin typeface="맑은 고딕" panose="020F0502020204030204"/>
+        <a:latin typeface="Calibri" panose="020F0502020204030204"/>
         <a:ea typeface=""/>
         <a:cs typeface=""/>
         <a:font script="Jpan" typeface="游ゴシック"/>
@@ -11082,7 +11662,7 @@
         <a:font script="Geor" typeface="Sylfaen"/>
       </a:minorFont>
     </a:fontScheme>
-    <a:fmtScheme name="Office">
+    <a:fmtScheme name="Office 테마">
       <a:fillStyleLst>
         <a:solidFill>
           <a:schemeClr val="phClr"/>

--- a/changgyu_참고자료/자료.pptx
+++ b/changgyu_참고자료/자료.pptx
@@ -10,7 +10,6 @@
     <p:sldId id="257" r:id="rId4"/>
     <p:sldId id="260" r:id="rId5"/>
     <p:sldId id="261" r:id="rId6"/>
-    <p:sldId id="262" r:id="rId7"/>
   </p:sldIdLst>
   <p:sldSz cx="9144000" cy="6858000" type="screen4x3"/>
   <p:notesSz cx="6858000" cy="9144000"/>
@@ -248,7 +247,7 @@
           <a:p>
             <a:fld id="{1922C581-59D4-4B56-B830-B70E24B99D7C}" type="datetimeFigureOut">
               <a:rPr lang="ko-KR" altLang="en-US" smtClean="0"/>
-              <a:t>2019-01-03</a:t>
+              <a:t>2019-01-04</a:t>
             </a:fld>
             <a:endParaRPr lang="ko-KR" altLang="en-US"/>
           </a:p>
@@ -418,7 +417,7 @@
           <a:p>
             <a:fld id="{1922C581-59D4-4B56-B830-B70E24B99D7C}" type="datetimeFigureOut">
               <a:rPr lang="ko-KR" altLang="en-US" smtClean="0"/>
-              <a:t>2019-01-03</a:t>
+              <a:t>2019-01-04</a:t>
             </a:fld>
             <a:endParaRPr lang="ko-KR" altLang="en-US"/>
           </a:p>
@@ -598,7 +597,7 @@
           <a:p>
             <a:fld id="{1922C581-59D4-4B56-B830-B70E24B99D7C}" type="datetimeFigureOut">
               <a:rPr lang="ko-KR" altLang="en-US" smtClean="0"/>
-              <a:t>2019-01-03</a:t>
+              <a:t>2019-01-04</a:t>
             </a:fld>
             <a:endParaRPr lang="ko-KR" altLang="en-US"/>
           </a:p>
@@ -768,7 +767,7 @@
           <a:p>
             <a:fld id="{1922C581-59D4-4B56-B830-B70E24B99D7C}" type="datetimeFigureOut">
               <a:rPr lang="ko-KR" altLang="en-US" smtClean="0"/>
-              <a:t>2019-01-03</a:t>
+              <a:t>2019-01-04</a:t>
             </a:fld>
             <a:endParaRPr lang="ko-KR" altLang="en-US"/>
           </a:p>
@@ -1012,7 +1011,7 @@
           <a:p>
             <a:fld id="{1922C581-59D4-4B56-B830-B70E24B99D7C}" type="datetimeFigureOut">
               <a:rPr lang="ko-KR" altLang="en-US" smtClean="0"/>
-              <a:t>2019-01-03</a:t>
+              <a:t>2019-01-04</a:t>
             </a:fld>
             <a:endParaRPr lang="ko-KR" altLang="en-US"/>
           </a:p>
@@ -1244,7 +1243,7 @@
           <a:p>
             <a:fld id="{1922C581-59D4-4B56-B830-B70E24B99D7C}" type="datetimeFigureOut">
               <a:rPr lang="ko-KR" altLang="en-US" smtClean="0"/>
-              <a:t>2019-01-03</a:t>
+              <a:t>2019-01-04</a:t>
             </a:fld>
             <a:endParaRPr lang="ko-KR" altLang="en-US"/>
           </a:p>
@@ -1611,7 +1610,7 @@
           <a:p>
             <a:fld id="{1922C581-59D4-4B56-B830-B70E24B99D7C}" type="datetimeFigureOut">
               <a:rPr lang="ko-KR" altLang="en-US" smtClean="0"/>
-              <a:t>2019-01-03</a:t>
+              <a:t>2019-01-04</a:t>
             </a:fld>
             <a:endParaRPr lang="ko-KR" altLang="en-US"/>
           </a:p>
@@ -1729,7 +1728,7 @@
           <a:p>
             <a:fld id="{1922C581-59D4-4B56-B830-B70E24B99D7C}" type="datetimeFigureOut">
               <a:rPr lang="ko-KR" altLang="en-US" smtClean="0"/>
-              <a:t>2019-01-03</a:t>
+              <a:t>2019-01-04</a:t>
             </a:fld>
             <a:endParaRPr lang="ko-KR" altLang="en-US"/>
           </a:p>
@@ -1824,7 +1823,7 @@
           <a:p>
             <a:fld id="{1922C581-59D4-4B56-B830-B70E24B99D7C}" type="datetimeFigureOut">
               <a:rPr lang="ko-KR" altLang="en-US" smtClean="0"/>
-              <a:t>2019-01-03</a:t>
+              <a:t>2019-01-04</a:t>
             </a:fld>
             <a:endParaRPr lang="ko-KR" altLang="en-US"/>
           </a:p>
@@ -2101,7 +2100,7 @@
           <a:p>
             <a:fld id="{1922C581-59D4-4B56-B830-B70E24B99D7C}" type="datetimeFigureOut">
               <a:rPr lang="ko-KR" altLang="en-US" smtClean="0"/>
-              <a:t>2019-01-03</a:t>
+              <a:t>2019-01-04</a:t>
             </a:fld>
             <a:endParaRPr lang="ko-KR" altLang="en-US"/>
           </a:p>
@@ -2358,7 +2357,7 @@
           <a:p>
             <a:fld id="{1922C581-59D4-4B56-B830-B70E24B99D7C}" type="datetimeFigureOut">
               <a:rPr lang="ko-KR" altLang="en-US" smtClean="0"/>
-              <a:t>2019-01-03</a:t>
+              <a:t>2019-01-04</a:t>
             </a:fld>
             <a:endParaRPr lang="ko-KR" altLang="en-US"/>
           </a:p>
@@ -2571,7 +2570,7 @@
           <a:p>
             <a:fld id="{1922C581-59D4-4B56-B830-B70E24B99D7C}" type="datetimeFigureOut">
               <a:rPr lang="ko-KR" altLang="en-US" smtClean="0"/>
-              <a:t>2019-01-03</a:t>
+              <a:t>2019-01-04</a:t>
             </a:fld>
             <a:endParaRPr lang="ko-KR" altLang="en-US"/>
           </a:p>
@@ -4625,6 +4624,13 @@
   <p:clrMapOvr>
     <a:masterClrMapping/>
   </p:clrMapOvr>
+  <p:timing>
+    <p:tnLst>
+      <p:par>
+        <p:cTn id="1" dur="indefinite" restart="never" nodeType="tmRoot"/>
+      </p:par>
+    </p:tnLst>
+  </p:timing>
 </p:sld>
 </file>
 
@@ -5744,6 +5750,13 @@
   <p:clrMapOvr>
     <a:masterClrMapping/>
   </p:clrMapOvr>
+  <p:timing>
+    <p:tnLst>
+      <p:par>
+        <p:cTn id="1" dur="indefinite" restart="never" nodeType="tmRoot"/>
+      </p:par>
+    </p:tnLst>
+  </p:timing>
 </p:sld>
 </file>
 
@@ -6725,6 +6738,13 @@
   <p:clrMapOvr>
     <a:masterClrMapping/>
   </p:clrMapOvr>
+  <p:timing>
+    <p:tnLst>
+      <p:par>
+        <p:cTn id="1" dur="indefinite" restart="never" nodeType="tmRoot"/>
+      </p:par>
+    </p:tnLst>
+  </p:timing>
 </p:sld>
 </file>
 
@@ -7613,3939 +7633,13 @@
   <p:clrMapOvr>
     <a:masterClrMapping/>
   </p:clrMapOvr>
-</p:sld>
-</file>
-
-<file path=ppt/slides/slide6.xml><?xml version="1.0" encoding="utf-8"?>
-<p:sld xmlns:a="http://schemas.openxmlformats.org/drawingml/2006/main" xmlns:r="http://schemas.openxmlformats.org/officeDocument/2006/relationships" xmlns:p="http://schemas.openxmlformats.org/presentationml/2006/main">
-  <p:cSld>
-    <p:spTree>
-      <p:nvGrpSpPr>
-        <p:cNvPr id="1" name=""/>
-        <p:cNvGrpSpPr/>
-        <p:nvPr/>
-      </p:nvGrpSpPr>
-      <p:grpSpPr>
-        <a:xfrm>
-          <a:off x="0" y="0"/>
-          <a:ext cx="0" cy="0"/>
-          <a:chOff x="0" y="0"/>
-          <a:chExt cx="0" cy="0"/>
-        </a:xfrm>
-      </p:grpSpPr>
-      <p:grpSp>
-        <p:nvGrpSpPr>
-          <p:cNvPr id="64" name="그룹 63"/>
-          <p:cNvGrpSpPr/>
-          <p:nvPr/>
-        </p:nvGrpSpPr>
-        <p:grpSpPr>
-          <a:xfrm>
-            <a:off x="155025" y="360000"/>
-            <a:ext cx="8669010" cy="6120000"/>
-            <a:chOff x="155025" y="360000"/>
-            <a:chExt cx="8669010" cy="6120000"/>
-          </a:xfrm>
-        </p:grpSpPr>
-        <mc:AlternateContent xmlns:mc="http://schemas.openxmlformats.org/markup-compatibility/2006">
-          <mc:Choice xmlns:a14="http://schemas.microsoft.com/office/drawing/2010/main" Requires="a14">
-            <p:sp>
-              <p:nvSpPr>
-                <p:cNvPr id="4" name="타원 3"/>
-                <p:cNvSpPr/>
-                <p:nvPr/>
-              </p:nvSpPr>
-              <p:spPr>
-                <a:xfrm>
-                  <a:off x="2700000" y="4140000"/>
-                  <a:ext cx="1080000" cy="1080000"/>
-                </a:xfrm>
-                <a:prstGeom prst="ellipse">
-                  <a:avLst/>
-                </a:prstGeom>
-                <a:noFill/>
-                <a:ln>
-                  <a:solidFill>
-                    <a:schemeClr val="tx1"/>
-                  </a:solidFill>
-                </a:ln>
-              </p:spPr>
-              <p:style>
-                <a:lnRef idx="2">
-                  <a:schemeClr val="accent1">
-                    <a:shade val="50000"/>
-                  </a:schemeClr>
-                </a:lnRef>
-                <a:fillRef idx="1">
-                  <a:schemeClr val="accent1"/>
-                </a:fillRef>
-                <a:effectRef idx="0">
-                  <a:schemeClr val="accent1"/>
-                </a:effectRef>
-                <a:fontRef idx="minor">
-                  <a:schemeClr val="lt1"/>
-                </a:fontRef>
-              </p:style>
-              <p:txBody>
-                <a:bodyPr rtlCol="0" anchor="ctr"/>
-                <a:lstStyle/>
-                <a:p>
-                  <a:pPr algn="ctr"/>
-                  <a14:m>
-                    <m:oMathPara xmlns:m="http://schemas.openxmlformats.org/officeDocument/2006/math">
-                      <m:oMathParaPr>
-                        <m:jc m:val="centerGroup"/>
-                      </m:oMathParaPr>
-                      <m:oMath xmlns:m="http://schemas.openxmlformats.org/officeDocument/2006/math">
-                        <m:acc>
-                          <m:accPr>
-                            <m:chr m:val="⃑"/>
-                            <m:ctrlPr>
-                              <a:rPr lang="ko-KR" altLang="en-US" i="1" smtClean="0">
-                                <a:solidFill>
-                                  <a:schemeClr val="tx1"/>
-                                </a:solidFill>
-                                <a:latin typeface="Cambria Math" panose="02040503050406030204" pitchFamily="18" charset="0"/>
-                              </a:rPr>
-                            </m:ctrlPr>
-                          </m:accPr>
-                          <m:e>
-                            <m:r>
-                              <a:rPr lang="en-US" altLang="ko-KR" b="0" i="1" smtClean="0">
-                                <a:solidFill>
-                                  <a:schemeClr val="tx1"/>
-                                </a:solidFill>
-                                <a:latin typeface="Cambria Math" panose="02040503050406030204" pitchFamily="18" charset="0"/>
-                              </a:rPr>
-                              <m:t>𝐿𝑆𝑇𝑀</m:t>
-                            </m:r>
-                          </m:e>
-                        </m:acc>
-                      </m:oMath>
-                    </m:oMathPara>
-                  </a14:m>
-                  <a:endParaRPr lang="ko-KR" altLang="en-US" dirty="0">
-                    <a:solidFill>
-                      <a:schemeClr val="tx1"/>
-                    </a:solidFill>
-                    <a:latin typeface="Times New Roman" panose="02020603050405020304" pitchFamily="18" charset="0"/>
-                    <a:cs typeface="Times New Roman" panose="02020603050405020304" pitchFamily="18" charset="0"/>
-                  </a:endParaRPr>
-                </a:p>
-              </p:txBody>
-            </p:sp>
-          </mc:Choice>
-          <mc:Fallback>
-            <p:sp>
-              <p:nvSpPr>
-                <p:cNvPr id="4" name="타원 3"/>
-                <p:cNvSpPr>
-                  <a:spLocks noRot="1" noChangeAspect="1" noMove="1" noResize="1" noEditPoints="1" noAdjustHandles="1" noChangeArrowheads="1" noChangeShapeType="1" noTextEdit="1"/>
-                </p:cNvSpPr>
-                <p:nvPr/>
-              </p:nvSpPr>
-              <p:spPr>
-                <a:xfrm>
-                  <a:off x="2700000" y="4140000"/>
-                  <a:ext cx="1080000" cy="1080000"/>
-                </a:xfrm>
-                <a:prstGeom prst="ellipse">
-                  <a:avLst/>
-                </a:prstGeom>
-                <a:blipFill>
-                  <a:blip r:embed="rId2"/>
-                  <a:stretch>
-                    <a:fillRect/>
-                  </a:stretch>
-                </a:blipFill>
-                <a:ln>
-                  <a:solidFill>
-                    <a:schemeClr val="tx1"/>
-                  </a:solidFill>
-                </a:ln>
-              </p:spPr>
-              <p:txBody>
-                <a:bodyPr/>
-                <a:lstStyle/>
-                <a:p>
-                  <a:r>
-                    <a:rPr lang="ko-KR" altLang="en-US">
-                      <a:noFill/>
-                    </a:rPr>
-                    <a:t> </a:t>
-                  </a:r>
-                </a:p>
-              </p:txBody>
-            </p:sp>
-          </mc:Fallback>
-        </mc:AlternateContent>
-        <mc:AlternateContent xmlns:mc="http://schemas.openxmlformats.org/markup-compatibility/2006">
-          <mc:Choice xmlns:a14="http://schemas.microsoft.com/office/drawing/2010/main" Requires="a14">
-            <p:sp>
-              <p:nvSpPr>
-                <p:cNvPr id="5" name="타원 4"/>
-                <p:cNvSpPr/>
-                <p:nvPr/>
-              </p:nvSpPr>
-              <p:spPr>
-                <a:xfrm>
-                  <a:off x="4500000" y="4140000"/>
-                  <a:ext cx="1080000" cy="1080000"/>
-                </a:xfrm>
-                <a:prstGeom prst="ellipse">
-                  <a:avLst/>
-                </a:prstGeom>
-                <a:noFill/>
-                <a:ln>
-                  <a:solidFill>
-                    <a:schemeClr val="tx1"/>
-                  </a:solidFill>
-                </a:ln>
-              </p:spPr>
-              <p:style>
-                <a:lnRef idx="2">
-                  <a:schemeClr val="accent1">
-                    <a:shade val="50000"/>
-                  </a:schemeClr>
-                </a:lnRef>
-                <a:fillRef idx="1">
-                  <a:schemeClr val="accent1"/>
-                </a:fillRef>
-                <a:effectRef idx="0">
-                  <a:schemeClr val="accent1"/>
-                </a:effectRef>
-                <a:fontRef idx="minor">
-                  <a:schemeClr val="lt1"/>
-                </a:fontRef>
-              </p:style>
-              <p:txBody>
-                <a:bodyPr rtlCol="0" anchor="ctr"/>
-                <a:lstStyle/>
-                <a:p>
-                  <a:pPr algn="ctr"/>
-                  <a14:m>
-                    <m:oMathPara xmlns:m="http://schemas.openxmlformats.org/officeDocument/2006/math">
-                      <m:oMathParaPr>
-                        <m:jc m:val="centerGroup"/>
-                      </m:oMathParaPr>
-                      <m:oMath xmlns:m="http://schemas.openxmlformats.org/officeDocument/2006/math">
-                        <m:acc>
-                          <m:accPr>
-                            <m:chr m:val="⃑"/>
-                            <m:ctrlPr>
-                              <a:rPr lang="ko-KR" altLang="en-US" i="1">
-                                <a:solidFill>
-                                  <a:schemeClr val="tx1"/>
-                                </a:solidFill>
-                                <a:latin typeface="Cambria Math" panose="02040503050406030204" pitchFamily="18" charset="0"/>
-                              </a:rPr>
-                            </m:ctrlPr>
-                          </m:accPr>
-                          <m:e>
-                            <m:r>
-                              <a:rPr lang="en-US" altLang="ko-KR" i="1">
-                                <a:solidFill>
-                                  <a:schemeClr val="tx1"/>
-                                </a:solidFill>
-                                <a:latin typeface="Cambria Math" panose="02040503050406030204" pitchFamily="18" charset="0"/>
-                              </a:rPr>
-                              <m:t>𝐿𝑆𝑇𝑀</m:t>
-                            </m:r>
-                          </m:e>
-                        </m:acc>
-                      </m:oMath>
-                    </m:oMathPara>
-                  </a14:m>
-                  <a:endParaRPr lang="ko-KR" altLang="en-US" dirty="0">
-                    <a:solidFill>
-                      <a:schemeClr val="tx1"/>
-                    </a:solidFill>
-                  </a:endParaRPr>
-                </a:p>
-              </p:txBody>
-            </p:sp>
-          </mc:Choice>
-          <mc:Fallback>
-            <p:sp>
-              <p:nvSpPr>
-                <p:cNvPr id="5" name="타원 4"/>
-                <p:cNvSpPr>
-                  <a:spLocks noRot="1" noChangeAspect="1" noMove="1" noResize="1" noEditPoints="1" noAdjustHandles="1" noChangeArrowheads="1" noChangeShapeType="1" noTextEdit="1"/>
-                </p:cNvSpPr>
-                <p:nvPr/>
-              </p:nvSpPr>
-              <p:spPr>
-                <a:xfrm>
-                  <a:off x="4500000" y="4140000"/>
-                  <a:ext cx="1080000" cy="1080000"/>
-                </a:xfrm>
-                <a:prstGeom prst="ellipse">
-                  <a:avLst/>
-                </a:prstGeom>
-                <a:blipFill>
-                  <a:blip r:embed="rId3"/>
-                  <a:stretch>
-                    <a:fillRect/>
-                  </a:stretch>
-                </a:blipFill>
-                <a:ln>
-                  <a:solidFill>
-                    <a:schemeClr val="tx1"/>
-                  </a:solidFill>
-                </a:ln>
-              </p:spPr>
-              <p:txBody>
-                <a:bodyPr/>
-                <a:lstStyle/>
-                <a:p>
-                  <a:r>
-                    <a:rPr lang="ko-KR" altLang="en-US">
-                      <a:noFill/>
-                    </a:rPr>
-                    <a:t> </a:t>
-                  </a:r>
-                </a:p>
-              </p:txBody>
-            </p:sp>
-          </mc:Fallback>
-        </mc:AlternateContent>
-        <mc:AlternateContent xmlns:mc="http://schemas.openxmlformats.org/markup-compatibility/2006">
-          <mc:Choice xmlns:a14="http://schemas.microsoft.com/office/drawing/2010/main" Requires="a14">
-            <p:sp>
-              <p:nvSpPr>
-                <p:cNvPr id="6" name="타원 5"/>
-                <p:cNvSpPr/>
-                <p:nvPr/>
-              </p:nvSpPr>
-              <p:spPr>
-                <a:xfrm>
-                  <a:off x="6300000" y="4140000"/>
-                  <a:ext cx="1080000" cy="1080000"/>
-                </a:xfrm>
-                <a:prstGeom prst="ellipse">
-                  <a:avLst/>
-                </a:prstGeom>
-                <a:noFill/>
-                <a:ln>
-                  <a:solidFill>
-                    <a:schemeClr val="tx1"/>
-                  </a:solidFill>
-                </a:ln>
-              </p:spPr>
-              <p:style>
-                <a:lnRef idx="2">
-                  <a:schemeClr val="accent1">
-                    <a:shade val="50000"/>
-                  </a:schemeClr>
-                </a:lnRef>
-                <a:fillRef idx="1">
-                  <a:schemeClr val="accent1"/>
-                </a:fillRef>
-                <a:effectRef idx="0">
-                  <a:schemeClr val="accent1"/>
-                </a:effectRef>
-                <a:fontRef idx="minor">
-                  <a:schemeClr val="lt1"/>
-                </a:fontRef>
-              </p:style>
-              <p:txBody>
-                <a:bodyPr rtlCol="0" anchor="ctr"/>
-                <a:lstStyle/>
-                <a:p>
-                  <a:pPr algn="ctr"/>
-                  <a14:m>
-                    <m:oMathPara xmlns:m="http://schemas.openxmlformats.org/officeDocument/2006/math">
-                      <m:oMathParaPr>
-                        <m:jc m:val="centerGroup"/>
-                      </m:oMathParaPr>
-                      <m:oMath xmlns:m="http://schemas.openxmlformats.org/officeDocument/2006/math">
-                        <m:acc>
-                          <m:accPr>
-                            <m:chr m:val="⃑"/>
-                            <m:ctrlPr>
-                              <a:rPr lang="ko-KR" altLang="en-US" i="1">
-                                <a:solidFill>
-                                  <a:schemeClr val="tx1"/>
-                                </a:solidFill>
-                                <a:latin typeface="Cambria Math" panose="02040503050406030204" pitchFamily="18" charset="0"/>
-                              </a:rPr>
-                            </m:ctrlPr>
-                          </m:accPr>
-                          <m:e>
-                            <m:r>
-                              <a:rPr lang="en-US" altLang="ko-KR" i="1">
-                                <a:solidFill>
-                                  <a:schemeClr val="tx1"/>
-                                </a:solidFill>
-                                <a:latin typeface="Cambria Math" panose="02040503050406030204" pitchFamily="18" charset="0"/>
-                              </a:rPr>
-                              <m:t>𝐿𝑆𝑇𝑀</m:t>
-                            </m:r>
-                          </m:e>
-                        </m:acc>
-                      </m:oMath>
-                    </m:oMathPara>
-                  </a14:m>
-                  <a:endParaRPr lang="ko-KR" altLang="en-US" dirty="0">
-                    <a:solidFill>
-                      <a:schemeClr val="tx1"/>
-                    </a:solidFill>
-                  </a:endParaRPr>
-                </a:p>
-              </p:txBody>
-            </p:sp>
-          </mc:Choice>
-          <mc:Fallback>
-            <p:sp>
-              <p:nvSpPr>
-                <p:cNvPr id="6" name="타원 5"/>
-                <p:cNvSpPr>
-                  <a:spLocks noRot="1" noChangeAspect="1" noMove="1" noResize="1" noEditPoints="1" noAdjustHandles="1" noChangeArrowheads="1" noChangeShapeType="1" noTextEdit="1"/>
-                </p:cNvSpPr>
-                <p:nvPr/>
-              </p:nvSpPr>
-              <p:spPr>
-                <a:xfrm>
-                  <a:off x="6300000" y="4140000"/>
-                  <a:ext cx="1080000" cy="1080000"/>
-                </a:xfrm>
-                <a:prstGeom prst="ellipse">
-                  <a:avLst/>
-                </a:prstGeom>
-                <a:blipFill>
-                  <a:blip r:embed="rId4"/>
-                  <a:stretch>
-                    <a:fillRect/>
-                  </a:stretch>
-                </a:blipFill>
-                <a:ln>
-                  <a:solidFill>
-                    <a:schemeClr val="tx1"/>
-                  </a:solidFill>
-                </a:ln>
-              </p:spPr>
-              <p:txBody>
-                <a:bodyPr/>
-                <a:lstStyle/>
-                <a:p>
-                  <a:r>
-                    <a:rPr lang="ko-KR" altLang="en-US">
-                      <a:noFill/>
-                    </a:rPr>
-                    <a:t> </a:t>
-                  </a:r>
-                </a:p>
-              </p:txBody>
-            </p:sp>
-          </mc:Fallback>
-        </mc:AlternateContent>
-        <mc:AlternateContent xmlns:mc="http://schemas.openxmlformats.org/markup-compatibility/2006">
-          <mc:Choice xmlns:a14="http://schemas.microsoft.com/office/drawing/2010/main" Requires="a14">
-            <p:sp>
-              <p:nvSpPr>
-                <p:cNvPr id="7" name="타원 6"/>
-                <p:cNvSpPr/>
-                <p:nvPr/>
-              </p:nvSpPr>
-              <p:spPr>
-                <a:xfrm>
-                  <a:off x="2700000" y="1800000"/>
-                  <a:ext cx="1080000" cy="1080000"/>
-                </a:xfrm>
-                <a:prstGeom prst="ellipse">
-                  <a:avLst/>
-                </a:prstGeom>
-                <a:noFill/>
-                <a:ln>
-                  <a:solidFill>
-                    <a:schemeClr val="tx1"/>
-                  </a:solidFill>
-                </a:ln>
-              </p:spPr>
-              <p:style>
-                <a:lnRef idx="2">
-                  <a:schemeClr val="accent1">
-                    <a:shade val="50000"/>
-                  </a:schemeClr>
-                </a:lnRef>
-                <a:fillRef idx="1">
-                  <a:schemeClr val="accent1"/>
-                </a:fillRef>
-                <a:effectRef idx="0">
-                  <a:schemeClr val="accent1"/>
-                </a:effectRef>
-                <a:fontRef idx="minor">
-                  <a:schemeClr val="lt1"/>
-                </a:fontRef>
-              </p:style>
-              <p:txBody>
-                <a:bodyPr rtlCol="0" anchor="ctr"/>
-                <a:lstStyle/>
-                <a:p>
-                  <a:pPr algn="ctr"/>
-                  <a14:m>
-                    <m:oMathPara xmlns:m="http://schemas.openxmlformats.org/officeDocument/2006/math">
-                      <m:oMathParaPr>
-                        <m:jc m:val="center"/>
-                      </m:oMathParaPr>
-                      <m:oMath xmlns:m="http://schemas.openxmlformats.org/officeDocument/2006/math">
-                        <m:acc>
-                          <m:accPr>
-                            <m:chr m:val="⃖"/>
-                            <m:ctrlPr>
-                              <a:rPr lang="ko-KR" altLang="en-US" i="1" smtClean="0">
-                                <a:solidFill>
-                                  <a:schemeClr val="tx1"/>
-                                </a:solidFill>
-                                <a:latin typeface="Cambria Math" panose="02040503050406030204" pitchFamily="18" charset="0"/>
-                              </a:rPr>
-                            </m:ctrlPr>
-                          </m:accPr>
-                          <m:e>
-                            <m:r>
-                              <a:rPr lang="en-US" altLang="ko-KR" b="0" i="1" smtClean="0">
-                                <a:solidFill>
-                                  <a:schemeClr val="tx1"/>
-                                </a:solidFill>
-                                <a:latin typeface="Cambria Math" panose="02040503050406030204" pitchFamily="18" charset="0"/>
-                              </a:rPr>
-                              <m:t>𝐿𝑆𝑇𝑀</m:t>
-                            </m:r>
-                          </m:e>
-                        </m:acc>
-                      </m:oMath>
-                    </m:oMathPara>
-                  </a14:m>
-                  <a:endParaRPr lang="ko-KR" altLang="en-US" dirty="0">
-                    <a:solidFill>
-                      <a:schemeClr val="tx1"/>
-                    </a:solidFill>
-                    <a:latin typeface="Times New Roman" panose="02020603050405020304" pitchFamily="18" charset="0"/>
-                    <a:cs typeface="Times New Roman" panose="02020603050405020304" pitchFamily="18" charset="0"/>
-                  </a:endParaRPr>
-                </a:p>
-              </p:txBody>
-            </p:sp>
-          </mc:Choice>
-          <mc:Fallback>
-            <p:sp>
-              <p:nvSpPr>
-                <p:cNvPr id="7" name="타원 6"/>
-                <p:cNvSpPr>
-                  <a:spLocks noRot="1" noChangeAspect="1" noMove="1" noResize="1" noEditPoints="1" noAdjustHandles="1" noChangeArrowheads="1" noChangeShapeType="1" noTextEdit="1"/>
-                </p:cNvSpPr>
-                <p:nvPr/>
-              </p:nvSpPr>
-              <p:spPr>
-                <a:xfrm>
-                  <a:off x="2700000" y="1800000"/>
-                  <a:ext cx="1080000" cy="1080000"/>
-                </a:xfrm>
-                <a:prstGeom prst="ellipse">
-                  <a:avLst/>
-                </a:prstGeom>
-                <a:blipFill>
-                  <a:blip r:embed="rId5"/>
-                  <a:stretch>
-                    <a:fillRect/>
-                  </a:stretch>
-                </a:blipFill>
-                <a:ln>
-                  <a:solidFill>
-                    <a:schemeClr val="tx1"/>
-                  </a:solidFill>
-                </a:ln>
-              </p:spPr>
-              <p:txBody>
-                <a:bodyPr/>
-                <a:lstStyle/>
-                <a:p>
-                  <a:r>
-                    <a:rPr lang="ko-KR" altLang="en-US">
-                      <a:noFill/>
-                    </a:rPr>
-                    <a:t> </a:t>
-                  </a:r>
-                </a:p>
-              </p:txBody>
-            </p:sp>
-          </mc:Fallback>
-        </mc:AlternateContent>
-        <mc:AlternateContent xmlns:mc="http://schemas.openxmlformats.org/markup-compatibility/2006">
-          <mc:Choice xmlns:a14="http://schemas.microsoft.com/office/drawing/2010/main" Requires="a14">
-            <p:sp>
-              <p:nvSpPr>
-                <p:cNvPr id="8" name="타원 7"/>
-                <p:cNvSpPr/>
-                <p:nvPr/>
-              </p:nvSpPr>
-              <p:spPr>
-                <a:xfrm>
-                  <a:off x="4500000" y="1800000"/>
-                  <a:ext cx="1080000" cy="1080000"/>
-                </a:xfrm>
-                <a:prstGeom prst="ellipse">
-                  <a:avLst/>
-                </a:prstGeom>
-                <a:noFill/>
-                <a:ln>
-                  <a:solidFill>
-                    <a:schemeClr val="tx1"/>
-                  </a:solidFill>
-                </a:ln>
-              </p:spPr>
-              <p:style>
-                <a:lnRef idx="2">
-                  <a:schemeClr val="accent1">
-                    <a:shade val="50000"/>
-                  </a:schemeClr>
-                </a:lnRef>
-                <a:fillRef idx="1">
-                  <a:schemeClr val="accent1"/>
-                </a:fillRef>
-                <a:effectRef idx="0">
-                  <a:schemeClr val="accent1"/>
-                </a:effectRef>
-                <a:fontRef idx="minor">
-                  <a:schemeClr val="lt1"/>
-                </a:fontRef>
-              </p:style>
-              <p:txBody>
-                <a:bodyPr rtlCol="0" anchor="ctr"/>
-                <a:lstStyle/>
-                <a:p>
-                  <a:pPr algn="ctr"/>
-                  <a14:m>
-                    <m:oMathPara xmlns:m="http://schemas.openxmlformats.org/officeDocument/2006/math">
-                      <m:oMathParaPr>
-                        <m:jc m:val="center"/>
-                      </m:oMathParaPr>
-                      <m:oMath xmlns:m="http://schemas.openxmlformats.org/officeDocument/2006/math">
-                        <m:acc>
-                          <m:accPr>
-                            <m:chr m:val="⃖"/>
-                            <m:ctrlPr>
-                              <a:rPr lang="ko-KR" altLang="en-US" i="1">
-                                <a:solidFill>
-                                  <a:schemeClr val="tx1"/>
-                                </a:solidFill>
-                                <a:latin typeface="Cambria Math" panose="02040503050406030204" pitchFamily="18" charset="0"/>
-                              </a:rPr>
-                            </m:ctrlPr>
-                          </m:accPr>
-                          <m:e>
-                            <m:r>
-                              <a:rPr lang="en-US" altLang="ko-KR" i="1">
-                                <a:solidFill>
-                                  <a:schemeClr val="tx1"/>
-                                </a:solidFill>
-                                <a:latin typeface="Cambria Math" panose="02040503050406030204" pitchFamily="18" charset="0"/>
-                              </a:rPr>
-                              <m:t>𝐿𝑆𝑇𝑀</m:t>
-                            </m:r>
-                          </m:e>
-                        </m:acc>
-                      </m:oMath>
-                    </m:oMathPara>
-                  </a14:m>
-                  <a:endParaRPr lang="ko-KR" altLang="en-US" dirty="0">
-                    <a:solidFill>
-                      <a:schemeClr val="tx1"/>
-                    </a:solidFill>
-                    <a:latin typeface="Times New Roman" panose="02020603050405020304" pitchFamily="18" charset="0"/>
-                    <a:cs typeface="Times New Roman" panose="02020603050405020304" pitchFamily="18" charset="0"/>
-                  </a:endParaRPr>
-                </a:p>
-              </p:txBody>
-            </p:sp>
-          </mc:Choice>
-          <mc:Fallback>
-            <p:sp>
-              <p:nvSpPr>
-                <p:cNvPr id="8" name="타원 7"/>
-                <p:cNvSpPr>
-                  <a:spLocks noRot="1" noChangeAspect="1" noMove="1" noResize="1" noEditPoints="1" noAdjustHandles="1" noChangeArrowheads="1" noChangeShapeType="1" noTextEdit="1"/>
-                </p:cNvSpPr>
-                <p:nvPr/>
-              </p:nvSpPr>
-              <p:spPr>
-                <a:xfrm>
-                  <a:off x="4500000" y="1800000"/>
-                  <a:ext cx="1080000" cy="1080000"/>
-                </a:xfrm>
-                <a:prstGeom prst="ellipse">
-                  <a:avLst/>
-                </a:prstGeom>
-                <a:blipFill>
-                  <a:blip r:embed="rId6"/>
-                  <a:stretch>
-                    <a:fillRect/>
-                  </a:stretch>
-                </a:blipFill>
-                <a:ln>
-                  <a:solidFill>
-                    <a:schemeClr val="tx1"/>
-                  </a:solidFill>
-                </a:ln>
-              </p:spPr>
-              <p:txBody>
-                <a:bodyPr/>
-                <a:lstStyle/>
-                <a:p>
-                  <a:r>
-                    <a:rPr lang="ko-KR" altLang="en-US">
-                      <a:noFill/>
-                    </a:rPr>
-                    <a:t> </a:t>
-                  </a:r>
-                </a:p>
-              </p:txBody>
-            </p:sp>
-          </mc:Fallback>
-        </mc:AlternateContent>
-        <mc:AlternateContent xmlns:mc="http://schemas.openxmlformats.org/markup-compatibility/2006">
-          <mc:Choice xmlns:a14="http://schemas.microsoft.com/office/drawing/2010/main" Requires="a14">
-            <p:sp>
-              <p:nvSpPr>
-                <p:cNvPr id="9" name="타원 8"/>
-                <p:cNvSpPr/>
-                <p:nvPr/>
-              </p:nvSpPr>
-              <p:spPr>
-                <a:xfrm>
-                  <a:off x="6300000" y="1800000"/>
-                  <a:ext cx="1080000" cy="1080000"/>
-                </a:xfrm>
-                <a:prstGeom prst="ellipse">
-                  <a:avLst/>
-                </a:prstGeom>
-                <a:noFill/>
-                <a:ln>
-                  <a:solidFill>
-                    <a:schemeClr val="tx1"/>
-                  </a:solidFill>
-                </a:ln>
-              </p:spPr>
-              <p:style>
-                <a:lnRef idx="2">
-                  <a:schemeClr val="accent1">
-                    <a:shade val="50000"/>
-                  </a:schemeClr>
-                </a:lnRef>
-                <a:fillRef idx="1">
-                  <a:schemeClr val="accent1"/>
-                </a:fillRef>
-                <a:effectRef idx="0">
-                  <a:schemeClr val="accent1"/>
-                </a:effectRef>
-                <a:fontRef idx="minor">
-                  <a:schemeClr val="lt1"/>
-                </a:fontRef>
-              </p:style>
-              <p:txBody>
-                <a:bodyPr rtlCol="0" anchor="ctr"/>
-                <a:lstStyle/>
-                <a:p>
-                  <a:pPr algn="ctr"/>
-                  <a14:m>
-                    <m:oMathPara xmlns:m="http://schemas.openxmlformats.org/officeDocument/2006/math">
-                      <m:oMathParaPr>
-                        <m:jc m:val="center"/>
-                      </m:oMathParaPr>
-                      <m:oMath xmlns:m="http://schemas.openxmlformats.org/officeDocument/2006/math">
-                        <m:acc>
-                          <m:accPr>
-                            <m:chr m:val="⃖"/>
-                            <m:ctrlPr>
-                              <a:rPr lang="ko-KR" altLang="en-US" i="1">
-                                <a:solidFill>
-                                  <a:schemeClr val="tx1"/>
-                                </a:solidFill>
-                                <a:latin typeface="Cambria Math" panose="02040503050406030204" pitchFamily="18" charset="0"/>
-                              </a:rPr>
-                            </m:ctrlPr>
-                          </m:accPr>
-                          <m:e>
-                            <m:r>
-                              <a:rPr lang="en-US" altLang="ko-KR" i="1">
-                                <a:solidFill>
-                                  <a:schemeClr val="tx1"/>
-                                </a:solidFill>
-                                <a:latin typeface="Cambria Math" panose="02040503050406030204" pitchFamily="18" charset="0"/>
-                              </a:rPr>
-                              <m:t>𝐿𝑆𝑇𝑀</m:t>
-                            </m:r>
-                          </m:e>
-                        </m:acc>
-                      </m:oMath>
-                    </m:oMathPara>
-                  </a14:m>
-                  <a:endParaRPr lang="ko-KR" altLang="en-US" dirty="0">
-                    <a:solidFill>
-                      <a:schemeClr val="tx1"/>
-                    </a:solidFill>
-                    <a:latin typeface="Times New Roman" panose="02020603050405020304" pitchFamily="18" charset="0"/>
-                    <a:cs typeface="Times New Roman" panose="02020603050405020304" pitchFamily="18" charset="0"/>
-                  </a:endParaRPr>
-                </a:p>
-              </p:txBody>
-            </p:sp>
-          </mc:Choice>
-          <mc:Fallback>
-            <p:sp>
-              <p:nvSpPr>
-                <p:cNvPr id="9" name="타원 8"/>
-                <p:cNvSpPr>
-                  <a:spLocks noRot="1" noChangeAspect="1" noMove="1" noResize="1" noEditPoints="1" noAdjustHandles="1" noChangeArrowheads="1" noChangeShapeType="1" noTextEdit="1"/>
-                </p:cNvSpPr>
-                <p:nvPr/>
-              </p:nvSpPr>
-              <p:spPr>
-                <a:xfrm>
-                  <a:off x="6300000" y="1800000"/>
-                  <a:ext cx="1080000" cy="1080000"/>
-                </a:xfrm>
-                <a:prstGeom prst="ellipse">
-                  <a:avLst/>
-                </a:prstGeom>
-                <a:blipFill>
-                  <a:blip r:embed="rId7"/>
-                  <a:stretch>
-                    <a:fillRect/>
-                  </a:stretch>
-                </a:blipFill>
-                <a:ln>
-                  <a:solidFill>
-                    <a:schemeClr val="tx1"/>
-                  </a:solidFill>
-                </a:ln>
-              </p:spPr>
-              <p:txBody>
-                <a:bodyPr/>
-                <a:lstStyle/>
-                <a:p>
-                  <a:r>
-                    <a:rPr lang="ko-KR" altLang="en-US">
-                      <a:noFill/>
-                    </a:rPr>
-                    <a:t> </a:t>
-                  </a:r>
-                </a:p>
-              </p:txBody>
-            </p:sp>
-          </mc:Fallback>
-        </mc:AlternateContent>
-        <p:cxnSp>
-          <p:nvCxnSpPr>
-            <p:cNvPr id="11" name="직선 화살표 연결선 10"/>
-            <p:cNvCxnSpPr>
-              <a:stCxn id="8" idx="2"/>
-              <a:endCxn id="7" idx="6"/>
-            </p:cNvCxnSpPr>
-            <p:nvPr/>
-          </p:nvCxnSpPr>
-          <p:spPr>
-            <a:xfrm flipH="1">
-              <a:off x="3780000" y="2340000"/>
-              <a:ext cx="720000" cy="0"/>
-            </a:xfrm>
-            <a:prstGeom prst="straightConnector1">
-              <a:avLst/>
-            </a:prstGeom>
-            <a:ln>
-              <a:solidFill>
-                <a:schemeClr val="tx1"/>
-              </a:solidFill>
-              <a:headEnd w="lg" len="lg"/>
-              <a:tailEnd type="triangle" w="lg" len="lg"/>
-            </a:ln>
-          </p:spPr>
-          <p:style>
-            <a:lnRef idx="1">
-              <a:schemeClr val="accent1"/>
-            </a:lnRef>
-            <a:fillRef idx="0">
-              <a:schemeClr val="accent1"/>
-            </a:fillRef>
-            <a:effectRef idx="0">
-              <a:schemeClr val="accent1"/>
-            </a:effectRef>
-            <a:fontRef idx="minor">
-              <a:schemeClr val="tx1"/>
-            </a:fontRef>
-          </p:style>
-        </p:cxnSp>
-        <p:cxnSp>
-          <p:nvCxnSpPr>
-            <p:cNvPr id="12" name="직선 화살표 연결선 11"/>
-            <p:cNvCxnSpPr>
-              <a:stCxn id="9" idx="2"/>
-              <a:endCxn id="8" idx="6"/>
-            </p:cNvCxnSpPr>
-            <p:nvPr/>
-          </p:nvCxnSpPr>
-          <p:spPr>
-            <a:xfrm flipH="1">
-              <a:off x="5580000" y="2340000"/>
-              <a:ext cx="720000" cy="0"/>
-            </a:xfrm>
-            <a:prstGeom prst="straightConnector1">
-              <a:avLst/>
-            </a:prstGeom>
-            <a:ln>
-              <a:solidFill>
-                <a:schemeClr val="tx1"/>
-              </a:solidFill>
-              <a:headEnd w="lg" len="lg"/>
-              <a:tailEnd type="triangle" w="lg" len="lg"/>
-            </a:ln>
-          </p:spPr>
-          <p:style>
-            <a:lnRef idx="1">
-              <a:schemeClr val="accent1"/>
-            </a:lnRef>
-            <a:fillRef idx="0">
-              <a:schemeClr val="accent1"/>
-            </a:fillRef>
-            <a:effectRef idx="0">
-              <a:schemeClr val="accent1"/>
-            </a:effectRef>
-            <a:fontRef idx="minor">
-              <a:schemeClr val="tx1"/>
-            </a:fontRef>
-          </p:style>
-        </p:cxnSp>
-        <p:cxnSp>
-          <p:nvCxnSpPr>
-            <p:cNvPr id="15" name="직선 화살표 연결선 14"/>
-            <p:cNvCxnSpPr>
-              <a:stCxn id="5" idx="2"/>
-              <a:endCxn id="4" idx="6"/>
-            </p:cNvCxnSpPr>
-            <p:nvPr/>
-          </p:nvCxnSpPr>
-          <p:spPr>
-            <a:xfrm flipH="1">
-              <a:off x="3780000" y="4680000"/>
-              <a:ext cx="720000" cy="0"/>
-            </a:xfrm>
-            <a:prstGeom prst="straightConnector1">
-              <a:avLst/>
-            </a:prstGeom>
-            <a:ln>
-              <a:solidFill>
-                <a:schemeClr val="tx1"/>
-              </a:solidFill>
-              <a:headEnd type="triangle" w="lg" len="lg"/>
-              <a:tailEnd type="none" w="lg" len="lg"/>
-            </a:ln>
-          </p:spPr>
-          <p:style>
-            <a:lnRef idx="1">
-              <a:schemeClr val="accent1"/>
-            </a:lnRef>
-            <a:fillRef idx="0">
-              <a:schemeClr val="accent1"/>
-            </a:fillRef>
-            <a:effectRef idx="0">
-              <a:schemeClr val="accent1"/>
-            </a:effectRef>
-            <a:fontRef idx="minor">
-              <a:schemeClr val="tx1"/>
-            </a:fontRef>
-          </p:style>
-        </p:cxnSp>
-        <p:cxnSp>
-          <p:nvCxnSpPr>
-            <p:cNvPr id="18" name="직선 화살표 연결선 17"/>
-            <p:cNvCxnSpPr>
-              <a:stCxn id="6" idx="2"/>
-              <a:endCxn id="5" idx="6"/>
-            </p:cNvCxnSpPr>
-            <p:nvPr/>
-          </p:nvCxnSpPr>
-          <p:spPr>
-            <a:xfrm flipH="1">
-              <a:off x="5580000" y="4680000"/>
-              <a:ext cx="720000" cy="0"/>
-            </a:xfrm>
-            <a:prstGeom prst="straightConnector1">
-              <a:avLst/>
-            </a:prstGeom>
-            <a:ln>
-              <a:solidFill>
-                <a:schemeClr val="tx1"/>
-              </a:solidFill>
-              <a:headEnd type="triangle" w="lg" len="lg"/>
-              <a:tailEnd type="none" w="lg" len="lg"/>
-            </a:ln>
-          </p:spPr>
-          <p:style>
-            <a:lnRef idx="1">
-              <a:schemeClr val="accent1"/>
-            </a:lnRef>
-            <a:fillRef idx="0">
-              <a:schemeClr val="accent1"/>
-            </a:fillRef>
-            <a:effectRef idx="0">
-              <a:schemeClr val="accent1"/>
-            </a:effectRef>
-            <a:fontRef idx="minor">
-              <a:schemeClr val="tx1"/>
-            </a:fontRef>
-          </p:style>
-        </p:cxnSp>
-        <p:cxnSp>
-          <p:nvCxnSpPr>
-            <p:cNvPr id="21" name="직선 화살표 연결선 20"/>
-            <p:cNvCxnSpPr>
-              <a:endCxn id="6" idx="6"/>
-            </p:cNvCxnSpPr>
-            <p:nvPr/>
-          </p:nvCxnSpPr>
-          <p:spPr>
-            <a:xfrm flipH="1" flipV="1">
-              <a:off x="7380000" y="4680000"/>
-              <a:ext cx="720000" cy="0"/>
-            </a:xfrm>
-            <a:prstGeom prst="straightConnector1">
-              <a:avLst/>
-            </a:prstGeom>
-            <a:ln>
-              <a:solidFill>
-                <a:schemeClr val="tx1"/>
-              </a:solidFill>
-              <a:headEnd type="triangle" w="lg" len="lg"/>
-              <a:tailEnd type="none" w="lg" len="lg"/>
-            </a:ln>
-          </p:spPr>
-          <p:style>
-            <a:lnRef idx="1">
-              <a:schemeClr val="accent1"/>
-            </a:lnRef>
-            <a:fillRef idx="0">
-              <a:schemeClr val="accent1"/>
-            </a:fillRef>
-            <a:effectRef idx="0">
-              <a:schemeClr val="accent1"/>
-            </a:effectRef>
-            <a:fontRef idx="minor">
-              <a:schemeClr val="tx1"/>
-            </a:fontRef>
-          </p:style>
-        </p:cxnSp>
-        <p:cxnSp>
-          <p:nvCxnSpPr>
-            <p:cNvPr id="22" name="직선 화살표 연결선 21"/>
-            <p:cNvCxnSpPr/>
-            <p:nvPr/>
-          </p:nvCxnSpPr>
-          <p:spPr>
-            <a:xfrm flipH="1">
-              <a:off x="1976117" y="4680000"/>
-              <a:ext cx="720000" cy="0"/>
-            </a:xfrm>
-            <a:prstGeom prst="straightConnector1">
-              <a:avLst/>
-            </a:prstGeom>
-            <a:ln>
-              <a:solidFill>
-                <a:schemeClr val="tx1"/>
-              </a:solidFill>
-              <a:headEnd type="triangle" w="lg" len="lg"/>
-              <a:tailEnd type="none" w="lg" len="lg"/>
-            </a:ln>
-          </p:spPr>
-          <p:style>
-            <a:lnRef idx="1">
-              <a:schemeClr val="accent1"/>
-            </a:lnRef>
-            <a:fillRef idx="0">
-              <a:schemeClr val="accent1"/>
-            </a:fillRef>
-            <a:effectRef idx="0">
-              <a:schemeClr val="accent1"/>
-            </a:effectRef>
-            <a:fontRef idx="minor">
-              <a:schemeClr val="tx1"/>
-            </a:fontRef>
-          </p:style>
-        </p:cxnSp>
-        <p:cxnSp>
-          <p:nvCxnSpPr>
-            <p:cNvPr id="23" name="직선 화살표 연결선 22"/>
-            <p:cNvCxnSpPr>
-              <a:endCxn id="9" idx="6"/>
-            </p:cNvCxnSpPr>
-            <p:nvPr/>
-          </p:nvCxnSpPr>
-          <p:spPr>
-            <a:xfrm flipH="1" flipV="1">
-              <a:off x="7380000" y="2340000"/>
-              <a:ext cx="720000" cy="0"/>
-            </a:xfrm>
-            <a:prstGeom prst="straightConnector1">
-              <a:avLst/>
-            </a:prstGeom>
-            <a:ln>
-              <a:solidFill>
-                <a:schemeClr val="tx1"/>
-              </a:solidFill>
-              <a:headEnd w="lg" len="lg"/>
-              <a:tailEnd type="triangle" w="lg" len="lg"/>
-            </a:ln>
-          </p:spPr>
-          <p:style>
-            <a:lnRef idx="1">
-              <a:schemeClr val="accent1"/>
-            </a:lnRef>
-            <a:fillRef idx="0">
-              <a:schemeClr val="accent1"/>
-            </a:fillRef>
-            <a:effectRef idx="0">
-              <a:schemeClr val="accent1"/>
-            </a:effectRef>
-            <a:fontRef idx="minor">
-              <a:schemeClr val="tx1"/>
-            </a:fontRef>
-          </p:style>
-        </p:cxnSp>
-        <p:cxnSp>
-          <p:nvCxnSpPr>
-            <p:cNvPr id="24" name="직선 화살표 연결선 23"/>
-            <p:cNvCxnSpPr>
-              <a:stCxn id="7" idx="2"/>
-            </p:cNvCxnSpPr>
-            <p:nvPr/>
-          </p:nvCxnSpPr>
-          <p:spPr>
-            <a:xfrm flipH="1">
-              <a:off x="1976117" y="2340000"/>
-              <a:ext cx="720000" cy="0"/>
-            </a:xfrm>
-            <a:prstGeom prst="straightConnector1">
-              <a:avLst/>
-            </a:prstGeom>
-            <a:ln>
-              <a:solidFill>
-                <a:schemeClr val="tx1"/>
-              </a:solidFill>
-              <a:headEnd w="lg" len="lg"/>
-              <a:tailEnd type="triangle" w="lg" len="lg"/>
-            </a:ln>
-          </p:spPr>
-          <p:style>
-            <a:lnRef idx="1">
-              <a:schemeClr val="accent1"/>
-            </a:lnRef>
-            <a:fillRef idx="0">
-              <a:schemeClr val="accent1"/>
-            </a:fillRef>
-            <a:effectRef idx="0">
-              <a:schemeClr val="accent1"/>
-            </a:effectRef>
-            <a:fontRef idx="minor">
-              <a:schemeClr val="tx1"/>
-            </a:fontRef>
-          </p:style>
-        </p:cxnSp>
-        <p:cxnSp>
-          <p:nvCxnSpPr>
-            <p:cNvPr id="33" name="직선 화살표 연결선 32"/>
-            <p:cNvCxnSpPr>
-              <a:stCxn id="6" idx="4"/>
-              <a:endCxn id="40" idx="0"/>
-            </p:cNvCxnSpPr>
-            <p:nvPr/>
-          </p:nvCxnSpPr>
-          <p:spPr>
-            <a:xfrm>
-              <a:off x="6840000" y="5220000"/>
-              <a:ext cx="0" cy="540000"/>
-            </a:xfrm>
-            <a:prstGeom prst="straightConnector1">
-              <a:avLst/>
-            </a:prstGeom>
-            <a:ln>
-              <a:solidFill>
-                <a:schemeClr val="tx1"/>
-              </a:solidFill>
-              <a:headEnd type="triangle" w="lg" len="lg"/>
-              <a:tailEnd type="none" w="lg" len="lg"/>
-            </a:ln>
-          </p:spPr>
-          <p:style>
-            <a:lnRef idx="1">
-              <a:schemeClr val="accent1"/>
-            </a:lnRef>
-            <a:fillRef idx="0">
-              <a:schemeClr val="accent1"/>
-            </a:fillRef>
-            <a:effectRef idx="0">
-              <a:schemeClr val="accent1"/>
-            </a:effectRef>
-            <a:fontRef idx="minor">
-              <a:schemeClr val="tx1"/>
-            </a:fontRef>
-          </p:style>
-        </p:cxnSp>
-        <p:cxnSp>
-          <p:nvCxnSpPr>
-            <p:cNvPr id="34" name="직선 화살표 연결선 33"/>
-            <p:cNvCxnSpPr>
-              <a:stCxn id="5" idx="4"/>
-              <a:endCxn id="41" idx="0"/>
-            </p:cNvCxnSpPr>
-            <p:nvPr/>
-          </p:nvCxnSpPr>
-          <p:spPr>
-            <a:xfrm>
-              <a:off x="5040000" y="5220000"/>
-              <a:ext cx="0" cy="540000"/>
-            </a:xfrm>
-            <a:prstGeom prst="straightConnector1">
-              <a:avLst/>
-            </a:prstGeom>
-            <a:ln>
-              <a:solidFill>
-                <a:schemeClr val="tx1"/>
-              </a:solidFill>
-              <a:headEnd type="triangle" w="lg" len="lg"/>
-              <a:tailEnd type="none" w="lg" len="lg"/>
-            </a:ln>
-          </p:spPr>
-          <p:style>
-            <a:lnRef idx="1">
-              <a:schemeClr val="accent1"/>
-            </a:lnRef>
-            <a:fillRef idx="0">
-              <a:schemeClr val="accent1"/>
-            </a:fillRef>
-            <a:effectRef idx="0">
-              <a:schemeClr val="accent1"/>
-            </a:effectRef>
-            <a:fontRef idx="minor">
-              <a:schemeClr val="tx1"/>
-            </a:fontRef>
-          </p:style>
-        </p:cxnSp>
-        <p:cxnSp>
-          <p:nvCxnSpPr>
-            <p:cNvPr id="35" name="직선 화살표 연결선 34"/>
-            <p:cNvCxnSpPr>
-              <a:stCxn id="4" idx="4"/>
-              <a:endCxn id="39" idx="0"/>
-            </p:cNvCxnSpPr>
-            <p:nvPr/>
-          </p:nvCxnSpPr>
-          <p:spPr>
-            <a:xfrm>
-              <a:off x="3240000" y="5220000"/>
-              <a:ext cx="0" cy="540000"/>
-            </a:xfrm>
-            <a:prstGeom prst="straightConnector1">
-              <a:avLst/>
-            </a:prstGeom>
-            <a:ln>
-              <a:solidFill>
-                <a:schemeClr val="tx1"/>
-              </a:solidFill>
-              <a:headEnd type="triangle" w="lg" len="lg"/>
-              <a:tailEnd type="none" w="lg" len="lg"/>
-            </a:ln>
-          </p:spPr>
-          <p:style>
-            <a:lnRef idx="1">
-              <a:schemeClr val="accent1"/>
-            </a:lnRef>
-            <a:fillRef idx="0">
-              <a:schemeClr val="accent1"/>
-            </a:fillRef>
-            <a:effectRef idx="0">
-              <a:schemeClr val="accent1"/>
-            </a:effectRef>
-            <a:fontRef idx="minor">
-              <a:schemeClr val="tx1"/>
-            </a:fontRef>
-          </p:style>
-        </p:cxnSp>
-        <p:cxnSp>
-          <p:nvCxnSpPr>
-            <p:cNvPr id="36" name="직선 화살표 연결선 35"/>
-            <p:cNvCxnSpPr>
-              <a:stCxn id="43" idx="4"/>
-              <a:endCxn id="9" idx="0"/>
-            </p:cNvCxnSpPr>
-            <p:nvPr/>
-          </p:nvCxnSpPr>
-          <p:spPr>
-            <a:xfrm>
-              <a:off x="6840000" y="1080000"/>
-              <a:ext cx="0" cy="720000"/>
-            </a:xfrm>
-            <a:prstGeom prst="straightConnector1">
-              <a:avLst/>
-            </a:prstGeom>
-            <a:ln>
-              <a:solidFill>
-                <a:schemeClr val="tx1"/>
-              </a:solidFill>
-              <a:headEnd type="triangle" w="lg" len="lg"/>
-              <a:tailEnd type="none" w="lg" len="lg"/>
-            </a:ln>
-          </p:spPr>
-          <p:style>
-            <a:lnRef idx="1">
-              <a:schemeClr val="accent1"/>
-            </a:lnRef>
-            <a:fillRef idx="0">
-              <a:schemeClr val="accent1"/>
-            </a:fillRef>
-            <a:effectRef idx="0">
-              <a:schemeClr val="accent1"/>
-            </a:effectRef>
-            <a:fontRef idx="minor">
-              <a:schemeClr val="tx1"/>
-            </a:fontRef>
-          </p:style>
-        </p:cxnSp>
-        <p:cxnSp>
-          <p:nvCxnSpPr>
-            <p:cNvPr id="37" name="직선 화살표 연결선 36"/>
-            <p:cNvCxnSpPr>
-              <a:stCxn id="44" idx="4"/>
-              <a:endCxn id="8" idx="0"/>
-            </p:cNvCxnSpPr>
-            <p:nvPr/>
-          </p:nvCxnSpPr>
-          <p:spPr>
-            <a:xfrm>
-              <a:off x="5040000" y="1080000"/>
-              <a:ext cx="0" cy="720000"/>
-            </a:xfrm>
-            <a:prstGeom prst="straightConnector1">
-              <a:avLst/>
-            </a:prstGeom>
-            <a:ln>
-              <a:solidFill>
-                <a:schemeClr val="tx1"/>
-              </a:solidFill>
-              <a:headEnd type="triangle" w="lg" len="lg"/>
-              <a:tailEnd type="none" w="lg" len="lg"/>
-            </a:ln>
-          </p:spPr>
-          <p:style>
-            <a:lnRef idx="1">
-              <a:schemeClr val="accent1"/>
-            </a:lnRef>
-            <a:fillRef idx="0">
-              <a:schemeClr val="accent1"/>
-            </a:fillRef>
-            <a:effectRef idx="0">
-              <a:schemeClr val="accent1"/>
-            </a:effectRef>
-            <a:fontRef idx="minor">
-              <a:schemeClr val="tx1"/>
-            </a:fontRef>
-          </p:style>
-        </p:cxnSp>
-        <p:cxnSp>
-          <p:nvCxnSpPr>
-            <p:cNvPr id="38" name="직선 화살표 연결선 37"/>
-            <p:cNvCxnSpPr>
-              <a:stCxn id="42" idx="4"/>
-              <a:endCxn id="7" idx="0"/>
-            </p:cNvCxnSpPr>
-            <p:nvPr/>
-          </p:nvCxnSpPr>
-          <p:spPr>
-            <a:xfrm>
-              <a:off x="3240000" y="1080000"/>
-              <a:ext cx="0" cy="720000"/>
-            </a:xfrm>
-            <a:prstGeom prst="straightConnector1">
-              <a:avLst/>
-            </a:prstGeom>
-            <a:ln>
-              <a:solidFill>
-                <a:schemeClr val="tx1"/>
-              </a:solidFill>
-              <a:headEnd type="triangle" w="lg" len="lg"/>
-              <a:tailEnd type="none" w="lg" len="lg"/>
-            </a:ln>
-          </p:spPr>
-          <p:style>
-            <a:lnRef idx="1">
-              <a:schemeClr val="accent1"/>
-            </a:lnRef>
-            <a:fillRef idx="0">
-              <a:schemeClr val="accent1"/>
-            </a:fillRef>
-            <a:effectRef idx="0">
-              <a:schemeClr val="accent1"/>
-            </a:effectRef>
-            <a:fontRef idx="minor">
-              <a:schemeClr val="tx1"/>
-            </a:fontRef>
-          </p:style>
-        </p:cxnSp>
-        <mc:AlternateContent xmlns:mc="http://schemas.openxmlformats.org/markup-compatibility/2006">
-          <mc:Choice xmlns:a14="http://schemas.microsoft.com/office/drawing/2010/main" Requires="a14">
-            <p:sp>
-              <p:nvSpPr>
-                <p:cNvPr id="39" name="타원 38"/>
-                <p:cNvSpPr/>
-                <p:nvPr/>
-              </p:nvSpPr>
-              <p:spPr>
-                <a:xfrm>
-                  <a:off x="2880000" y="5760000"/>
-                  <a:ext cx="720000" cy="720000"/>
-                </a:xfrm>
-                <a:prstGeom prst="ellipse">
-                  <a:avLst/>
-                </a:prstGeom>
-                <a:noFill/>
-                <a:ln>
-                  <a:noFill/>
-                </a:ln>
-              </p:spPr>
-              <p:style>
-                <a:lnRef idx="2">
-                  <a:schemeClr val="accent1">
-                    <a:shade val="50000"/>
-                  </a:schemeClr>
-                </a:lnRef>
-                <a:fillRef idx="1">
-                  <a:schemeClr val="accent1"/>
-                </a:fillRef>
-                <a:effectRef idx="0">
-                  <a:schemeClr val="accent1"/>
-                </a:effectRef>
-                <a:fontRef idx="minor">
-                  <a:schemeClr val="lt1"/>
-                </a:fontRef>
-              </p:style>
-              <p:txBody>
-                <a:bodyPr rtlCol="0" anchor="ctr"/>
-                <a:lstStyle/>
-                <a:p>
-                  <a:pPr algn="ctr"/>
-                  <a14:m>
-                    <m:oMathPara xmlns:m="http://schemas.openxmlformats.org/officeDocument/2006/math">
-                      <m:oMathParaPr>
-                        <m:jc m:val="centerGroup"/>
-                      </m:oMathParaPr>
-                      <m:oMath xmlns:m="http://schemas.openxmlformats.org/officeDocument/2006/math">
-                        <m:sSub>
-                          <m:sSubPr>
-                            <m:ctrlPr>
-                              <a:rPr lang="en-US" altLang="ko-KR" i="1">
-                                <a:solidFill>
-                                  <a:schemeClr val="tx1"/>
-                                </a:solidFill>
-                                <a:latin typeface="Cambria Math" panose="02040503050406030204" pitchFamily="18" charset="0"/>
-                              </a:rPr>
-                            </m:ctrlPr>
-                          </m:sSubPr>
-                          <m:e>
-                            <m:r>
-                              <a:rPr lang="en-US" altLang="ko-KR" i="1">
-                                <a:solidFill>
-                                  <a:schemeClr val="tx1"/>
-                                </a:solidFill>
-                                <a:latin typeface="Cambria Math" panose="02040503050406030204" pitchFamily="18" charset="0"/>
-                              </a:rPr>
-                              <m:t>𝑥</m:t>
-                            </m:r>
-                          </m:e>
-                          <m:sub>
-                            <m:r>
-                              <a:rPr lang="en-US" altLang="ko-KR" i="1">
-                                <a:solidFill>
-                                  <a:schemeClr val="tx1"/>
-                                </a:solidFill>
-                                <a:latin typeface="Cambria Math" panose="02040503050406030204" pitchFamily="18" charset="0"/>
-                              </a:rPr>
-                              <m:t>𝑡</m:t>
-                            </m:r>
-                            <m:r>
-                              <a:rPr lang="en-US" altLang="ko-KR" i="1">
-                                <a:solidFill>
-                                  <a:schemeClr val="tx1"/>
-                                </a:solidFill>
-                                <a:latin typeface="Cambria Math" panose="02040503050406030204" pitchFamily="18" charset="0"/>
-                              </a:rPr>
-                              <m:t>−1</m:t>
-                            </m:r>
-                          </m:sub>
-                        </m:sSub>
-                      </m:oMath>
-                    </m:oMathPara>
-                  </a14:m>
-                  <a:endParaRPr lang="ko-KR" altLang="en-US" dirty="0">
-                    <a:solidFill>
-                      <a:schemeClr val="tx1"/>
-                    </a:solidFill>
-                    <a:latin typeface="Times New Roman" panose="02020603050405020304" pitchFamily="18" charset="0"/>
-                    <a:cs typeface="Times New Roman" panose="02020603050405020304" pitchFamily="18" charset="0"/>
-                  </a:endParaRPr>
-                </a:p>
-              </p:txBody>
-            </p:sp>
-          </mc:Choice>
-          <mc:Fallback>
-            <p:sp>
-              <p:nvSpPr>
-                <p:cNvPr id="39" name="타원 38"/>
-                <p:cNvSpPr>
-                  <a:spLocks noRot="1" noChangeAspect="1" noMove="1" noResize="1" noEditPoints="1" noAdjustHandles="1" noChangeArrowheads="1" noChangeShapeType="1" noTextEdit="1"/>
-                </p:cNvSpPr>
-                <p:nvPr/>
-              </p:nvSpPr>
-              <p:spPr>
-                <a:xfrm>
-                  <a:off x="2880000" y="5760000"/>
-                  <a:ext cx="720000" cy="720000"/>
-                </a:xfrm>
-                <a:prstGeom prst="ellipse">
-                  <a:avLst/>
-                </a:prstGeom>
-                <a:blipFill>
-                  <a:blip r:embed="rId8"/>
-                  <a:stretch>
-                    <a:fillRect/>
-                  </a:stretch>
-                </a:blipFill>
-                <a:ln>
-                  <a:noFill/>
-                </a:ln>
-              </p:spPr>
-              <p:txBody>
-                <a:bodyPr/>
-                <a:lstStyle/>
-                <a:p>
-                  <a:r>
-                    <a:rPr lang="ko-KR" altLang="en-US">
-                      <a:noFill/>
-                    </a:rPr>
-                    <a:t> </a:t>
-                  </a:r>
-                </a:p>
-              </p:txBody>
-            </p:sp>
-          </mc:Fallback>
-        </mc:AlternateContent>
-        <mc:AlternateContent xmlns:mc="http://schemas.openxmlformats.org/markup-compatibility/2006">
-          <mc:Choice xmlns:a14="http://schemas.microsoft.com/office/drawing/2010/main" Requires="a14">
-            <p:sp>
-              <p:nvSpPr>
-                <p:cNvPr id="40" name="타원 39"/>
-                <p:cNvSpPr/>
-                <p:nvPr/>
-              </p:nvSpPr>
-              <p:spPr>
-                <a:xfrm>
-                  <a:off x="6480000" y="5760000"/>
-                  <a:ext cx="720000" cy="720000"/>
-                </a:xfrm>
-                <a:prstGeom prst="ellipse">
-                  <a:avLst/>
-                </a:prstGeom>
-                <a:noFill/>
-                <a:ln>
-                  <a:noFill/>
-                </a:ln>
-              </p:spPr>
-              <p:style>
-                <a:lnRef idx="2">
-                  <a:schemeClr val="accent1">
-                    <a:shade val="50000"/>
-                  </a:schemeClr>
-                </a:lnRef>
-                <a:fillRef idx="1">
-                  <a:schemeClr val="accent1"/>
-                </a:fillRef>
-                <a:effectRef idx="0">
-                  <a:schemeClr val="accent1"/>
-                </a:effectRef>
-                <a:fontRef idx="minor">
-                  <a:schemeClr val="lt1"/>
-                </a:fontRef>
-              </p:style>
-              <p:txBody>
-                <a:bodyPr rtlCol="0" anchor="ctr"/>
-                <a:lstStyle/>
-                <a:p>
-                  <a:pPr algn="ctr"/>
-                  <a14:m>
-                    <m:oMathPara xmlns:m="http://schemas.openxmlformats.org/officeDocument/2006/math">
-                      <m:oMathParaPr>
-                        <m:jc m:val="centerGroup"/>
-                      </m:oMathParaPr>
-                      <m:oMath xmlns:m="http://schemas.openxmlformats.org/officeDocument/2006/math">
-                        <m:sSub>
-                          <m:sSubPr>
-                            <m:ctrlPr>
-                              <a:rPr lang="en-US" altLang="ko-KR" i="1">
-                                <a:solidFill>
-                                  <a:schemeClr val="tx1"/>
-                                </a:solidFill>
-                                <a:latin typeface="Cambria Math" panose="02040503050406030204" pitchFamily="18" charset="0"/>
-                              </a:rPr>
-                            </m:ctrlPr>
-                          </m:sSubPr>
-                          <m:e>
-                            <m:r>
-                              <a:rPr lang="en-US" altLang="ko-KR" i="1">
-                                <a:solidFill>
-                                  <a:schemeClr val="tx1"/>
-                                </a:solidFill>
-                                <a:latin typeface="Cambria Math" panose="02040503050406030204" pitchFamily="18" charset="0"/>
-                              </a:rPr>
-                              <m:t>𝑥</m:t>
-                            </m:r>
-                          </m:e>
-                          <m:sub>
-                            <m:r>
-                              <a:rPr lang="en-US" altLang="ko-KR" i="1">
-                                <a:solidFill>
-                                  <a:schemeClr val="tx1"/>
-                                </a:solidFill>
-                                <a:latin typeface="Cambria Math" panose="02040503050406030204" pitchFamily="18" charset="0"/>
-                              </a:rPr>
-                              <m:t>𝑡</m:t>
-                            </m:r>
-                            <m:r>
-                              <a:rPr lang="en-US" altLang="ko-KR" i="1">
-                                <a:solidFill>
-                                  <a:schemeClr val="tx1"/>
-                                </a:solidFill>
-                                <a:latin typeface="Cambria Math" panose="02040503050406030204" pitchFamily="18" charset="0"/>
-                              </a:rPr>
-                              <m:t>+1</m:t>
-                            </m:r>
-                          </m:sub>
-                        </m:sSub>
-                      </m:oMath>
-                    </m:oMathPara>
-                  </a14:m>
-                  <a:endParaRPr lang="ko-KR" altLang="en-US" dirty="0">
-                    <a:solidFill>
-                      <a:schemeClr val="tx1"/>
-                    </a:solidFill>
-                    <a:latin typeface="Times New Roman" panose="02020603050405020304" pitchFamily="18" charset="0"/>
-                    <a:cs typeface="Times New Roman" panose="02020603050405020304" pitchFamily="18" charset="0"/>
-                  </a:endParaRPr>
-                </a:p>
-              </p:txBody>
-            </p:sp>
-          </mc:Choice>
-          <mc:Fallback>
-            <p:sp>
-              <p:nvSpPr>
-                <p:cNvPr id="40" name="타원 39"/>
-                <p:cNvSpPr>
-                  <a:spLocks noRot="1" noChangeAspect="1" noMove="1" noResize="1" noEditPoints="1" noAdjustHandles="1" noChangeArrowheads="1" noChangeShapeType="1" noTextEdit="1"/>
-                </p:cNvSpPr>
-                <p:nvPr/>
-              </p:nvSpPr>
-              <p:spPr>
-                <a:xfrm>
-                  <a:off x="6480000" y="5760000"/>
-                  <a:ext cx="720000" cy="720000"/>
-                </a:xfrm>
-                <a:prstGeom prst="ellipse">
-                  <a:avLst/>
-                </a:prstGeom>
-                <a:blipFill>
-                  <a:blip r:embed="rId9"/>
-                  <a:stretch>
-                    <a:fillRect/>
-                  </a:stretch>
-                </a:blipFill>
-                <a:ln>
-                  <a:noFill/>
-                </a:ln>
-              </p:spPr>
-              <p:txBody>
-                <a:bodyPr/>
-                <a:lstStyle/>
-                <a:p>
-                  <a:r>
-                    <a:rPr lang="ko-KR" altLang="en-US">
-                      <a:noFill/>
-                    </a:rPr>
-                    <a:t> </a:t>
-                  </a:r>
-                </a:p>
-              </p:txBody>
-            </p:sp>
-          </mc:Fallback>
-        </mc:AlternateContent>
-        <mc:AlternateContent xmlns:mc="http://schemas.openxmlformats.org/markup-compatibility/2006">
-          <mc:Choice xmlns:a14="http://schemas.microsoft.com/office/drawing/2010/main" Requires="a14">
-            <p:sp>
-              <p:nvSpPr>
-                <p:cNvPr id="41" name="타원 40"/>
-                <p:cNvSpPr/>
-                <p:nvPr/>
-              </p:nvSpPr>
-              <p:spPr>
-                <a:xfrm>
-                  <a:off x="4680000" y="5760000"/>
-                  <a:ext cx="720000" cy="720000"/>
-                </a:xfrm>
-                <a:prstGeom prst="ellipse">
-                  <a:avLst/>
-                </a:prstGeom>
-                <a:noFill/>
-                <a:ln>
-                  <a:noFill/>
-                </a:ln>
-              </p:spPr>
-              <p:style>
-                <a:lnRef idx="2">
-                  <a:schemeClr val="accent1">
-                    <a:shade val="50000"/>
-                  </a:schemeClr>
-                </a:lnRef>
-                <a:fillRef idx="1">
-                  <a:schemeClr val="accent1"/>
-                </a:fillRef>
-                <a:effectRef idx="0">
-                  <a:schemeClr val="accent1"/>
-                </a:effectRef>
-                <a:fontRef idx="minor">
-                  <a:schemeClr val="lt1"/>
-                </a:fontRef>
-              </p:style>
-              <p:txBody>
-                <a:bodyPr rtlCol="0" anchor="ctr"/>
-                <a:lstStyle/>
-                <a:p>
-                  <a:pPr algn="ctr"/>
-                  <a14:m>
-                    <m:oMathPara xmlns:m="http://schemas.openxmlformats.org/officeDocument/2006/math">
-                      <m:oMathParaPr>
-                        <m:jc m:val="centerGroup"/>
-                      </m:oMathParaPr>
-                      <m:oMath xmlns:m="http://schemas.openxmlformats.org/officeDocument/2006/math">
-                        <m:sSub>
-                          <m:sSubPr>
-                            <m:ctrlPr>
-                              <a:rPr lang="en-US" altLang="ko-KR" i="1">
-                                <a:solidFill>
-                                  <a:schemeClr val="tx1"/>
-                                </a:solidFill>
-                                <a:latin typeface="Cambria Math" panose="02040503050406030204" pitchFamily="18" charset="0"/>
-                              </a:rPr>
-                            </m:ctrlPr>
-                          </m:sSubPr>
-                          <m:e>
-                            <m:r>
-                              <a:rPr lang="en-US" altLang="ko-KR" i="1">
-                                <a:solidFill>
-                                  <a:schemeClr val="tx1"/>
-                                </a:solidFill>
-                                <a:latin typeface="Cambria Math" panose="02040503050406030204" pitchFamily="18" charset="0"/>
-                              </a:rPr>
-                              <m:t>𝑥</m:t>
-                            </m:r>
-                          </m:e>
-                          <m:sub>
-                            <m:r>
-                              <a:rPr lang="en-US" altLang="ko-KR" i="1">
-                                <a:solidFill>
-                                  <a:schemeClr val="tx1"/>
-                                </a:solidFill>
-                                <a:latin typeface="Cambria Math" panose="02040503050406030204" pitchFamily="18" charset="0"/>
-                              </a:rPr>
-                              <m:t>𝑡</m:t>
-                            </m:r>
-                          </m:sub>
-                        </m:sSub>
-                      </m:oMath>
-                    </m:oMathPara>
-                  </a14:m>
-                  <a:endParaRPr lang="ko-KR" altLang="en-US" dirty="0">
-                    <a:solidFill>
-                      <a:schemeClr val="tx1"/>
-                    </a:solidFill>
-                    <a:latin typeface="Times New Roman" panose="02020603050405020304" pitchFamily="18" charset="0"/>
-                    <a:cs typeface="Times New Roman" panose="02020603050405020304" pitchFamily="18" charset="0"/>
-                  </a:endParaRPr>
-                </a:p>
-              </p:txBody>
-            </p:sp>
-          </mc:Choice>
-          <mc:Fallback>
-            <p:sp>
-              <p:nvSpPr>
-                <p:cNvPr id="41" name="타원 40"/>
-                <p:cNvSpPr>
-                  <a:spLocks noRot="1" noChangeAspect="1" noMove="1" noResize="1" noEditPoints="1" noAdjustHandles="1" noChangeArrowheads="1" noChangeShapeType="1" noTextEdit="1"/>
-                </p:cNvSpPr>
-                <p:nvPr/>
-              </p:nvSpPr>
-              <p:spPr>
-                <a:xfrm>
-                  <a:off x="4680000" y="5760000"/>
-                  <a:ext cx="720000" cy="720000"/>
-                </a:xfrm>
-                <a:prstGeom prst="ellipse">
-                  <a:avLst/>
-                </a:prstGeom>
-                <a:blipFill>
-                  <a:blip r:embed="rId10"/>
-                  <a:stretch>
-                    <a:fillRect/>
-                  </a:stretch>
-                </a:blipFill>
-                <a:ln>
-                  <a:noFill/>
-                </a:ln>
-              </p:spPr>
-              <p:txBody>
-                <a:bodyPr/>
-                <a:lstStyle/>
-                <a:p>
-                  <a:r>
-                    <a:rPr lang="ko-KR" altLang="en-US">
-                      <a:noFill/>
-                    </a:rPr>
-                    <a:t> </a:t>
-                  </a:r>
-                </a:p>
-              </p:txBody>
-            </p:sp>
-          </mc:Fallback>
-        </mc:AlternateContent>
-        <mc:AlternateContent xmlns:mc="http://schemas.openxmlformats.org/markup-compatibility/2006">
-          <mc:Choice xmlns:a14="http://schemas.microsoft.com/office/drawing/2010/main" Requires="a14">
-            <p:sp>
-              <p:nvSpPr>
-                <p:cNvPr id="42" name="타원 41"/>
-                <p:cNvSpPr/>
-                <p:nvPr/>
-              </p:nvSpPr>
-              <p:spPr>
-                <a:xfrm>
-                  <a:off x="2880000" y="360000"/>
-                  <a:ext cx="720000" cy="720000"/>
-                </a:xfrm>
-                <a:prstGeom prst="ellipse">
-                  <a:avLst/>
-                </a:prstGeom>
-                <a:noFill/>
-                <a:ln>
-                  <a:noFill/>
-                </a:ln>
-              </p:spPr>
-              <p:style>
-                <a:lnRef idx="2">
-                  <a:schemeClr val="accent1">
-                    <a:shade val="50000"/>
-                  </a:schemeClr>
-                </a:lnRef>
-                <a:fillRef idx="1">
-                  <a:schemeClr val="accent1"/>
-                </a:fillRef>
-                <a:effectRef idx="0">
-                  <a:schemeClr val="accent1"/>
-                </a:effectRef>
-                <a:fontRef idx="minor">
-                  <a:schemeClr val="lt1"/>
-                </a:fontRef>
-              </p:style>
-              <p:txBody>
-                <a:bodyPr rtlCol="0" anchor="ctr" anchorCtr="1"/>
-                <a:lstStyle/>
-                <a:p>
-                  <a:pPr algn="ctr"/>
-                  <a14:m>
-                    <m:oMathPara xmlns:m="http://schemas.openxmlformats.org/officeDocument/2006/math">
-                      <m:oMathParaPr>
-                        <m:jc m:val="centerGroup"/>
-                      </m:oMathParaPr>
-                      <m:oMath xmlns:m="http://schemas.openxmlformats.org/officeDocument/2006/math">
-                        <m:sSub>
-                          <m:sSubPr>
-                            <m:ctrlPr>
-                              <a:rPr lang="en-US" altLang="ko-KR" i="1">
-                                <a:solidFill>
-                                  <a:schemeClr val="tx1"/>
-                                </a:solidFill>
-                                <a:latin typeface="Cambria Math" panose="02040503050406030204" pitchFamily="18" charset="0"/>
-                              </a:rPr>
-                            </m:ctrlPr>
-                          </m:sSubPr>
-                          <m:e>
-                            <m:r>
-                              <a:rPr lang="en-US" altLang="ko-KR" i="1">
-                                <a:solidFill>
-                                  <a:schemeClr val="tx1"/>
-                                </a:solidFill>
-                                <a:latin typeface="Cambria Math" panose="02040503050406030204" pitchFamily="18" charset="0"/>
-                              </a:rPr>
-                              <m:t>𝑦</m:t>
-                            </m:r>
-                          </m:e>
-                          <m:sub>
-                            <m:r>
-                              <a:rPr lang="en-US" altLang="ko-KR" i="1">
-                                <a:solidFill>
-                                  <a:schemeClr val="tx1"/>
-                                </a:solidFill>
-                                <a:latin typeface="Cambria Math" panose="02040503050406030204" pitchFamily="18" charset="0"/>
-                              </a:rPr>
-                              <m:t>𝑡</m:t>
-                            </m:r>
-                            <m:r>
-                              <a:rPr lang="en-US" altLang="ko-KR" i="1">
-                                <a:solidFill>
-                                  <a:schemeClr val="tx1"/>
-                                </a:solidFill>
-                                <a:latin typeface="Cambria Math" panose="02040503050406030204" pitchFamily="18" charset="0"/>
-                              </a:rPr>
-                              <m:t>−1</m:t>
-                            </m:r>
-                          </m:sub>
-                        </m:sSub>
-                      </m:oMath>
-                    </m:oMathPara>
-                  </a14:m>
-                  <a:endParaRPr lang="ko-KR" altLang="en-US" dirty="0">
-                    <a:solidFill>
-                      <a:schemeClr val="tx1"/>
-                    </a:solidFill>
-                    <a:latin typeface="Times New Roman" panose="02020603050405020304" pitchFamily="18" charset="0"/>
-                    <a:cs typeface="Times New Roman" panose="02020603050405020304" pitchFamily="18" charset="0"/>
-                  </a:endParaRPr>
-                </a:p>
-              </p:txBody>
-            </p:sp>
-          </mc:Choice>
-          <mc:Fallback>
-            <p:sp>
-              <p:nvSpPr>
-                <p:cNvPr id="42" name="타원 41"/>
-                <p:cNvSpPr>
-                  <a:spLocks noRot="1" noChangeAspect="1" noMove="1" noResize="1" noEditPoints="1" noAdjustHandles="1" noChangeArrowheads="1" noChangeShapeType="1" noTextEdit="1"/>
-                </p:cNvSpPr>
-                <p:nvPr/>
-              </p:nvSpPr>
-              <p:spPr>
-                <a:xfrm>
-                  <a:off x="2880000" y="360000"/>
-                  <a:ext cx="720000" cy="720000"/>
-                </a:xfrm>
-                <a:prstGeom prst="ellipse">
-                  <a:avLst/>
-                </a:prstGeom>
-                <a:blipFill>
-                  <a:blip r:embed="rId11"/>
-                  <a:stretch>
-                    <a:fillRect/>
-                  </a:stretch>
-                </a:blipFill>
-                <a:ln>
-                  <a:noFill/>
-                </a:ln>
-              </p:spPr>
-              <p:txBody>
-                <a:bodyPr/>
-                <a:lstStyle/>
-                <a:p>
-                  <a:r>
-                    <a:rPr lang="ko-KR" altLang="en-US">
-                      <a:noFill/>
-                    </a:rPr>
-                    <a:t> </a:t>
-                  </a:r>
-                </a:p>
-              </p:txBody>
-            </p:sp>
-          </mc:Fallback>
-        </mc:AlternateContent>
-        <mc:AlternateContent xmlns:mc="http://schemas.openxmlformats.org/markup-compatibility/2006">
-          <mc:Choice xmlns:a14="http://schemas.microsoft.com/office/drawing/2010/main" Requires="a14">
-            <p:sp>
-              <p:nvSpPr>
-                <p:cNvPr id="43" name="타원 42"/>
-                <p:cNvSpPr/>
-                <p:nvPr/>
-              </p:nvSpPr>
-              <p:spPr>
-                <a:xfrm>
-                  <a:off x="6480000" y="360000"/>
-                  <a:ext cx="720000" cy="720000"/>
-                </a:xfrm>
-                <a:prstGeom prst="ellipse">
-                  <a:avLst/>
-                </a:prstGeom>
-                <a:noFill/>
-                <a:ln>
-                  <a:noFill/>
-                </a:ln>
-              </p:spPr>
-              <p:style>
-                <a:lnRef idx="2">
-                  <a:schemeClr val="accent1">
-                    <a:shade val="50000"/>
-                  </a:schemeClr>
-                </a:lnRef>
-                <a:fillRef idx="1">
-                  <a:schemeClr val="accent1"/>
-                </a:fillRef>
-                <a:effectRef idx="0">
-                  <a:schemeClr val="accent1"/>
-                </a:effectRef>
-                <a:fontRef idx="minor">
-                  <a:schemeClr val="lt1"/>
-                </a:fontRef>
-              </p:style>
-              <p:txBody>
-                <a:bodyPr rtlCol="0" anchor="ctr" anchorCtr="1"/>
-                <a:lstStyle/>
-                <a:p>
-                  <a:pPr algn="ctr"/>
-                  <a14:m>
-                    <m:oMathPara xmlns:m="http://schemas.openxmlformats.org/officeDocument/2006/math">
-                      <m:oMathParaPr>
-                        <m:jc m:val="centerGroup"/>
-                      </m:oMathParaPr>
-                      <m:oMath xmlns:m="http://schemas.openxmlformats.org/officeDocument/2006/math">
-                        <m:sSub>
-                          <m:sSubPr>
-                            <m:ctrlPr>
-                              <a:rPr lang="en-US" altLang="ko-KR" i="1">
-                                <a:solidFill>
-                                  <a:schemeClr val="tx1"/>
-                                </a:solidFill>
-                                <a:latin typeface="Cambria Math" panose="02040503050406030204" pitchFamily="18" charset="0"/>
-                              </a:rPr>
-                            </m:ctrlPr>
-                          </m:sSubPr>
-                          <m:e>
-                            <m:r>
-                              <a:rPr lang="en-US" altLang="ko-KR" i="1">
-                                <a:solidFill>
-                                  <a:schemeClr val="tx1"/>
-                                </a:solidFill>
-                                <a:latin typeface="Cambria Math" panose="02040503050406030204" pitchFamily="18" charset="0"/>
-                              </a:rPr>
-                              <m:t>𝑦</m:t>
-                            </m:r>
-                          </m:e>
-                          <m:sub>
-                            <m:r>
-                              <a:rPr lang="en-US" altLang="ko-KR" i="1">
-                                <a:solidFill>
-                                  <a:schemeClr val="tx1"/>
-                                </a:solidFill>
-                                <a:latin typeface="Cambria Math" panose="02040503050406030204" pitchFamily="18" charset="0"/>
-                              </a:rPr>
-                              <m:t>𝑡</m:t>
-                            </m:r>
-                            <m:r>
-                              <a:rPr lang="en-US" altLang="ko-KR" i="1">
-                                <a:solidFill>
-                                  <a:schemeClr val="tx1"/>
-                                </a:solidFill>
-                                <a:latin typeface="Cambria Math" panose="02040503050406030204" pitchFamily="18" charset="0"/>
-                              </a:rPr>
-                              <m:t>+1</m:t>
-                            </m:r>
-                          </m:sub>
-                        </m:sSub>
-                      </m:oMath>
-                    </m:oMathPara>
-                  </a14:m>
-                  <a:endParaRPr lang="ko-KR" altLang="en-US" dirty="0">
-                    <a:solidFill>
-                      <a:schemeClr val="tx1"/>
-                    </a:solidFill>
-                    <a:latin typeface="Times New Roman" panose="02020603050405020304" pitchFamily="18" charset="0"/>
-                    <a:cs typeface="Times New Roman" panose="02020603050405020304" pitchFamily="18" charset="0"/>
-                  </a:endParaRPr>
-                </a:p>
-              </p:txBody>
-            </p:sp>
-          </mc:Choice>
-          <mc:Fallback>
-            <p:sp>
-              <p:nvSpPr>
-                <p:cNvPr id="43" name="타원 42"/>
-                <p:cNvSpPr>
-                  <a:spLocks noRot="1" noChangeAspect="1" noMove="1" noResize="1" noEditPoints="1" noAdjustHandles="1" noChangeArrowheads="1" noChangeShapeType="1" noTextEdit="1"/>
-                </p:cNvSpPr>
-                <p:nvPr/>
-              </p:nvSpPr>
-              <p:spPr>
-                <a:xfrm>
-                  <a:off x="6480000" y="360000"/>
-                  <a:ext cx="720000" cy="720000"/>
-                </a:xfrm>
-                <a:prstGeom prst="ellipse">
-                  <a:avLst/>
-                </a:prstGeom>
-                <a:blipFill>
-                  <a:blip r:embed="rId12"/>
-                  <a:stretch>
-                    <a:fillRect/>
-                  </a:stretch>
-                </a:blipFill>
-                <a:ln>
-                  <a:noFill/>
-                </a:ln>
-              </p:spPr>
-              <p:txBody>
-                <a:bodyPr/>
-                <a:lstStyle/>
-                <a:p>
-                  <a:r>
-                    <a:rPr lang="ko-KR" altLang="en-US">
-                      <a:noFill/>
-                    </a:rPr>
-                    <a:t> </a:t>
-                  </a:r>
-                </a:p>
-              </p:txBody>
-            </p:sp>
-          </mc:Fallback>
-        </mc:AlternateContent>
-        <mc:AlternateContent xmlns:mc="http://schemas.openxmlformats.org/markup-compatibility/2006">
-          <mc:Choice xmlns:a14="http://schemas.microsoft.com/office/drawing/2010/main" Requires="a14">
-            <p:sp>
-              <p:nvSpPr>
-                <p:cNvPr id="44" name="타원 43"/>
-                <p:cNvSpPr/>
-                <p:nvPr/>
-              </p:nvSpPr>
-              <p:spPr>
-                <a:xfrm>
-                  <a:off x="4680000" y="360000"/>
-                  <a:ext cx="720000" cy="720000"/>
-                </a:xfrm>
-                <a:prstGeom prst="ellipse">
-                  <a:avLst/>
-                </a:prstGeom>
-                <a:noFill/>
-                <a:ln>
-                  <a:noFill/>
-                </a:ln>
-              </p:spPr>
-              <p:style>
-                <a:lnRef idx="2">
-                  <a:schemeClr val="accent1">
-                    <a:shade val="50000"/>
-                  </a:schemeClr>
-                </a:lnRef>
-                <a:fillRef idx="1">
-                  <a:schemeClr val="accent1"/>
-                </a:fillRef>
-                <a:effectRef idx="0">
-                  <a:schemeClr val="accent1"/>
-                </a:effectRef>
-                <a:fontRef idx="minor">
-                  <a:schemeClr val="lt1"/>
-                </a:fontRef>
-              </p:style>
-              <p:txBody>
-                <a:bodyPr rtlCol="0" anchor="ctr" anchorCtr="1"/>
-                <a:lstStyle/>
-                <a:p>
-                  <a:pPr algn="ctr"/>
-                  <a14:m>
-                    <m:oMathPara xmlns:m="http://schemas.openxmlformats.org/officeDocument/2006/math">
-                      <m:oMathParaPr>
-                        <m:jc m:val="centerGroup"/>
-                      </m:oMathParaPr>
-                      <m:oMath xmlns:m="http://schemas.openxmlformats.org/officeDocument/2006/math">
-                        <m:sSub>
-                          <m:sSubPr>
-                            <m:ctrlPr>
-                              <a:rPr lang="en-US" altLang="ko-KR" i="1">
-                                <a:solidFill>
-                                  <a:schemeClr val="tx1"/>
-                                </a:solidFill>
-                                <a:latin typeface="Cambria Math" panose="02040503050406030204" pitchFamily="18" charset="0"/>
-                              </a:rPr>
-                            </m:ctrlPr>
-                          </m:sSubPr>
-                          <m:e>
-                            <m:r>
-                              <a:rPr lang="en-US" altLang="ko-KR" i="1">
-                                <a:solidFill>
-                                  <a:schemeClr val="tx1"/>
-                                </a:solidFill>
-                                <a:latin typeface="Cambria Math" panose="02040503050406030204" pitchFamily="18" charset="0"/>
-                              </a:rPr>
-                              <m:t>𝑦</m:t>
-                            </m:r>
-                          </m:e>
-                          <m:sub>
-                            <m:r>
-                              <a:rPr lang="en-US" altLang="ko-KR" i="1">
-                                <a:solidFill>
-                                  <a:schemeClr val="tx1"/>
-                                </a:solidFill>
-                                <a:latin typeface="Cambria Math" panose="02040503050406030204" pitchFamily="18" charset="0"/>
-                              </a:rPr>
-                              <m:t>𝑡</m:t>
-                            </m:r>
-                          </m:sub>
-                        </m:sSub>
-                      </m:oMath>
-                    </m:oMathPara>
-                  </a14:m>
-                  <a:endParaRPr lang="ko-KR" altLang="en-US" dirty="0">
-                    <a:solidFill>
-                      <a:schemeClr val="tx1"/>
-                    </a:solidFill>
-                    <a:latin typeface="Times New Roman" panose="02020603050405020304" pitchFamily="18" charset="0"/>
-                    <a:cs typeface="Times New Roman" panose="02020603050405020304" pitchFamily="18" charset="0"/>
-                  </a:endParaRPr>
-                </a:p>
-              </p:txBody>
-            </p:sp>
-          </mc:Choice>
-          <mc:Fallback>
-            <p:sp>
-              <p:nvSpPr>
-                <p:cNvPr id="44" name="타원 43"/>
-                <p:cNvSpPr>
-                  <a:spLocks noRot="1" noChangeAspect="1" noMove="1" noResize="1" noEditPoints="1" noAdjustHandles="1" noChangeArrowheads="1" noChangeShapeType="1" noTextEdit="1"/>
-                </p:cNvSpPr>
-                <p:nvPr/>
-              </p:nvSpPr>
-              <p:spPr>
-                <a:xfrm>
-                  <a:off x="4680000" y="360000"/>
-                  <a:ext cx="720000" cy="720000"/>
-                </a:xfrm>
-                <a:prstGeom prst="ellipse">
-                  <a:avLst/>
-                </a:prstGeom>
-                <a:blipFill>
-                  <a:blip r:embed="rId13"/>
-                  <a:stretch>
-                    <a:fillRect/>
-                  </a:stretch>
-                </a:blipFill>
-                <a:ln>
-                  <a:noFill/>
-                </a:ln>
-              </p:spPr>
-              <p:txBody>
-                <a:bodyPr/>
-                <a:lstStyle/>
-                <a:p>
-                  <a:r>
-                    <a:rPr lang="ko-KR" altLang="en-US">
-                      <a:noFill/>
-                    </a:rPr>
-                    <a:t> </a:t>
-                  </a:r>
-                </a:p>
-              </p:txBody>
-            </p:sp>
-          </mc:Fallback>
-        </mc:AlternateContent>
-        <p:sp>
-          <p:nvSpPr>
-            <p:cNvPr id="70" name="자유형 69"/>
-            <p:cNvSpPr/>
-            <p:nvPr/>
-          </p:nvSpPr>
-          <p:spPr>
-            <a:xfrm>
-              <a:off x="2340000" y="2880000"/>
-              <a:ext cx="900000" cy="2880000"/>
-            </a:xfrm>
-            <a:custGeom>
-              <a:avLst/>
-              <a:gdLst>
-                <a:gd name="connsiteX0" fmla="*/ 988556 w 988556"/>
-                <a:gd name="connsiteY0" fmla="*/ 3509319 h 3509319"/>
-                <a:gd name="connsiteX1" fmla="*/ 16 w 988556"/>
-                <a:gd name="connsiteY1" fmla="*/ 1482811 h 3509319"/>
-                <a:gd name="connsiteX2" fmla="*/ 963843 w 988556"/>
-                <a:gd name="connsiteY2" fmla="*/ 0 h 3509319"/>
-              </a:gdLst>
-              <a:ahLst/>
-              <a:cxnLst>
-                <a:cxn ang="0">
-                  <a:pos x="connsiteX0" y="connsiteY0"/>
-                </a:cxn>
-                <a:cxn ang="0">
-                  <a:pos x="connsiteX1" y="connsiteY1"/>
-                </a:cxn>
-                <a:cxn ang="0">
-                  <a:pos x="connsiteX2" y="connsiteY2"/>
-                </a:cxn>
-              </a:cxnLst>
-              <a:rect l="l" t="t" r="r" b="b"/>
-              <a:pathLst>
-                <a:path w="988556" h="3509319">
-                  <a:moveTo>
-                    <a:pt x="988556" y="3509319"/>
-                  </a:moveTo>
-                  <a:cubicBezTo>
-                    <a:pt x="496345" y="2788508"/>
-                    <a:pt x="4135" y="2067697"/>
-                    <a:pt x="16" y="1482811"/>
-                  </a:cubicBezTo>
-                  <a:cubicBezTo>
-                    <a:pt x="-4103" y="897925"/>
-                    <a:pt x="747600" y="308919"/>
-                    <a:pt x="963843" y="0"/>
-                  </a:cubicBezTo>
-                </a:path>
-              </a:pathLst>
-            </a:custGeom>
-            <a:noFill/>
-            <a:ln>
-              <a:solidFill>
-                <a:schemeClr val="tx1"/>
-              </a:solidFill>
-              <a:headEnd type="none" w="med" len="med"/>
-              <a:tailEnd type="triangle" w="lg" len="lg"/>
-            </a:ln>
-          </p:spPr>
-          <p:style>
-            <a:lnRef idx="2">
-              <a:schemeClr val="accent1">
-                <a:shade val="50000"/>
-              </a:schemeClr>
-            </a:lnRef>
-            <a:fillRef idx="1">
-              <a:schemeClr val="accent1"/>
-            </a:fillRef>
-            <a:effectRef idx="0">
-              <a:schemeClr val="accent1"/>
-            </a:effectRef>
-            <a:fontRef idx="minor">
-              <a:schemeClr val="lt1"/>
-            </a:fontRef>
-          </p:style>
-          <p:txBody>
-            <a:bodyPr rtlCol="0" anchor="ctr"/>
-            <a:lstStyle/>
-            <a:p>
-              <a:pPr algn="ctr"/>
-              <a:endParaRPr lang="ko-KR" altLang="en-US" sz="1350"/>
-            </a:p>
-          </p:txBody>
-        </p:sp>
-        <p:sp>
-          <p:nvSpPr>
-            <p:cNvPr id="71" name="자유형 70"/>
-            <p:cNvSpPr/>
-            <p:nvPr/>
-          </p:nvSpPr>
-          <p:spPr>
-            <a:xfrm>
-              <a:off x="4140000" y="2880000"/>
-              <a:ext cx="900000" cy="2880000"/>
-            </a:xfrm>
-            <a:custGeom>
-              <a:avLst/>
-              <a:gdLst>
-                <a:gd name="connsiteX0" fmla="*/ 988556 w 988556"/>
-                <a:gd name="connsiteY0" fmla="*/ 3509319 h 3509319"/>
-                <a:gd name="connsiteX1" fmla="*/ 16 w 988556"/>
-                <a:gd name="connsiteY1" fmla="*/ 1482811 h 3509319"/>
-                <a:gd name="connsiteX2" fmla="*/ 963843 w 988556"/>
-                <a:gd name="connsiteY2" fmla="*/ 0 h 3509319"/>
-              </a:gdLst>
-              <a:ahLst/>
-              <a:cxnLst>
-                <a:cxn ang="0">
-                  <a:pos x="connsiteX0" y="connsiteY0"/>
-                </a:cxn>
-                <a:cxn ang="0">
-                  <a:pos x="connsiteX1" y="connsiteY1"/>
-                </a:cxn>
-                <a:cxn ang="0">
-                  <a:pos x="connsiteX2" y="connsiteY2"/>
-                </a:cxn>
-              </a:cxnLst>
-              <a:rect l="l" t="t" r="r" b="b"/>
-              <a:pathLst>
-                <a:path w="988556" h="3509319">
-                  <a:moveTo>
-                    <a:pt x="988556" y="3509319"/>
-                  </a:moveTo>
-                  <a:cubicBezTo>
-                    <a:pt x="496345" y="2788508"/>
-                    <a:pt x="4135" y="2067697"/>
-                    <a:pt x="16" y="1482811"/>
-                  </a:cubicBezTo>
-                  <a:cubicBezTo>
-                    <a:pt x="-4103" y="897925"/>
-                    <a:pt x="747600" y="308919"/>
-                    <a:pt x="963843" y="0"/>
-                  </a:cubicBezTo>
-                </a:path>
-              </a:pathLst>
-            </a:custGeom>
-            <a:noFill/>
-            <a:ln>
-              <a:solidFill>
-                <a:schemeClr val="tx1"/>
-              </a:solidFill>
-              <a:headEnd type="none" w="med" len="med"/>
-              <a:tailEnd type="triangle" w="lg" len="lg"/>
-            </a:ln>
-          </p:spPr>
-          <p:style>
-            <a:lnRef idx="2">
-              <a:schemeClr val="accent1">
-                <a:shade val="50000"/>
-              </a:schemeClr>
-            </a:lnRef>
-            <a:fillRef idx="1">
-              <a:schemeClr val="accent1"/>
-            </a:fillRef>
-            <a:effectRef idx="0">
-              <a:schemeClr val="accent1"/>
-            </a:effectRef>
-            <a:fontRef idx="minor">
-              <a:schemeClr val="lt1"/>
-            </a:fontRef>
-          </p:style>
-          <p:txBody>
-            <a:bodyPr rtlCol="0" anchor="ctr"/>
-            <a:lstStyle/>
-            <a:p>
-              <a:pPr algn="ctr"/>
-              <a:endParaRPr lang="ko-KR" altLang="en-US" sz="1350"/>
-            </a:p>
-          </p:txBody>
-        </p:sp>
-        <p:sp>
-          <p:nvSpPr>
-            <p:cNvPr id="72" name="자유형 71"/>
-            <p:cNvSpPr/>
-            <p:nvPr/>
-          </p:nvSpPr>
-          <p:spPr>
-            <a:xfrm>
-              <a:off x="5940000" y="2880000"/>
-              <a:ext cx="900000" cy="2880000"/>
-            </a:xfrm>
-            <a:custGeom>
-              <a:avLst/>
-              <a:gdLst>
-                <a:gd name="connsiteX0" fmla="*/ 988556 w 988556"/>
-                <a:gd name="connsiteY0" fmla="*/ 3509319 h 3509319"/>
-                <a:gd name="connsiteX1" fmla="*/ 16 w 988556"/>
-                <a:gd name="connsiteY1" fmla="*/ 1482811 h 3509319"/>
-                <a:gd name="connsiteX2" fmla="*/ 963843 w 988556"/>
-                <a:gd name="connsiteY2" fmla="*/ 0 h 3509319"/>
-              </a:gdLst>
-              <a:ahLst/>
-              <a:cxnLst>
-                <a:cxn ang="0">
-                  <a:pos x="connsiteX0" y="connsiteY0"/>
-                </a:cxn>
-                <a:cxn ang="0">
-                  <a:pos x="connsiteX1" y="connsiteY1"/>
-                </a:cxn>
-                <a:cxn ang="0">
-                  <a:pos x="connsiteX2" y="connsiteY2"/>
-                </a:cxn>
-              </a:cxnLst>
-              <a:rect l="l" t="t" r="r" b="b"/>
-              <a:pathLst>
-                <a:path w="988556" h="3509319">
-                  <a:moveTo>
-                    <a:pt x="988556" y="3509319"/>
-                  </a:moveTo>
-                  <a:cubicBezTo>
-                    <a:pt x="496345" y="2788508"/>
-                    <a:pt x="4135" y="2067697"/>
-                    <a:pt x="16" y="1482811"/>
-                  </a:cubicBezTo>
-                  <a:cubicBezTo>
-                    <a:pt x="-4103" y="897925"/>
-                    <a:pt x="747600" y="308919"/>
-                    <a:pt x="963843" y="0"/>
-                  </a:cubicBezTo>
-                </a:path>
-              </a:pathLst>
-            </a:custGeom>
-            <a:noFill/>
-            <a:ln>
-              <a:solidFill>
-                <a:schemeClr val="tx1"/>
-              </a:solidFill>
-              <a:headEnd type="none" w="med" len="med"/>
-              <a:tailEnd type="triangle" w="lg" len="lg"/>
-            </a:ln>
-          </p:spPr>
-          <p:style>
-            <a:lnRef idx="2">
-              <a:schemeClr val="accent1">
-                <a:shade val="50000"/>
-              </a:schemeClr>
-            </a:lnRef>
-            <a:fillRef idx="1">
-              <a:schemeClr val="accent1"/>
-            </a:fillRef>
-            <a:effectRef idx="0">
-              <a:schemeClr val="accent1"/>
-            </a:effectRef>
-            <a:fontRef idx="minor">
-              <a:schemeClr val="lt1"/>
-            </a:fontRef>
-          </p:style>
-          <p:txBody>
-            <a:bodyPr rtlCol="0" anchor="ctr"/>
-            <a:lstStyle/>
-            <a:p>
-              <a:pPr algn="ctr"/>
-              <a:endParaRPr lang="ko-KR" altLang="en-US" sz="1350"/>
-            </a:p>
-          </p:txBody>
-        </p:sp>
-        <p:sp>
-          <p:nvSpPr>
-            <p:cNvPr id="73" name="자유형 72"/>
-            <p:cNvSpPr/>
-            <p:nvPr/>
-          </p:nvSpPr>
-          <p:spPr>
-            <a:xfrm flipH="1">
-              <a:off x="3240000" y="1080001"/>
-              <a:ext cx="900000" cy="3059998"/>
-            </a:xfrm>
-            <a:custGeom>
-              <a:avLst/>
-              <a:gdLst>
-                <a:gd name="connsiteX0" fmla="*/ 988556 w 988556"/>
-                <a:gd name="connsiteY0" fmla="*/ 3509319 h 3509319"/>
-                <a:gd name="connsiteX1" fmla="*/ 16 w 988556"/>
-                <a:gd name="connsiteY1" fmla="*/ 1482811 h 3509319"/>
-                <a:gd name="connsiteX2" fmla="*/ 963843 w 988556"/>
-                <a:gd name="connsiteY2" fmla="*/ 0 h 3509319"/>
-              </a:gdLst>
-              <a:ahLst/>
-              <a:cxnLst>
-                <a:cxn ang="0">
-                  <a:pos x="connsiteX0" y="connsiteY0"/>
-                </a:cxn>
-                <a:cxn ang="0">
-                  <a:pos x="connsiteX1" y="connsiteY1"/>
-                </a:cxn>
-                <a:cxn ang="0">
-                  <a:pos x="connsiteX2" y="connsiteY2"/>
-                </a:cxn>
-              </a:cxnLst>
-              <a:rect l="l" t="t" r="r" b="b"/>
-              <a:pathLst>
-                <a:path w="988556" h="3509319">
-                  <a:moveTo>
-                    <a:pt x="988556" y="3509319"/>
-                  </a:moveTo>
-                  <a:cubicBezTo>
-                    <a:pt x="496345" y="2788508"/>
-                    <a:pt x="4135" y="2067697"/>
-                    <a:pt x="16" y="1482811"/>
-                  </a:cubicBezTo>
-                  <a:cubicBezTo>
-                    <a:pt x="-4103" y="897925"/>
-                    <a:pt x="747600" y="308919"/>
-                    <a:pt x="963843" y="0"/>
-                  </a:cubicBezTo>
-                </a:path>
-              </a:pathLst>
-            </a:custGeom>
-            <a:noFill/>
-            <a:ln>
-              <a:solidFill>
-                <a:schemeClr val="tx1"/>
-              </a:solidFill>
-              <a:headEnd type="none" w="med" len="med"/>
-              <a:tailEnd type="triangle" w="lg" len="lg"/>
-            </a:ln>
-          </p:spPr>
-          <p:style>
-            <a:lnRef idx="2">
-              <a:schemeClr val="accent1">
-                <a:shade val="50000"/>
-              </a:schemeClr>
-            </a:lnRef>
-            <a:fillRef idx="1">
-              <a:schemeClr val="accent1"/>
-            </a:fillRef>
-            <a:effectRef idx="0">
-              <a:schemeClr val="accent1"/>
-            </a:effectRef>
-            <a:fontRef idx="minor">
-              <a:schemeClr val="lt1"/>
-            </a:fontRef>
-          </p:style>
-          <p:txBody>
-            <a:bodyPr rtlCol="0" anchor="ctr"/>
-            <a:lstStyle/>
-            <a:p>
-              <a:pPr algn="ctr"/>
-              <a:endParaRPr lang="ko-KR" altLang="en-US" sz="1350"/>
-            </a:p>
-          </p:txBody>
-        </p:sp>
-        <p:sp>
-          <p:nvSpPr>
-            <p:cNvPr id="74" name="자유형 73"/>
-            <p:cNvSpPr/>
-            <p:nvPr/>
-          </p:nvSpPr>
-          <p:spPr>
-            <a:xfrm flipH="1">
-              <a:off x="5040000" y="1079999"/>
-              <a:ext cx="900000" cy="3060000"/>
-            </a:xfrm>
-            <a:custGeom>
-              <a:avLst/>
-              <a:gdLst>
-                <a:gd name="connsiteX0" fmla="*/ 988556 w 988556"/>
-                <a:gd name="connsiteY0" fmla="*/ 3509319 h 3509319"/>
-                <a:gd name="connsiteX1" fmla="*/ 16 w 988556"/>
-                <a:gd name="connsiteY1" fmla="*/ 1482811 h 3509319"/>
-                <a:gd name="connsiteX2" fmla="*/ 963843 w 988556"/>
-                <a:gd name="connsiteY2" fmla="*/ 0 h 3509319"/>
-              </a:gdLst>
-              <a:ahLst/>
-              <a:cxnLst>
-                <a:cxn ang="0">
-                  <a:pos x="connsiteX0" y="connsiteY0"/>
-                </a:cxn>
-                <a:cxn ang="0">
-                  <a:pos x="connsiteX1" y="connsiteY1"/>
-                </a:cxn>
-                <a:cxn ang="0">
-                  <a:pos x="connsiteX2" y="connsiteY2"/>
-                </a:cxn>
-              </a:cxnLst>
-              <a:rect l="l" t="t" r="r" b="b"/>
-              <a:pathLst>
-                <a:path w="988556" h="3509319">
-                  <a:moveTo>
-                    <a:pt x="988556" y="3509319"/>
-                  </a:moveTo>
-                  <a:cubicBezTo>
-                    <a:pt x="496345" y="2788508"/>
-                    <a:pt x="4135" y="2067697"/>
-                    <a:pt x="16" y="1482811"/>
-                  </a:cubicBezTo>
-                  <a:cubicBezTo>
-                    <a:pt x="-4103" y="897925"/>
-                    <a:pt x="747600" y="308919"/>
-                    <a:pt x="963843" y="0"/>
-                  </a:cubicBezTo>
-                </a:path>
-              </a:pathLst>
-            </a:custGeom>
-            <a:noFill/>
-            <a:ln>
-              <a:solidFill>
-                <a:schemeClr val="tx1"/>
-              </a:solidFill>
-              <a:headEnd type="none" w="med" len="med"/>
-              <a:tailEnd type="triangle" w="lg" len="lg"/>
-            </a:ln>
-          </p:spPr>
-          <p:style>
-            <a:lnRef idx="2">
-              <a:schemeClr val="accent1">
-                <a:shade val="50000"/>
-              </a:schemeClr>
-            </a:lnRef>
-            <a:fillRef idx="1">
-              <a:schemeClr val="accent1"/>
-            </a:fillRef>
-            <a:effectRef idx="0">
-              <a:schemeClr val="accent1"/>
-            </a:effectRef>
-            <a:fontRef idx="minor">
-              <a:schemeClr val="lt1"/>
-            </a:fontRef>
-          </p:style>
-          <p:txBody>
-            <a:bodyPr rtlCol="0" anchor="ctr"/>
-            <a:lstStyle/>
-            <a:p>
-              <a:pPr algn="ctr"/>
-              <a:endParaRPr lang="ko-KR" altLang="en-US" sz="1350"/>
-            </a:p>
-          </p:txBody>
-        </p:sp>
-        <p:sp>
-          <p:nvSpPr>
-            <p:cNvPr id="75" name="자유형 74"/>
-            <p:cNvSpPr/>
-            <p:nvPr/>
-          </p:nvSpPr>
-          <p:spPr>
-            <a:xfrm flipH="1">
-              <a:off x="6840000" y="1080000"/>
-              <a:ext cx="900000" cy="3060000"/>
-            </a:xfrm>
-            <a:custGeom>
-              <a:avLst/>
-              <a:gdLst>
-                <a:gd name="connsiteX0" fmla="*/ 988556 w 988556"/>
-                <a:gd name="connsiteY0" fmla="*/ 3509319 h 3509319"/>
-                <a:gd name="connsiteX1" fmla="*/ 16 w 988556"/>
-                <a:gd name="connsiteY1" fmla="*/ 1482811 h 3509319"/>
-                <a:gd name="connsiteX2" fmla="*/ 963843 w 988556"/>
-                <a:gd name="connsiteY2" fmla="*/ 0 h 3509319"/>
-              </a:gdLst>
-              <a:ahLst/>
-              <a:cxnLst>
-                <a:cxn ang="0">
-                  <a:pos x="connsiteX0" y="connsiteY0"/>
-                </a:cxn>
-                <a:cxn ang="0">
-                  <a:pos x="connsiteX1" y="connsiteY1"/>
-                </a:cxn>
-                <a:cxn ang="0">
-                  <a:pos x="connsiteX2" y="connsiteY2"/>
-                </a:cxn>
-              </a:cxnLst>
-              <a:rect l="l" t="t" r="r" b="b"/>
-              <a:pathLst>
-                <a:path w="988556" h="3509319">
-                  <a:moveTo>
-                    <a:pt x="988556" y="3509319"/>
-                  </a:moveTo>
-                  <a:cubicBezTo>
-                    <a:pt x="496345" y="2788508"/>
-                    <a:pt x="4135" y="2067697"/>
-                    <a:pt x="16" y="1482811"/>
-                  </a:cubicBezTo>
-                  <a:cubicBezTo>
-                    <a:pt x="-4103" y="897925"/>
-                    <a:pt x="747600" y="308919"/>
-                    <a:pt x="963843" y="0"/>
-                  </a:cubicBezTo>
-                </a:path>
-              </a:pathLst>
-            </a:custGeom>
-            <a:noFill/>
-            <a:ln>
-              <a:solidFill>
-                <a:schemeClr val="tx1"/>
-              </a:solidFill>
-              <a:headEnd type="none" w="med" len="med"/>
-              <a:tailEnd type="triangle" w="lg" len="lg"/>
-            </a:ln>
-          </p:spPr>
-          <p:style>
-            <a:lnRef idx="2">
-              <a:schemeClr val="accent1">
-                <a:shade val="50000"/>
-              </a:schemeClr>
-            </a:lnRef>
-            <a:fillRef idx="1">
-              <a:schemeClr val="accent1"/>
-            </a:fillRef>
-            <a:effectRef idx="0">
-              <a:schemeClr val="accent1"/>
-            </a:effectRef>
-            <a:fontRef idx="minor">
-              <a:schemeClr val="lt1"/>
-            </a:fontRef>
-          </p:style>
-          <p:txBody>
-            <a:bodyPr rtlCol="0" anchor="ctr"/>
-            <a:lstStyle/>
-            <a:p>
-              <a:pPr algn="ctr"/>
-              <a:endParaRPr lang="ko-KR" altLang="en-US" sz="1350"/>
-            </a:p>
-          </p:txBody>
-        </p:sp>
-        <p:sp>
-          <p:nvSpPr>
-            <p:cNvPr id="76" name="TextBox 75"/>
-            <p:cNvSpPr txBox="1"/>
-            <p:nvPr/>
-          </p:nvSpPr>
-          <p:spPr>
-            <a:xfrm>
-              <a:off x="155025" y="2155334"/>
-              <a:ext cx="1764864" cy="369332"/>
-            </a:xfrm>
-            <a:prstGeom prst="rect">
-              <a:avLst/>
-            </a:prstGeom>
-            <a:noFill/>
-          </p:spPr>
-          <p:txBody>
-            <a:bodyPr wrap="square" rtlCol="0">
-              <a:spAutoFit/>
-            </a:bodyPr>
-            <a:lstStyle/>
-            <a:p>
-              <a:pPr algn="ctr"/>
-              <a:r>
-                <a:rPr lang="en-US" altLang="ko-KR" dirty="0">
-                  <a:latin typeface="times" panose="02020603050405020304" pitchFamily="18" charset="0"/>
-                  <a:cs typeface="times" panose="02020603050405020304" pitchFamily="18" charset="0"/>
-                </a:rPr>
-                <a:t>Backward Layer</a:t>
-              </a:r>
-              <a:endParaRPr lang="ko-KR" altLang="en-US" dirty="0">
-                <a:latin typeface="times" panose="02020603050405020304" pitchFamily="18" charset="0"/>
-                <a:cs typeface="times" panose="02020603050405020304" pitchFamily="18" charset="0"/>
-              </a:endParaRPr>
-            </a:p>
-          </p:txBody>
-        </p:sp>
-        <p:sp>
-          <p:nvSpPr>
-            <p:cNvPr id="77" name="TextBox 76"/>
-            <p:cNvSpPr txBox="1"/>
-            <p:nvPr/>
-          </p:nvSpPr>
-          <p:spPr>
-            <a:xfrm>
-              <a:off x="225272" y="4495334"/>
-              <a:ext cx="1624370" cy="369332"/>
-            </a:xfrm>
-            <a:prstGeom prst="rect">
-              <a:avLst/>
-            </a:prstGeom>
-            <a:noFill/>
-          </p:spPr>
-          <p:txBody>
-            <a:bodyPr wrap="square" rtlCol="0">
-              <a:spAutoFit/>
-            </a:bodyPr>
-            <a:lstStyle/>
-            <a:p>
-              <a:pPr algn="ctr"/>
-              <a:r>
-                <a:rPr lang="en-US" altLang="ko-KR" dirty="0">
-                  <a:latin typeface="times" panose="02020603050405020304" pitchFamily="18" charset="0"/>
-                  <a:cs typeface="times" panose="02020603050405020304" pitchFamily="18" charset="0"/>
-                </a:rPr>
-                <a:t>Forward Layer</a:t>
-              </a:r>
-              <a:endParaRPr lang="ko-KR" altLang="en-US" dirty="0">
-                <a:latin typeface="times" panose="02020603050405020304" pitchFamily="18" charset="0"/>
-                <a:cs typeface="times" panose="02020603050405020304" pitchFamily="18" charset="0"/>
-              </a:endParaRPr>
-            </a:p>
-          </p:txBody>
-        </p:sp>
-        <p:sp>
-          <p:nvSpPr>
-            <p:cNvPr id="78" name="TextBox 77"/>
-            <p:cNvSpPr txBox="1"/>
-            <p:nvPr/>
-          </p:nvSpPr>
-          <p:spPr>
-            <a:xfrm>
-              <a:off x="306083" y="5935334"/>
-              <a:ext cx="1462748" cy="369332"/>
-            </a:xfrm>
-            <a:prstGeom prst="rect">
-              <a:avLst/>
-            </a:prstGeom>
-            <a:noFill/>
-          </p:spPr>
-          <p:txBody>
-            <a:bodyPr wrap="square" rtlCol="0">
-              <a:spAutoFit/>
-            </a:bodyPr>
-            <a:lstStyle/>
-            <a:p>
-              <a:pPr algn="ctr"/>
-              <a:r>
-                <a:rPr lang="en-US" altLang="ko-KR" dirty="0">
-                  <a:latin typeface="times" panose="02020603050405020304" pitchFamily="18" charset="0"/>
-                  <a:cs typeface="times" panose="02020603050405020304" pitchFamily="18" charset="0"/>
-                </a:rPr>
-                <a:t>Inputs</a:t>
-              </a:r>
-              <a:endParaRPr lang="ko-KR" altLang="en-US" dirty="0">
-                <a:latin typeface="times" panose="02020603050405020304" pitchFamily="18" charset="0"/>
-                <a:cs typeface="times" panose="02020603050405020304" pitchFamily="18" charset="0"/>
-              </a:endParaRPr>
-            </a:p>
-          </p:txBody>
-        </p:sp>
-        <p:sp>
-          <p:nvSpPr>
-            <p:cNvPr id="79" name="TextBox 78"/>
-            <p:cNvSpPr txBox="1"/>
-            <p:nvPr/>
-          </p:nvSpPr>
-          <p:spPr>
-            <a:xfrm>
-              <a:off x="310188" y="535334"/>
-              <a:ext cx="1462748" cy="369332"/>
-            </a:xfrm>
-            <a:prstGeom prst="rect">
-              <a:avLst/>
-            </a:prstGeom>
-            <a:noFill/>
-          </p:spPr>
-          <p:txBody>
-            <a:bodyPr wrap="square" rtlCol="0">
-              <a:spAutoFit/>
-            </a:bodyPr>
-            <a:lstStyle/>
-            <a:p>
-              <a:pPr algn="ctr"/>
-              <a:r>
-                <a:rPr lang="en-US" altLang="ko-KR" dirty="0">
-                  <a:latin typeface="times" panose="02020603050405020304" pitchFamily="18" charset="0"/>
-                  <a:cs typeface="times" panose="02020603050405020304" pitchFamily="18" charset="0"/>
-                </a:rPr>
-                <a:t>Outputs</a:t>
-              </a:r>
-              <a:endParaRPr lang="ko-KR" altLang="en-US" dirty="0">
-                <a:latin typeface="times" panose="02020603050405020304" pitchFamily="18" charset="0"/>
-                <a:cs typeface="times" panose="02020603050405020304" pitchFamily="18" charset="0"/>
-              </a:endParaRPr>
-            </a:p>
-          </p:txBody>
-        </p:sp>
-        <p:grpSp>
-          <p:nvGrpSpPr>
-            <p:cNvPr id="82" name="그룹 81"/>
-            <p:cNvGrpSpPr/>
-            <p:nvPr/>
-          </p:nvGrpSpPr>
-          <p:grpSpPr>
-            <a:xfrm>
-              <a:off x="1252082" y="3469500"/>
-              <a:ext cx="724035" cy="54000"/>
-              <a:chOff x="3415862" y="5665076"/>
-              <a:chExt cx="965380" cy="72000"/>
-            </a:xfrm>
-          </p:grpSpPr>
-          <p:sp>
-            <p:nvSpPr>
-              <p:cNvPr id="83" name="타원 82"/>
-              <p:cNvSpPr/>
-              <p:nvPr/>
-            </p:nvSpPr>
-            <p:spPr>
-              <a:xfrm>
-                <a:off x="3415862" y="5665076"/>
-                <a:ext cx="72000" cy="72000"/>
-              </a:xfrm>
-              <a:prstGeom prst="ellipse">
-                <a:avLst/>
-              </a:prstGeom>
-              <a:solidFill>
-                <a:schemeClr val="tx1"/>
-              </a:solidFill>
-              <a:ln>
-                <a:solidFill>
-                  <a:schemeClr val="tx1"/>
-                </a:solidFill>
-              </a:ln>
-            </p:spPr>
-            <p:style>
-              <a:lnRef idx="2">
-                <a:schemeClr val="accent1">
-                  <a:shade val="50000"/>
-                </a:schemeClr>
-              </a:lnRef>
-              <a:fillRef idx="1">
-                <a:schemeClr val="accent1"/>
-              </a:fillRef>
-              <a:effectRef idx="0">
-                <a:schemeClr val="accent1"/>
-              </a:effectRef>
-              <a:fontRef idx="minor">
-                <a:schemeClr val="lt1"/>
-              </a:fontRef>
-            </p:style>
-            <p:txBody>
-              <a:bodyPr rtlCol="0" anchor="ctr"/>
-              <a:lstStyle/>
-              <a:p>
-                <a:pPr algn="ctr"/>
-                <a:endParaRPr lang="ko-KR" altLang="en-US" sz="1350"/>
-              </a:p>
-            </p:txBody>
-          </p:sp>
-          <p:sp>
-            <p:nvSpPr>
-              <p:cNvPr id="84" name="타원 83"/>
-              <p:cNvSpPr/>
-              <p:nvPr/>
-            </p:nvSpPr>
-            <p:spPr>
-              <a:xfrm>
-                <a:off x="3862552" y="5665076"/>
-                <a:ext cx="72000" cy="72000"/>
-              </a:xfrm>
-              <a:prstGeom prst="ellipse">
-                <a:avLst/>
-              </a:prstGeom>
-              <a:solidFill>
-                <a:schemeClr val="tx1"/>
-              </a:solidFill>
-              <a:ln>
-                <a:solidFill>
-                  <a:schemeClr val="tx1"/>
-                </a:solidFill>
-              </a:ln>
-            </p:spPr>
-            <p:style>
-              <a:lnRef idx="2">
-                <a:schemeClr val="accent1">
-                  <a:shade val="50000"/>
-                </a:schemeClr>
-              </a:lnRef>
-              <a:fillRef idx="1">
-                <a:schemeClr val="accent1"/>
-              </a:fillRef>
-              <a:effectRef idx="0">
-                <a:schemeClr val="accent1"/>
-              </a:effectRef>
-              <a:fontRef idx="minor">
-                <a:schemeClr val="lt1"/>
-              </a:fontRef>
-            </p:style>
-            <p:txBody>
-              <a:bodyPr rtlCol="0" anchor="ctr"/>
-              <a:lstStyle/>
-              <a:p>
-                <a:pPr algn="ctr"/>
-                <a:endParaRPr lang="ko-KR" altLang="en-US" sz="1350"/>
-              </a:p>
-            </p:txBody>
-          </p:sp>
-          <p:sp>
-            <p:nvSpPr>
-              <p:cNvPr id="85" name="타원 84"/>
-              <p:cNvSpPr/>
-              <p:nvPr/>
-            </p:nvSpPr>
-            <p:spPr>
-              <a:xfrm>
-                <a:off x="4309242" y="5665076"/>
-                <a:ext cx="72000" cy="72000"/>
-              </a:xfrm>
-              <a:prstGeom prst="ellipse">
-                <a:avLst/>
-              </a:prstGeom>
-              <a:solidFill>
-                <a:schemeClr val="tx1"/>
-              </a:solidFill>
-              <a:ln>
-                <a:solidFill>
-                  <a:schemeClr val="tx1"/>
-                </a:solidFill>
-              </a:ln>
-            </p:spPr>
-            <p:style>
-              <a:lnRef idx="2">
-                <a:schemeClr val="accent1">
-                  <a:shade val="50000"/>
-                </a:schemeClr>
-              </a:lnRef>
-              <a:fillRef idx="1">
-                <a:schemeClr val="accent1"/>
-              </a:fillRef>
-              <a:effectRef idx="0">
-                <a:schemeClr val="accent1"/>
-              </a:effectRef>
-              <a:fontRef idx="minor">
-                <a:schemeClr val="lt1"/>
-              </a:fontRef>
-            </p:style>
-            <p:txBody>
-              <a:bodyPr rtlCol="0" anchor="ctr"/>
-              <a:lstStyle/>
-              <a:p>
-                <a:pPr algn="ctr"/>
-                <a:endParaRPr lang="ko-KR" altLang="en-US" sz="1350"/>
-              </a:p>
-            </p:txBody>
-          </p:sp>
-        </p:grpSp>
-        <p:grpSp>
-          <p:nvGrpSpPr>
-            <p:cNvPr id="88" name="그룹 87"/>
-            <p:cNvGrpSpPr/>
-            <p:nvPr/>
-          </p:nvGrpSpPr>
-          <p:grpSpPr>
-            <a:xfrm>
-              <a:off x="8100000" y="3496500"/>
-              <a:ext cx="724035" cy="54000"/>
-              <a:chOff x="3415862" y="5665076"/>
-              <a:chExt cx="965380" cy="72000"/>
-            </a:xfrm>
-          </p:grpSpPr>
-          <p:sp>
-            <p:nvSpPr>
-              <p:cNvPr id="89" name="타원 88"/>
-              <p:cNvSpPr/>
-              <p:nvPr/>
-            </p:nvSpPr>
-            <p:spPr>
-              <a:xfrm>
-                <a:off x="3415862" y="5665076"/>
-                <a:ext cx="72000" cy="72000"/>
-              </a:xfrm>
-              <a:prstGeom prst="ellipse">
-                <a:avLst/>
-              </a:prstGeom>
-              <a:solidFill>
-                <a:schemeClr val="tx1"/>
-              </a:solidFill>
-              <a:ln>
-                <a:solidFill>
-                  <a:schemeClr val="tx1"/>
-                </a:solidFill>
-              </a:ln>
-            </p:spPr>
-            <p:style>
-              <a:lnRef idx="2">
-                <a:schemeClr val="accent1">
-                  <a:shade val="50000"/>
-                </a:schemeClr>
-              </a:lnRef>
-              <a:fillRef idx="1">
-                <a:schemeClr val="accent1"/>
-              </a:fillRef>
-              <a:effectRef idx="0">
-                <a:schemeClr val="accent1"/>
-              </a:effectRef>
-              <a:fontRef idx="minor">
-                <a:schemeClr val="lt1"/>
-              </a:fontRef>
-            </p:style>
-            <p:txBody>
-              <a:bodyPr rtlCol="0" anchor="ctr"/>
-              <a:lstStyle/>
-              <a:p>
-                <a:pPr algn="ctr"/>
-                <a:endParaRPr lang="ko-KR" altLang="en-US" sz="1350"/>
-              </a:p>
-            </p:txBody>
-          </p:sp>
-          <p:sp>
-            <p:nvSpPr>
-              <p:cNvPr id="90" name="타원 89"/>
-              <p:cNvSpPr/>
-              <p:nvPr/>
-            </p:nvSpPr>
-            <p:spPr>
-              <a:xfrm>
-                <a:off x="3862552" y="5665076"/>
-                <a:ext cx="72000" cy="72000"/>
-              </a:xfrm>
-              <a:prstGeom prst="ellipse">
-                <a:avLst/>
-              </a:prstGeom>
-              <a:solidFill>
-                <a:schemeClr val="tx1"/>
-              </a:solidFill>
-              <a:ln>
-                <a:solidFill>
-                  <a:schemeClr val="tx1"/>
-                </a:solidFill>
-              </a:ln>
-            </p:spPr>
-            <p:style>
-              <a:lnRef idx="2">
-                <a:schemeClr val="accent1">
-                  <a:shade val="50000"/>
-                </a:schemeClr>
-              </a:lnRef>
-              <a:fillRef idx="1">
-                <a:schemeClr val="accent1"/>
-              </a:fillRef>
-              <a:effectRef idx="0">
-                <a:schemeClr val="accent1"/>
-              </a:effectRef>
-              <a:fontRef idx="minor">
-                <a:schemeClr val="lt1"/>
-              </a:fontRef>
-            </p:style>
-            <p:txBody>
-              <a:bodyPr rtlCol="0" anchor="ctr"/>
-              <a:lstStyle/>
-              <a:p>
-                <a:pPr algn="ctr"/>
-                <a:endParaRPr lang="ko-KR" altLang="en-US" sz="1350"/>
-              </a:p>
-            </p:txBody>
-          </p:sp>
-          <p:sp>
-            <p:nvSpPr>
-              <p:cNvPr id="91" name="타원 90"/>
-              <p:cNvSpPr/>
-              <p:nvPr/>
-            </p:nvSpPr>
-            <p:spPr>
-              <a:xfrm>
-                <a:off x="4309242" y="5665076"/>
-                <a:ext cx="72000" cy="72000"/>
-              </a:xfrm>
-              <a:prstGeom prst="ellipse">
-                <a:avLst/>
-              </a:prstGeom>
-              <a:solidFill>
-                <a:schemeClr val="tx1"/>
-              </a:solidFill>
-              <a:ln>
-                <a:solidFill>
-                  <a:schemeClr val="tx1"/>
-                </a:solidFill>
-              </a:ln>
-            </p:spPr>
-            <p:style>
-              <a:lnRef idx="2">
-                <a:schemeClr val="accent1">
-                  <a:shade val="50000"/>
-                </a:schemeClr>
-              </a:lnRef>
-              <a:fillRef idx="1">
-                <a:schemeClr val="accent1"/>
-              </a:fillRef>
-              <a:effectRef idx="0">
-                <a:schemeClr val="accent1"/>
-              </a:effectRef>
-              <a:fontRef idx="minor">
-                <a:schemeClr val="lt1"/>
-              </a:fontRef>
-            </p:style>
-            <p:txBody>
-              <a:bodyPr rtlCol="0" anchor="ctr"/>
-              <a:lstStyle/>
-              <a:p>
-                <a:pPr algn="ctr"/>
-                <a:endParaRPr lang="ko-KR" altLang="en-US" sz="1350"/>
-              </a:p>
-            </p:txBody>
-          </p:sp>
-        </p:grpSp>
-        <mc:AlternateContent xmlns:mc="http://schemas.openxmlformats.org/markup-compatibility/2006">
-          <mc:Choice xmlns:a14="http://schemas.microsoft.com/office/drawing/2010/main" Requires="a14">
-            <p:sp>
-              <p:nvSpPr>
-                <p:cNvPr id="19" name="직사각형 18"/>
-                <p:cNvSpPr/>
-                <p:nvPr/>
-              </p:nvSpPr>
-              <p:spPr>
-                <a:xfrm>
-                  <a:off x="2569964" y="1248560"/>
-                  <a:ext cx="673198" cy="381195"/>
-                </a:xfrm>
-                <a:prstGeom prst="rect">
-                  <a:avLst/>
-                </a:prstGeom>
-              </p:spPr>
-              <p:txBody>
-                <a:bodyPr wrap="none" anchor="ctr">
-                  <a:spAutoFit/>
-                </a:bodyPr>
-                <a:lstStyle/>
-                <a:p>
-                  <a14:m>
-                    <m:oMathPara xmlns:m="http://schemas.openxmlformats.org/officeDocument/2006/math">
-                      <m:oMathParaPr>
-                        <m:jc m:val="centerGroup"/>
-                      </m:oMathParaPr>
-                      <m:oMath xmlns:m="http://schemas.openxmlformats.org/officeDocument/2006/math">
-                        <m:sSubSup>
-                          <m:sSubSupPr>
-                            <m:ctrlPr>
-                              <a:rPr lang="en-US" altLang="ko-KR" i="1">
-                                <a:latin typeface="Cambria Math" panose="02040503050406030204" pitchFamily="18" charset="0"/>
-                              </a:rPr>
-                            </m:ctrlPr>
-                          </m:sSubSupPr>
-                          <m:e>
-                            <m:r>
-                              <a:rPr lang="en-US" altLang="ko-KR" i="1">
-                                <a:latin typeface="Cambria Math" panose="02040503050406030204" pitchFamily="18" charset="0"/>
-                              </a:rPr>
-                              <m:t>h</m:t>
-                            </m:r>
-                          </m:e>
-                          <m:sub>
-                            <m:r>
-                              <a:rPr lang="en-US" altLang="ko-KR" i="1">
-                                <a:latin typeface="Cambria Math" panose="02040503050406030204" pitchFamily="18" charset="0"/>
-                              </a:rPr>
-                              <m:t>𝑡</m:t>
-                            </m:r>
-                            <m:r>
-                              <a:rPr lang="en-US" altLang="ko-KR" i="1">
-                                <a:latin typeface="Cambria Math" panose="02040503050406030204" pitchFamily="18" charset="0"/>
-                              </a:rPr>
-                              <m:t>−1</m:t>
-                            </m:r>
-                          </m:sub>
-                          <m:sup>
-                            <m:r>
-                              <a:rPr lang="en-US" altLang="ko-KR" i="1">
-                                <a:latin typeface="Cambria Math" panose="02040503050406030204" pitchFamily="18" charset="0"/>
-                              </a:rPr>
-                              <m:t>𝑏</m:t>
-                            </m:r>
-                          </m:sup>
-                        </m:sSubSup>
-                      </m:oMath>
-                    </m:oMathPara>
-                  </a14:m>
-                  <a:endParaRPr lang="ko-KR" altLang="en-US" dirty="0">
-                    <a:latin typeface="Times New Roman" panose="02020603050405020304" pitchFamily="18" charset="0"/>
-                    <a:cs typeface="Times New Roman" panose="02020603050405020304" pitchFamily="18" charset="0"/>
-                  </a:endParaRPr>
-                </a:p>
-              </p:txBody>
-            </p:sp>
-          </mc:Choice>
-          <mc:Fallback>
-            <p:sp>
-              <p:nvSpPr>
-                <p:cNvPr id="19" name="직사각형 18"/>
-                <p:cNvSpPr>
-                  <a:spLocks noRot="1" noChangeAspect="1" noMove="1" noResize="1" noEditPoints="1" noAdjustHandles="1" noChangeArrowheads="1" noChangeShapeType="1" noTextEdit="1"/>
-                </p:cNvSpPr>
-                <p:nvPr/>
-              </p:nvSpPr>
-              <p:spPr>
-                <a:xfrm>
-                  <a:off x="2569964" y="1248560"/>
-                  <a:ext cx="673198" cy="381195"/>
-                </a:xfrm>
-                <a:prstGeom prst="rect">
-                  <a:avLst/>
-                </a:prstGeom>
-                <a:blipFill>
-                  <a:blip r:embed="rId14"/>
-                  <a:stretch>
-                    <a:fillRect b="-3226"/>
-                  </a:stretch>
-                </a:blipFill>
-              </p:spPr>
-              <p:txBody>
-                <a:bodyPr/>
-                <a:lstStyle/>
-                <a:p>
-                  <a:r>
-                    <a:rPr lang="ko-KR" altLang="en-US">
-                      <a:noFill/>
-                    </a:rPr>
-                    <a:t> </a:t>
-                  </a:r>
-                </a:p>
-              </p:txBody>
-            </p:sp>
-          </mc:Fallback>
-        </mc:AlternateContent>
-        <mc:AlternateContent xmlns:mc="http://schemas.openxmlformats.org/markup-compatibility/2006">
-          <mc:Choice xmlns:a14="http://schemas.microsoft.com/office/drawing/2010/main" Requires="a14">
-            <p:sp>
-              <p:nvSpPr>
-                <p:cNvPr id="20" name="직사각형 19"/>
-                <p:cNvSpPr/>
-                <p:nvPr/>
-              </p:nvSpPr>
-              <p:spPr>
-                <a:xfrm>
-                  <a:off x="3599999" y="1078587"/>
-                  <a:ext cx="673198" cy="429220"/>
-                </a:xfrm>
-                <a:prstGeom prst="rect">
-                  <a:avLst/>
-                </a:prstGeom>
-              </p:spPr>
-              <p:txBody>
-                <a:bodyPr wrap="none" anchor="ctr">
-                  <a:spAutoFit/>
-                </a:bodyPr>
-                <a:lstStyle/>
-                <a:p>
-                  <a:pPr algn="ctr"/>
-                  <a14:m>
-                    <m:oMathPara xmlns:m="http://schemas.openxmlformats.org/officeDocument/2006/math">
-                      <m:oMathParaPr>
-                        <m:jc m:val="centerGroup"/>
-                      </m:oMathParaPr>
-                      <m:oMath xmlns:m="http://schemas.openxmlformats.org/officeDocument/2006/math">
-                        <m:sSubSup>
-                          <m:sSubSupPr>
-                            <m:ctrlPr>
-                              <a:rPr lang="en-US" altLang="ko-KR" i="1">
-                                <a:latin typeface="Cambria Math" panose="02040503050406030204" pitchFamily="18" charset="0"/>
-                              </a:rPr>
-                            </m:ctrlPr>
-                          </m:sSubSupPr>
-                          <m:e>
-                            <m:r>
-                              <a:rPr lang="en-US" altLang="ko-KR" i="1">
-                                <a:latin typeface="Cambria Math" panose="02040503050406030204" pitchFamily="18" charset="0"/>
-                              </a:rPr>
-                              <m:t>h</m:t>
-                            </m:r>
-                          </m:e>
-                          <m:sub>
-                            <m:r>
-                              <a:rPr lang="en-US" altLang="ko-KR" i="1">
-                                <a:latin typeface="Cambria Math" panose="02040503050406030204" pitchFamily="18" charset="0"/>
-                              </a:rPr>
-                              <m:t>𝑡</m:t>
-                            </m:r>
-                            <m:r>
-                              <a:rPr lang="en-US" altLang="ko-KR" i="1">
-                                <a:latin typeface="Cambria Math" panose="02040503050406030204" pitchFamily="18" charset="0"/>
-                              </a:rPr>
-                              <m:t>−1</m:t>
-                            </m:r>
-                          </m:sub>
-                          <m:sup>
-                            <m:r>
-                              <a:rPr lang="en-US" altLang="ko-KR" i="1">
-                                <a:latin typeface="Cambria Math" panose="02040503050406030204" pitchFamily="18" charset="0"/>
-                              </a:rPr>
-                              <m:t>𝑓</m:t>
-                            </m:r>
-                          </m:sup>
-                        </m:sSubSup>
-                      </m:oMath>
-                    </m:oMathPara>
-                  </a14:m>
-                  <a:endParaRPr lang="ko-KR" altLang="en-US" dirty="0">
-                    <a:latin typeface="Times New Roman" panose="02020603050405020304" pitchFamily="18" charset="0"/>
-                    <a:cs typeface="Times New Roman" panose="02020603050405020304" pitchFamily="18" charset="0"/>
-                  </a:endParaRPr>
-                </a:p>
-              </p:txBody>
-            </p:sp>
-          </mc:Choice>
-          <mc:Fallback>
-            <p:sp>
-              <p:nvSpPr>
-                <p:cNvPr id="20" name="직사각형 19"/>
-                <p:cNvSpPr>
-                  <a:spLocks noRot="1" noChangeAspect="1" noMove="1" noResize="1" noEditPoints="1" noAdjustHandles="1" noChangeArrowheads="1" noChangeShapeType="1" noTextEdit="1"/>
-                </p:cNvSpPr>
-                <p:nvPr/>
-              </p:nvSpPr>
-              <p:spPr>
-                <a:xfrm>
-                  <a:off x="3599999" y="1078587"/>
-                  <a:ext cx="673198" cy="429220"/>
-                </a:xfrm>
-                <a:prstGeom prst="rect">
-                  <a:avLst/>
-                </a:prstGeom>
-                <a:blipFill>
-                  <a:blip r:embed="rId15"/>
-                  <a:stretch>
-                    <a:fillRect b="-2857"/>
-                  </a:stretch>
-                </a:blipFill>
-              </p:spPr>
-              <p:txBody>
-                <a:bodyPr/>
-                <a:lstStyle/>
-                <a:p>
-                  <a:r>
-                    <a:rPr lang="ko-KR" altLang="en-US">
-                      <a:noFill/>
-                    </a:rPr>
-                    <a:t> </a:t>
-                  </a:r>
-                </a:p>
-              </p:txBody>
-            </p:sp>
-          </mc:Fallback>
-        </mc:AlternateContent>
-        <mc:AlternateContent xmlns:mc="http://schemas.openxmlformats.org/markup-compatibility/2006">
-          <mc:Choice xmlns:a14="http://schemas.microsoft.com/office/drawing/2010/main" Requires="a14">
-            <p:sp>
-              <p:nvSpPr>
-                <p:cNvPr id="25" name="직사각형 24"/>
-                <p:cNvSpPr/>
-                <p:nvPr/>
-              </p:nvSpPr>
-              <p:spPr>
-                <a:xfrm>
-                  <a:off x="4535814" y="1249402"/>
-                  <a:ext cx="489621" cy="378373"/>
-                </a:xfrm>
-                <a:prstGeom prst="rect">
-                  <a:avLst/>
-                </a:prstGeom>
-              </p:spPr>
-              <p:txBody>
-                <a:bodyPr wrap="none" anchor="ctr">
-                  <a:spAutoFit/>
-                </a:bodyPr>
-                <a:lstStyle/>
-                <a:p>
-                  <a14:m>
-                    <m:oMathPara xmlns:m="http://schemas.openxmlformats.org/officeDocument/2006/math">
-                      <m:oMathParaPr>
-                        <m:jc m:val="centerGroup"/>
-                      </m:oMathParaPr>
-                      <m:oMath xmlns:m="http://schemas.openxmlformats.org/officeDocument/2006/math">
-                        <m:sSubSup>
-                          <m:sSubSupPr>
-                            <m:ctrlPr>
-                              <a:rPr lang="en-US" altLang="ko-KR" i="1">
-                                <a:latin typeface="Cambria Math" panose="02040503050406030204" pitchFamily="18" charset="0"/>
-                              </a:rPr>
-                            </m:ctrlPr>
-                          </m:sSubSupPr>
-                          <m:e>
-                            <m:r>
-                              <a:rPr lang="en-US" altLang="ko-KR" i="1">
-                                <a:latin typeface="Cambria Math" panose="02040503050406030204" pitchFamily="18" charset="0"/>
-                              </a:rPr>
-                              <m:t>h</m:t>
-                            </m:r>
-                          </m:e>
-                          <m:sub>
-                            <m:r>
-                              <a:rPr lang="en-US" altLang="ko-KR" i="1">
-                                <a:latin typeface="Cambria Math" panose="02040503050406030204" pitchFamily="18" charset="0"/>
-                              </a:rPr>
-                              <m:t>𝑡</m:t>
-                            </m:r>
-                          </m:sub>
-                          <m:sup>
-                            <m:r>
-                              <a:rPr lang="en-US" altLang="ko-KR" i="1">
-                                <a:latin typeface="Cambria Math" panose="02040503050406030204" pitchFamily="18" charset="0"/>
-                              </a:rPr>
-                              <m:t>𝑏</m:t>
-                            </m:r>
-                          </m:sup>
-                        </m:sSubSup>
-                      </m:oMath>
-                    </m:oMathPara>
-                  </a14:m>
-                  <a:endParaRPr lang="ko-KR" altLang="en-US" dirty="0">
-                    <a:latin typeface="Times New Roman" panose="02020603050405020304" pitchFamily="18" charset="0"/>
-                    <a:cs typeface="Times New Roman" panose="02020603050405020304" pitchFamily="18" charset="0"/>
-                  </a:endParaRPr>
-                </a:p>
-              </p:txBody>
-            </p:sp>
-          </mc:Choice>
-          <mc:Fallback>
-            <p:sp>
-              <p:nvSpPr>
-                <p:cNvPr id="25" name="직사각형 24"/>
-                <p:cNvSpPr>
-                  <a:spLocks noRot="1" noChangeAspect="1" noMove="1" noResize="1" noEditPoints="1" noAdjustHandles="1" noChangeArrowheads="1" noChangeShapeType="1" noTextEdit="1"/>
-                </p:cNvSpPr>
-                <p:nvPr/>
-              </p:nvSpPr>
-              <p:spPr>
-                <a:xfrm>
-                  <a:off x="4535814" y="1249402"/>
-                  <a:ext cx="489621" cy="378373"/>
-                </a:xfrm>
-                <a:prstGeom prst="rect">
-                  <a:avLst/>
-                </a:prstGeom>
-                <a:blipFill>
-                  <a:blip r:embed="rId16"/>
-                  <a:stretch>
-                    <a:fillRect b="-3226"/>
-                  </a:stretch>
-                </a:blipFill>
-              </p:spPr>
-              <p:txBody>
-                <a:bodyPr/>
-                <a:lstStyle/>
-                <a:p>
-                  <a:r>
-                    <a:rPr lang="ko-KR" altLang="en-US">
-                      <a:noFill/>
-                    </a:rPr>
-                    <a:t> </a:t>
-                  </a:r>
-                </a:p>
-              </p:txBody>
-            </p:sp>
-          </mc:Fallback>
-        </mc:AlternateContent>
-        <mc:AlternateContent xmlns:mc="http://schemas.openxmlformats.org/markup-compatibility/2006">
-          <mc:Choice xmlns:a14="http://schemas.microsoft.com/office/drawing/2010/main" Requires="a14">
-            <p:sp>
-              <p:nvSpPr>
-                <p:cNvPr id="60" name="직사각형 59"/>
-                <p:cNvSpPr/>
-                <p:nvPr/>
-              </p:nvSpPr>
-              <p:spPr>
-                <a:xfrm>
-                  <a:off x="6166801" y="1246580"/>
-                  <a:ext cx="673198" cy="381195"/>
-                </a:xfrm>
-                <a:prstGeom prst="rect">
-                  <a:avLst/>
-                </a:prstGeom>
-              </p:spPr>
-              <p:txBody>
-                <a:bodyPr wrap="none" anchor="ctr">
-                  <a:spAutoFit/>
-                </a:bodyPr>
-                <a:lstStyle/>
-                <a:p>
-                  <a:pPr algn="ctr"/>
-                  <a14:m>
-                    <m:oMathPara xmlns:m="http://schemas.openxmlformats.org/officeDocument/2006/math">
-                      <m:oMathParaPr>
-                        <m:jc m:val="centerGroup"/>
-                      </m:oMathParaPr>
-                      <m:oMath xmlns:m="http://schemas.openxmlformats.org/officeDocument/2006/math">
-                        <m:sSubSup>
-                          <m:sSubSupPr>
-                            <m:ctrlPr>
-                              <a:rPr lang="en-US" altLang="ko-KR" i="1">
-                                <a:latin typeface="Cambria Math" panose="02040503050406030204" pitchFamily="18" charset="0"/>
-                              </a:rPr>
-                            </m:ctrlPr>
-                          </m:sSubSupPr>
-                          <m:e>
-                            <m:r>
-                              <a:rPr lang="en-US" altLang="ko-KR" i="1">
-                                <a:latin typeface="Cambria Math" panose="02040503050406030204" pitchFamily="18" charset="0"/>
-                              </a:rPr>
-                              <m:t>h</m:t>
-                            </m:r>
-                          </m:e>
-                          <m:sub>
-                            <m:r>
-                              <a:rPr lang="en-US" altLang="ko-KR" i="1">
-                                <a:latin typeface="Cambria Math" panose="02040503050406030204" pitchFamily="18" charset="0"/>
-                              </a:rPr>
-                              <m:t>𝑡</m:t>
-                            </m:r>
-                            <m:r>
-                              <a:rPr lang="en-US" altLang="ko-KR" i="1">
-                                <a:latin typeface="Cambria Math" panose="02040503050406030204" pitchFamily="18" charset="0"/>
-                              </a:rPr>
-                              <m:t>+1</m:t>
-                            </m:r>
-                          </m:sub>
-                          <m:sup>
-                            <m:r>
-                              <a:rPr lang="en-US" altLang="ko-KR" i="1">
-                                <a:latin typeface="Cambria Math" panose="02040503050406030204" pitchFamily="18" charset="0"/>
-                              </a:rPr>
-                              <m:t>𝑏</m:t>
-                            </m:r>
-                          </m:sup>
-                        </m:sSubSup>
-                      </m:oMath>
-                    </m:oMathPara>
-                  </a14:m>
-                  <a:endParaRPr lang="ko-KR" altLang="en-US" dirty="0">
-                    <a:latin typeface="Times New Roman" panose="02020603050405020304" pitchFamily="18" charset="0"/>
-                    <a:cs typeface="Times New Roman" panose="02020603050405020304" pitchFamily="18" charset="0"/>
-                  </a:endParaRPr>
-                </a:p>
-              </p:txBody>
-            </p:sp>
-          </mc:Choice>
-          <mc:Fallback>
-            <p:sp>
-              <p:nvSpPr>
-                <p:cNvPr id="60" name="직사각형 59"/>
-                <p:cNvSpPr>
-                  <a:spLocks noRot="1" noChangeAspect="1" noMove="1" noResize="1" noEditPoints="1" noAdjustHandles="1" noChangeArrowheads="1" noChangeShapeType="1" noTextEdit="1"/>
-                </p:cNvSpPr>
-                <p:nvPr/>
-              </p:nvSpPr>
-              <p:spPr>
-                <a:xfrm>
-                  <a:off x="6166801" y="1246580"/>
-                  <a:ext cx="673198" cy="381195"/>
-                </a:xfrm>
-                <a:prstGeom prst="rect">
-                  <a:avLst/>
-                </a:prstGeom>
-                <a:blipFill>
-                  <a:blip r:embed="rId17"/>
-                  <a:stretch>
-                    <a:fillRect b="-3175"/>
-                  </a:stretch>
-                </a:blipFill>
-              </p:spPr>
-              <p:txBody>
-                <a:bodyPr/>
-                <a:lstStyle/>
-                <a:p>
-                  <a:r>
-                    <a:rPr lang="ko-KR" altLang="en-US">
-                      <a:noFill/>
-                    </a:rPr>
-                    <a:t> </a:t>
-                  </a:r>
-                </a:p>
-              </p:txBody>
-            </p:sp>
-          </mc:Fallback>
-        </mc:AlternateContent>
-        <mc:AlternateContent xmlns:mc="http://schemas.openxmlformats.org/markup-compatibility/2006">
-          <mc:Choice xmlns:a14="http://schemas.microsoft.com/office/drawing/2010/main" Requires="a14">
-            <p:sp>
-              <p:nvSpPr>
-                <p:cNvPr id="61" name="직사각형 60"/>
-                <p:cNvSpPr/>
-                <p:nvPr/>
-              </p:nvSpPr>
-              <p:spPr>
-                <a:xfrm>
-                  <a:off x="5397596" y="1079998"/>
-                  <a:ext cx="496161" cy="427809"/>
-                </a:xfrm>
-                <a:prstGeom prst="rect">
-                  <a:avLst/>
-                </a:prstGeom>
-              </p:spPr>
-              <p:txBody>
-                <a:bodyPr wrap="none" anchor="ctr">
-                  <a:spAutoFit/>
-                </a:bodyPr>
-                <a:lstStyle/>
-                <a:p>
-                  <a:pPr algn="ctr"/>
-                  <a14:m>
-                    <m:oMathPara xmlns:m="http://schemas.openxmlformats.org/officeDocument/2006/math">
-                      <m:oMathParaPr>
-                        <m:jc m:val="centerGroup"/>
-                      </m:oMathParaPr>
-                      <m:oMath xmlns:m="http://schemas.openxmlformats.org/officeDocument/2006/math">
-                        <m:sSubSup>
-                          <m:sSubSupPr>
-                            <m:ctrlPr>
-                              <a:rPr lang="en-US" altLang="ko-KR" i="1">
-                                <a:latin typeface="Cambria Math" panose="02040503050406030204" pitchFamily="18" charset="0"/>
-                              </a:rPr>
-                            </m:ctrlPr>
-                          </m:sSubSupPr>
-                          <m:e>
-                            <m:r>
-                              <a:rPr lang="en-US" altLang="ko-KR" i="1">
-                                <a:latin typeface="Cambria Math" panose="02040503050406030204" pitchFamily="18" charset="0"/>
-                              </a:rPr>
-                              <m:t>h</m:t>
-                            </m:r>
-                          </m:e>
-                          <m:sub>
-                            <m:r>
-                              <a:rPr lang="en-US" altLang="ko-KR" i="1">
-                                <a:latin typeface="Cambria Math" panose="02040503050406030204" pitchFamily="18" charset="0"/>
-                              </a:rPr>
-                              <m:t>𝑡</m:t>
-                            </m:r>
-                          </m:sub>
-                          <m:sup>
-                            <m:r>
-                              <a:rPr lang="en-US" altLang="ko-KR" i="1">
-                                <a:latin typeface="Cambria Math" panose="02040503050406030204" pitchFamily="18" charset="0"/>
-                              </a:rPr>
-                              <m:t>𝑓</m:t>
-                            </m:r>
-                          </m:sup>
-                        </m:sSubSup>
-                      </m:oMath>
-                    </m:oMathPara>
-                  </a14:m>
-                  <a:endParaRPr lang="ko-KR" altLang="en-US" dirty="0">
-                    <a:latin typeface="Times New Roman" panose="02020603050405020304" pitchFamily="18" charset="0"/>
-                    <a:cs typeface="Times New Roman" panose="02020603050405020304" pitchFamily="18" charset="0"/>
-                  </a:endParaRPr>
-                </a:p>
-              </p:txBody>
-            </p:sp>
-          </mc:Choice>
-          <mc:Fallback>
-            <p:sp>
-              <p:nvSpPr>
-                <p:cNvPr id="61" name="직사각형 60"/>
-                <p:cNvSpPr>
-                  <a:spLocks noRot="1" noChangeAspect="1" noMove="1" noResize="1" noEditPoints="1" noAdjustHandles="1" noChangeArrowheads="1" noChangeShapeType="1" noTextEdit="1"/>
-                </p:cNvSpPr>
-                <p:nvPr/>
-              </p:nvSpPr>
-              <p:spPr>
-                <a:xfrm>
-                  <a:off x="5397596" y="1079998"/>
-                  <a:ext cx="496161" cy="427809"/>
-                </a:xfrm>
-                <a:prstGeom prst="rect">
-                  <a:avLst/>
-                </a:prstGeom>
-                <a:blipFill>
-                  <a:blip r:embed="rId18"/>
-                  <a:stretch>
-                    <a:fillRect b="-2857"/>
-                  </a:stretch>
-                </a:blipFill>
-              </p:spPr>
-              <p:txBody>
-                <a:bodyPr/>
-                <a:lstStyle/>
-                <a:p>
-                  <a:r>
-                    <a:rPr lang="ko-KR" altLang="en-US">
-                      <a:noFill/>
-                    </a:rPr>
-                    <a:t> </a:t>
-                  </a:r>
-                </a:p>
-              </p:txBody>
-            </p:sp>
-          </mc:Fallback>
-        </mc:AlternateContent>
-        <mc:AlternateContent xmlns:mc="http://schemas.openxmlformats.org/markup-compatibility/2006">
-          <mc:Choice xmlns:a14="http://schemas.microsoft.com/office/drawing/2010/main" Requires="a14">
-            <p:sp>
-              <p:nvSpPr>
-                <p:cNvPr id="62" name="직사각형 61"/>
-                <p:cNvSpPr/>
-                <p:nvPr/>
-              </p:nvSpPr>
-              <p:spPr>
-                <a:xfrm>
-                  <a:off x="7199999" y="1079998"/>
-                  <a:ext cx="673198" cy="429220"/>
-                </a:xfrm>
-                <a:prstGeom prst="rect">
-                  <a:avLst/>
-                </a:prstGeom>
-              </p:spPr>
-              <p:txBody>
-                <a:bodyPr wrap="none" anchor="ctr">
-                  <a:spAutoFit/>
-                </a:bodyPr>
-                <a:lstStyle/>
-                <a:p>
-                  <a:pPr algn="ctr"/>
-                  <a14:m>
-                    <m:oMathPara xmlns:m="http://schemas.openxmlformats.org/officeDocument/2006/math">
-                      <m:oMathParaPr>
-                        <m:jc m:val="centerGroup"/>
-                      </m:oMathParaPr>
-                      <m:oMath xmlns:m="http://schemas.openxmlformats.org/officeDocument/2006/math">
-                        <m:sSubSup>
-                          <m:sSubSupPr>
-                            <m:ctrlPr>
-                              <a:rPr lang="en-US" altLang="ko-KR" i="1">
-                                <a:latin typeface="Cambria Math" panose="02040503050406030204" pitchFamily="18" charset="0"/>
-                              </a:rPr>
-                            </m:ctrlPr>
-                          </m:sSubSupPr>
-                          <m:e>
-                            <m:r>
-                              <a:rPr lang="en-US" altLang="ko-KR" i="1">
-                                <a:latin typeface="Cambria Math" panose="02040503050406030204" pitchFamily="18" charset="0"/>
-                              </a:rPr>
-                              <m:t>h</m:t>
-                            </m:r>
-                          </m:e>
-                          <m:sub>
-                            <m:r>
-                              <a:rPr lang="en-US" altLang="ko-KR" i="1">
-                                <a:latin typeface="Cambria Math" panose="02040503050406030204" pitchFamily="18" charset="0"/>
-                              </a:rPr>
-                              <m:t>𝑡</m:t>
-                            </m:r>
-                            <m:r>
-                              <a:rPr lang="en-US" altLang="ko-KR" i="1">
-                                <a:latin typeface="Cambria Math" panose="02040503050406030204" pitchFamily="18" charset="0"/>
-                              </a:rPr>
-                              <m:t>+1</m:t>
-                            </m:r>
-                          </m:sub>
-                          <m:sup>
-                            <m:r>
-                              <a:rPr lang="en-US" altLang="ko-KR" i="1">
-                                <a:latin typeface="Cambria Math" panose="02040503050406030204" pitchFamily="18" charset="0"/>
-                              </a:rPr>
-                              <m:t>𝑓</m:t>
-                            </m:r>
-                          </m:sup>
-                        </m:sSubSup>
-                      </m:oMath>
-                    </m:oMathPara>
-                  </a14:m>
-                  <a:endParaRPr lang="ko-KR" altLang="en-US" dirty="0">
-                    <a:latin typeface="Times New Roman" panose="02020603050405020304" pitchFamily="18" charset="0"/>
-                    <a:cs typeface="Times New Roman" panose="02020603050405020304" pitchFamily="18" charset="0"/>
-                  </a:endParaRPr>
-                </a:p>
-              </p:txBody>
-            </p:sp>
-          </mc:Choice>
-          <mc:Fallback>
-            <p:sp>
-              <p:nvSpPr>
-                <p:cNvPr id="62" name="직사각형 61"/>
-                <p:cNvSpPr>
-                  <a:spLocks noRot="1" noChangeAspect="1" noMove="1" noResize="1" noEditPoints="1" noAdjustHandles="1" noChangeArrowheads="1" noChangeShapeType="1" noTextEdit="1"/>
-                </p:cNvSpPr>
-                <p:nvPr/>
-              </p:nvSpPr>
-              <p:spPr>
-                <a:xfrm>
-                  <a:off x="7199999" y="1079998"/>
-                  <a:ext cx="673198" cy="429220"/>
-                </a:xfrm>
-                <a:prstGeom prst="rect">
-                  <a:avLst/>
-                </a:prstGeom>
-                <a:blipFill>
-                  <a:blip r:embed="rId19"/>
-                  <a:stretch>
-                    <a:fillRect b="-2817"/>
-                  </a:stretch>
-                </a:blipFill>
-              </p:spPr>
-              <p:txBody>
-                <a:bodyPr/>
-                <a:lstStyle/>
-                <a:p>
-                  <a:r>
-                    <a:rPr lang="ko-KR" altLang="en-US">
-                      <a:noFill/>
-                    </a:rPr>
-                    <a:t> </a:t>
-                  </a:r>
-                </a:p>
-              </p:txBody>
-            </p:sp>
-          </mc:Fallback>
-        </mc:AlternateContent>
-      </p:grpSp>
-    </p:spTree>
-    <p:extLst>
-      <p:ext uri="{BB962C8B-B14F-4D97-AF65-F5344CB8AC3E}">
-        <p14:creationId xmlns:p14="http://schemas.microsoft.com/office/powerpoint/2010/main" val="2308280461"/>
-      </p:ext>
-    </p:extLst>
-  </p:cSld>
-  <p:clrMapOvr>
-    <a:masterClrMapping/>
-  </p:clrMapOvr>
+  <p:timing>
+    <p:tnLst>
+      <p:par>
+        <p:cTn id="1" dur="indefinite" restart="never" nodeType="tmRoot"/>
+      </p:par>
+    </p:tnLst>
+  </p:timing>
 </p:sld>
 </file>
 

--- a/changgyu_참고자료/자료.pptx
+++ b/changgyu_참고자료/자료.pptx
@@ -7,9 +7,7 @@
   <p:sldIdLst>
     <p:sldId id="256" r:id="rId2"/>
     <p:sldId id="258" r:id="rId3"/>
-    <p:sldId id="257" r:id="rId4"/>
-    <p:sldId id="260" r:id="rId5"/>
-    <p:sldId id="261" r:id="rId6"/>
+    <p:sldId id="261" r:id="rId4"/>
   </p:sldIdLst>
   <p:sldSz cx="9144000" cy="6858000" type="screen4x3"/>
   <p:notesSz cx="6858000" cy="9144000"/>
@@ -247,7 +245,7 @@
           <a:p>
             <a:fld id="{1922C581-59D4-4B56-B830-B70E24B99D7C}" type="datetimeFigureOut">
               <a:rPr lang="ko-KR" altLang="en-US" smtClean="0"/>
-              <a:t>2019-01-04</a:t>
+              <a:t>2019-01-06</a:t>
             </a:fld>
             <a:endParaRPr lang="ko-KR" altLang="en-US"/>
           </a:p>
@@ -417,7 +415,7 @@
           <a:p>
             <a:fld id="{1922C581-59D4-4B56-B830-B70E24B99D7C}" type="datetimeFigureOut">
               <a:rPr lang="ko-KR" altLang="en-US" smtClean="0"/>
-              <a:t>2019-01-04</a:t>
+              <a:t>2019-01-06</a:t>
             </a:fld>
             <a:endParaRPr lang="ko-KR" altLang="en-US"/>
           </a:p>
@@ -597,7 +595,7 @@
           <a:p>
             <a:fld id="{1922C581-59D4-4B56-B830-B70E24B99D7C}" type="datetimeFigureOut">
               <a:rPr lang="ko-KR" altLang="en-US" smtClean="0"/>
-              <a:t>2019-01-04</a:t>
+              <a:t>2019-01-06</a:t>
             </a:fld>
             <a:endParaRPr lang="ko-KR" altLang="en-US"/>
           </a:p>
@@ -767,7 +765,7 @@
           <a:p>
             <a:fld id="{1922C581-59D4-4B56-B830-B70E24B99D7C}" type="datetimeFigureOut">
               <a:rPr lang="ko-KR" altLang="en-US" smtClean="0"/>
-              <a:t>2019-01-04</a:t>
+              <a:t>2019-01-06</a:t>
             </a:fld>
             <a:endParaRPr lang="ko-KR" altLang="en-US"/>
           </a:p>
@@ -1011,7 +1009,7 @@
           <a:p>
             <a:fld id="{1922C581-59D4-4B56-B830-B70E24B99D7C}" type="datetimeFigureOut">
               <a:rPr lang="ko-KR" altLang="en-US" smtClean="0"/>
-              <a:t>2019-01-04</a:t>
+              <a:t>2019-01-06</a:t>
             </a:fld>
             <a:endParaRPr lang="ko-KR" altLang="en-US"/>
           </a:p>
@@ -1243,7 +1241,7 @@
           <a:p>
             <a:fld id="{1922C581-59D4-4B56-B830-B70E24B99D7C}" type="datetimeFigureOut">
               <a:rPr lang="ko-KR" altLang="en-US" smtClean="0"/>
-              <a:t>2019-01-04</a:t>
+              <a:t>2019-01-06</a:t>
             </a:fld>
             <a:endParaRPr lang="ko-KR" altLang="en-US"/>
           </a:p>
@@ -1610,7 +1608,7 @@
           <a:p>
             <a:fld id="{1922C581-59D4-4B56-B830-B70E24B99D7C}" type="datetimeFigureOut">
               <a:rPr lang="ko-KR" altLang="en-US" smtClean="0"/>
-              <a:t>2019-01-04</a:t>
+              <a:t>2019-01-06</a:t>
             </a:fld>
             <a:endParaRPr lang="ko-KR" altLang="en-US"/>
           </a:p>
@@ -1728,7 +1726,7 @@
           <a:p>
             <a:fld id="{1922C581-59D4-4B56-B830-B70E24B99D7C}" type="datetimeFigureOut">
               <a:rPr lang="ko-KR" altLang="en-US" smtClean="0"/>
-              <a:t>2019-01-04</a:t>
+              <a:t>2019-01-06</a:t>
             </a:fld>
             <a:endParaRPr lang="ko-KR" altLang="en-US"/>
           </a:p>
@@ -1823,7 +1821,7 @@
           <a:p>
             <a:fld id="{1922C581-59D4-4B56-B830-B70E24B99D7C}" type="datetimeFigureOut">
               <a:rPr lang="ko-KR" altLang="en-US" smtClean="0"/>
-              <a:t>2019-01-04</a:t>
+              <a:t>2019-01-06</a:t>
             </a:fld>
             <a:endParaRPr lang="ko-KR" altLang="en-US"/>
           </a:p>
@@ -2100,7 +2098,7 @@
           <a:p>
             <a:fld id="{1922C581-59D4-4B56-B830-B70E24B99D7C}" type="datetimeFigureOut">
               <a:rPr lang="ko-KR" altLang="en-US" smtClean="0"/>
-              <a:t>2019-01-04</a:t>
+              <a:t>2019-01-06</a:t>
             </a:fld>
             <a:endParaRPr lang="ko-KR" altLang="en-US"/>
           </a:p>
@@ -2357,7 +2355,7 @@
           <a:p>
             <a:fld id="{1922C581-59D4-4B56-B830-B70E24B99D7C}" type="datetimeFigureOut">
               <a:rPr lang="ko-KR" altLang="en-US" smtClean="0"/>
-              <a:t>2019-01-04</a:t>
+              <a:t>2019-01-06</a:t>
             </a:fld>
             <a:endParaRPr lang="ko-KR" altLang="en-US"/>
           </a:p>
@@ -2570,7 +2568,7 @@
           <a:p>
             <a:fld id="{1922C581-59D4-4B56-B830-B70E24B99D7C}" type="datetimeFigureOut">
               <a:rPr lang="ko-KR" altLang="en-US" smtClean="0"/>
-              <a:t>2019-01-04</a:t>
+              <a:t>2019-01-06</a:t>
             </a:fld>
             <a:endParaRPr lang="ko-KR" altLang="en-US"/>
           </a:p>
@@ -5761,1234 +5759,6 @@
 </file>
 
 <file path=ppt/slides/slide3.xml><?xml version="1.0" encoding="utf-8"?>
-<p:sld xmlns:a="http://schemas.openxmlformats.org/drawingml/2006/main" xmlns:r="http://schemas.openxmlformats.org/officeDocument/2006/relationships" xmlns:p="http://schemas.openxmlformats.org/presentationml/2006/main">
-  <p:cSld>
-    <p:spTree>
-      <p:nvGrpSpPr>
-        <p:cNvPr id="1" name=""/>
-        <p:cNvGrpSpPr/>
-        <p:nvPr/>
-      </p:nvGrpSpPr>
-      <p:grpSpPr>
-        <a:xfrm>
-          <a:off x="0" y="0"/>
-          <a:ext cx="0" cy="0"/>
-          <a:chOff x="0" y="0"/>
-          <a:chExt cx="0" cy="0"/>
-        </a:xfrm>
-      </p:grpSpPr>
-      <p:grpSp>
-        <p:nvGrpSpPr>
-          <p:cNvPr id="116" name="그룹 115"/>
-          <p:cNvGrpSpPr/>
-          <p:nvPr/>
-        </p:nvGrpSpPr>
-        <p:grpSpPr>
-          <a:xfrm>
-            <a:off x="2463301" y="2297700"/>
-            <a:ext cx="4216040" cy="2263529"/>
-            <a:chOff x="4134289" y="3179761"/>
-            <a:chExt cx="5621387" cy="3018038"/>
-          </a:xfrm>
-        </p:grpSpPr>
-        <p:sp>
-          <p:nvSpPr>
-            <p:cNvPr id="57" name="모서리가 둥근 직사각형 56"/>
-            <p:cNvSpPr/>
-            <p:nvPr/>
-          </p:nvSpPr>
-          <p:spPr>
-            <a:xfrm>
-              <a:off x="6450488" y="5297799"/>
-              <a:ext cx="1368000" cy="720000"/>
-            </a:xfrm>
-            <a:prstGeom prst="roundRect">
-              <a:avLst/>
-            </a:prstGeom>
-            <a:noFill/>
-            <a:ln>
-              <a:solidFill>
-                <a:schemeClr val="tx1"/>
-              </a:solidFill>
-            </a:ln>
-          </p:spPr>
-          <p:style>
-            <a:lnRef idx="2">
-              <a:schemeClr val="accent1">
-                <a:shade val="50000"/>
-              </a:schemeClr>
-            </a:lnRef>
-            <a:fillRef idx="1">
-              <a:schemeClr val="accent1"/>
-            </a:fillRef>
-            <a:effectRef idx="0">
-              <a:schemeClr val="accent1"/>
-            </a:effectRef>
-            <a:fontRef idx="minor">
-              <a:schemeClr val="lt1"/>
-            </a:fontRef>
-          </p:style>
-          <p:txBody>
-            <a:bodyPr rtlCol="0" anchor="ctr"/>
-            <a:lstStyle/>
-            <a:p>
-              <a:pPr algn="ctr"/>
-              <a:r>
-                <a:rPr lang="en-US" altLang="ko-KR" sz="825" b="1" dirty="0">
-                  <a:solidFill>
-                    <a:schemeClr val="tx1"/>
-                  </a:solidFill>
-                  <a:latin typeface="Times New Roman" panose="02020603050405020304" pitchFamily="18" charset="0"/>
-                  <a:cs typeface="Times New Roman" panose="02020603050405020304" pitchFamily="18" charset="0"/>
-                </a:rPr>
-                <a:t>Global position receiving thread</a:t>
-              </a:r>
-              <a:endParaRPr lang="ko-KR" altLang="en-US" sz="825" b="1" dirty="0">
-                <a:solidFill>
-                  <a:schemeClr val="tx1"/>
-                </a:solidFill>
-                <a:latin typeface="Times New Roman" panose="02020603050405020304" pitchFamily="18" charset="0"/>
-                <a:cs typeface="Times New Roman" panose="02020603050405020304" pitchFamily="18" charset="0"/>
-              </a:endParaRPr>
-            </a:p>
-          </p:txBody>
-        </p:sp>
-        <p:sp>
-          <p:nvSpPr>
-            <p:cNvPr id="58" name="모서리가 둥근 직사각형 57"/>
-            <p:cNvSpPr/>
-            <p:nvPr/>
-          </p:nvSpPr>
-          <p:spPr>
-            <a:xfrm>
-              <a:off x="8315676" y="4345190"/>
-              <a:ext cx="1440000" cy="1080000"/>
-            </a:xfrm>
-            <a:prstGeom prst="roundRect">
-              <a:avLst/>
-            </a:prstGeom>
-            <a:noFill/>
-            <a:ln>
-              <a:solidFill>
-                <a:schemeClr val="tx1"/>
-              </a:solidFill>
-            </a:ln>
-          </p:spPr>
-          <p:style>
-            <a:lnRef idx="2">
-              <a:schemeClr val="accent1">
-                <a:shade val="50000"/>
-              </a:schemeClr>
-            </a:lnRef>
-            <a:fillRef idx="1">
-              <a:schemeClr val="accent1"/>
-            </a:fillRef>
-            <a:effectRef idx="0">
-              <a:schemeClr val="accent1"/>
-            </a:effectRef>
-            <a:fontRef idx="minor">
-              <a:schemeClr val="lt1"/>
-            </a:fontRef>
-          </p:style>
-          <p:txBody>
-            <a:bodyPr rtlCol="0" anchor="ctr"/>
-            <a:lstStyle/>
-            <a:p>
-              <a:pPr algn="ctr"/>
-              <a:r>
-                <a:rPr lang="en-US" altLang="ko-KR" sz="900" b="1" dirty="0">
-                  <a:solidFill>
-                    <a:schemeClr val="tx1"/>
-                  </a:solidFill>
-                  <a:latin typeface="Times New Roman" panose="02020603050405020304" pitchFamily="18" charset="0"/>
-                  <a:cs typeface="Times New Roman" panose="02020603050405020304" pitchFamily="18" charset="0"/>
-                </a:rPr>
-                <a:t>Concatenating</a:t>
-              </a:r>
-            </a:p>
-            <a:p>
-              <a:pPr algn="ctr"/>
-              <a:r>
-                <a:rPr lang="en-US" altLang="ko-KR" sz="900" b="1" dirty="0">
-                  <a:solidFill>
-                    <a:schemeClr val="tx1"/>
-                  </a:solidFill>
-                  <a:latin typeface="Times New Roman" panose="02020603050405020304" pitchFamily="18" charset="0"/>
-                  <a:cs typeface="Times New Roman" panose="02020603050405020304" pitchFamily="18" charset="0"/>
-                </a:rPr>
-                <a:t>and</a:t>
-              </a:r>
-            </a:p>
-            <a:p>
-              <a:pPr algn="ctr"/>
-              <a:r>
-                <a:rPr lang="en-US" altLang="ko-KR" sz="900" b="1" dirty="0">
-                  <a:solidFill>
-                    <a:schemeClr val="tx1"/>
-                  </a:solidFill>
-                  <a:latin typeface="Times New Roman" panose="02020603050405020304" pitchFamily="18" charset="0"/>
-                  <a:cs typeface="Times New Roman" panose="02020603050405020304" pitchFamily="18" charset="0"/>
-                </a:rPr>
-                <a:t>saving thread</a:t>
-              </a:r>
-              <a:endParaRPr lang="ko-KR" altLang="en-US" sz="900" b="1" dirty="0">
-                <a:solidFill>
-                  <a:schemeClr val="tx1"/>
-                </a:solidFill>
-                <a:latin typeface="Times New Roman" panose="02020603050405020304" pitchFamily="18" charset="0"/>
-                <a:cs typeface="Times New Roman" panose="02020603050405020304" pitchFamily="18" charset="0"/>
-              </a:endParaRPr>
-            </a:p>
-          </p:txBody>
-        </p:sp>
-        <p:sp>
-          <p:nvSpPr>
-            <p:cNvPr id="62" name="모서리가 둥근 직사각형 61"/>
-            <p:cNvSpPr/>
-            <p:nvPr/>
-          </p:nvSpPr>
-          <p:spPr>
-            <a:xfrm>
-              <a:off x="6450488" y="3720495"/>
-              <a:ext cx="1368000" cy="720000"/>
-            </a:xfrm>
-            <a:prstGeom prst="roundRect">
-              <a:avLst/>
-            </a:prstGeom>
-            <a:noFill/>
-            <a:ln>
-              <a:solidFill>
-                <a:schemeClr val="tx1"/>
-              </a:solidFill>
-            </a:ln>
-          </p:spPr>
-          <p:style>
-            <a:lnRef idx="2">
-              <a:schemeClr val="accent1">
-                <a:shade val="50000"/>
-              </a:schemeClr>
-            </a:lnRef>
-            <a:fillRef idx="1">
-              <a:schemeClr val="accent1"/>
-            </a:fillRef>
-            <a:effectRef idx="0">
-              <a:schemeClr val="accent1"/>
-            </a:effectRef>
-            <a:fontRef idx="minor">
-              <a:schemeClr val="lt1"/>
-            </a:fontRef>
-          </p:style>
-          <p:txBody>
-            <a:bodyPr rtlCol="0" anchor="ctr"/>
-            <a:lstStyle/>
-            <a:p>
-              <a:pPr algn="ctr"/>
-              <a:r>
-                <a:rPr lang="en-US" altLang="ko-KR" sz="825" b="1" dirty="0">
-                  <a:solidFill>
-                    <a:schemeClr val="tx1"/>
-                  </a:solidFill>
-                  <a:latin typeface="Times New Roman" panose="02020603050405020304" pitchFamily="18" charset="0"/>
-                  <a:cs typeface="Times New Roman" panose="02020603050405020304" pitchFamily="18" charset="0"/>
-                </a:rPr>
-                <a:t>UWB distance receiving thread</a:t>
-              </a:r>
-              <a:endParaRPr lang="ko-KR" altLang="en-US" sz="825" b="1" dirty="0">
-                <a:solidFill>
-                  <a:schemeClr val="tx1"/>
-                </a:solidFill>
-                <a:latin typeface="Times New Roman" panose="02020603050405020304" pitchFamily="18" charset="0"/>
-                <a:cs typeface="Times New Roman" panose="02020603050405020304" pitchFamily="18" charset="0"/>
-              </a:endParaRPr>
-            </a:p>
-          </p:txBody>
-        </p:sp>
-        <p:cxnSp>
-          <p:nvCxnSpPr>
-            <p:cNvPr id="9" name="꺾인 연결선 8"/>
-            <p:cNvCxnSpPr>
-              <a:stCxn id="57" idx="3"/>
-              <a:endCxn id="58" idx="1"/>
-            </p:cNvCxnSpPr>
-            <p:nvPr/>
-          </p:nvCxnSpPr>
-          <p:spPr>
-            <a:xfrm flipV="1">
-              <a:off x="7818488" y="4885190"/>
-              <a:ext cx="497188" cy="772609"/>
-            </a:xfrm>
-            <a:prstGeom prst="bentConnector3">
-              <a:avLst>
-                <a:gd name="adj1" fmla="val 50000"/>
-              </a:avLst>
-            </a:prstGeom>
-            <a:ln>
-              <a:solidFill>
-                <a:schemeClr val="tx1"/>
-              </a:solidFill>
-              <a:tailEnd type="triangle"/>
-            </a:ln>
-          </p:spPr>
-          <p:style>
-            <a:lnRef idx="1">
-              <a:schemeClr val="accent1"/>
-            </a:lnRef>
-            <a:fillRef idx="0">
-              <a:schemeClr val="accent1"/>
-            </a:fillRef>
-            <a:effectRef idx="0">
-              <a:schemeClr val="accent1"/>
-            </a:effectRef>
-            <a:fontRef idx="minor">
-              <a:schemeClr val="tx1"/>
-            </a:fontRef>
-          </p:style>
-        </p:cxnSp>
-        <p:cxnSp>
-          <p:nvCxnSpPr>
-            <p:cNvPr id="11" name="꺾인 연결선 10"/>
-            <p:cNvCxnSpPr>
-              <a:stCxn id="62" idx="3"/>
-              <a:endCxn id="58" idx="1"/>
-            </p:cNvCxnSpPr>
-            <p:nvPr/>
-          </p:nvCxnSpPr>
-          <p:spPr>
-            <a:xfrm>
-              <a:off x="7818488" y="4080495"/>
-              <a:ext cx="497188" cy="804695"/>
-            </a:xfrm>
-            <a:prstGeom prst="bentConnector3">
-              <a:avLst>
-                <a:gd name="adj1" fmla="val 50000"/>
-              </a:avLst>
-            </a:prstGeom>
-            <a:ln>
-              <a:solidFill>
-                <a:schemeClr val="tx1"/>
-              </a:solidFill>
-              <a:tailEnd type="triangle"/>
-            </a:ln>
-          </p:spPr>
-          <p:style>
-            <a:lnRef idx="1">
-              <a:schemeClr val="accent1"/>
-            </a:lnRef>
-            <a:fillRef idx="0">
-              <a:schemeClr val="accent1"/>
-            </a:fillRef>
-            <a:effectRef idx="0">
-              <a:schemeClr val="accent1"/>
-            </a:effectRef>
-            <a:fontRef idx="minor">
-              <a:schemeClr val="tx1"/>
-            </a:fontRef>
-          </p:style>
-        </p:cxnSp>
-        <p:grpSp>
-          <p:nvGrpSpPr>
-            <p:cNvPr id="99" name="그룹 98"/>
-            <p:cNvGrpSpPr/>
-            <p:nvPr/>
-          </p:nvGrpSpPr>
-          <p:grpSpPr>
-            <a:xfrm>
-              <a:off x="5114613" y="3179761"/>
-              <a:ext cx="1132051" cy="1434495"/>
-              <a:chOff x="4213970" y="3179761"/>
-              <a:chExt cx="1132051" cy="1434495"/>
-            </a:xfrm>
-          </p:grpSpPr>
-          <p:pic>
-            <p:nvPicPr>
-              <p:cNvPr id="34" name="그림 33"/>
-              <p:cNvPicPr>
-                <a:picLocks/>
-              </p:cNvPicPr>
-              <p:nvPr/>
-            </p:nvPicPr>
-            <p:blipFill>
-              <a:blip r:embed="rId2" cstate="print">
-                <a:extLst>
-                  <a:ext uri="{28A0092B-C50C-407E-A947-70E740481C1C}">
-                    <a14:useLocalDpi xmlns:a14="http://schemas.microsoft.com/office/drawing/2010/main" val="0"/>
-                  </a:ext>
-                </a:extLst>
-              </a:blip>
-              <a:stretch>
-                <a:fillRect/>
-              </a:stretch>
-            </p:blipFill>
-            <p:spPr>
-              <a:xfrm>
-                <a:off x="4329996" y="3534256"/>
-                <a:ext cx="900000" cy="1080000"/>
-              </a:xfrm>
-              <a:prstGeom prst="rect">
-                <a:avLst/>
-              </a:prstGeom>
-              <a:ln>
-                <a:solidFill>
-                  <a:schemeClr val="tx1"/>
-                </a:solidFill>
-              </a:ln>
-            </p:spPr>
-          </p:pic>
-          <p:sp>
-            <p:nvSpPr>
-              <p:cNvPr id="36" name="타원 35"/>
-              <p:cNvSpPr/>
-              <p:nvPr/>
-            </p:nvSpPr>
-            <p:spPr>
-              <a:xfrm>
-                <a:off x="4559046" y="3533030"/>
-                <a:ext cx="424501" cy="284082"/>
-              </a:xfrm>
-              <a:prstGeom prst="ellipse">
-                <a:avLst/>
-              </a:prstGeom>
-              <a:noFill/>
-              <a:ln w="19050">
-                <a:solidFill>
-                  <a:srgbClr val="002060"/>
-                </a:solidFill>
-              </a:ln>
-            </p:spPr>
-            <p:style>
-              <a:lnRef idx="2">
-                <a:schemeClr val="accent1">
-                  <a:shade val="50000"/>
-                </a:schemeClr>
-              </a:lnRef>
-              <a:fillRef idx="1">
-                <a:schemeClr val="accent1"/>
-              </a:fillRef>
-              <a:effectRef idx="0">
-                <a:schemeClr val="accent1"/>
-              </a:effectRef>
-              <a:fontRef idx="minor">
-                <a:schemeClr val="lt1"/>
-              </a:fontRef>
-            </p:style>
-            <p:txBody>
-              <a:bodyPr rtlCol="0" anchor="ctr"/>
-              <a:lstStyle/>
-              <a:p>
-                <a:pPr algn="ctr"/>
-                <a:endParaRPr lang="ko-KR" altLang="en-US" sz="1350">
-                  <a:latin typeface="Times New Roman" panose="02020603050405020304" pitchFamily="18" charset="0"/>
-                  <a:cs typeface="Times New Roman" panose="02020603050405020304" pitchFamily="18" charset="0"/>
-                </a:endParaRPr>
-              </a:p>
-            </p:txBody>
-          </p:sp>
-          <p:cxnSp>
-            <p:nvCxnSpPr>
-              <p:cNvPr id="37" name="직선 화살표 연결선 36"/>
-              <p:cNvCxnSpPr>
-                <a:stCxn id="36" idx="0"/>
-                <a:endCxn id="38" idx="2"/>
-              </p:cNvCxnSpPr>
-              <p:nvPr/>
-            </p:nvCxnSpPr>
-            <p:spPr>
-              <a:xfrm flipV="1">
-                <a:off x="4771297" y="3472149"/>
-                <a:ext cx="8699" cy="60881"/>
-              </a:xfrm>
-              <a:prstGeom prst="straightConnector1">
-                <a:avLst/>
-              </a:prstGeom>
-              <a:ln>
-                <a:solidFill>
-                  <a:srgbClr val="002060"/>
-                </a:solidFill>
-                <a:tailEnd type="triangle"/>
-              </a:ln>
-            </p:spPr>
-            <p:style>
-              <a:lnRef idx="1">
-                <a:schemeClr val="accent1"/>
-              </a:lnRef>
-              <a:fillRef idx="0">
-                <a:schemeClr val="accent1"/>
-              </a:fillRef>
-              <a:effectRef idx="0">
-                <a:schemeClr val="accent1"/>
-              </a:effectRef>
-              <a:fontRef idx="minor">
-                <a:schemeClr val="tx1"/>
-              </a:fontRef>
-            </p:style>
-          </p:cxnSp>
-          <p:sp>
-            <p:nvSpPr>
-              <p:cNvPr id="38" name="TextBox 37"/>
-              <p:cNvSpPr txBox="1"/>
-              <p:nvPr/>
-            </p:nvSpPr>
-            <p:spPr>
-              <a:xfrm>
-                <a:off x="4213970" y="3179761"/>
-                <a:ext cx="1132051" cy="292388"/>
-              </a:xfrm>
-              <a:prstGeom prst="rect">
-                <a:avLst/>
-              </a:prstGeom>
-              <a:noFill/>
-            </p:spPr>
-            <p:txBody>
-              <a:bodyPr wrap="square" rtlCol="0">
-                <a:spAutoFit/>
-              </a:bodyPr>
-              <a:lstStyle/>
-              <a:p>
-                <a:pPr algn="ctr"/>
-                <a:r>
-                  <a:rPr lang="en-US" altLang="ko-KR" sz="825" dirty="0">
-                    <a:solidFill>
-                      <a:srgbClr val="002060"/>
-                    </a:solidFill>
-                    <a:latin typeface="Times New Roman" panose="02020603050405020304" pitchFamily="18" charset="0"/>
-                    <a:ea typeface="배달의민족 주아" panose="02020603020101020101" pitchFamily="18" charset="-127"/>
-                    <a:cs typeface="Times New Roman" panose="02020603050405020304" pitchFamily="18" charset="0"/>
-                  </a:rPr>
-                  <a:t>UWB tag</a:t>
-                </a:r>
-                <a:endParaRPr lang="ko-KR" altLang="en-US" sz="825" dirty="0">
-                  <a:solidFill>
-                    <a:srgbClr val="002060"/>
-                  </a:solidFill>
-                  <a:latin typeface="Times New Roman" panose="02020603050405020304" pitchFamily="18" charset="0"/>
-                  <a:ea typeface="배달의민족 주아" panose="02020603020101020101" pitchFamily="18" charset="-127"/>
-                  <a:cs typeface="Times New Roman" panose="02020603050405020304" pitchFamily="18" charset="0"/>
-                </a:endParaRPr>
-              </a:p>
-            </p:txBody>
-          </p:sp>
-        </p:grpSp>
-        <p:pic>
-          <p:nvPicPr>
-            <p:cNvPr id="54" name="그림 53"/>
-            <p:cNvPicPr>
-              <a:picLocks/>
-            </p:cNvPicPr>
-            <p:nvPr/>
-          </p:nvPicPr>
-          <p:blipFill>
-            <a:blip r:embed="rId3"/>
-            <a:stretch>
-              <a:fillRect/>
-            </a:stretch>
-          </p:blipFill>
-          <p:spPr>
-            <a:xfrm>
-              <a:off x="4329996" y="5117799"/>
-              <a:ext cx="1800000" cy="1080000"/>
-            </a:xfrm>
-            <a:prstGeom prst="rect">
-              <a:avLst/>
-            </a:prstGeom>
-            <a:ln>
-              <a:solidFill>
-                <a:schemeClr val="tx1"/>
-              </a:solidFill>
-            </a:ln>
-          </p:spPr>
-        </p:pic>
-        <p:sp>
-          <p:nvSpPr>
-            <p:cNvPr id="51" name="직사각형 50"/>
-            <p:cNvSpPr/>
-            <p:nvPr/>
-          </p:nvSpPr>
-          <p:spPr>
-            <a:xfrm>
-              <a:off x="4379657" y="4754385"/>
-              <a:ext cx="1549997" cy="292388"/>
-            </a:xfrm>
-            <a:prstGeom prst="rect">
-              <a:avLst/>
-            </a:prstGeom>
-          </p:spPr>
-          <p:txBody>
-            <a:bodyPr wrap="none">
-              <a:spAutoFit/>
-            </a:bodyPr>
-            <a:lstStyle/>
-            <a:p>
-              <a:pPr algn="ctr"/>
-              <a:r>
-                <a:rPr lang="en-US" altLang="ko-KR" sz="825" dirty="0">
-                  <a:solidFill>
-                    <a:srgbClr val="002060"/>
-                  </a:solidFill>
-                  <a:latin typeface="Times New Roman" panose="02020603050405020304" pitchFamily="18" charset="0"/>
-                  <a:ea typeface="배달의민족 주아"/>
-                  <a:cs typeface="Times New Roman" panose="02020603050405020304" pitchFamily="18" charset="0"/>
-                </a:rPr>
-                <a:t>Motion capture camera</a:t>
-              </a:r>
-              <a:endParaRPr lang="ko-KR" altLang="en-US" sz="825" dirty="0">
-                <a:solidFill>
-                  <a:srgbClr val="002060"/>
-                </a:solidFill>
-                <a:latin typeface="Times New Roman" panose="02020603050405020304" pitchFamily="18" charset="0"/>
-                <a:cs typeface="Times New Roman" panose="02020603050405020304" pitchFamily="18" charset="0"/>
-              </a:endParaRPr>
-            </a:p>
-          </p:txBody>
-        </p:sp>
-        <p:sp>
-          <p:nvSpPr>
-            <p:cNvPr id="52" name="타원 51"/>
-            <p:cNvSpPr/>
-            <p:nvPr/>
-          </p:nvSpPr>
-          <p:spPr>
-            <a:xfrm>
-              <a:off x="5613025" y="5463259"/>
-              <a:ext cx="359059" cy="352846"/>
-            </a:xfrm>
-            <a:prstGeom prst="ellipse">
-              <a:avLst/>
-            </a:prstGeom>
-            <a:noFill/>
-            <a:ln w="19050">
-              <a:solidFill>
-                <a:srgbClr val="002060"/>
-              </a:solidFill>
-            </a:ln>
-          </p:spPr>
-          <p:style>
-            <a:lnRef idx="2">
-              <a:schemeClr val="accent1">
-                <a:shade val="50000"/>
-              </a:schemeClr>
-            </a:lnRef>
-            <a:fillRef idx="1">
-              <a:schemeClr val="accent1"/>
-            </a:fillRef>
-            <a:effectRef idx="0">
-              <a:schemeClr val="accent1"/>
-            </a:effectRef>
-            <a:fontRef idx="minor">
-              <a:schemeClr val="lt1"/>
-            </a:fontRef>
-          </p:style>
-          <p:txBody>
-            <a:bodyPr rtlCol="0" anchor="ctr"/>
-            <a:lstStyle/>
-            <a:p>
-              <a:pPr algn="ctr"/>
-              <a:endParaRPr lang="ko-KR" altLang="en-US" sz="1350">
-                <a:latin typeface="Times New Roman" panose="02020603050405020304" pitchFamily="18" charset="0"/>
-                <a:cs typeface="Times New Roman" panose="02020603050405020304" pitchFamily="18" charset="0"/>
-              </a:endParaRPr>
-            </a:p>
-          </p:txBody>
-        </p:sp>
-        <p:cxnSp>
-          <p:nvCxnSpPr>
-            <p:cNvPr id="53" name="직선 화살표 연결선 52"/>
-            <p:cNvCxnSpPr>
-              <a:stCxn id="52" idx="0"/>
-              <a:endCxn id="51" idx="2"/>
-            </p:cNvCxnSpPr>
-            <p:nvPr/>
-          </p:nvCxnSpPr>
-          <p:spPr>
-            <a:xfrm flipH="1" flipV="1">
-              <a:off x="5154656" y="5046773"/>
-              <a:ext cx="637899" cy="416487"/>
-            </a:xfrm>
-            <a:prstGeom prst="straightConnector1">
-              <a:avLst/>
-            </a:prstGeom>
-            <a:ln>
-              <a:solidFill>
-                <a:srgbClr val="002060"/>
-              </a:solidFill>
-              <a:tailEnd type="triangle"/>
-            </a:ln>
-          </p:spPr>
-          <p:style>
-            <a:lnRef idx="1">
-              <a:schemeClr val="accent1"/>
-            </a:lnRef>
-            <a:fillRef idx="0">
-              <a:schemeClr val="accent1"/>
-            </a:fillRef>
-            <a:effectRef idx="0">
-              <a:schemeClr val="accent1"/>
-            </a:effectRef>
-            <a:fontRef idx="minor">
-              <a:schemeClr val="tx1"/>
-            </a:fontRef>
-          </p:style>
-        </p:cxnSp>
-        <p:cxnSp>
-          <p:nvCxnSpPr>
-            <p:cNvPr id="92" name="직선 화살표 연결선 91"/>
-            <p:cNvCxnSpPr>
-              <a:stCxn id="34" idx="3"/>
-              <a:endCxn id="62" idx="1"/>
-            </p:cNvCxnSpPr>
-            <p:nvPr/>
-          </p:nvCxnSpPr>
-          <p:spPr>
-            <a:xfrm>
-              <a:off x="6130639" y="4074256"/>
-              <a:ext cx="319849" cy="6239"/>
-            </a:xfrm>
-            <a:prstGeom prst="straightConnector1">
-              <a:avLst/>
-            </a:prstGeom>
-            <a:ln w="6350">
-              <a:solidFill>
-                <a:schemeClr val="tx1"/>
-              </a:solidFill>
-              <a:tailEnd type="triangle"/>
-            </a:ln>
-          </p:spPr>
-          <p:style>
-            <a:lnRef idx="1">
-              <a:schemeClr val="accent1"/>
-            </a:lnRef>
-            <a:fillRef idx="0">
-              <a:schemeClr val="accent1"/>
-            </a:fillRef>
-            <a:effectRef idx="0">
-              <a:schemeClr val="accent1"/>
-            </a:effectRef>
-            <a:fontRef idx="minor">
-              <a:schemeClr val="tx1"/>
-            </a:fontRef>
-          </p:style>
-        </p:cxnSp>
-        <p:cxnSp>
-          <p:nvCxnSpPr>
-            <p:cNvPr id="94" name="직선 화살표 연결선 93"/>
-            <p:cNvCxnSpPr>
-              <a:stCxn id="54" idx="3"/>
-              <a:endCxn id="57" idx="1"/>
-            </p:cNvCxnSpPr>
-            <p:nvPr/>
-          </p:nvCxnSpPr>
-          <p:spPr>
-            <a:xfrm>
-              <a:off x="6129996" y="5657799"/>
-              <a:ext cx="320492" cy="0"/>
-            </a:xfrm>
-            <a:prstGeom prst="straightConnector1">
-              <a:avLst/>
-            </a:prstGeom>
-            <a:ln w="6350">
-              <a:solidFill>
-                <a:schemeClr val="tx1"/>
-              </a:solidFill>
-              <a:tailEnd type="triangle"/>
-            </a:ln>
-          </p:spPr>
-          <p:style>
-            <a:lnRef idx="1">
-              <a:schemeClr val="accent1"/>
-            </a:lnRef>
-            <a:fillRef idx="0">
-              <a:schemeClr val="accent1"/>
-            </a:fillRef>
-            <a:effectRef idx="0">
-              <a:schemeClr val="accent1"/>
-            </a:effectRef>
-            <a:fontRef idx="minor">
-              <a:schemeClr val="tx1"/>
-            </a:fontRef>
-          </p:style>
-        </p:cxnSp>
-        <p:cxnSp>
-          <p:nvCxnSpPr>
-            <p:cNvPr id="98" name="직선 연결선 97"/>
-            <p:cNvCxnSpPr>
-              <a:stCxn id="110" idx="3"/>
-              <a:endCxn id="34" idx="1"/>
-            </p:cNvCxnSpPr>
-            <p:nvPr/>
-          </p:nvCxnSpPr>
-          <p:spPr>
-            <a:xfrm>
-              <a:off x="5042143" y="4074256"/>
-              <a:ext cx="188496" cy="0"/>
-            </a:xfrm>
-            <a:prstGeom prst="line">
-              <a:avLst/>
-            </a:prstGeom>
-            <a:ln>
-              <a:solidFill>
-                <a:schemeClr val="tx1"/>
-              </a:solidFill>
-            </a:ln>
-          </p:spPr>
-          <p:style>
-            <a:lnRef idx="1">
-              <a:schemeClr val="accent1"/>
-            </a:lnRef>
-            <a:fillRef idx="0">
-              <a:schemeClr val="accent1"/>
-            </a:fillRef>
-            <a:effectRef idx="0">
-              <a:schemeClr val="accent1"/>
-            </a:effectRef>
-            <a:fontRef idx="minor">
-              <a:schemeClr val="tx1"/>
-            </a:fontRef>
-          </p:style>
-        </p:cxnSp>
-        <p:grpSp>
-          <p:nvGrpSpPr>
-            <p:cNvPr id="109" name="그룹 108"/>
-            <p:cNvGrpSpPr/>
-            <p:nvPr/>
-          </p:nvGrpSpPr>
-          <p:grpSpPr>
-            <a:xfrm>
-              <a:off x="4134289" y="3179761"/>
-              <a:ext cx="1095707" cy="1434495"/>
-              <a:chOff x="5222142" y="3179761"/>
-              <a:chExt cx="1095707" cy="1434495"/>
-            </a:xfrm>
-          </p:grpSpPr>
-          <p:pic>
-            <p:nvPicPr>
-              <p:cNvPr id="110" name="그림 109"/>
-              <p:cNvPicPr>
-                <a:picLocks/>
-              </p:cNvPicPr>
-              <p:nvPr/>
-            </p:nvPicPr>
-            <p:blipFill>
-              <a:blip r:embed="rId4" cstate="print">
-                <a:extLst>
-                  <a:ext uri="{28A0092B-C50C-407E-A947-70E740481C1C}">
-                    <a14:useLocalDpi xmlns:a14="http://schemas.microsoft.com/office/drawing/2010/main" val="0"/>
-                  </a:ext>
-                </a:extLst>
-              </a:blip>
-              <a:stretch>
-                <a:fillRect/>
-              </a:stretch>
-            </p:blipFill>
-            <p:spPr>
-              <a:xfrm>
-                <a:off x="5409996" y="3534256"/>
-                <a:ext cx="720000" cy="1080000"/>
-              </a:xfrm>
-              <a:prstGeom prst="rect">
-                <a:avLst/>
-              </a:prstGeom>
-              <a:ln>
-                <a:solidFill>
-                  <a:schemeClr val="tx1"/>
-                </a:solidFill>
-              </a:ln>
-            </p:spPr>
-          </p:pic>
-          <p:sp>
-            <p:nvSpPr>
-              <p:cNvPr id="111" name="타원 110"/>
-              <p:cNvSpPr/>
-              <p:nvPr/>
-            </p:nvSpPr>
-            <p:spPr>
-              <a:xfrm>
-                <a:off x="5567273" y="3633434"/>
-                <a:ext cx="403264" cy="274172"/>
-              </a:xfrm>
-              <a:prstGeom prst="ellipse">
-                <a:avLst/>
-              </a:prstGeom>
-              <a:noFill/>
-              <a:ln w="19050">
-                <a:solidFill>
-                  <a:srgbClr val="002060"/>
-                </a:solidFill>
-              </a:ln>
-            </p:spPr>
-            <p:style>
-              <a:lnRef idx="2">
-                <a:schemeClr val="accent1">
-                  <a:shade val="50000"/>
-                </a:schemeClr>
-              </a:lnRef>
-              <a:fillRef idx="1">
-                <a:schemeClr val="accent1"/>
-              </a:fillRef>
-              <a:effectRef idx="0">
-                <a:schemeClr val="accent1"/>
-              </a:effectRef>
-              <a:fontRef idx="minor">
-                <a:schemeClr val="lt1"/>
-              </a:fontRef>
-            </p:style>
-            <p:txBody>
-              <a:bodyPr rtlCol="0" anchor="ctr"/>
-              <a:lstStyle/>
-              <a:p>
-                <a:pPr algn="ctr"/>
-                <a:endParaRPr lang="ko-KR" altLang="en-US" sz="1350">
-                  <a:latin typeface="Times New Roman" panose="02020603050405020304" pitchFamily="18" charset="0"/>
-                  <a:cs typeface="Times New Roman" panose="02020603050405020304" pitchFamily="18" charset="0"/>
-                </a:endParaRPr>
-              </a:p>
-            </p:txBody>
-          </p:sp>
-          <p:sp>
-            <p:nvSpPr>
-              <p:cNvPr id="112" name="TextBox 111"/>
-              <p:cNvSpPr txBox="1"/>
-              <p:nvPr/>
-            </p:nvSpPr>
-            <p:spPr>
-              <a:xfrm>
-                <a:off x="5222142" y="3179761"/>
-                <a:ext cx="1095707" cy="292388"/>
-              </a:xfrm>
-              <a:prstGeom prst="rect">
-                <a:avLst/>
-              </a:prstGeom>
-              <a:noFill/>
-            </p:spPr>
-            <p:txBody>
-              <a:bodyPr wrap="square" rtlCol="0">
-                <a:spAutoFit/>
-              </a:bodyPr>
-              <a:lstStyle/>
-              <a:p>
-                <a:pPr algn="ctr"/>
-                <a:r>
-                  <a:rPr lang="en-US" altLang="ko-KR" sz="825" dirty="0">
-                    <a:solidFill>
-                      <a:srgbClr val="002060"/>
-                    </a:solidFill>
-                    <a:latin typeface="Times New Roman" panose="02020603050405020304" pitchFamily="18" charset="0"/>
-                    <a:ea typeface="배달의민족 주아" panose="02020603020101020101" pitchFamily="18" charset="-127"/>
-                    <a:cs typeface="Times New Roman" panose="02020603050405020304" pitchFamily="18" charset="0"/>
-                  </a:rPr>
-                  <a:t>UWB anchor</a:t>
-                </a:r>
-                <a:endParaRPr lang="ko-KR" altLang="en-US" sz="825" dirty="0">
-                  <a:solidFill>
-                    <a:srgbClr val="002060"/>
-                  </a:solidFill>
-                  <a:latin typeface="Times New Roman" panose="02020603050405020304" pitchFamily="18" charset="0"/>
-                  <a:ea typeface="배달의민족 주아" panose="02020603020101020101" pitchFamily="18" charset="-127"/>
-                  <a:cs typeface="Times New Roman" panose="02020603050405020304" pitchFamily="18" charset="0"/>
-                </a:endParaRPr>
-              </a:p>
-            </p:txBody>
-          </p:sp>
-          <p:cxnSp>
-            <p:nvCxnSpPr>
-              <p:cNvPr id="113" name="직선 화살표 연결선 112"/>
-              <p:cNvCxnSpPr>
-                <a:stCxn id="111" idx="0"/>
-                <a:endCxn id="112" idx="2"/>
-              </p:cNvCxnSpPr>
-              <p:nvPr/>
-            </p:nvCxnSpPr>
-            <p:spPr>
-              <a:xfrm flipV="1">
-                <a:off x="5768905" y="3472149"/>
-                <a:ext cx="1091" cy="161285"/>
-              </a:xfrm>
-              <a:prstGeom prst="straightConnector1">
-                <a:avLst/>
-              </a:prstGeom>
-              <a:ln>
-                <a:solidFill>
-                  <a:srgbClr val="002060"/>
-                </a:solidFill>
-                <a:tailEnd type="triangle"/>
-              </a:ln>
-            </p:spPr>
-            <p:style>
-              <a:lnRef idx="1">
-                <a:schemeClr val="accent1"/>
-              </a:lnRef>
-              <a:fillRef idx="0">
-                <a:schemeClr val="accent1"/>
-              </a:fillRef>
-              <a:effectRef idx="0">
-                <a:schemeClr val="accent1"/>
-              </a:effectRef>
-              <a:fontRef idx="minor">
-                <a:schemeClr val="tx1"/>
-              </a:fontRef>
-            </p:style>
-          </p:cxnSp>
-        </p:grpSp>
-      </p:grpSp>
-    </p:spTree>
-    <p:extLst>
-      <p:ext uri="{BB962C8B-B14F-4D97-AF65-F5344CB8AC3E}">
-        <p14:creationId xmlns:p14="http://schemas.microsoft.com/office/powerpoint/2010/main" val="3783132296"/>
-      </p:ext>
-    </p:extLst>
-  </p:cSld>
-  <p:clrMapOvr>
-    <a:masterClrMapping/>
-  </p:clrMapOvr>
-  <p:timing>
-    <p:tnLst>
-      <p:par>
-        <p:cTn id="1" dur="indefinite" restart="never" nodeType="tmRoot"/>
-      </p:par>
-    </p:tnLst>
-  </p:timing>
-</p:sld>
-</file>
-
-<file path=ppt/slides/slide4.xml><?xml version="1.0" encoding="utf-8"?>
-<p:sld xmlns:a="http://schemas.openxmlformats.org/drawingml/2006/main" xmlns:r="http://schemas.openxmlformats.org/officeDocument/2006/relationships" xmlns:p="http://schemas.openxmlformats.org/presentationml/2006/main">
-  <p:cSld>
-    <p:spTree>
-      <p:nvGrpSpPr>
-        <p:cNvPr id="1" name=""/>
-        <p:cNvGrpSpPr/>
-        <p:nvPr/>
-      </p:nvGrpSpPr>
-      <p:grpSpPr>
-        <a:xfrm>
-          <a:off x="0" y="0"/>
-          <a:ext cx="0" cy="0"/>
-          <a:chOff x="0" y="0"/>
-          <a:chExt cx="0" cy="0"/>
-        </a:xfrm>
-      </p:grpSpPr>
-      <p:grpSp>
-        <p:nvGrpSpPr>
-          <p:cNvPr id="4" name="그룹 3"/>
-          <p:cNvGrpSpPr/>
-          <p:nvPr/>
-        </p:nvGrpSpPr>
-        <p:grpSpPr>
-          <a:xfrm>
-            <a:off x="2142000" y="1285201"/>
-            <a:ext cx="4860458" cy="4286612"/>
-            <a:chOff x="719390" y="297759"/>
-            <a:chExt cx="6480610" cy="5715483"/>
-          </a:xfrm>
-        </p:grpSpPr>
-        <p:grpSp>
-          <p:nvGrpSpPr>
-            <p:cNvPr id="3" name="그룹 2"/>
-            <p:cNvGrpSpPr/>
-            <p:nvPr/>
-          </p:nvGrpSpPr>
-          <p:grpSpPr>
-            <a:xfrm>
-              <a:off x="3423310" y="5833242"/>
-              <a:ext cx="1073380" cy="180000"/>
-              <a:chOff x="3415862" y="5665076"/>
-              <a:chExt cx="1073380" cy="180000"/>
-            </a:xfrm>
-          </p:grpSpPr>
-          <p:sp>
-            <p:nvSpPr>
-              <p:cNvPr id="2" name="타원 1"/>
-              <p:cNvSpPr/>
-              <p:nvPr/>
-            </p:nvSpPr>
-            <p:spPr>
-              <a:xfrm>
-                <a:off x="3415862" y="5665076"/>
-                <a:ext cx="180000" cy="180000"/>
-              </a:xfrm>
-              <a:prstGeom prst="ellipse">
-                <a:avLst/>
-              </a:prstGeom>
-              <a:solidFill>
-                <a:schemeClr val="tx1"/>
-              </a:solidFill>
-              <a:ln>
-                <a:solidFill>
-                  <a:schemeClr val="tx1"/>
-                </a:solidFill>
-              </a:ln>
-            </p:spPr>
-            <p:style>
-              <a:lnRef idx="2">
-                <a:schemeClr val="accent1">
-                  <a:shade val="50000"/>
-                </a:schemeClr>
-              </a:lnRef>
-              <a:fillRef idx="1">
-                <a:schemeClr val="accent1"/>
-              </a:fillRef>
-              <a:effectRef idx="0">
-                <a:schemeClr val="accent1"/>
-              </a:effectRef>
-              <a:fontRef idx="minor">
-                <a:schemeClr val="lt1"/>
-              </a:fontRef>
-            </p:style>
-            <p:txBody>
-              <a:bodyPr rtlCol="0" anchor="ctr"/>
-              <a:lstStyle/>
-              <a:p>
-                <a:pPr algn="ctr"/>
-                <a:endParaRPr lang="ko-KR" altLang="en-US" sz="1350"/>
-              </a:p>
-            </p:txBody>
-          </p:sp>
-          <p:sp>
-            <p:nvSpPr>
-              <p:cNvPr id="8" name="타원 7"/>
-              <p:cNvSpPr/>
-              <p:nvPr/>
-            </p:nvSpPr>
-            <p:spPr>
-              <a:xfrm>
-                <a:off x="3862552" y="5665076"/>
-                <a:ext cx="180000" cy="180000"/>
-              </a:xfrm>
-              <a:prstGeom prst="ellipse">
-                <a:avLst/>
-              </a:prstGeom>
-              <a:solidFill>
-                <a:schemeClr val="tx1"/>
-              </a:solidFill>
-              <a:ln>
-                <a:solidFill>
-                  <a:schemeClr val="tx1"/>
-                </a:solidFill>
-              </a:ln>
-            </p:spPr>
-            <p:style>
-              <a:lnRef idx="2">
-                <a:schemeClr val="accent1">
-                  <a:shade val="50000"/>
-                </a:schemeClr>
-              </a:lnRef>
-              <a:fillRef idx="1">
-                <a:schemeClr val="accent1"/>
-              </a:fillRef>
-              <a:effectRef idx="0">
-                <a:schemeClr val="accent1"/>
-              </a:effectRef>
-              <a:fontRef idx="minor">
-                <a:schemeClr val="lt1"/>
-              </a:fontRef>
-            </p:style>
-            <p:txBody>
-              <a:bodyPr rtlCol="0" anchor="ctr"/>
-              <a:lstStyle/>
-              <a:p>
-                <a:pPr algn="ctr"/>
-                <a:endParaRPr lang="ko-KR" altLang="en-US" sz="1350"/>
-              </a:p>
-            </p:txBody>
-          </p:sp>
-          <p:sp>
-            <p:nvSpPr>
-              <p:cNvPr id="9" name="타원 8"/>
-              <p:cNvSpPr/>
-              <p:nvPr/>
-            </p:nvSpPr>
-            <p:spPr>
-              <a:xfrm>
-                <a:off x="4309242" y="5665076"/>
-                <a:ext cx="180000" cy="180000"/>
-              </a:xfrm>
-              <a:prstGeom prst="ellipse">
-                <a:avLst/>
-              </a:prstGeom>
-              <a:solidFill>
-                <a:schemeClr val="tx1"/>
-              </a:solidFill>
-              <a:ln>
-                <a:solidFill>
-                  <a:schemeClr val="tx1"/>
-                </a:solidFill>
-              </a:ln>
-            </p:spPr>
-            <p:style>
-              <a:lnRef idx="2">
-                <a:schemeClr val="accent1">
-                  <a:shade val="50000"/>
-                </a:schemeClr>
-              </a:lnRef>
-              <a:fillRef idx="1">
-                <a:schemeClr val="accent1"/>
-              </a:fillRef>
-              <a:effectRef idx="0">
-                <a:schemeClr val="accent1"/>
-              </a:effectRef>
-              <a:fontRef idx="minor">
-                <a:schemeClr val="lt1"/>
-              </a:fontRef>
-            </p:style>
-            <p:txBody>
-              <a:bodyPr rtlCol="0" anchor="ctr"/>
-              <a:lstStyle/>
-              <a:p>
-                <a:pPr algn="ctr"/>
-                <a:endParaRPr lang="ko-KR" altLang="en-US" sz="1350"/>
-              </a:p>
-            </p:txBody>
-          </p:sp>
-        </p:grpSp>
-        <p:pic>
-          <p:nvPicPr>
-            <p:cNvPr id="17" name="그림 16"/>
-            <p:cNvPicPr>
-              <a:picLocks noChangeAspect="1"/>
-            </p:cNvPicPr>
-            <p:nvPr/>
-          </p:nvPicPr>
-          <p:blipFill>
-            <a:blip r:embed="rId2">
-              <a:extLst>
-                <a:ext uri="{BEBA8EAE-BF5A-486C-A8C5-ECC9F3942E4B}">
-                  <a14:imgProps xmlns:a14="http://schemas.microsoft.com/office/drawing/2010/main">
-                    <a14:imgLayer r:embed="rId3">
-                      <a14:imgEffect>
-                        <a14:artisticPhotocopy/>
-                      </a14:imgEffect>
-                    </a14:imgLayer>
-                  </a14:imgProps>
-                </a:ext>
-              </a:extLst>
-            </a:blip>
-            <a:stretch>
-              <a:fillRect/>
-            </a:stretch>
-          </p:blipFill>
-          <p:spPr>
-            <a:xfrm>
-              <a:off x="719390" y="297759"/>
-              <a:ext cx="6480610" cy="5041829"/>
-            </a:xfrm>
-            <a:prstGeom prst="rect">
-              <a:avLst/>
-            </a:prstGeom>
-          </p:spPr>
-        </p:pic>
-      </p:grpSp>
-    </p:spTree>
-    <p:extLst>
-      <p:ext uri="{BB962C8B-B14F-4D97-AF65-F5344CB8AC3E}">
-        <p14:creationId xmlns:p14="http://schemas.microsoft.com/office/powerpoint/2010/main" val="1043437216"/>
-      </p:ext>
-    </p:extLst>
-  </p:cSld>
-  <p:clrMapOvr>
-    <a:masterClrMapping/>
-  </p:clrMapOvr>
-</p:sld>
-</file>
-
-<file path=ppt/slides/slide5.xml><?xml version="1.0" encoding="utf-8"?>
 <p:sld xmlns:a="http://schemas.openxmlformats.org/drawingml/2006/main" xmlns:r="http://schemas.openxmlformats.org/officeDocument/2006/relationships" xmlns:p="http://schemas.openxmlformats.org/presentationml/2006/main">
   <p:cSld>
     <p:spTree>
